--- a/Vision 02-27-18/Truth & Beauty.pptx
+++ b/Vision 02-27-18/Truth & Beauty.pptx
@@ -7,13 +7,14 @@
   <p:sldIdLst>
     <p:sldId id="257" r:id="rId2"/>
     <p:sldId id="256" r:id="rId3"/>
-    <p:sldId id="258" r:id="rId4"/>
-    <p:sldId id="259" r:id="rId5"/>
-    <p:sldId id="260" r:id="rId6"/>
-    <p:sldId id="261" r:id="rId7"/>
-    <p:sldId id="262" r:id="rId8"/>
-    <p:sldId id="263" r:id="rId9"/>
-    <p:sldId id="264" r:id="rId10"/>
+    <p:sldId id="265" r:id="rId4"/>
+    <p:sldId id="258" r:id="rId5"/>
+    <p:sldId id="259" r:id="rId6"/>
+    <p:sldId id="260" r:id="rId7"/>
+    <p:sldId id="261" r:id="rId8"/>
+    <p:sldId id="262" r:id="rId9"/>
+    <p:sldId id="263" r:id="rId10"/>
+    <p:sldId id="264" r:id="rId11"/>
   </p:sldIdLst>
   <p:sldSz cx="12192000" cy="6858000"/>
   <p:notesSz cx="6858000" cy="9144000"/>
@@ -4010,7 +4011,7 @@
           <a:p>
             <a:fld id="{2178D830-3F43-4FD1-8429-BB0A4D09BA8E}" type="datetimeFigureOut">
               <a:rPr lang="en-US" smtClean="0"/>
-              <a:t>2/27/2018</a:t>
+              <a:t>2/28/2018</a:t>
             </a:fld>
             <a:endParaRPr lang="en-US"/>
           </a:p>
@@ -4208,7 +4209,7 @@
           <a:p>
             <a:fld id="{2178D830-3F43-4FD1-8429-BB0A4D09BA8E}" type="datetimeFigureOut">
               <a:rPr lang="en-US" smtClean="0"/>
-              <a:t>2/27/2018</a:t>
+              <a:t>2/28/2018</a:t>
             </a:fld>
             <a:endParaRPr lang="en-US"/>
           </a:p>
@@ -4416,7 +4417,7 @@
           <a:p>
             <a:fld id="{2178D830-3F43-4FD1-8429-BB0A4D09BA8E}" type="datetimeFigureOut">
               <a:rPr lang="en-US" smtClean="0"/>
-              <a:t>2/27/2018</a:t>
+              <a:t>2/28/2018</a:t>
             </a:fld>
             <a:endParaRPr lang="en-US"/>
           </a:p>
@@ -4614,7 +4615,7 @@
           <a:p>
             <a:fld id="{2178D830-3F43-4FD1-8429-BB0A4D09BA8E}" type="datetimeFigureOut">
               <a:rPr lang="en-US" smtClean="0"/>
-              <a:t>2/27/2018</a:t>
+              <a:t>2/28/2018</a:t>
             </a:fld>
             <a:endParaRPr lang="en-US"/>
           </a:p>
@@ -4889,7 +4890,7 @@
           <a:p>
             <a:fld id="{2178D830-3F43-4FD1-8429-BB0A4D09BA8E}" type="datetimeFigureOut">
               <a:rPr lang="en-US" smtClean="0"/>
-              <a:t>2/27/2018</a:t>
+              <a:t>2/28/2018</a:t>
             </a:fld>
             <a:endParaRPr lang="en-US"/>
           </a:p>
@@ -5154,7 +5155,7 @@
           <a:p>
             <a:fld id="{2178D830-3F43-4FD1-8429-BB0A4D09BA8E}" type="datetimeFigureOut">
               <a:rPr lang="en-US" smtClean="0"/>
-              <a:t>2/27/2018</a:t>
+              <a:t>2/28/2018</a:t>
             </a:fld>
             <a:endParaRPr lang="en-US"/>
           </a:p>
@@ -5566,7 +5567,7 @@
           <a:p>
             <a:fld id="{2178D830-3F43-4FD1-8429-BB0A4D09BA8E}" type="datetimeFigureOut">
               <a:rPr lang="en-US" smtClean="0"/>
-              <a:t>2/27/2018</a:t>
+              <a:t>2/28/2018</a:t>
             </a:fld>
             <a:endParaRPr lang="en-US"/>
           </a:p>
@@ -5707,7 +5708,7 @@
           <a:p>
             <a:fld id="{2178D830-3F43-4FD1-8429-BB0A4D09BA8E}" type="datetimeFigureOut">
               <a:rPr lang="en-US" smtClean="0"/>
-              <a:t>2/27/2018</a:t>
+              <a:t>2/28/2018</a:t>
             </a:fld>
             <a:endParaRPr lang="en-US"/>
           </a:p>
@@ -5820,7 +5821,7 @@
           <a:p>
             <a:fld id="{2178D830-3F43-4FD1-8429-BB0A4D09BA8E}" type="datetimeFigureOut">
               <a:rPr lang="en-US" smtClean="0"/>
-              <a:t>2/27/2018</a:t>
+              <a:t>2/28/2018</a:t>
             </a:fld>
             <a:endParaRPr lang="en-US"/>
           </a:p>
@@ -6131,7 +6132,7 @@
           <a:p>
             <a:fld id="{2178D830-3F43-4FD1-8429-BB0A4D09BA8E}" type="datetimeFigureOut">
               <a:rPr lang="en-US" smtClean="0"/>
-              <a:t>2/27/2018</a:t>
+              <a:t>2/28/2018</a:t>
             </a:fld>
             <a:endParaRPr lang="en-US"/>
           </a:p>
@@ -6419,7 +6420,7 @@
           <a:p>
             <a:fld id="{2178D830-3F43-4FD1-8429-BB0A4D09BA8E}" type="datetimeFigureOut">
               <a:rPr lang="en-US" smtClean="0"/>
-              <a:t>2/27/2018</a:t>
+              <a:t>2/28/2018</a:t>
             </a:fld>
             <a:endParaRPr lang="en-US"/>
           </a:p>
@@ -6674,7 +6675,7 @@
           <a:p>
             <a:fld id="{2178D830-3F43-4FD1-8429-BB0A4D09BA8E}" type="datetimeFigureOut">
               <a:rPr lang="en-US" smtClean="0"/>
-              <a:t>2/27/2018</a:t>
+              <a:t>2/28/2018</a:t>
             </a:fld>
             <a:endParaRPr lang="en-US"/>
           </a:p>
@@ -7198,6 +7199,139 @@
 </p:sld>
 </file>
 
+<file path=ppt/slides/slide10.xml><?xml version="1.0" encoding="utf-8"?>
+<p:sld xmlns:a="http://schemas.openxmlformats.org/drawingml/2006/main" xmlns:r="http://schemas.openxmlformats.org/officeDocument/2006/relationships" xmlns:p="http://schemas.openxmlformats.org/presentationml/2006/main">
+  <p:cSld>
+    <p:spTree>
+      <p:nvGrpSpPr>
+        <p:cNvPr id="1" name=""/>
+        <p:cNvGrpSpPr/>
+        <p:nvPr/>
+      </p:nvGrpSpPr>
+      <p:grpSpPr>
+        <a:xfrm>
+          <a:off x="0" y="0"/>
+          <a:ext cx="0" cy="0"/>
+          <a:chOff x="0" y="0"/>
+          <a:chExt cx="0" cy="0"/>
+        </a:xfrm>
+      </p:grpSpPr>
+      <p:graphicFrame>
+        <p:nvGraphicFramePr>
+          <p:cNvPr id="6" name="Diagram 5">
+            <a:extLst>
+              <a:ext uri="{FF2B5EF4-FFF2-40B4-BE49-F238E27FC236}">
+                <a16:creationId xmlns:a16="http://schemas.microsoft.com/office/drawing/2014/main" id="{491CE8C1-ACC6-4AC1-9D2E-CCF48AF7263C}"/>
+              </a:ext>
+            </a:extLst>
+          </p:cNvPr>
+          <p:cNvGraphicFramePr/>
+          <p:nvPr>
+            <p:extLst>
+              <p:ext uri="{D42A27DB-BD31-4B8C-83A1-F6EECF244321}">
+                <p14:modId xmlns:p14="http://schemas.microsoft.com/office/powerpoint/2010/main" val="168769889"/>
+              </p:ext>
+            </p:extLst>
+          </p:nvPr>
+        </p:nvGraphicFramePr>
+        <p:xfrm>
+          <a:off x="-493336" y="-537328"/>
+          <a:ext cx="13178672" cy="7932656"/>
+        </p:xfrm>
+        <a:graphic>
+          <a:graphicData uri="http://schemas.openxmlformats.org/drawingml/2006/diagram">
+            <dgm:relIds xmlns:dgm="http://schemas.openxmlformats.org/drawingml/2006/diagram" xmlns:r="http://schemas.openxmlformats.org/officeDocument/2006/relationships" r:dm="rId2" r:lo="rId3" r:qs="rId4" r:cs="rId5"/>
+          </a:graphicData>
+        </a:graphic>
+      </p:graphicFrame>
+      <p:sp>
+        <p:nvSpPr>
+          <p:cNvPr id="7" name="TextBox 6">
+            <a:extLst>
+              <a:ext uri="{FF2B5EF4-FFF2-40B4-BE49-F238E27FC236}">
+                <a16:creationId xmlns:a16="http://schemas.microsoft.com/office/drawing/2014/main" id="{D4CE6184-A5D3-4D62-A326-BB83628B73EE}"/>
+              </a:ext>
+            </a:extLst>
+          </p:cNvPr>
+          <p:cNvSpPr txBox="1"/>
+          <p:nvPr/>
+        </p:nvSpPr>
+        <p:spPr>
+          <a:xfrm>
+            <a:off x="3761295" y="2921168"/>
+            <a:ext cx="5986021" cy="1015663"/>
+          </a:xfrm>
+          <a:prstGeom prst="rect">
+            <a:avLst/>
+          </a:prstGeom>
+          <a:noFill/>
+        </p:spPr>
+        <p:txBody>
+          <a:bodyPr wrap="square" rtlCol="0">
+            <a:spAutoFit/>
+          </a:bodyPr>
+          <a:lstStyle/>
+          <a:p>
+            <a:r>
+              <a:rPr lang="en-US" sz="6000" dirty="0">
+                <a:solidFill>
+                  <a:schemeClr val="bg1"/>
+                </a:solidFill>
+              </a:rPr>
+              <a:t>Truth &amp; Beauty</a:t>
+            </a:r>
+          </a:p>
+        </p:txBody>
+      </p:sp>
+      <p:pic>
+        <p:nvPicPr>
+          <p:cNvPr id="8" name="Picture 7">
+            <a:extLst>
+              <a:ext uri="{FF2B5EF4-FFF2-40B4-BE49-F238E27FC236}">
+                <a16:creationId xmlns:a16="http://schemas.microsoft.com/office/drawing/2014/main" id="{06230E9C-1A1C-4CDB-885A-6945AB64121C}"/>
+              </a:ext>
+            </a:extLst>
+          </p:cNvPr>
+          <p:cNvPicPr>
+            <a:picLocks noChangeAspect="1"/>
+          </p:cNvPicPr>
+          <p:nvPr/>
+        </p:nvPicPr>
+        <p:blipFill>
+          <a:blip r:embed="rId7">
+            <a:extLst>
+              <a:ext uri="{28A0092B-C50C-407E-A947-70E740481C1C}">
+                <a14:useLocalDpi xmlns:a14="http://schemas.microsoft.com/office/drawing/2010/main" val="0"/>
+              </a:ext>
+            </a:extLst>
+          </a:blip>
+          <a:stretch>
+            <a:fillRect/>
+          </a:stretch>
+        </p:blipFill>
+        <p:spPr>
+          <a:xfrm>
+            <a:off x="10528660" y="5271788"/>
+            <a:ext cx="1428750" cy="1428750"/>
+          </a:xfrm>
+          <a:prstGeom prst="rect">
+            <a:avLst/>
+          </a:prstGeom>
+        </p:spPr>
+      </p:pic>
+    </p:spTree>
+    <p:extLst>
+      <p:ext uri="{BB962C8B-B14F-4D97-AF65-F5344CB8AC3E}">
+        <p14:creationId xmlns:p14="http://schemas.microsoft.com/office/powerpoint/2010/main" val="2627338302"/>
+      </p:ext>
+    </p:extLst>
+  </p:cSld>
+  <p:clrMapOvr>
+    <a:masterClrMapping/>
+  </p:clrMapOvr>
+</p:sld>
+</file>
+
 <file path=ppt/slides/slide2.xml><?xml version="1.0" encoding="utf-8"?>
 <p:sld xmlns:a="http://schemas.openxmlformats.org/drawingml/2006/main" xmlns:r="http://schemas.openxmlformats.org/officeDocument/2006/relationships" xmlns:p="http://schemas.openxmlformats.org/presentationml/2006/main">
   <p:cSld>
@@ -8197,6 +8331,188 @@
           <a:chExt cx="0" cy="0"/>
         </a:xfrm>
       </p:grpSpPr>
+      <p:pic>
+        <p:nvPicPr>
+          <p:cNvPr id="4" name="Picture 3">
+            <a:extLst>
+              <a:ext uri="{FF2B5EF4-FFF2-40B4-BE49-F238E27FC236}">
+                <a16:creationId xmlns:a16="http://schemas.microsoft.com/office/drawing/2014/main" id="{33EB704D-5FE9-40E2-900B-8CB7CB7212B3}"/>
+              </a:ext>
+            </a:extLst>
+          </p:cNvPr>
+          <p:cNvPicPr>
+            <a:picLocks noChangeAspect="1"/>
+          </p:cNvPicPr>
+          <p:nvPr/>
+        </p:nvPicPr>
+        <p:blipFill>
+          <a:blip r:embed="rId2"/>
+          <a:stretch>
+            <a:fillRect/>
+          </a:stretch>
+        </p:blipFill>
+        <p:spPr>
+          <a:xfrm>
+            <a:off x="573207" y="3359056"/>
+            <a:ext cx="6753225" cy="2857500"/>
+          </a:xfrm>
+          <a:prstGeom prst="rect">
+            <a:avLst/>
+          </a:prstGeom>
+        </p:spPr>
+      </p:pic>
+      <p:pic>
+        <p:nvPicPr>
+          <p:cNvPr id="1026" name="Picture 2" descr="Image result for git branches">
+            <a:extLst>
+              <a:ext uri="{FF2B5EF4-FFF2-40B4-BE49-F238E27FC236}">
+                <a16:creationId xmlns:a16="http://schemas.microsoft.com/office/drawing/2014/main" id="{1F8FD966-2C18-46FD-A881-D5C2D2AC8E16}"/>
+              </a:ext>
+            </a:extLst>
+          </p:cNvPr>
+          <p:cNvPicPr>
+            <a:picLocks noChangeAspect="1" noChangeArrowheads="1"/>
+          </p:cNvPicPr>
+          <p:nvPr/>
+        </p:nvPicPr>
+        <p:blipFill>
+          <a:blip r:embed="rId3">
+            <a:extLst>
+              <a:ext uri="{28A0092B-C50C-407E-A947-70E740481C1C}">
+                <a14:useLocalDpi xmlns:a14="http://schemas.microsoft.com/office/drawing/2010/main" val="0"/>
+              </a:ext>
+            </a:extLst>
+          </a:blip>
+          <a:srcRect/>
+          <a:stretch>
+            <a:fillRect/>
+          </a:stretch>
+        </p:blipFill>
+        <p:spPr bwMode="auto">
+          <a:xfrm>
+            <a:off x="5397688" y="655092"/>
+            <a:ext cx="6221105" cy="3732663"/>
+          </a:xfrm>
+          <a:prstGeom prst="rect">
+            <a:avLst/>
+          </a:prstGeom>
+          <a:noFill/>
+          <a:extLst>
+            <a:ext uri="{909E8E84-426E-40DD-AFC4-6F175D3DCCD1}">
+              <a14:hiddenFill xmlns:a14="http://schemas.microsoft.com/office/drawing/2010/main">
+                <a:solidFill>
+                  <a:srgbClr val="FFFFFF"/>
+                </a:solidFill>
+              </a14:hiddenFill>
+            </a:ext>
+          </a:extLst>
+        </p:spPr>
+      </p:pic>
+      <p:sp>
+        <p:nvSpPr>
+          <p:cNvPr id="6" name="TextBox 5">
+            <a:extLst>
+              <a:ext uri="{FF2B5EF4-FFF2-40B4-BE49-F238E27FC236}">
+                <a16:creationId xmlns:a16="http://schemas.microsoft.com/office/drawing/2014/main" id="{44B58A59-0D52-4212-96E4-79389C2B0A61}"/>
+              </a:ext>
+            </a:extLst>
+          </p:cNvPr>
+          <p:cNvSpPr txBox="1"/>
+          <p:nvPr/>
+        </p:nvSpPr>
+        <p:spPr>
+          <a:xfrm>
+            <a:off x="1614844" y="307812"/>
+            <a:ext cx="5711588" cy="646331"/>
+          </a:xfrm>
+          <a:prstGeom prst="rect">
+            <a:avLst/>
+          </a:prstGeom>
+          <a:noFill/>
+        </p:spPr>
+        <p:txBody>
+          <a:bodyPr wrap="square" rtlCol="0">
+            <a:spAutoFit/>
+          </a:bodyPr>
+          <a:lstStyle/>
+          <a:p>
+            <a:r>
+              <a:rPr lang="en-US" sz="3600" dirty="0">
+                <a:solidFill>
+                  <a:schemeClr val="bg1"/>
+                </a:solidFill>
+              </a:rPr>
+              <a:t>How does this all work?</a:t>
+            </a:r>
+          </a:p>
+        </p:txBody>
+      </p:sp>
+      <p:pic>
+        <p:nvPicPr>
+          <p:cNvPr id="8" name="Picture 7">
+            <a:extLst>
+              <a:ext uri="{FF2B5EF4-FFF2-40B4-BE49-F238E27FC236}">
+                <a16:creationId xmlns:a16="http://schemas.microsoft.com/office/drawing/2014/main" id="{591DD9AF-6C84-4BA7-A33B-24E18A00AF52}"/>
+              </a:ext>
+            </a:extLst>
+          </p:cNvPr>
+          <p:cNvPicPr>
+            <a:picLocks noChangeAspect="1"/>
+          </p:cNvPicPr>
+          <p:nvPr/>
+        </p:nvPicPr>
+        <p:blipFill>
+          <a:blip r:embed="rId4">
+            <a:extLst>
+              <a:ext uri="{28A0092B-C50C-407E-A947-70E740481C1C}">
+                <a14:useLocalDpi xmlns:a14="http://schemas.microsoft.com/office/drawing/2010/main" val="0"/>
+              </a:ext>
+            </a:extLst>
+          </a:blip>
+          <a:stretch>
+            <a:fillRect/>
+          </a:stretch>
+        </p:blipFill>
+        <p:spPr>
+          <a:xfrm>
+            <a:off x="131397" y="307812"/>
+            <a:ext cx="1428750" cy="1428750"/>
+          </a:xfrm>
+          <a:prstGeom prst="rect">
+            <a:avLst/>
+          </a:prstGeom>
+        </p:spPr>
+      </p:pic>
+    </p:spTree>
+    <p:extLst>
+      <p:ext uri="{BB962C8B-B14F-4D97-AF65-F5344CB8AC3E}">
+        <p14:creationId xmlns:p14="http://schemas.microsoft.com/office/powerpoint/2010/main" val="1691701713"/>
+      </p:ext>
+    </p:extLst>
+  </p:cSld>
+  <p:clrMapOvr>
+    <a:masterClrMapping/>
+  </p:clrMapOvr>
+</p:sld>
+</file>
+
+<file path=ppt/slides/slide4.xml><?xml version="1.0" encoding="utf-8"?>
+<p:sld xmlns:a="http://schemas.openxmlformats.org/drawingml/2006/main" xmlns:r="http://schemas.openxmlformats.org/officeDocument/2006/relationships" xmlns:p="http://schemas.openxmlformats.org/presentationml/2006/main">
+  <p:cSld>
+    <p:spTree>
+      <p:nvGrpSpPr>
+        <p:cNvPr id="1" name=""/>
+        <p:cNvGrpSpPr/>
+        <p:nvPr/>
+      </p:nvGrpSpPr>
+      <p:grpSpPr>
+        <a:xfrm>
+          <a:off x="0" y="0"/>
+          <a:ext cx="0" cy="0"/>
+          <a:chOff x="0" y="0"/>
+          <a:chExt cx="0" cy="0"/>
+        </a:xfrm>
+      </p:grpSpPr>
       <p:sp>
         <p:nvSpPr>
           <p:cNvPr id="4" name="Oval 3">
@@ -8643,7 +8959,7 @@
 </p:sld>
 </file>
 
-<file path=ppt/slides/slide4.xml><?xml version="1.0" encoding="utf-8"?>
+<file path=ppt/slides/slide5.xml><?xml version="1.0" encoding="utf-8"?>
 <p:sld xmlns:a="http://schemas.openxmlformats.org/drawingml/2006/main" xmlns:r="http://schemas.openxmlformats.org/officeDocument/2006/relationships" xmlns:p="http://schemas.openxmlformats.org/presentationml/2006/main">
   <p:cSld>
     <p:spTree>
@@ -9106,7 +9422,7 @@
 </p:sld>
 </file>
 
-<file path=ppt/slides/slide5.xml><?xml version="1.0" encoding="utf-8"?>
+<file path=ppt/slides/slide6.xml><?xml version="1.0" encoding="utf-8"?>
 <p:sld xmlns:a="http://schemas.openxmlformats.org/drawingml/2006/main" xmlns:r="http://schemas.openxmlformats.org/officeDocument/2006/relationships" xmlns:p="http://schemas.openxmlformats.org/presentationml/2006/main">
   <p:cSld>
     <p:spTree>
@@ -9569,7 +9885,7 @@
 </p:sld>
 </file>
 
-<file path=ppt/slides/slide6.xml><?xml version="1.0" encoding="utf-8"?>
+<file path=ppt/slides/slide7.xml><?xml version="1.0" encoding="utf-8"?>
 <p:sld xmlns:a="http://schemas.openxmlformats.org/drawingml/2006/main" xmlns:r="http://schemas.openxmlformats.org/officeDocument/2006/relationships" xmlns:p="http://schemas.openxmlformats.org/presentationml/2006/main">
   <p:cSld>
     <p:spTree>
@@ -10032,7 +10348,7 @@
 </p:sld>
 </file>
 
-<file path=ppt/slides/slide7.xml><?xml version="1.0" encoding="utf-8"?>
+<file path=ppt/slides/slide8.xml><?xml version="1.0" encoding="utf-8"?>
 <p:sld xmlns:a="http://schemas.openxmlformats.org/drawingml/2006/main" xmlns:r="http://schemas.openxmlformats.org/officeDocument/2006/relationships" xmlns:p="http://schemas.openxmlformats.org/presentationml/2006/main">
   <p:cSld>
     <p:spTree>
@@ -10509,7 +10825,7 @@
 </p:sld>
 </file>
 
-<file path=ppt/slides/slide8.xml><?xml version="1.0" encoding="utf-8"?>
+<file path=ppt/slides/slide9.xml><?xml version="1.0" encoding="utf-8"?>
 <p:sld xmlns:a="http://schemas.openxmlformats.org/drawingml/2006/main" xmlns:r="http://schemas.openxmlformats.org/officeDocument/2006/relationships" xmlns:p="http://schemas.openxmlformats.org/presentationml/2006/main">
   <p:cSld>
     <p:spTree>
@@ -10963,139 +11279,6 @@
     <p:extLst>
       <p:ext uri="{BB962C8B-B14F-4D97-AF65-F5344CB8AC3E}">
         <p14:creationId xmlns:p14="http://schemas.microsoft.com/office/powerpoint/2010/main" val="2724304326"/>
-      </p:ext>
-    </p:extLst>
-  </p:cSld>
-  <p:clrMapOvr>
-    <a:masterClrMapping/>
-  </p:clrMapOvr>
-</p:sld>
-</file>
-
-<file path=ppt/slides/slide9.xml><?xml version="1.0" encoding="utf-8"?>
-<p:sld xmlns:a="http://schemas.openxmlformats.org/drawingml/2006/main" xmlns:r="http://schemas.openxmlformats.org/officeDocument/2006/relationships" xmlns:p="http://schemas.openxmlformats.org/presentationml/2006/main">
-  <p:cSld>
-    <p:spTree>
-      <p:nvGrpSpPr>
-        <p:cNvPr id="1" name=""/>
-        <p:cNvGrpSpPr/>
-        <p:nvPr/>
-      </p:nvGrpSpPr>
-      <p:grpSpPr>
-        <a:xfrm>
-          <a:off x="0" y="0"/>
-          <a:ext cx="0" cy="0"/>
-          <a:chOff x="0" y="0"/>
-          <a:chExt cx="0" cy="0"/>
-        </a:xfrm>
-      </p:grpSpPr>
-      <p:graphicFrame>
-        <p:nvGraphicFramePr>
-          <p:cNvPr id="6" name="Diagram 5">
-            <a:extLst>
-              <a:ext uri="{FF2B5EF4-FFF2-40B4-BE49-F238E27FC236}">
-                <a16:creationId xmlns:a16="http://schemas.microsoft.com/office/drawing/2014/main" id="{491CE8C1-ACC6-4AC1-9D2E-CCF48AF7263C}"/>
-              </a:ext>
-            </a:extLst>
-          </p:cNvPr>
-          <p:cNvGraphicFramePr/>
-          <p:nvPr>
-            <p:extLst>
-              <p:ext uri="{D42A27DB-BD31-4B8C-83A1-F6EECF244321}">
-                <p14:modId xmlns:p14="http://schemas.microsoft.com/office/powerpoint/2010/main" val="168769889"/>
-              </p:ext>
-            </p:extLst>
-          </p:nvPr>
-        </p:nvGraphicFramePr>
-        <p:xfrm>
-          <a:off x="-493336" y="-537328"/>
-          <a:ext cx="13178672" cy="7932656"/>
-        </p:xfrm>
-        <a:graphic>
-          <a:graphicData uri="http://schemas.openxmlformats.org/drawingml/2006/diagram">
-            <dgm:relIds xmlns:dgm="http://schemas.openxmlformats.org/drawingml/2006/diagram" xmlns:r="http://schemas.openxmlformats.org/officeDocument/2006/relationships" r:dm="rId2" r:lo="rId3" r:qs="rId4" r:cs="rId5"/>
-          </a:graphicData>
-        </a:graphic>
-      </p:graphicFrame>
-      <p:sp>
-        <p:nvSpPr>
-          <p:cNvPr id="7" name="TextBox 6">
-            <a:extLst>
-              <a:ext uri="{FF2B5EF4-FFF2-40B4-BE49-F238E27FC236}">
-                <a16:creationId xmlns:a16="http://schemas.microsoft.com/office/drawing/2014/main" id="{D4CE6184-A5D3-4D62-A326-BB83628B73EE}"/>
-              </a:ext>
-            </a:extLst>
-          </p:cNvPr>
-          <p:cNvSpPr txBox="1"/>
-          <p:nvPr/>
-        </p:nvSpPr>
-        <p:spPr>
-          <a:xfrm>
-            <a:off x="3761295" y="2921168"/>
-            <a:ext cx="5986021" cy="1015663"/>
-          </a:xfrm>
-          <a:prstGeom prst="rect">
-            <a:avLst/>
-          </a:prstGeom>
-          <a:noFill/>
-        </p:spPr>
-        <p:txBody>
-          <a:bodyPr wrap="square" rtlCol="0">
-            <a:spAutoFit/>
-          </a:bodyPr>
-          <a:lstStyle/>
-          <a:p>
-            <a:r>
-              <a:rPr lang="en-US" sz="6000" dirty="0">
-                <a:solidFill>
-                  <a:schemeClr val="bg1"/>
-                </a:solidFill>
-              </a:rPr>
-              <a:t>Truth &amp; Beauty</a:t>
-            </a:r>
-          </a:p>
-        </p:txBody>
-      </p:sp>
-      <p:pic>
-        <p:nvPicPr>
-          <p:cNvPr id="8" name="Picture 7">
-            <a:extLst>
-              <a:ext uri="{FF2B5EF4-FFF2-40B4-BE49-F238E27FC236}">
-                <a16:creationId xmlns:a16="http://schemas.microsoft.com/office/drawing/2014/main" id="{06230E9C-1A1C-4CDB-885A-6945AB64121C}"/>
-              </a:ext>
-            </a:extLst>
-          </p:cNvPr>
-          <p:cNvPicPr>
-            <a:picLocks noChangeAspect="1"/>
-          </p:cNvPicPr>
-          <p:nvPr/>
-        </p:nvPicPr>
-        <p:blipFill>
-          <a:blip r:embed="rId7">
-            <a:extLst>
-              <a:ext uri="{28A0092B-C50C-407E-A947-70E740481C1C}">
-                <a14:useLocalDpi xmlns:a14="http://schemas.microsoft.com/office/drawing/2010/main" val="0"/>
-              </a:ext>
-            </a:extLst>
-          </a:blip>
-          <a:stretch>
-            <a:fillRect/>
-          </a:stretch>
-        </p:blipFill>
-        <p:spPr>
-          <a:xfrm>
-            <a:off x="10528660" y="5271788"/>
-            <a:ext cx="1428750" cy="1428750"/>
-          </a:xfrm>
-          <a:prstGeom prst="rect">
-            <a:avLst/>
-          </a:prstGeom>
-        </p:spPr>
-      </p:pic>
-    </p:spTree>
-    <p:extLst>
-      <p:ext uri="{BB962C8B-B14F-4D97-AF65-F5344CB8AC3E}">
-        <p14:creationId xmlns:p14="http://schemas.microsoft.com/office/powerpoint/2010/main" val="2627338302"/>
       </p:ext>
     </p:extLst>
   </p:cSld>

--- a/Vision 02-27-18/Truth & Beauty.pptx
+++ b/Vision 02-27-18/Truth & Beauty.pptx
@@ -7,14 +7,15 @@
   <p:sldIdLst>
     <p:sldId id="257" r:id="rId2"/>
     <p:sldId id="256" r:id="rId3"/>
-    <p:sldId id="265" r:id="rId4"/>
-    <p:sldId id="258" r:id="rId5"/>
-    <p:sldId id="259" r:id="rId6"/>
-    <p:sldId id="260" r:id="rId7"/>
-    <p:sldId id="261" r:id="rId8"/>
-    <p:sldId id="262" r:id="rId9"/>
-    <p:sldId id="263" r:id="rId10"/>
-    <p:sldId id="264" r:id="rId11"/>
+    <p:sldId id="266" r:id="rId4"/>
+    <p:sldId id="265" r:id="rId5"/>
+    <p:sldId id="258" r:id="rId6"/>
+    <p:sldId id="259" r:id="rId7"/>
+    <p:sldId id="260" r:id="rId8"/>
+    <p:sldId id="261" r:id="rId9"/>
+    <p:sldId id="262" r:id="rId10"/>
+    <p:sldId id="263" r:id="rId11"/>
+    <p:sldId id="264" r:id="rId12"/>
   </p:sldIdLst>
   <p:sldSz cx="12192000" cy="6858000"/>
   <p:notesSz cx="6858000" cy="9144000"/>
@@ -115,7 +116,7 @@
   </p:defaultTextStyle>
   <p:extLst>
     <p:ext uri="{EFAFB233-063F-42B5-8137-9DF3F51BA10A}">
-      <p15:sldGuideLst xmlns:p15="http://schemas.microsoft.com/office/powerpoint/2012/main"/>
+      <p15:sldGuideLst xmlns:p15="http://schemas.microsoft.com/office/powerpoint/2012/main" xmlns=""/>
     </p:ext>
   </p:extLst>
 </p:presentation>
@@ -868,7 +869,1027 @@
 </dgm:colorsDef>
 </file>
 
+<file path=ppt/diagrams/colors2.xml><?xml version="1.0" encoding="utf-8"?>
+<dgm:colorsDef xmlns:dgm="http://schemas.openxmlformats.org/drawingml/2006/diagram" xmlns:a="http://schemas.openxmlformats.org/drawingml/2006/main" uniqueId="urn:microsoft.com/office/officeart/2005/8/colors/accent1_2">
+  <dgm:title val=""/>
+  <dgm:desc val=""/>
+  <dgm:catLst>
+    <dgm:cat type="accent1" pri="11200"/>
+  </dgm:catLst>
+  <dgm:styleLbl name="node0">
+    <dgm:fillClrLst meth="repeat">
+      <a:schemeClr val="accent1"/>
+    </dgm:fillClrLst>
+    <dgm:linClrLst meth="repeat">
+      <a:schemeClr val="lt1"/>
+    </dgm:linClrLst>
+    <dgm:effectClrLst/>
+    <dgm:txLinClrLst/>
+    <dgm:txFillClrLst/>
+    <dgm:txEffectClrLst/>
+  </dgm:styleLbl>
+  <dgm:styleLbl name="alignNode1">
+    <dgm:fillClrLst meth="repeat">
+      <a:schemeClr val="accent1"/>
+    </dgm:fillClrLst>
+    <dgm:linClrLst meth="repeat">
+      <a:schemeClr val="accent1"/>
+    </dgm:linClrLst>
+    <dgm:effectClrLst/>
+    <dgm:txLinClrLst/>
+    <dgm:txFillClrLst/>
+    <dgm:txEffectClrLst/>
+  </dgm:styleLbl>
+  <dgm:styleLbl name="node1">
+    <dgm:fillClrLst meth="repeat">
+      <a:schemeClr val="accent1"/>
+    </dgm:fillClrLst>
+    <dgm:linClrLst meth="repeat">
+      <a:schemeClr val="lt1"/>
+    </dgm:linClrLst>
+    <dgm:effectClrLst/>
+    <dgm:txLinClrLst/>
+    <dgm:txFillClrLst/>
+    <dgm:txEffectClrLst/>
+  </dgm:styleLbl>
+  <dgm:styleLbl name="lnNode1">
+    <dgm:fillClrLst meth="repeat">
+      <a:schemeClr val="accent1"/>
+    </dgm:fillClrLst>
+    <dgm:linClrLst meth="repeat">
+      <a:schemeClr val="lt1"/>
+    </dgm:linClrLst>
+    <dgm:effectClrLst/>
+    <dgm:txLinClrLst/>
+    <dgm:txFillClrLst/>
+    <dgm:txEffectClrLst/>
+  </dgm:styleLbl>
+  <dgm:styleLbl name="vennNode1">
+    <dgm:fillClrLst meth="repeat">
+      <a:schemeClr val="accent1">
+        <a:alpha val="50000"/>
+      </a:schemeClr>
+    </dgm:fillClrLst>
+    <dgm:linClrLst meth="repeat">
+      <a:schemeClr val="lt1"/>
+    </dgm:linClrLst>
+    <dgm:effectClrLst/>
+    <dgm:txLinClrLst/>
+    <dgm:txFillClrLst/>
+    <dgm:txEffectClrLst/>
+  </dgm:styleLbl>
+  <dgm:styleLbl name="node2">
+    <dgm:fillClrLst meth="repeat">
+      <a:schemeClr val="accent1"/>
+    </dgm:fillClrLst>
+    <dgm:linClrLst meth="repeat">
+      <a:schemeClr val="lt1"/>
+    </dgm:linClrLst>
+    <dgm:effectClrLst/>
+    <dgm:txLinClrLst/>
+    <dgm:txFillClrLst/>
+    <dgm:txEffectClrLst/>
+  </dgm:styleLbl>
+  <dgm:styleLbl name="node3">
+    <dgm:fillClrLst meth="repeat">
+      <a:schemeClr val="accent1"/>
+    </dgm:fillClrLst>
+    <dgm:linClrLst meth="repeat">
+      <a:schemeClr val="lt1"/>
+    </dgm:linClrLst>
+    <dgm:effectClrLst/>
+    <dgm:txLinClrLst/>
+    <dgm:txFillClrLst/>
+    <dgm:txEffectClrLst/>
+  </dgm:styleLbl>
+  <dgm:styleLbl name="node4">
+    <dgm:fillClrLst meth="repeat">
+      <a:schemeClr val="accent1"/>
+    </dgm:fillClrLst>
+    <dgm:linClrLst meth="repeat">
+      <a:schemeClr val="lt1"/>
+    </dgm:linClrLst>
+    <dgm:effectClrLst/>
+    <dgm:txLinClrLst/>
+    <dgm:txFillClrLst/>
+    <dgm:txEffectClrLst/>
+  </dgm:styleLbl>
+  <dgm:styleLbl name="fgImgPlace1">
+    <dgm:fillClrLst meth="repeat">
+      <a:schemeClr val="accent1">
+        <a:tint val="50000"/>
+      </a:schemeClr>
+    </dgm:fillClrLst>
+    <dgm:linClrLst meth="repeat">
+      <a:schemeClr val="lt1"/>
+    </dgm:linClrLst>
+    <dgm:effectClrLst/>
+    <dgm:txLinClrLst/>
+    <dgm:txFillClrLst meth="repeat">
+      <a:schemeClr val="lt1"/>
+    </dgm:txFillClrLst>
+    <dgm:txEffectClrLst/>
+  </dgm:styleLbl>
+  <dgm:styleLbl name="alignImgPlace1">
+    <dgm:fillClrLst meth="repeat">
+      <a:schemeClr val="accent1">
+        <a:tint val="50000"/>
+      </a:schemeClr>
+    </dgm:fillClrLst>
+    <dgm:linClrLst meth="repeat">
+      <a:schemeClr val="lt1"/>
+    </dgm:linClrLst>
+    <dgm:effectClrLst/>
+    <dgm:txLinClrLst/>
+    <dgm:txFillClrLst meth="repeat">
+      <a:schemeClr val="lt1"/>
+    </dgm:txFillClrLst>
+    <dgm:txEffectClrLst/>
+  </dgm:styleLbl>
+  <dgm:styleLbl name="bgImgPlace1">
+    <dgm:fillClrLst meth="repeat">
+      <a:schemeClr val="accent1">
+        <a:tint val="50000"/>
+      </a:schemeClr>
+    </dgm:fillClrLst>
+    <dgm:linClrLst meth="repeat">
+      <a:schemeClr val="lt1"/>
+    </dgm:linClrLst>
+    <dgm:effectClrLst/>
+    <dgm:txLinClrLst/>
+    <dgm:txFillClrLst meth="repeat">
+      <a:schemeClr val="lt1"/>
+    </dgm:txFillClrLst>
+    <dgm:txEffectClrLst/>
+  </dgm:styleLbl>
+  <dgm:styleLbl name="sibTrans2D1">
+    <dgm:fillClrLst meth="repeat">
+      <a:schemeClr val="accent1">
+        <a:tint val="60000"/>
+      </a:schemeClr>
+    </dgm:fillClrLst>
+    <dgm:linClrLst meth="repeat">
+      <a:schemeClr val="accent1">
+        <a:tint val="60000"/>
+      </a:schemeClr>
+    </dgm:linClrLst>
+    <dgm:effectClrLst/>
+    <dgm:txLinClrLst/>
+    <dgm:txFillClrLst/>
+    <dgm:txEffectClrLst/>
+  </dgm:styleLbl>
+  <dgm:styleLbl name="fgSibTrans2D1">
+    <dgm:fillClrLst meth="repeat">
+      <a:schemeClr val="accent1">
+        <a:tint val="60000"/>
+      </a:schemeClr>
+    </dgm:fillClrLst>
+    <dgm:linClrLst meth="repeat">
+      <a:schemeClr val="accent1">
+        <a:tint val="60000"/>
+      </a:schemeClr>
+    </dgm:linClrLst>
+    <dgm:effectClrLst/>
+    <dgm:txLinClrLst/>
+    <dgm:txFillClrLst/>
+    <dgm:txEffectClrLst/>
+  </dgm:styleLbl>
+  <dgm:styleLbl name="bgSibTrans2D1">
+    <dgm:fillClrLst meth="repeat">
+      <a:schemeClr val="accent1">
+        <a:tint val="60000"/>
+      </a:schemeClr>
+    </dgm:fillClrLst>
+    <dgm:linClrLst meth="repeat">
+      <a:schemeClr val="accent1">
+        <a:tint val="60000"/>
+      </a:schemeClr>
+    </dgm:linClrLst>
+    <dgm:effectClrLst/>
+    <dgm:txLinClrLst/>
+    <dgm:txFillClrLst/>
+    <dgm:txEffectClrLst/>
+  </dgm:styleLbl>
+  <dgm:styleLbl name="sibTrans1D1">
+    <dgm:fillClrLst meth="repeat">
+      <a:schemeClr val="accent1"/>
+    </dgm:fillClrLst>
+    <dgm:linClrLst meth="repeat">
+      <a:schemeClr val="accent1"/>
+    </dgm:linClrLst>
+    <dgm:effectClrLst/>
+    <dgm:txLinClrLst/>
+    <dgm:txFillClrLst meth="repeat">
+      <a:schemeClr val="tx1"/>
+    </dgm:txFillClrLst>
+    <dgm:txEffectClrLst/>
+  </dgm:styleLbl>
+  <dgm:styleLbl name="callout">
+    <dgm:fillClrLst meth="repeat">
+      <a:schemeClr val="accent1"/>
+    </dgm:fillClrLst>
+    <dgm:linClrLst meth="repeat">
+      <a:schemeClr val="accent1">
+        <a:tint val="50000"/>
+      </a:schemeClr>
+    </dgm:linClrLst>
+    <dgm:effectClrLst/>
+    <dgm:txLinClrLst/>
+    <dgm:txFillClrLst meth="repeat">
+      <a:schemeClr val="tx1"/>
+    </dgm:txFillClrLst>
+    <dgm:txEffectClrLst/>
+  </dgm:styleLbl>
+  <dgm:styleLbl name="asst0">
+    <dgm:fillClrLst meth="repeat">
+      <a:schemeClr val="accent1"/>
+    </dgm:fillClrLst>
+    <dgm:linClrLst meth="repeat">
+      <a:schemeClr val="lt1"/>
+    </dgm:linClrLst>
+    <dgm:effectClrLst/>
+    <dgm:txLinClrLst/>
+    <dgm:txFillClrLst/>
+    <dgm:txEffectClrLst/>
+  </dgm:styleLbl>
+  <dgm:styleLbl name="asst1">
+    <dgm:fillClrLst meth="repeat">
+      <a:schemeClr val="accent1"/>
+    </dgm:fillClrLst>
+    <dgm:linClrLst meth="repeat">
+      <a:schemeClr val="lt1"/>
+    </dgm:linClrLst>
+    <dgm:effectClrLst/>
+    <dgm:txLinClrLst/>
+    <dgm:txFillClrLst/>
+    <dgm:txEffectClrLst/>
+  </dgm:styleLbl>
+  <dgm:styleLbl name="asst2">
+    <dgm:fillClrLst meth="repeat">
+      <a:schemeClr val="accent1"/>
+    </dgm:fillClrLst>
+    <dgm:linClrLst meth="repeat">
+      <a:schemeClr val="lt1"/>
+    </dgm:linClrLst>
+    <dgm:effectClrLst/>
+    <dgm:txLinClrLst/>
+    <dgm:txFillClrLst/>
+    <dgm:txEffectClrLst/>
+  </dgm:styleLbl>
+  <dgm:styleLbl name="asst3">
+    <dgm:fillClrLst meth="repeat">
+      <a:schemeClr val="accent1"/>
+    </dgm:fillClrLst>
+    <dgm:linClrLst meth="repeat">
+      <a:schemeClr val="lt1"/>
+    </dgm:linClrLst>
+    <dgm:effectClrLst/>
+    <dgm:txLinClrLst/>
+    <dgm:txFillClrLst/>
+    <dgm:txEffectClrLst/>
+  </dgm:styleLbl>
+  <dgm:styleLbl name="asst4">
+    <dgm:fillClrLst meth="repeat">
+      <a:schemeClr val="accent1"/>
+    </dgm:fillClrLst>
+    <dgm:linClrLst meth="repeat">
+      <a:schemeClr val="lt1"/>
+    </dgm:linClrLst>
+    <dgm:effectClrLst/>
+    <dgm:txLinClrLst/>
+    <dgm:txFillClrLst/>
+    <dgm:txEffectClrLst/>
+  </dgm:styleLbl>
+  <dgm:styleLbl name="parChTrans2D1">
+    <dgm:fillClrLst meth="repeat">
+      <a:schemeClr val="accent1">
+        <a:tint val="60000"/>
+      </a:schemeClr>
+    </dgm:fillClrLst>
+    <dgm:linClrLst meth="repeat">
+      <a:schemeClr val="accent1">
+        <a:tint val="60000"/>
+      </a:schemeClr>
+    </dgm:linClrLst>
+    <dgm:effectClrLst/>
+    <dgm:txLinClrLst/>
+    <dgm:txFillClrLst meth="repeat">
+      <a:schemeClr val="lt1"/>
+    </dgm:txFillClrLst>
+    <dgm:txEffectClrLst/>
+  </dgm:styleLbl>
+  <dgm:styleLbl name="parChTrans2D2">
+    <dgm:fillClrLst meth="repeat">
+      <a:schemeClr val="accent1"/>
+    </dgm:fillClrLst>
+    <dgm:linClrLst meth="repeat">
+      <a:schemeClr val="accent1"/>
+    </dgm:linClrLst>
+    <dgm:effectClrLst/>
+    <dgm:txLinClrLst/>
+    <dgm:txFillClrLst meth="repeat">
+      <a:schemeClr val="lt1"/>
+    </dgm:txFillClrLst>
+    <dgm:txEffectClrLst/>
+  </dgm:styleLbl>
+  <dgm:styleLbl name="parChTrans2D3">
+    <dgm:fillClrLst meth="repeat">
+      <a:schemeClr val="accent1"/>
+    </dgm:fillClrLst>
+    <dgm:linClrLst meth="repeat">
+      <a:schemeClr val="accent1"/>
+    </dgm:linClrLst>
+    <dgm:effectClrLst/>
+    <dgm:txLinClrLst/>
+    <dgm:txFillClrLst meth="repeat">
+      <a:schemeClr val="lt1"/>
+    </dgm:txFillClrLst>
+    <dgm:txEffectClrLst/>
+  </dgm:styleLbl>
+  <dgm:styleLbl name="parChTrans2D4">
+    <dgm:fillClrLst meth="repeat">
+      <a:schemeClr val="accent1"/>
+    </dgm:fillClrLst>
+    <dgm:linClrLst meth="repeat">
+      <a:schemeClr val="accent1"/>
+    </dgm:linClrLst>
+    <dgm:effectClrLst/>
+    <dgm:txLinClrLst/>
+    <dgm:txFillClrLst meth="repeat">
+      <a:schemeClr val="lt1"/>
+    </dgm:txFillClrLst>
+    <dgm:txEffectClrLst/>
+  </dgm:styleLbl>
+  <dgm:styleLbl name="parChTrans1D1">
+    <dgm:fillClrLst meth="repeat">
+      <a:schemeClr val="accent1"/>
+    </dgm:fillClrLst>
+    <dgm:linClrLst meth="repeat">
+      <a:schemeClr val="accent1">
+        <a:shade val="60000"/>
+      </a:schemeClr>
+    </dgm:linClrLst>
+    <dgm:effectClrLst/>
+    <dgm:txLinClrLst/>
+    <dgm:txFillClrLst meth="repeat">
+      <a:schemeClr val="tx1"/>
+    </dgm:txFillClrLst>
+    <dgm:txEffectClrLst/>
+  </dgm:styleLbl>
+  <dgm:styleLbl name="parChTrans1D2">
+    <dgm:fillClrLst meth="repeat">
+      <a:schemeClr val="accent1"/>
+    </dgm:fillClrLst>
+    <dgm:linClrLst meth="repeat">
+      <a:schemeClr val="accent1">
+        <a:shade val="60000"/>
+      </a:schemeClr>
+    </dgm:linClrLst>
+    <dgm:effectClrLst/>
+    <dgm:txLinClrLst/>
+    <dgm:txFillClrLst meth="repeat">
+      <a:schemeClr val="tx1"/>
+    </dgm:txFillClrLst>
+    <dgm:txEffectClrLst/>
+  </dgm:styleLbl>
+  <dgm:styleLbl name="parChTrans1D3">
+    <dgm:fillClrLst meth="repeat">
+      <a:schemeClr val="accent1"/>
+    </dgm:fillClrLst>
+    <dgm:linClrLst meth="repeat">
+      <a:schemeClr val="accent1">
+        <a:shade val="80000"/>
+      </a:schemeClr>
+    </dgm:linClrLst>
+    <dgm:effectClrLst/>
+    <dgm:txLinClrLst/>
+    <dgm:txFillClrLst meth="repeat">
+      <a:schemeClr val="tx1"/>
+    </dgm:txFillClrLst>
+    <dgm:txEffectClrLst/>
+  </dgm:styleLbl>
+  <dgm:styleLbl name="parChTrans1D4">
+    <dgm:fillClrLst meth="repeat">
+      <a:schemeClr val="accent1"/>
+    </dgm:fillClrLst>
+    <dgm:linClrLst meth="repeat">
+      <a:schemeClr val="accent1">
+        <a:shade val="80000"/>
+      </a:schemeClr>
+    </dgm:linClrLst>
+    <dgm:effectClrLst/>
+    <dgm:txLinClrLst/>
+    <dgm:txFillClrLst meth="repeat">
+      <a:schemeClr val="tx1"/>
+    </dgm:txFillClrLst>
+    <dgm:txEffectClrLst/>
+  </dgm:styleLbl>
+  <dgm:styleLbl name="fgAcc1">
+    <dgm:fillClrLst meth="repeat">
+      <a:schemeClr val="lt1">
+        <a:alpha val="90000"/>
+      </a:schemeClr>
+    </dgm:fillClrLst>
+    <dgm:linClrLst meth="repeat">
+      <a:schemeClr val="accent1"/>
+    </dgm:linClrLst>
+    <dgm:effectClrLst/>
+    <dgm:txLinClrLst/>
+    <dgm:txFillClrLst meth="repeat">
+      <a:schemeClr val="dk1"/>
+    </dgm:txFillClrLst>
+    <dgm:txEffectClrLst/>
+  </dgm:styleLbl>
+  <dgm:styleLbl name="conFgAcc1">
+    <dgm:fillClrLst meth="repeat">
+      <a:schemeClr val="lt1">
+        <a:alpha val="90000"/>
+      </a:schemeClr>
+    </dgm:fillClrLst>
+    <dgm:linClrLst meth="repeat">
+      <a:schemeClr val="accent1"/>
+    </dgm:linClrLst>
+    <dgm:effectClrLst/>
+    <dgm:txLinClrLst/>
+    <dgm:txFillClrLst meth="repeat">
+      <a:schemeClr val="dk1"/>
+    </dgm:txFillClrLst>
+    <dgm:txEffectClrLst/>
+  </dgm:styleLbl>
+  <dgm:styleLbl name="alignAcc1">
+    <dgm:fillClrLst meth="repeat">
+      <a:schemeClr val="lt1">
+        <a:alpha val="90000"/>
+      </a:schemeClr>
+    </dgm:fillClrLst>
+    <dgm:linClrLst meth="repeat">
+      <a:schemeClr val="accent1"/>
+    </dgm:linClrLst>
+    <dgm:effectClrLst/>
+    <dgm:txLinClrLst/>
+    <dgm:txFillClrLst meth="repeat">
+      <a:schemeClr val="dk1"/>
+    </dgm:txFillClrLst>
+    <dgm:txEffectClrLst/>
+  </dgm:styleLbl>
+  <dgm:styleLbl name="trAlignAcc1">
+    <dgm:fillClrLst meth="repeat">
+      <a:schemeClr val="lt1">
+        <a:alpha val="40000"/>
+      </a:schemeClr>
+    </dgm:fillClrLst>
+    <dgm:linClrLst meth="repeat">
+      <a:schemeClr val="accent1"/>
+    </dgm:linClrLst>
+    <dgm:effectClrLst/>
+    <dgm:txLinClrLst/>
+    <dgm:txFillClrLst meth="repeat">
+      <a:schemeClr val="dk1"/>
+    </dgm:txFillClrLst>
+    <dgm:txEffectClrLst/>
+  </dgm:styleLbl>
+  <dgm:styleLbl name="bgAcc1">
+    <dgm:fillClrLst meth="repeat">
+      <a:schemeClr val="lt1">
+        <a:alpha val="90000"/>
+      </a:schemeClr>
+    </dgm:fillClrLst>
+    <dgm:linClrLst meth="repeat">
+      <a:schemeClr val="accent1"/>
+    </dgm:linClrLst>
+    <dgm:effectClrLst/>
+    <dgm:txLinClrLst/>
+    <dgm:txFillClrLst meth="repeat">
+      <a:schemeClr val="dk1"/>
+    </dgm:txFillClrLst>
+    <dgm:txEffectClrLst/>
+  </dgm:styleLbl>
+  <dgm:styleLbl name="solidFgAcc1">
+    <dgm:fillClrLst meth="repeat">
+      <a:schemeClr val="lt1"/>
+    </dgm:fillClrLst>
+    <dgm:linClrLst meth="repeat">
+      <a:schemeClr val="accent1"/>
+    </dgm:linClrLst>
+    <dgm:effectClrLst/>
+    <dgm:txLinClrLst/>
+    <dgm:txFillClrLst meth="repeat">
+      <a:schemeClr val="dk1"/>
+    </dgm:txFillClrLst>
+    <dgm:txEffectClrLst/>
+  </dgm:styleLbl>
+  <dgm:styleLbl name="solidAlignAcc1">
+    <dgm:fillClrLst meth="repeat">
+      <a:schemeClr val="lt1"/>
+    </dgm:fillClrLst>
+    <dgm:linClrLst meth="repeat">
+      <a:schemeClr val="accent1"/>
+    </dgm:linClrLst>
+    <dgm:effectClrLst/>
+    <dgm:txLinClrLst/>
+    <dgm:txFillClrLst meth="repeat">
+      <a:schemeClr val="dk1"/>
+    </dgm:txFillClrLst>
+    <dgm:txEffectClrLst/>
+  </dgm:styleLbl>
+  <dgm:styleLbl name="solidBgAcc1">
+    <dgm:fillClrLst meth="repeat">
+      <a:schemeClr val="lt1"/>
+    </dgm:fillClrLst>
+    <dgm:linClrLst meth="repeat">
+      <a:schemeClr val="accent1"/>
+    </dgm:linClrLst>
+    <dgm:effectClrLst/>
+    <dgm:txLinClrLst/>
+    <dgm:txFillClrLst meth="repeat">
+      <a:schemeClr val="dk1"/>
+    </dgm:txFillClrLst>
+    <dgm:txEffectClrLst/>
+  </dgm:styleLbl>
+  <dgm:styleLbl name="fgAccFollowNode1">
+    <dgm:fillClrLst meth="repeat">
+      <a:schemeClr val="accent1">
+        <a:alpha val="90000"/>
+        <a:tint val="40000"/>
+      </a:schemeClr>
+    </dgm:fillClrLst>
+    <dgm:linClrLst meth="repeat">
+      <a:schemeClr val="accent1">
+        <a:alpha val="90000"/>
+        <a:tint val="40000"/>
+      </a:schemeClr>
+    </dgm:linClrLst>
+    <dgm:effectClrLst/>
+    <dgm:txLinClrLst/>
+    <dgm:txFillClrLst meth="repeat">
+      <a:schemeClr val="dk1"/>
+    </dgm:txFillClrLst>
+    <dgm:txEffectClrLst/>
+  </dgm:styleLbl>
+  <dgm:styleLbl name="alignAccFollowNode1">
+    <dgm:fillClrLst meth="repeat">
+      <a:schemeClr val="accent1">
+        <a:alpha val="90000"/>
+        <a:tint val="40000"/>
+      </a:schemeClr>
+    </dgm:fillClrLst>
+    <dgm:linClrLst meth="repeat">
+      <a:schemeClr val="accent1">
+        <a:alpha val="90000"/>
+        <a:tint val="40000"/>
+      </a:schemeClr>
+    </dgm:linClrLst>
+    <dgm:effectClrLst/>
+    <dgm:txLinClrLst/>
+    <dgm:txFillClrLst meth="repeat">
+      <a:schemeClr val="dk1"/>
+    </dgm:txFillClrLst>
+    <dgm:txEffectClrLst/>
+  </dgm:styleLbl>
+  <dgm:styleLbl name="bgAccFollowNode1">
+    <dgm:fillClrLst meth="repeat">
+      <a:schemeClr val="accent1">
+        <a:alpha val="90000"/>
+        <a:tint val="40000"/>
+      </a:schemeClr>
+    </dgm:fillClrLst>
+    <dgm:linClrLst meth="repeat">
+      <a:schemeClr val="accent1">
+        <a:alpha val="90000"/>
+        <a:tint val="40000"/>
+      </a:schemeClr>
+    </dgm:linClrLst>
+    <dgm:effectClrLst/>
+    <dgm:txLinClrLst/>
+    <dgm:txFillClrLst meth="repeat">
+      <a:schemeClr val="dk1"/>
+    </dgm:txFillClrLst>
+    <dgm:txEffectClrLst/>
+  </dgm:styleLbl>
+  <dgm:styleLbl name="fgAcc0">
+    <dgm:fillClrLst meth="repeat">
+      <a:schemeClr val="lt1">
+        <a:alpha val="90000"/>
+      </a:schemeClr>
+    </dgm:fillClrLst>
+    <dgm:linClrLst meth="repeat">
+      <a:schemeClr val="accent1"/>
+    </dgm:linClrLst>
+    <dgm:effectClrLst/>
+    <dgm:txLinClrLst/>
+    <dgm:txFillClrLst meth="repeat">
+      <a:schemeClr val="dk1"/>
+    </dgm:txFillClrLst>
+    <dgm:txEffectClrLst/>
+  </dgm:styleLbl>
+  <dgm:styleLbl name="fgAcc2">
+    <dgm:fillClrLst meth="repeat">
+      <a:schemeClr val="lt1">
+        <a:alpha val="90000"/>
+      </a:schemeClr>
+    </dgm:fillClrLst>
+    <dgm:linClrLst meth="repeat">
+      <a:schemeClr val="accent1"/>
+    </dgm:linClrLst>
+    <dgm:effectClrLst/>
+    <dgm:txLinClrLst/>
+    <dgm:txFillClrLst meth="repeat">
+      <a:schemeClr val="dk1"/>
+    </dgm:txFillClrLst>
+    <dgm:txEffectClrLst/>
+  </dgm:styleLbl>
+  <dgm:styleLbl name="fgAcc3">
+    <dgm:fillClrLst meth="repeat">
+      <a:schemeClr val="lt1">
+        <a:alpha val="90000"/>
+      </a:schemeClr>
+    </dgm:fillClrLst>
+    <dgm:linClrLst meth="repeat">
+      <a:schemeClr val="accent1"/>
+    </dgm:linClrLst>
+    <dgm:effectClrLst/>
+    <dgm:txLinClrLst/>
+    <dgm:txFillClrLst meth="repeat">
+      <a:schemeClr val="dk1"/>
+    </dgm:txFillClrLst>
+    <dgm:txEffectClrLst/>
+  </dgm:styleLbl>
+  <dgm:styleLbl name="fgAcc4">
+    <dgm:fillClrLst meth="repeat">
+      <a:schemeClr val="lt1">
+        <a:alpha val="90000"/>
+      </a:schemeClr>
+    </dgm:fillClrLst>
+    <dgm:linClrLst meth="repeat">
+      <a:schemeClr val="accent1"/>
+    </dgm:linClrLst>
+    <dgm:effectClrLst/>
+    <dgm:txLinClrLst/>
+    <dgm:txFillClrLst meth="repeat">
+      <a:schemeClr val="dk1"/>
+    </dgm:txFillClrLst>
+    <dgm:txEffectClrLst/>
+  </dgm:styleLbl>
+  <dgm:styleLbl name="bgShp">
+    <dgm:fillClrLst meth="repeat">
+      <a:schemeClr val="accent1">
+        <a:tint val="40000"/>
+      </a:schemeClr>
+    </dgm:fillClrLst>
+    <dgm:linClrLst meth="repeat">
+      <a:schemeClr val="accent1"/>
+    </dgm:linClrLst>
+    <dgm:effectClrLst/>
+    <dgm:txLinClrLst/>
+    <dgm:txFillClrLst meth="repeat">
+      <a:schemeClr val="dk1"/>
+    </dgm:txFillClrLst>
+    <dgm:txEffectClrLst/>
+  </dgm:styleLbl>
+  <dgm:styleLbl name="dkBgShp">
+    <dgm:fillClrLst meth="repeat">
+      <a:schemeClr val="accent1">
+        <a:shade val="80000"/>
+      </a:schemeClr>
+    </dgm:fillClrLst>
+    <dgm:linClrLst meth="repeat">
+      <a:schemeClr val="accent1"/>
+    </dgm:linClrLst>
+    <dgm:effectClrLst/>
+    <dgm:txLinClrLst/>
+    <dgm:txFillClrLst meth="repeat">
+      <a:schemeClr val="lt1"/>
+    </dgm:txFillClrLst>
+    <dgm:txEffectClrLst/>
+  </dgm:styleLbl>
+  <dgm:styleLbl name="trBgShp">
+    <dgm:fillClrLst meth="repeat">
+      <a:schemeClr val="accent1">
+        <a:tint val="50000"/>
+        <a:alpha val="40000"/>
+      </a:schemeClr>
+    </dgm:fillClrLst>
+    <dgm:linClrLst meth="repeat">
+      <a:schemeClr val="accent1"/>
+    </dgm:linClrLst>
+    <dgm:effectClrLst/>
+    <dgm:txLinClrLst/>
+    <dgm:txFillClrLst meth="repeat">
+      <a:schemeClr val="lt1"/>
+    </dgm:txFillClrLst>
+    <dgm:txEffectClrLst/>
+  </dgm:styleLbl>
+  <dgm:styleLbl name="fgShp">
+    <dgm:fillClrLst meth="repeat">
+      <a:schemeClr val="accent1">
+        <a:tint val="60000"/>
+      </a:schemeClr>
+    </dgm:fillClrLst>
+    <dgm:linClrLst meth="repeat">
+      <a:schemeClr val="lt1"/>
+    </dgm:linClrLst>
+    <dgm:effectClrLst/>
+    <dgm:txLinClrLst/>
+    <dgm:txFillClrLst meth="repeat">
+      <a:schemeClr val="dk1"/>
+    </dgm:txFillClrLst>
+    <dgm:txEffectClrLst/>
+  </dgm:styleLbl>
+  <dgm:styleLbl name="revTx">
+    <dgm:fillClrLst meth="repeat">
+      <a:schemeClr val="lt1">
+        <a:alpha val="0"/>
+      </a:schemeClr>
+    </dgm:fillClrLst>
+    <dgm:linClrLst meth="repeat">
+      <a:schemeClr val="dk1">
+        <a:alpha val="0"/>
+      </a:schemeClr>
+    </dgm:linClrLst>
+    <dgm:effectClrLst/>
+    <dgm:txLinClrLst/>
+    <dgm:txFillClrLst meth="repeat">
+      <a:schemeClr val="tx1"/>
+    </dgm:txFillClrLst>
+    <dgm:txEffectClrLst/>
+  </dgm:styleLbl>
+</dgm:colorsDef>
+</file>
+
 <file path=ppt/diagrams/data1.xml><?xml version="1.0" encoding="utf-8"?>
+<dgm:dataModel xmlns:dgm="http://schemas.openxmlformats.org/drawingml/2006/diagram" xmlns:a="http://schemas.openxmlformats.org/drawingml/2006/main">
+  <dgm:ptLst>
+    <dgm:pt modelId="{D809BE7A-F9AA-48E9-919A-E9BD3FB1D3DD}" type="doc">
+      <dgm:prSet loTypeId="urn:microsoft.com/office/officeart/2005/8/layout/venn1" loCatId="relationship" qsTypeId="urn:microsoft.com/office/officeart/2005/8/quickstyle/simple1" qsCatId="simple" csTypeId="urn:microsoft.com/office/officeart/2005/8/colors/accent1_2" csCatId="accent1" phldr="1"/>
+      <dgm:spPr/>
+    </dgm:pt>
+    <dgm:pt modelId="{10EDE2FF-0426-4F2F-A5D8-1E283506C9A0}">
+      <dgm:prSet phldrT="[Text]" custT="1"/>
+      <dgm:spPr/>
+      <dgm:t>
+        <a:bodyPr/>
+        <a:lstStyle/>
+        <a:p>
+          <a:r>
+            <a:rPr lang="en-US" sz="4000" dirty="0" smtClean="0">
+              <a:solidFill>
+                <a:schemeClr val="bg1"/>
+              </a:solidFill>
+            </a:rPr>
+            <a:t>Classroom Meetup</a:t>
+          </a:r>
+          <a:endParaRPr lang="en-US" sz="4000" dirty="0">
+            <a:solidFill>
+              <a:schemeClr val="bg1"/>
+            </a:solidFill>
+          </a:endParaRPr>
+        </a:p>
+      </dgm:t>
+    </dgm:pt>
+    <dgm:pt modelId="{91912E94-0FAB-433B-B9D1-2C488C96CF9F}" type="parTrans" cxnId="{2E4098ED-A61D-4F0C-AE3F-C997808FDF9A}">
+      <dgm:prSet/>
+      <dgm:spPr/>
+      <dgm:t>
+        <a:bodyPr/>
+        <a:lstStyle/>
+        <a:p>
+          <a:endParaRPr lang="en-US"/>
+        </a:p>
+      </dgm:t>
+    </dgm:pt>
+    <dgm:pt modelId="{E2687846-C2A2-4F84-9982-E5AA9F38A092}" type="sibTrans" cxnId="{2E4098ED-A61D-4F0C-AE3F-C997808FDF9A}">
+      <dgm:prSet/>
+      <dgm:spPr/>
+      <dgm:t>
+        <a:bodyPr/>
+        <a:lstStyle/>
+        <a:p>
+          <a:endParaRPr lang="en-US"/>
+        </a:p>
+      </dgm:t>
+    </dgm:pt>
+    <dgm:pt modelId="{3593E6B1-9FCF-4830-A73F-ACEEE4FE75D1}">
+      <dgm:prSet phldrT="[Text]" custT="1"/>
+      <dgm:spPr/>
+      <dgm:t>
+        <a:bodyPr/>
+        <a:lstStyle/>
+        <a:p>
+          <a:r>
+            <a:rPr lang="en-US" sz="4000" dirty="0" smtClean="0">
+              <a:solidFill>
+                <a:schemeClr val="bg1"/>
+              </a:solidFill>
+            </a:rPr>
+            <a:t>Email </a:t>
+          </a:r>
+          <a:r>
+            <a:rPr lang="en-US" sz="4000" dirty="0" err="1" smtClean="0">
+              <a:solidFill>
+                <a:schemeClr val="bg1"/>
+              </a:solidFill>
+            </a:rPr>
+            <a:t>Github</a:t>
+          </a:r>
+          <a:endParaRPr lang="en-US" sz="4000" dirty="0">
+            <a:solidFill>
+              <a:schemeClr val="bg1"/>
+            </a:solidFill>
+          </a:endParaRPr>
+        </a:p>
+      </dgm:t>
+    </dgm:pt>
+    <dgm:pt modelId="{B840921B-6761-4922-B9FC-2FADE2CE3602}" type="parTrans" cxnId="{9A6A3575-73D7-494A-AD78-484D61A24037}">
+      <dgm:prSet/>
+      <dgm:spPr/>
+      <dgm:t>
+        <a:bodyPr/>
+        <a:lstStyle/>
+        <a:p>
+          <a:endParaRPr lang="en-US"/>
+        </a:p>
+      </dgm:t>
+    </dgm:pt>
+    <dgm:pt modelId="{01CFEC25-6C3A-427A-981C-12C2EE2A0811}" type="sibTrans" cxnId="{9A6A3575-73D7-494A-AD78-484D61A24037}">
+      <dgm:prSet/>
+      <dgm:spPr/>
+      <dgm:t>
+        <a:bodyPr/>
+        <a:lstStyle/>
+        <a:p>
+          <a:endParaRPr lang="en-US"/>
+        </a:p>
+      </dgm:t>
+    </dgm:pt>
+    <dgm:pt modelId="{756CE29D-3BB3-4A95-9BDD-EC729FB8FD14}">
+      <dgm:prSet phldrT="[Text]" custT="1"/>
+      <dgm:spPr/>
+      <dgm:t>
+        <a:bodyPr/>
+        <a:lstStyle/>
+        <a:p>
+          <a:r>
+            <a:rPr lang="en-US" sz="4000" dirty="0" smtClean="0">
+              <a:solidFill>
+                <a:schemeClr val="bg1"/>
+              </a:solidFill>
+            </a:rPr>
+            <a:t>YouTube</a:t>
+          </a:r>
+          <a:endParaRPr lang="en-US" sz="4000" dirty="0">
+            <a:solidFill>
+              <a:schemeClr val="bg1"/>
+            </a:solidFill>
+          </a:endParaRPr>
+        </a:p>
+      </dgm:t>
+    </dgm:pt>
+    <dgm:pt modelId="{C1037316-3B67-4BE2-A6D5-61EEECE248B1}" type="parTrans" cxnId="{7ED67BC6-EE1B-43AA-8CF6-B30A55C1F1F1}">
+      <dgm:prSet/>
+      <dgm:spPr/>
+      <dgm:t>
+        <a:bodyPr/>
+        <a:lstStyle/>
+        <a:p>
+          <a:endParaRPr lang="en-US"/>
+        </a:p>
+      </dgm:t>
+    </dgm:pt>
+    <dgm:pt modelId="{36E2498E-C0B8-4389-9553-C77D78A85472}" type="sibTrans" cxnId="{7ED67BC6-EE1B-43AA-8CF6-B30A55C1F1F1}">
+      <dgm:prSet/>
+      <dgm:spPr/>
+      <dgm:t>
+        <a:bodyPr/>
+        <a:lstStyle/>
+        <a:p>
+          <a:endParaRPr lang="en-US"/>
+        </a:p>
+      </dgm:t>
+    </dgm:pt>
+    <dgm:pt modelId="{66DE18CB-007D-47E9-B2BE-4EA0221E9A69}" type="pres">
+      <dgm:prSet presAssocID="{D809BE7A-F9AA-48E9-919A-E9BD3FB1D3DD}" presName="compositeShape" presStyleCnt="0">
+        <dgm:presLayoutVars>
+          <dgm:chMax val="7"/>
+          <dgm:dir/>
+          <dgm:resizeHandles val="exact"/>
+        </dgm:presLayoutVars>
+      </dgm:prSet>
+      <dgm:spPr/>
+    </dgm:pt>
+    <dgm:pt modelId="{291230A6-41BA-46E8-AE74-0AE8509D7D45}" type="pres">
+      <dgm:prSet presAssocID="{10EDE2FF-0426-4F2F-A5D8-1E283506C9A0}" presName="circ1" presStyleLbl="vennNode1" presStyleIdx="0" presStyleCnt="3"/>
+      <dgm:spPr/>
+      <dgm:t>
+        <a:bodyPr/>
+        <a:lstStyle/>
+        <a:p>
+          <a:endParaRPr lang="en-US"/>
+        </a:p>
+      </dgm:t>
+    </dgm:pt>
+    <dgm:pt modelId="{56ABCDAE-863A-4956-A6ED-953A0223FC6E}" type="pres">
+      <dgm:prSet presAssocID="{10EDE2FF-0426-4F2F-A5D8-1E283506C9A0}" presName="circ1Tx" presStyleLbl="revTx" presStyleIdx="0" presStyleCnt="0">
+        <dgm:presLayoutVars>
+          <dgm:chMax val="0"/>
+          <dgm:chPref val="0"/>
+          <dgm:bulletEnabled val="1"/>
+        </dgm:presLayoutVars>
+      </dgm:prSet>
+      <dgm:spPr/>
+      <dgm:t>
+        <a:bodyPr/>
+        <a:lstStyle/>
+        <a:p>
+          <a:endParaRPr lang="en-US"/>
+        </a:p>
+      </dgm:t>
+    </dgm:pt>
+    <dgm:pt modelId="{FA11B4C0-B91D-4CFD-8E76-BA14698B5669}" type="pres">
+      <dgm:prSet presAssocID="{3593E6B1-9FCF-4830-A73F-ACEEE4FE75D1}" presName="circ2" presStyleLbl="vennNode1" presStyleIdx="1" presStyleCnt="3"/>
+      <dgm:spPr/>
+      <dgm:t>
+        <a:bodyPr/>
+        <a:lstStyle/>
+        <a:p>
+          <a:endParaRPr lang="en-US"/>
+        </a:p>
+      </dgm:t>
+    </dgm:pt>
+    <dgm:pt modelId="{4D76FCA4-7C24-4986-84AA-F9BFC4EF4B93}" type="pres">
+      <dgm:prSet presAssocID="{3593E6B1-9FCF-4830-A73F-ACEEE4FE75D1}" presName="circ2Tx" presStyleLbl="revTx" presStyleIdx="0" presStyleCnt="0">
+        <dgm:presLayoutVars>
+          <dgm:chMax val="0"/>
+          <dgm:chPref val="0"/>
+          <dgm:bulletEnabled val="1"/>
+        </dgm:presLayoutVars>
+      </dgm:prSet>
+      <dgm:spPr/>
+      <dgm:t>
+        <a:bodyPr/>
+        <a:lstStyle/>
+        <a:p>
+          <a:endParaRPr lang="en-US"/>
+        </a:p>
+      </dgm:t>
+    </dgm:pt>
+    <dgm:pt modelId="{2902C9EC-BD0A-483C-9C48-A726CFCEA416}" type="pres">
+      <dgm:prSet presAssocID="{756CE29D-3BB3-4A95-9BDD-EC729FB8FD14}" presName="circ3" presStyleLbl="vennNode1" presStyleIdx="2" presStyleCnt="3"/>
+      <dgm:spPr/>
+      <dgm:t>
+        <a:bodyPr/>
+        <a:lstStyle/>
+        <a:p>
+          <a:endParaRPr lang="en-US"/>
+        </a:p>
+      </dgm:t>
+    </dgm:pt>
+    <dgm:pt modelId="{01AF219F-3FE3-44D5-862B-F467336039EF}" type="pres">
+      <dgm:prSet presAssocID="{756CE29D-3BB3-4A95-9BDD-EC729FB8FD14}" presName="circ3Tx" presStyleLbl="revTx" presStyleIdx="0" presStyleCnt="0">
+        <dgm:presLayoutVars>
+          <dgm:chMax val="0"/>
+          <dgm:chPref val="0"/>
+          <dgm:bulletEnabled val="1"/>
+        </dgm:presLayoutVars>
+      </dgm:prSet>
+      <dgm:spPr/>
+      <dgm:t>
+        <a:bodyPr/>
+        <a:lstStyle/>
+        <a:p>
+          <a:endParaRPr lang="en-US"/>
+        </a:p>
+      </dgm:t>
+    </dgm:pt>
+  </dgm:ptLst>
+  <dgm:cxnLst>
+    <dgm:cxn modelId="{B6DBA52E-EBA9-48CB-9200-4581377E77CA}" type="presOf" srcId="{3593E6B1-9FCF-4830-A73F-ACEEE4FE75D1}" destId="{4D76FCA4-7C24-4986-84AA-F9BFC4EF4B93}" srcOrd="1" destOrd="0" presId="urn:microsoft.com/office/officeart/2005/8/layout/venn1"/>
+    <dgm:cxn modelId="{B34FF3D0-3262-469E-9F18-E2E087A9C9ED}" type="presOf" srcId="{D809BE7A-F9AA-48E9-919A-E9BD3FB1D3DD}" destId="{66DE18CB-007D-47E9-B2BE-4EA0221E9A69}" srcOrd="0" destOrd="0" presId="urn:microsoft.com/office/officeart/2005/8/layout/venn1"/>
+    <dgm:cxn modelId="{716F5DEE-D8A5-447F-92F7-30A7664FC1AC}" type="presOf" srcId="{756CE29D-3BB3-4A95-9BDD-EC729FB8FD14}" destId="{01AF219F-3FE3-44D5-862B-F467336039EF}" srcOrd="1" destOrd="0" presId="urn:microsoft.com/office/officeart/2005/8/layout/venn1"/>
+    <dgm:cxn modelId="{B233D153-4C43-4A99-B473-9C53FAFFBD72}" type="presOf" srcId="{756CE29D-3BB3-4A95-9BDD-EC729FB8FD14}" destId="{2902C9EC-BD0A-483C-9C48-A726CFCEA416}" srcOrd="0" destOrd="0" presId="urn:microsoft.com/office/officeart/2005/8/layout/venn1"/>
+    <dgm:cxn modelId="{7F57ED12-53CF-4E9A-B8D2-D478F940713F}" type="presOf" srcId="{3593E6B1-9FCF-4830-A73F-ACEEE4FE75D1}" destId="{FA11B4C0-B91D-4CFD-8E76-BA14698B5669}" srcOrd="0" destOrd="0" presId="urn:microsoft.com/office/officeart/2005/8/layout/venn1"/>
+    <dgm:cxn modelId="{2E4098ED-A61D-4F0C-AE3F-C997808FDF9A}" srcId="{D809BE7A-F9AA-48E9-919A-E9BD3FB1D3DD}" destId="{10EDE2FF-0426-4F2F-A5D8-1E283506C9A0}" srcOrd="0" destOrd="0" parTransId="{91912E94-0FAB-433B-B9D1-2C488C96CF9F}" sibTransId="{E2687846-C2A2-4F84-9982-E5AA9F38A092}"/>
+    <dgm:cxn modelId="{478C41E6-9816-4499-8563-446148FC7976}" type="presOf" srcId="{10EDE2FF-0426-4F2F-A5D8-1E283506C9A0}" destId="{291230A6-41BA-46E8-AE74-0AE8509D7D45}" srcOrd="0" destOrd="0" presId="urn:microsoft.com/office/officeart/2005/8/layout/venn1"/>
+    <dgm:cxn modelId="{78B7A0D8-8240-44E3-A0C1-0453295FB4B7}" type="presOf" srcId="{10EDE2FF-0426-4F2F-A5D8-1E283506C9A0}" destId="{56ABCDAE-863A-4956-A6ED-953A0223FC6E}" srcOrd="1" destOrd="0" presId="urn:microsoft.com/office/officeart/2005/8/layout/venn1"/>
+    <dgm:cxn modelId="{9A6A3575-73D7-494A-AD78-484D61A24037}" srcId="{D809BE7A-F9AA-48E9-919A-E9BD3FB1D3DD}" destId="{3593E6B1-9FCF-4830-A73F-ACEEE4FE75D1}" srcOrd="1" destOrd="0" parTransId="{B840921B-6761-4922-B9FC-2FADE2CE3602}" sibTransId="{01CFEC25-6C3A-427A-981C-12C2EE2A0811}"/>
+    <dgm:cxn modelId="{7ED67BC6-EE1B-43AA-8CF6-B30A55C1F1F1}" srcId="{D809BE7A-F9AA-48E9-919A-E9BD3FB1D3DD}" destId="{756CE29D-3BB3-4A95-9BDD-EC729FB8FD14}" srcOrd="2" destOrd="0" parTransId="{C1037316-3B67-4BE2-A6D5-61EEECE248B1}" sibTransId="{36E2498E-C0B8-4389-9553-C77D78A85472}"/>
+    <dgm:cxn modelId="{8F7B1E16-88F0-4782-A81F-00D40052E396}" type="presParOf" srcId="{66DE18CB-007D-47E9-B2BE-4EA0221E9A69}" destId="{291230A6-41BA-46E8-AE74-0AE8509D7D45}" srcOrd="0" destOrd="0" presId="urn:microsoft.com/office/officeart/2005/8/layout/venn1"/>
+    <dgm:cxn modelId="{CAB8EA81-1E11-4AEB-B060-CDD081EC982D}" type="presParOf" srcId="{66DE18CB-007D-47E9-B2BE-4EA0221E9A69}" destId="{56ABCDAE-863A-4956-A6ED-953A0223FC6E}" srcOrd="1" destOrd="0" presId="urn:microsoft.com/office/officeart/2005/8/layout/venn1"/>
+    <dgm:cxn modelId="{AAC4D7CE-440B-4183-BD29-3D341956997C}" type="presParOf" srcId="{66DE18CB-007D-47E9-B2BE-4EA0221E9A69}" destId="{FA11B4C0-B91D-4CFD-8E76-BA14698B5669}" srcOrd="2" destOrd="0" presId="urn:microsoft.com/office/officeart/2005/8/layout/venn1"/>
+    <dgm:cxn modelId="{D75BE56F-1560-4F34-AA87-563F92633D09}" type="presParOf" srcId="{66DE18CB-007D-47E9-B2BE-4EA0221E9A69}" destId="{4D76FCA4-7C24-4986-84AA-F9BFC4EF4B93}" srcOrd="3" destOrd="0" presId="urn:microsoft.com/office/officeart/2005/8/layout/venn1"/>
+    <dgm:cxn modelId="{DC867E79-71CE-4963-9F06-CF8791A2D76E}" type="presParOf" srcId="{66DE18CB-007D-47E9-B2BE-4EA0221E9A69}" destId="{2902C9EC-BD0A-483C-9C48-A726CFCEA416}" srcOrd="4" destOrd="0" presId="urn:microsoft.com/office/officeart/2005/8/layout/venn1"/>
+    <dgm:cxn modelId="{3A668DBF-EDF4-463C-AD4C-ACF924FC28D6}" type="presParOf" srcId="{66DE18CB-007D-47E9-B2BE-4EA0221E9A69}" destId="{01AF219F-3FE3-44D5-862B-F467336039EF}" srcOrd="5" destOrd="0" presId="urn:microsoft.com/office/officeart/2005/8/layout/venn1"/>
+  </dgm:cxnLst>
+  <dgm:bg/>
+  <dgm:whole/>
+  <dgm:extLst>
+    <a:ext uri="http://schemas.microsoft.com/office/drawing/2008/diagram">
+      <dsp:dataModelExt xmlns:dsp="http://schemas.microsoft.com/office/drawing/2008/diagram" relId="rId6" minVer="http://schemas.openxmlformats.org/drawingml/2006/diagram"/>
+    </a:ext>
+  </dgm:extLst>
+</dgm:dataModel>
+</file>
+
+<file path=ppt/diagrams/data2.xml><?xml version="1.0" encoding="utf-8"?>
 <dgm:dataModel xmlns:dgm="http://schemas.openxmlformats.org/drawingml/2006/diagram" xmlns:a="http://schemas.openxmlformats.org/drawingml/2006/main">
   <dgm:ptLst>
     <dgm:pt modelId="{D809BE7A-F9AA-48E9-919A-E9BD3FB1D3DD}" type="doc">
@@ -1138,6 +2159,13 @@
         </dgm:presLayoutVars>
       </dgm:prSet>
       <dgm:spPr/>
+      <dgm:t>
+        <a:bodyPr/>
+        <a:lstStyle/>
+        <a:p>
+          <a:endParaRPr lang="en-US"/>
+        </a:p>
+      </dgm:t>
     </dgm:pt>
     <dgm:pt modelId="{62E1C0D3-D0B3-403F-BF92-584D10960D5B}" type="pres">
       <dgm:prSet presAssocID="{089E12B4-51E7-4530-9B85-DDE5A99D6DAB}" presName="circ2" presStyleLbl="vennNode1" presStyleIdx="1" presStyleCnt="6"/>
@@ -1152,6 +2180,13 @@
         </dgm:presLayoutVars>
       </dgm:prSet>
       <dgm:spPr/>
+      <dgm:t>
+        <a:bodyPr/>
+        <a:lstStyle/>
+        <a:p>
+          <a:endParaRPr lang="en-US"/>
+        </a:p>
+      </dgm:t>
     </dgm:pt>
     <dgm:pt modelId="{1AAC568D-D8F6-4AC0-B10D-54BE9EBE3E89}" type="pres">
       <dgm:prSet presAssocID="{CDC65F9A-B73D-4AC6-8090-6B95D98475A8}" presName="circ3" presStyleLbl="vennNode1" presStyleIdx="2" presStyleCnt="6"/>
@@ -1166,6 +2201,13 @@
         </dgm:presLayoutVars>
       </dgm:prSet>
       <dgm:spPr/>
+      <dgm:t>
+        <a:bodyPr/>
+        <a:lstStyle/>
+        <a:p>
+          <a:endParaRPr lang="en-US"/>
+        </a:p>
+      </dgm:t>
     </dgm:pt>
     <dgm:pt modelId="{71346BBF-C1E9-49B1-A7CB-5E6ACE34D15E}" type="pres">
       <dgm:prSet presAssocID="{D706A245-86CB-4708-8370-6AD6F590BD59}" presName="circ4" presStyleLbl="vennNode1" presStyleIdx="3" presStyleCnt="6"/>
@@ -1180,6 +2222,13 @@
         </dgm:presLayoutVars>
       </dgm:prSet>
       <dgm:spPr/>
+      <dgm:t>
+        <a:bodyPr/>
+        <a:lstStyle/>
+        <a:p>
+          <a:endParaRPr lang="en-US"/>
+        </a:p>
+      </dgm:t>
     </dgm:pt>
     <dgm:pt modelId="{02757E78-A087-4BCD-9DDA-6E080D512234}" type="pres">
       <dgm:prSet presAssocID="{3170B727-E72A-49B7-9114-ABD250BF24D4}" presName="circ5" presStyleLbl="vennNode1" presStyleIdx="4" presStyleCnt="6"/>
@@ -1194,6 +2243,13 @@
         </dgm:presLayoutVars>
       </dgm:prSet>
       <dgm:spPr/>
+      <dgm:t>
+        <a:bodyPr/>
+        <a:lstStyle/>
+        <a:p>
+          <a:endParaRPr lang="en-US"/>
+        </a:p>
+      </dgm:t>
     </dgm:pt>
     <dgm:pt modelId="{739A2C4E-56E5-4D42-93DC-85FEEB0D980B}" type="pres">
       <dgm:prSet presAssocID="{CB00BECD-C643-495A-BDBA-8C2C0EA6BADC}" presName="circ6" presStyleLbl="vennNode1" presStyleIdx="5" presStyleCnt="6"/>
@@ -1208,22 +2264,29 @@
         </dgm:presLayoutVars>
       </dgm:prSet>
       <dgm:spPr/>
+      <dgm:t>
+        <a:bodyPr/>
+        <a:lstStyle/>
+        <a:p>
+          <a:endParaRPr lang="en-US"/>
+        </a:p>
+      </dgm:t>
     </dgm:pt>
   </dgm:ptLst>
   <dgm:cxnLst>
-    <dgm:cxn modelId="{265F681F-32EF-4B49-BE93-0DE52B537E02}" srcId="{D809BE7A-F9AA-48E9-919A-E9BD3FB1D3DD}" destId="{089E12B4-51E7-4530-9B85-DDE5A99D6DAB}" srcOrd="1" destOrd="0" parTransId="{2CC1EF01-4432-484C-A682-20CC8D9C6617}" sibTransId="{D972643E-FCF7-4768-9292-859C88A07579}"/>
-    <dgm:cxn modelId="{5C9ACA4E-CC38-4D02-AD64-832A721400A5}" type="presOf" srcId="{D809BE7A-F9AA-48E9-919A-E9BD3FB1D3DD}" destId="{66DE18CB-007D-47E9-B2BE-4EA0221E9A69}" srcOrd="0" destOrd="0" presId="urn:microsoft.com/office/officeart/2005/8/layout/venn1"/>
+    <dgm:cxn modelId="{9D53B883-73A4-4A15-BB45-4E532EB58449}" type="presOf" srcId="{3170B727-E72A-49B7-9114-ABD250BF24D4}" destId="{37C96542-9F6E-4274-8B42-E6420CECEB59}" srcOrd="0" destOrd="0" presId="urn:microsoft.com/office/officeart/2005/8/layout/venn1"/>
+    <dgm:cxn modelId="{BFDF358D-B600-4349-853F-CCCCA8B69F06}" srcId="{D809BE7A-F9AA-48E9-919A-E9BD3FB1D3DD}" destId="{3170B727-E72A-49B7-9114-ABD250BF24D4}" srcOrd="4" destOrd="0" parTransId="{D2893ACF-B8AA-4CFF-94EB-DD59A941A975}" sibTransId="{90497537-1ED3-4A14-8804-DEEFEBE48B17}"/>
+    <dgm:cxn modelId="{D7C18BEF-94E4-4AFB-9948-75A669A09DA0}" srcId="{D809BE7A-F9AA-48E9-919A-E9BD3FB1D3DD}" destId="{CDC65F9A-B73D-4AC6-8090-6B95D98475A8}" srcOrd="2" destOrd="0" parTransId="{D2D875E4-827A-4ABF-8D18-0A7B6B78AEAD}" sibTransId="{B06EEE59-E680-435B-AFE3-E8C20690B62F}"/>
     <dgm:cxn modelId="{0ABC8D57-353A-41A3-82BC-DB6105BF5F36}" srcId="{D809BE7A-F9AA-48E9-919A-E9BD3FB1D3DD}" destId="{CB00BECD-C643-495A-BDBA-8C2C0EA6BADC}" srcOrd="5" destOrd="0" parTransId="{638DD8E3-5B70-451F-A1F2-4CA33E5A04FD}" sibTransId="{5168F07F-1E5D-4252-8513-68A726960C15}"/>
     <dgm:cxn modelId="{92EE3D81-5412-4E14-AE8B-FE1B2FDBB940}" type="presOf" srcId="{10EDE2FF-0426-4F2F-A5D8-1E283506C9A0}" destId="{56ABCDAE-863A-4956-A6ED-953A0223FC6E}" srcOrd="0" destOrd="0" presId="urn:microsoft.com/office/officeart/2005/8/layout/venn1"/>
+    <dgm:cxn modelId="{9BA06FBB-A046-4130-B39F-C3C99B960636}" type="presOf" srcId="{089E12B4-51E7-4530-9B85-DDE5A99D6DAB}" destId="{25064A5B-19DD-4405-90B4-F8103CD51158}" srcOrd="0" destOrd="0" presId="urn:microsoft.com/office/officeart/2005/8/layout/venn1"/>
+    <dgm:cxn modelId="{7E4ED2DF-9E61-4375-B585-78F3866C9B03}" srcId="{D809BE7A-F9AA-48E9-919A-E9BD3FB1D3DD}" destId="{D706A245-86CB-4708-8370-6AD6F590BD59}" srcOrd="3" destOrd="0" parTransId="{14778FFE-619A-484C-B4BE-8579646BAF22}" sibTransId="{2BB3B027-1771-4817-B759-C26122853C4C}"/>
+    <dgm:cxn modelId="{205410DC-CBE7-42E0-99BA-95C01C42C234}" type="presOf" srcId="{D706A245-86CB-4708-8370-6AD6F590BD59}" destId="{A10EE39D-0332-4BF2-A61A-FF4819EE03ED}" srcOrd="0" destOrd="0" presId="urn:microsoft.com/office/officeart/2005/8/layout/venn1"/>
+    <dgm:cxn modelId="{C5BE5BCD-A88D-413A-A329-101CBD35A6D6}" type="presOf" srcId="{CDC65F9A-B73D-4AC6-8090-6B95D98475A8}" destId="{1557AF40-B21A-477B-89B7-420F750C7D25}" srcOrd="0" destOrd="0" presId="urn:microsoft.com/office/officeart/2005/8/layout/venn1"/>
+    <dgm:cxn modelId="{5C9ACA4E-CC38-4D02-AD64-832A721400A5}" type="presOf" srcId="{D809BE7A-F9AA-48E9-919A-E9BD3FB1D3DD}" destId="{66DE18CB-007D-47E9-B2BE-4EA0221E9A69}" srcOrd="0" destOrd="0" presId="urn:microsoft.com/office/officeart/2005/8/layout/venn1"/>
+    <dgm:cxn modelId="{265F681F-32EF-4B49-BE93-0DE52B537E02}" srcId="{D809BE7A-F9AA-48E9-919A-E9BD3FB1D3DD}" destId="{089E12B4-51E7-4530-9B85-DDE5A99D6DAB}" srcOrd="1" destOrd="0" parTransId="{2CC1EF01-4432-484C-A682-20CC8D9C6617}" sibTransId="{D972643E-FCF7-4768-9292-859C88A07579}"/>
+    <dgm:cxn modelId="{2E4098ED-A61D-4F0C-AE3F-C997808FDF9A}" srcId="{D809BE7A-F9AA-48E9-919A-E9BD3FB1D3DD}" destId="{10EDE2FF-0426-4F2F-A5D8-1E283506C9A0}" srcOrd="0" destOrd="0" parTransId="{91912E94-0FAB-433B-B9D1-2C488C96CF9F}" sibTransId="{E2687846-C2A2-4F84-9982-E5AA9F38A092}"/>
     <dgm:cxn modelId="{2D825383-C75E-4A48-98B7-9BAFE6475CEF}" type="presOf" srcId="{CB00BECD-C643-495A-BDBA-8C2C0EA6BADC}" destId="{9C8EE873-BD3F-4F6F-A7E0-19568FE70224}" srcOrd="0" destOrd="0" presId="urn:microsoft.com/office/officeart/2005/8/layout/venn1"/>
-    <dgm:cxn modelId="{9D53B883-73A4-4A15-BB45-4E532EB58449}" type="presOf" srcId="{3170B727-E72A-49B7-9114-ABD250BF24D4}" destId="{37C96542-9F6E-4274-8B42-E6420CECEB59}" srcOrd="0" destOrd="0" presId="urn:microsoft.com/office/officeart/2005/8/layout/venn1"/>
-    <dgm:cxn modelId="{BFDF358D-B600-4349-853F-CCCCA8B69F06}" srcId="{D809BE7A-F9AA-48E9-919A-E9BD3FB1D3DD}" destId="{3170B727-E72A-49B7-9114-ABD250BF24D4}" srcOrd="4" destOrd="0" parTransId="{D2893ACF-B8AA-4CFF-94EB-DD59A941A975}" sibTransId="{90497537-1ED3-4A14-8804-DEEFEBE48B17}"/>
-    <dgm:cxn modelId="{9BA06FBB-A046-4130-B39F-C3C99B960636}" type="presOf" srcId="{089E12B4-51E7-4530-9B85-DDE5A99D6DAB}" destId="{25064A5B-19DD-4405-90B4-F8103CD51158}" srcOrd="0" destOrd="0" presId="urn:microsoft.com/office/officeart/2005/8/layout/venn1"/>
-    <dgm:cxn modelId="{C5BE5BCD-A88D-413A-A329-101CBD35A6D6}" type="presOf" srcId="{CDC65F9A-B73D-4AC6-8090-6B95D98475A8}" destId="{1557AF40-B21A-477B-89B7-420F750C7D25}" srcOrd="0" destOrd="0" presId="urn:microsoft.com/office/officeart/2005/8/layout/venn1"/>
-    <dgm:cxn modelId="{205410DC-CBE7-42E0-99BA-95C01C42C234}" type="presOf" srcId="{D706A245-86CB-4708-8370-6AD6F590BD59}" destId="{A10EE39D-0332-4BF2-A61A-FF4819EE03ED}" srcOrd="0" destOrd="0" presId="urn:microsoft.com/office/officeart/2005/8/layout/venn1"/>
-    <dgm:cxn modelId="{7E4ED2DF-9E61-4375-B585-78F3866C9B03}" srcId="{D809BE7A-F9AA-48E9-919A-E9BD3FB1D3DD}" destId="{D706A245-86CB-4708-8370-6AD6F590BD59}" srcOrd="3" destOrd="0" parTransId="{14778FFE-619A-484C-B4BE-8579646BAF22}" sibTransId="{2BB3B027-1771-4817-B759-C26122853C4C}"/>
-    <dgm:cxn modelId="{2E4098ED-A61D-4F0C-AE3F-C997808FDF9A}" srcId="{D809BE7A-F9AA-48E9-919A-E9BD3FB1D3DD}" destId="{10EDE2FF-0426-4F2F-A5D8-1E283506C9A0}" srcOrd="0" destOrd="0" parTransId="{91912E94-0FAB-433B-B9D1-2C488C96CF9F}" sibTransId="{E2687846-C2A2-4F84-9982-E5AA9F38A092}"/>
-    <dgm:cxn modelId="{D7C18BEF-94E4-4AFB-9948-75A669A09DA0}" srcId="{D809BE7A-F9AA-48E9-919A-E9BD3FB1D3DD}" destId="{CDC65F9A-B73D-4AC6-8090-6B95D98475A8}" srcOrd="2" destOrd="0" parTransId="{D2D875E4-827A-4ABF-8D18-0A7B6B78AEAD}" sibTransId="{B06EEE59-E680-435B-AFE3-E8C20690B62F}"/>
     <dgm:cxn modelId="{6FE49B25-28A7-4D62-9BD2-C67A52007E19}" type="presParOf" srcId="{66DE18CB-007D-47E9-B2BE-4EA0221E9A69}" destId="{291230A6-41BA-46E8-AE74-0AE8509D7D45}" srcOrd="0" destOrd="0" presId="urn:microsoft.com/office/officeart/2005/8/layout/venn1"/>
     <dgm:cxn modelId="{1B2C15AF-4473-4AFA-A9F3-7E15851D5471}" type="presParOf" srcId="{66DE18CB-007D-47E9-B2BE-4EA0221E9A69}" destId="{56ABCDAE-863A-4956-A6ED-953A0223FC6E}" srcOrd="1" destOrd="0" presId="urn:microsoft.com/office/officeart/2005/8/layout/venn1"/>
     <dgm:cxn modelId="{BC55D963-1DB3-4EBE-A9B4-E3698E789DA5}" type="presParOf" srcId="{66DE18CB-007D-47E9-B2BE-4EA0221E9A69}" destId="{62E1C0D3-D0B3-403F-BF92-584D10960D5B}" srcOrd="2" destOrd="0" presId="urn:microsoft.com/office/officeart/2005/8/layout/venn1"/>
@@ -1248,6 +2311,287 @@
 </file>
 
 <file path=ppt/diagrams/drawing1.xml><?xml version="1.0" encoding="utf-8"?>
+<dsp:drawing xmlns:dgm="http://schemas.openxmlformats.org/drawingml/2006/diagram" xmlns:dsp="http://schemas.microsoft.com/office/drawing/2008/diagram" xmlns:a="http://schemas.openxmlformats.org/drawingml/2006/main">
+  <dsp:spTree>
+    <dsp:nvGrpSpPr>
+      <dsp:cNvPr id="0" name=""/>
+      <dsp:cNvGrpSpPr/>
+    </dsp:nvGrpSpPr>
+    <dsp:grpSpPr/>
+    <dsp:sp modelId="{291230A6-41BA-46E8-AE74-0AE8509D7D45}">
+      <dsp:nvSpPr>
+        <dsp:cNvPr id="0" name=""/>
+        <dsp:cNvSpPr/>
+      </dsp:nvSpPr>
+      <dsp:spPr>
+        <a:xfrm>
+          <a:off x="3225434" y="76676"/>
+          <a:ext cx="3680452" cy="3680452"/>
+        </a:xfrm>
+        <a:prstGeom prst="ellipse">
+          <a:avLst/>
+        </a:prstGeom>
+        <a:solidFill>
+          <a:schemeClr val="accent1">
+            <a:alpha val="50000"/>
+            <a:hueOff val="0"/>
+            <a:satOff val="0"/>
+            <a:lumOff val="0"/>
+            <a:alphaOff val="0"/>
+          </a:schemeClr>
+        </a:solidFill>
+        <a:ln w="12700" cap="flat" cmpd="sng" algn="ctr">
+          <a:solidFill>
+            <a:schemeClr val="lt1">
+              <a:hueOff val="0"/>
+              <a:satOff val="0"/>
+              <a:lumOff val="0"/>
+              <a:alphaOff val="0"/>
+            </a:schemeClr>
+          </a:solidFill>
+          <a:prstDash val="solid"/>
+          <a:miter lim="800000"/>
+        </a:ln>
+        <a:effectLst/>
+      </dsp:spPr>
+      <dsp:style>
+        <a:lnRef idx="2">
+          <a:scrgbClr r="0" g="0" b="0"/>
+        </a:lnRef>
+        <a:fillRef idx="1">
+          <a:scrgbClr r="0" g="0" b="0"/>
+        </a:fillRef>
+        <a:effectRef idx="0">
+          <a:scrgbClr r="0" g="0" b="0"/>
+        </a:effectRef>
+        <a:fontRef idx="minor">
+          <a:schemeClr val="tx1"/>
+        </a:fontRef>
+      </dsp:style>
+      <dsp:txBody>
+        <a:bodyPr spcFirstLastPara="0" vert="horz" wrap="square" lIns="0" tIns="0" rIns="0" bIns="0" numCol="1" spcCol="1270" anchor="ctr" anchorCtr="0">
+          <a:noAutofit/>
+        </a:bodyPr>
+        <a:lstStyle/>
+        <a:p>
+          <a:pPr lvl="0" algn="ctr" defTabSz="1778000">
+            <a:lnSpc>
+              <a:spcPct val="90000"/>
+            </a:lnSpc>
+            <a:spcBef>
+              <a:spcPct val="0"/>
+            </a:spcBef>
+            <a:spcAft>
+              <a:spcPct val="35000"/>
+            </a:spcAft>
+          </a:pPr>
+          <a:r>
+            <a:rPr lang="en-US" sz="4000" kern="1200" dirty="0" smtClean="0">
+              <a:solidFill>
+                <a:schemeClr val="bg1"/>
+              </a:solidFill>
+            </a:rPr>
+            <a:t>Classroom Meetup</a:t>
+          </a:r>
+          <a:endParaRPr lang="en-US" sz="4000" kern="1200" dirty="0">
+            <a:solidFill>
+              <a:schemeClr val="bg1"/>
+            </a:solidFill>
+          </a:endParaRPr>
+        </a:p>
+      </dsp:txBody>
+      <dsp:txXfrm>
+        <a:off x="3716161" y="720755"/>
+        <a:ext cx="2698998" cy="1656203"/>
+      </dsp:txXfrm>
+    </dsp:sp>
+    <dsp:sp modelId="{FA11B4C0-B91D-4CFD-8E76-BA14698B5669}">
+      <dsp:nvSpPr>
+        <dsp:cNvPr id="0" name=""/>
+        <dsp:cNvSpPr/>
+      </dsp:nvSpPr>
+      <dsp:spPr>
+        <a:xfrm>
+          <a:off x="4553464" y="2376958"/>
+          <a:ext cx="3680452" cy="3680452"/>
+        </a:xfrm>
+        <a:prstGeom prst="ellipse">
+          <a:avLst/>
+        </a:prstGeom>
+        <a:solidFill>
+          <a:schemeClr val="accent1">
+            <a:alpha val="50000"/>
+            <a:hueOff val="0"/>
+            <a:satOff val="0"/>
+            <a:lumOff val="0"/>
+            <a:alphaOff val="0"/>
+          </a:schemeClr>
+        </a:solidFill>
+        <a:ln w="12700" cap="flat" cmpd="sng" algn="ctr">
+          <a:solidFill>
+            <a:schemeClr val="lt1">
+              <a:hueOff val="0"/>
+              <a:satOff val="0"/>
+              <a:lumOff val="0"/>
+              <a:alphaOff val="0"/>
+            </a:schemeClr>
+          </a:solidFill>
+          <a:prstDash val="solid"/>
+          <a:miter lim="800000"/>
+        </a:ln>
+        <a:effectLst/>
+      </dsp:spPr>
+      <dsp:style>
+        <a:lnRef idx="2">
+          <a:scrgbClr r="0" g="0" b="0"/>
+        </a:lnRef>
+        <a:fillRef idx="1">
+          <a:scrgbClr r="0" g="0" b="0"/>
+        </a:fillRef>
+        <a:effectRef idx="0">
+          <a:scrgbClr r="0" g="0" b="0"/>
+        </a:effectRef>
+        <a:fontRef idx="minor">
+          <a:schemeClr val="tx1"/>
+        </a:fontRef>
+      </dsp:style>
+      <dsp:txBody>
+        <a:bodyPr spcFirstLastPara="0" vert="horz" wrap="square" lIns="0" tIns="0" rIns="0" bIns="0" numCol="1" spcCol="1270" anchor="ctr" anchorCtr="0">
+          <a:noAutofit/>
+        </a:bodyPr>
+        <a:lstStyle/>
+        <a:p>
+          <a:pPr lvl="0" algn="ctr" defTabSz="1778000">
+            <a:lnSpc>
+              <a:spcPct val="90000"/>
+            </a:lnSpc>
+            <a:spcBef>
+              <a:spcPct val="0"/>
+            </a:spcBef>
+            <a:spcAft>
+              <a:spcPct val="35000"/>
+            </a:spcAft>
+          </a:pPr>
+          <a:r>
+            <a:rPr lang="en-US" sz="4000" kern="1200" dirty="0" smtClean="0">
+              <a:solidFill>
+                <a:schemeClr val="bg1"/>
+              </a:solidFill>
+            </a:rPr>
+            <a:t>Email </a:t>
+          </a:r>
+          <a:r>
+            <a:rPr lang="en-US" sz="4000" kern="1200" dirty="0" err="1" smtClean="0">
+              <a:solidFill>
+                <a:schemeClr val="bg1"/>
+              </a:solidFill>
+            </a:rPr>
+            <a:t>Github</a:t>
+          </a:r>
+          <a:endParaRPr lang="en-US" sz="4000" kern="1200" dirty="0">
+            <a:solidFill>
+              <a:schemeClr val="bg1"/>
+            </a:solidFill>
+          </a:endParaRPr>
+        </a:p>
+      </dsp:txBody>
+      <dsp:txXfrm>
+        <a:off x="5679069" y="3327742"/>
+        <a:ext cx="2208271" cy="2024248"/>
+      </dsp:txXfrm>
+    </dsp:sp>
+    <dsp:sp modelId="{2902C9EC-BD0A-483C-9C48-A726CFCEA416}">
+      <dsp:nvSpPr>
+        <dsp:cNvPr id="0" name=""/>
+        <dsp:cNvSpPr/>
+      </dsp:nvSpPr>
+      <dsp:spPr>
+        <a:xfrm>
+          <a:off x="1897405" y="2376958"/>
+          <a:ext cx="3680452" cy="3680452"/>
+        </a:xfrm>
+        <a:prstGeom prst="ellipse">
+          <a:avLst/>
+        </a:prstGeom>
+        <a:solidFill>
+          <a:schemeClr val="accent1">
+            <a:alpha val="50000"/>
+            <a:hueOff val="0"/>
+            <a:satOff val="0"/>
+            <a:lumOff val="0"/>
+            <a:alphaOff val="0"/>
+          </a:schemeClr>
+        </a:solidFill>
+        <a:ln w="12700" cap="flat" cmpd="sng" algn="ctr">
+          <a:solidFill>
+            <a:schemeClr val="lt1">
+              <a:hueOff val="0"/>
+              <a:satOff val="0"/>
+              <a:lumOff val="0"/>
+              <a:alphaOff val="0"/>
+            </a:schemeClr>
+          </a:solidFill>
+          <a:prstDash val="solid"/>
+          <a:miter lim="800000"/>
+        </a:ln>
+        <a:effectLst/>
+      </dsp:spPr>
+      <dsp:style>
+        <a:lnRef idx="2">
+          <a:scrgbClr r="0" g="0" b="0"/>
+        </a:lnRef>
+        <a:fillRef idx="1">
+          <a:scrgbClr r="0" g="0" b="0"/>
+        </a:fillRef>
+        <a:effectRef idx="0">
+          <a:scrgbClr r="0" g="0" b="0"/>
+        </a:effectRef>
+        <a:fontRef idx="minor">
+          <a:schemeClr val="tx1"/>
+        </a:fontRef>
+      </dsp:style>
+      <dsp:txBody>
+        <a:bodyPr spcFirstLastPara="0" vert="horz" wrap="square" lIns="0" tIns="0" rIns="0" bIns="0" numCol="1" spcCol="1270" anchor="ctr" anchorCtr="0">
+          <a:noAutofit/>
+        </a:bodyPr>
+        <a:lstStyle/>
+        <a:p>
+          <a:pPr lvl="0" algn="ctr" defTabSz="1778000">
+            <a:lnSpc>
+              <a:spcPct val="90000"/>
+            </a:lnSpc>
+            <a:spcBef>
+              <a:spcPct val="0"/>
+            </a:spcBef>
+            <a:spcAft>
+              <a:spcPct val="35000"/>
+            </a:spcAft>
+          </a:pPr>
+          <a:r>
+            <a:rPr lang="en-US" sz="4000" kern="1200" dirty="0" smtClean="0">
+              <a:solidFill>
+                <a:schemeClr val="bg1"/>
+              </a:solidFill>
+            </a:rPr>
+            <a:t>YouTube</a:t>
+          </a:r>
+          <a:endParaRPr lang="en-US" sz="4000" kern="1200" dirty="0">
+            <a:solidFill>
+              <a:schemeClr val="bg1"/>
+            </a:solidFill>
+          </a:endParaRPr>
+        </a:p>
+      </dsp:txBody>
+      <dsp:txXfrm>
+        <a:off x="2243980" y="3327742"/>
+        <a:ext cx="2208271" cy="2024248"/>
+      </dsp:txXfrm>
+    </dsp:sp>
+  </dsp:spTree>
+</dsp:drawing>
+</file>
+
+<file path=ppt/diagrams/drawing2.xml><?xml version="1.0" encoding="utf-8"?>
 <dsp:drawing xmlns:dgm="http://schemas.openxmlformats.org/drawingml/2006/diagram" xmlns:dsp="http://schemas.microsoft.com/office/drawing/2008/diagram" xmlns:a="http://schemas.openxmlformats.org/drawingml/2006/main">
   <dsp:spTree>
     <dsp:nvGrpSpPr>
@@ -1344,7 +2688,7 @@
         </a:bodyPr>
         <a:lstStyle/>
         <a:p>
-          <a:pPr marL="0" lvl="0" indent="0" algn="ctr" defTabSz="1778000">
+          <a:pPr lvl="0" algn="ctr" defTabSz="1778000">
             <a:lnSpc>
               <a:spcPct val="90000"/>
             </a:lnSpc>
@@ -1354,7 +2698,6 @@
             <a:spcAft>
               <a:spcPct val="35000"/>
             </a:spcAft>
-            <a:buNone/>
           </a:pPr>
           <a:r>
             <a:rPr lang="en-US" sz="4000" kern="1200" dirty="0">
@@ -1460,7 +2803,7 @@
         </a:bodyPr>
         <a:lstStyle/>
         <a:p>
-          <a:pPr marL="0" lvl="0" indent="0" algn="ctr" defTabSz="1778000">
+          <a:pPr lvl="0" algn="ctr" defTabSz="1778000">
             <a:lnSpc>
               <a:spcPct val="90000"/>
             </a:lnSpc>
@@ -1470,7 +2813,6 @@
             <a:spcAft>
               <a:spcPct val="35000"/>
             </a:spcAft>
-            <a:buNone/>
           </a:pPr>
           <a:r>
             <a:rPr lang="en-US" sz="4000" kern="1200" dirty="0">
@@ -1576,7 +2918,7 @@
         </a:bodyPr>
         <a:lstStyle/>
         <a:p>
-          <a:pPr marL="0" lvl="0" indent="0" algn="ctr" defTabSz="1778000">
+          <a:pPr lvl="0" algn="ctr" defTabSz="1778000">
             <a:lnSpc>
               <a:spcPct val="90000"/>
             </a:lnSpc>
@@ -1586,7 +2928,6 @@
             <a:spcAft>
               <a:spcPct val="35000"/>
             </a:spcAft>
-            <a:buNone/>
           </a:pPr>
           <a:r>
             <a:rPr lang="en-US" sz="4000" kern="1200" dirty="0">
@@ -1692,7 +3033,7 @@
         </a:bodyPr>
         <a:lstStyle/>
         <a:p>
-          <a:pPr marL="0" lvl="0" indent="0" algn="ctr" defTabSz="1778000">
+          <a:pPr lvl="0" algn="ctr" defTabSz="1778000">
             <a:lnSpc>
               <a:spcPct val="90000"/>
             </a:lnSpc>
@@ -1702,7 +3043,6 @@
             <a:spcAft>
               <a:spcPct val="35000"/>
             </a:spcAft>
-            <a:buNone/>
           </a:pPr>
           <a:r>
             <a:rPr lang="en-US" sz="4000" kern="1200" dirty="0">
@@ -1808,7 +3148,7 @@
         </a:bodyPr>
         <a:lstStyle/>
         <a:p>
-          <a:pPr marL="0" lvl="0" indent="0" algn="ctr" defTabSz="1778000">
+          <a:pPr lvl="0" algn="ctr" defTabSz="1778000">
             <a:lnSpc>
               <a:spcPct val="90000"/>
             </a:lnSpc>
@@ -1818,7 +3158,6 @@
             <a:spcAft>
               <a:spcPct val="35000"/>
             </a:spcAft>
-            <a:buNone/>
           </a:pPr>
           <a:r>
             <a:rPr lang="en-US" sz="4000" kern="1200" dirty="0">
@@ -1924,7 +3263,7 @@
         </a:bodyPr>
         <a:lstStyle/>
         <a:p>
-          <a:pPr marL="0" lvl="0" indent="0" algn="ctr" defTabSz="1778000">
+          <a:pPr lvl="0" algn="ctr" defTabSz="1778000">
             <a:lnSpc>
               <a:spcPct val="90000"/>
             </a:lnSpc>
@@ -1934,7 +3273,6 @@
             <a:spcAft>
               <a:spcPct val="35000"/>
             </a:spcAft>
-            <a:buNone/>
           </a:pPr>
           <a:r>
             <a:rPr lang="en-US" sz="4000" kern="1200" dirty="0">
@@ -2830,7 +4168,1916 @@
 </dgm:layoutDef>
 </file>
 
+<file path=ppt/diagrams/layout2.xml><?xml version="1.0" encoding="utf-8"?>
+<dgm:layoutDef xmlns:dgm="http://schemas.openxmlformats.org/drawingml/2006/diagram" xmlns:a="http://schemas.openxmlformats.org/drawingml/2006/main" uniqueId="urn:microsoft.com/office/officeart/2005/8/layout/venn1">
+  <dgm:title val=""/>
+  <dgm:desc val=""/>
+  <dgm:catLst>
+    <dgm:cat type="relationship" pri="28000"/>
+    <dgm:cat type="convert" pri="19000"/>
+  </dgm:catLst>
+  <dgm:sampData useDef="1">
+    <dgm:dataModel>
+      <dgm:ptLst/>
+      <dgm:bg/>
+      <dgm:whole/>
+    </dgm:dataModel>
+  </dgm:sampData>
+  <dgm:styleData useDef="1">
+    <dgm:dataModel>
+      <dgm:ptLst/>
+      <dgm:bg/>
+      <dgm:whole/>
+    </dgm:dataModel>
+  </dgm:styleData>
+  <dgm:clrData>
+    <dgm:dataModel>
+      <dgm:ptLst>
+        <dgm:pt modelId="0" type="doc"/>
+        <dgm:pt modelId="1"/>
+        <dgm:pt modelId="2"/>
+        <dgm:pt modelId="3"/>
+        <dgm:pt modelId="4"/>
+      </dgm:ptLst>
+      <dgm:cxnLst>
+        <dgm:cxn modelId="7" srcId="0" destId="1" srcOrd="0" destOrd="0"/>
+        <dgm:cxn modelId="8" srcId="0" destId="2" srcOrd="1" destOrd="0"/>
+        <dgm:cxn modelId="9" srcId="0" destId="3" srcOrd="2" destOrd="0"/>
+        <dgm:cxn modelId="10" srcId="0" destId="4" srcOrd="3" destOrd="0"/>
+      </dgm:cxnLst>
+      <dgm:bg/>
+      <dgm:whole/>
+    </dgm:dataModel>
+  </dgm:clrData>
+  <dgm:layoutNode name="compositeShape">
+    <dgm:varLst>
+      <dgm:chMax val="7"/>
+      <dgm:dir/>
+      <dgm:resizeHandles val="exact"/>
+    </dgm:varLst>
+    <dgm:choose name="Name0">
+      <dgm:if name="Name1" axis="ch" ptType="node" func="cnt" op="equ" val="1">
+        <dgm:alg type="composite">
+          <dgm:param type="ar" val="1"/>
+        </dgm:alg>
+      </dgm:if>
+      <dgm:if name="Name2" axis="ch" ptType="node" func="cnt" op="equ" val="2">
+        <dgm:alg type="composite">
+          <dgm:param type="ar" val="1.792"/>
+        </dgm:alg>
+      </dgm:if>
+      <dgm:if name="Name3" axis="ch" ptType="node" func="cnt" op="equ" val="3">
+        <dgm:alg type="composite">
+          <dgm:param type="ar" val="1"/>
+        </dgm:alg>
+      </dgm:if>
+      <dgm:if name="Name4" axis="ch" ptType="node" func="cnt" op="equ" val="4">
+        <dgm:alg type="composite">
+          <dgm:param type="ar" val="1"/>
+        </dgm:alg>
+      </dgm:if>
+      <dgm:if name="Name5" axis="ch" ptType="node" func="cnt" op="equ" val="5">
+        <dgm:alg type="composite">
+          <dgm:param type="ar" val="1.4"/>
+        </dgm:alg>
+      </dgm:if>
+      <dgm:if name="Name6" axis="ch" ptType="node" func="cnt" op="equ" val="6">
+        <dgm:alg type="composite">
+          <dgm:param type="ar" val="1.285"/>
+        </dgm:alg>
+      </dgm:if>
+      <dgm:if name="Name7" axis="ch" ptType="node" func="cnt" op="equ" val="7">
+        <dgm:alg type="composite">
+          <dgm:param type="ar" val="1.359"/>
+        </dgm:alg>
+      </dgm:if>
+      <dgm:else name="Name8">
+        <dgm:alg type="composite">
+          <dgm:param type="ar" val="1.359"/>
+        </dgm:alg>
+      </dgm:else>
+    </dgm:choose>
+    <dgm:shape xmlns:r="http://schemas.openxmlformats.org/officeDocument/2006/relationships" r:blip="">
+      <dgm:adjLst/>
+    </dgm:shape>
+    <dgm:presOf/>
+    <dgm:choose name="Name9">
+      <dgm:if name="Name10" axis="ch" ptType="node" func="cnt" op="equ" val="1">
+        <dgm:constrLst>
+          <dgm:constr type="ctrX" for="ch" forName="circ1TxSh" refType="w" fact="0.5"/>
+          <dgm:constr type="ctrY" for="ch" forName="circ1TxSh" refType="h" fact="0.5"/>
+          <dgm:constr type="w" for="ch" forName="circ1TxSh" refType="w"/>
+          <dgm:constr type="h" for="ch" forName="circ1TxSh" refType="h"/>
+          <dgm:constr type="primFontSz" for="ch" ptType="node" op="equ"/>
+        </dgm:constrLst>
+      </dgm:if>
+      <dgm:if name="Name11" axis="ch" ptType="node" func="cnt" op="equ" val="2">
+        <dgm:constrLst>
+          <dgm:constr type="ctrX" for="ch" forName="circ1" refType="w" fact="0.3"/>
+          <dgm:constr type="ctrY" for="ch" forName="circ1" refType="h" fact="0.5"/>
+          <dgm:constr type="w" for="ch" forName="circ1" refType="w" fact="0.555"/>
+          <dgm:constr type="h" for="ch" forName="circ1" refType="h" fact="0.99456"/>
+          <dgm:constr type="l" for="ch" forName="circ1Tx" refType="w" fact="0.1"/>
+          <dgm:constr type="t" for="ch" forName="circ1Tx" refType="h" fact="0.12"/>
+          <dgm:constr type="w" for="ch" forName="circ1Tx" refType="w" fact="0.32"/>
+          <dgm:constr type="h" for="ch" forName="circ1Tx" refType="h" fact="0.76"/>
+          <dgm:constr type="ctrX" for="ch" forName="circ2" refType="w" fact="0.7"/>
+          <dgm:constr type="ctrY" for="ch" forName="circ2" refType="h" fact="0.5"/>
+          <dgm:constr type="w" for="ch" forName="circ2" refType="w" fact="0.555"/>
+          <dgm:constr type="h" for="ch" forName="circ2" refType="h" fact="0.99456"/>
+          <dgm:constr type="l" for="ch" forName="circ2Tx" refType="w" fact="0.58"/>
+          <dgm:constr type="t" for="ch" forName="circ2Tx" refType="h" fact="0.12"/>
+          <dgm:constr type="w" for="ch" forName="circ2Tx" refType="w" fact="0.32"/>
+          <dgm:constr type="h" for="ch" forName="circ2Tx" refType="h" fact="0.76"/>
+          <dgm:constr type="primFontSz" for="ch" ptType="node" op="equ"/>
+        </dgm:constrLst>
+      </dgm:if>
+      <dgm:if name="Name12" axis="ch" ptType="node" func="cnt" op="equ" val="3">
+        <dgm:constrLst>
+          <dgm:constr type="ctrX" for="ch" forName="circ1" refType="w" fact="0.5"/>
+          <dgm:constr type="ctrY" for="ch" forName="circ1" refType="w" fact="0.25"/>
+          <dgm:constr type="w" for="ch" forName="circ1" refType="w" fact="0.6"/>
+          <dgm:constr type="h" for="ch" forName="circ1" refType="h" fact="0.6"/>
+          <dgm:constr type="l" for="ch" forName="circ1Tx" refType="w" fact="0.28"/>
+          <dgm:constr type="t" for="ch" forName="circ1Tx" refType="h" fact="0.055"/>
+          <dgm:constr type="w" for="ch" forName="circ1Tx" refType="w" fact="0.44"/>
+          <dgm:constr type="h" for="ch" forName="circ1Tx" refType="h" fact="0.27"/>
+          <dgm:constr type="ctrX" for="ch" forName="circ2" refType="w" fact="0.7165"/>
+          <dgm:constr type="ctrY" for="ch" forName="circ2" refType="w" fact="0.625"/>
+          <dgm:constr type="w" for="ch" forName="circ2" refType="w" fact="0.6"/>
+          <dgm:constr type="h" for="ch" forName="circ2" refType="h" fact="0.6"/>
+          <dgm:constr type="l" for="ch" forName="circ2Tx" refType="w" fact="0.6"/>
+          <dgm:constr type="t" for="ch" forName="circ2Tx" refType="h" fact="0.48"/>
+          <dgm:constr type="w" for="ch" forName="circ2Tx" refType="w" fact="0.36"/>
+          <dgm:constr type="h" for="ch" forName="circ2Tx" refType="h" fact="0.33"/>
+          <dgm:constr type="ctrX" for="ch" forName="circ3" refType="w" fact="0.2835"/>
+          <dgm:constr type="ctrY" for="ch" forName="circ3" refType="w" fact="0.625"/>
+          <dgm:constr type="w" for="ch" forName="circ3" refType="w" fact="0.6"/>
+          <dgm:constr type="h" for="ch" forName="circ3" refType="h" fact="0.6"/>
+          <dgm:constr type="l" for="ch" forName="circ3Tx" refType="w" fact="0.04"/>
+          <dgm:constr type="t" for="ch" forName="circ3Tx" refType="h" fact="0.48"/>
+          <dgm:constr type="w" for="ch" forName="circ3Tx" refType="w" fact="0.36"/>
+          <dgm:constr type="h" for="ch" forName="circ3Tx" refType="h" fact="0.33"/>
+          <dgm:constr type="primFontSz" for="ch" ptType="node" op="equ"/>
+        </dgm:constrLst>
+      </dgm:if>
+      <dgm:if name="Name13" axis="ch" ptType="node" func="cnt" op="equ" val="4">
+        <dgm:constrLst>
+          <dgm:constr type="ctrX" for="ch" forName="circ1" refType="w" fact="0.5"/>
+          <dgm:constr type="ctrY" for="ch" forName="circ1" refType="w" fact="0.27"/>
+          <dgm:constr type="w" for="ch" forName="circ1" refType="w" fact="0.52"/>
+          <dgm:constr type="h" for="ch" forName="circ1" refType="h" fact="0.52"/>
+          <dgm:constr type="l" for="ch" forName="circ1Tx" refType="w" fact="0.3"/>
+          <dgm:constr type="t" for="ch" forName="circ1Tx" refType="h" fact="0.08"/>
+          <dgm:constr type="w" for="ch" forName="circ1Tx" refType="w" fact="0.4"/>
+          <dgm:constr type="h" for="ch" forName="circ1Tx" refType="h" fact="0.165"/>
+          <dgm:constr type="ctrX" for="ch" forName="circ2" refType="w" fact="0.73"/>
+          <dgm:constr type="ctrY" for="ch" forName="circ2" refType="w" fact="0.5"/>
+          <dgm:constr type="w" for="ch" forName="circ2" refType="w" fact="0.52"/>
+          <dgm:constr type="h" for="ch" forName="circ2" refType="h" fact="0.52"/>
+          <dgm:constr type="r" for="ch" forName="circ2Tx" refType="w" fact="0.95"/>
+          <dgm:constr type="t" for="ch" forName="circ2Tx" refType="h" fact="0.3"/>
+          <dgm:constr type="w" for="ch" forName="circ2Tx" refType="w" fact="0.2"/>
+          <dgm:constr type="h" for="ch" forName="circ2Tx" refType="h" fact="0.4"/>
+          <dgm:constr type="ctrX" for="ch" forName="circ3" refType="w" fact="0.5"/>
+          <dgm:constr type="ctrY" for="ch" forName="circ3" refType="w" fact="0.73"/>
+          <dgm:constr type="w" for="ch" forName="circ3" refType="w" fact="0.52"/>
+          <dgm:constr type="h" for="ch" forName="circ3" refType="h" fact="0.52"/>
+          <dgm:constr type="l" for="ch" forName="circ3Tx" refType="w" fact="0.3"/>
+          <dgm:constr type="b" for="ch" forName="circ3Tx" refType="h" fact="0.92"/>
+          <dgm:constr type="w" for="ch" forName="circ3Tx" refType="w" fact="0.4"/>
+          <dgm:constr type="h" for="ch" forName="circ3Tx" refType="h" fact="0.165"/>
+          <dgm:constr type="ctrX" for="ch" forName="circ4" refType="w" fact="0.27"/>
+          <dgm:constr type="ctrY" for="ch" forName="circ4" refType="h" fact="0.5"/>
+          <dgm:constr type="w" for="ch" forName="circ4" refType="w" fact="0.52"/>
+          <dgm:constr type="h" for="ch" forName="circ4" refType="h" fact="0.52"/>
+          <dgm:constr type="l" for="ch" forName="circ4Tx" refType="w" fact="0.05"/>
+          <dgm:constr type="t" for="ch" forName="circ4Tx" refType="h" fact="0.3"/>
+          <dgm:constr type="w" for="ch" forName="circ4Tx" refType="w" fact="0.2"/>
+          <dgm:constr type="h" for="ch" forName="circ4Tx" refType="h" fact="0.4"/>
+          <dgm:constr type="primFontSz" for="ch" ptType="node" op="equ"/>
+        </dgm:constrLst>
+      </dgm:if>
+      <dgm:if name="Name14" axis="ch" ptType="node" func="cnt" op="equ" val="5">
+        <dgm:constrLst>
+          <dgm:constr type="ctrX" for="ch" forName="circ1" refType="w" fact="0.5"/>
+          <dgm:constr type="ctrY" for="ch" forName="circ1" refType="h" fact="0.46"/>
+          <dgm:constr type="w" for="ch" forName="circ1" refType="w" fact="0.25"/>
+          <dgm:constr type="h" for="ch" forName="circ1" refType="h" fact="0.35"/>
+          <dgm:constr type="l" for="ch" forName="circ1Tx" refType="w" fact="0.355"/>
+          <dgm:constr type="t" for="ch" forName="circ1Tx"/>
+          <dgm:constr type="w" for="ch" forName="circ1Tx" refType="w" fact="0.29"/>
+          <dgm:constr type="h" for="ch" forName="circ1Tx" refType="h" fact="0.235"/>
+          <dgm:constr type="ctrX" for="ch" forName="circ2" refType="w" fact="0.5951"/>
+          <dgm:constr type="ctrY" for="ch" forName="circ2" refType="h" fact="0.5567"/>
+          <dgm:constr type="w" for="ch" forName="circ2" refType="w" fact="0.25"/>
+          <dgm:constr type="h" for="ch" forName="circ2" refType="h" fact="0.35"/>
+          <dgm:constr type="l" for="ch" forName="circ2Tx" refType="w" fact="0.74"/>
+          <dgm:constr type="t" for="ch" forName="circ2Tx" refType="h" fact="0.31"/>
+          <dgm:constr type="w" for="ch" forName="circ2Tx" refType="w" fact="0.26"/>
+          <dgm:constr type="h" for="ch" forName="circ2Tx" refType="h" fact="0.255"/>
+          <dgm:constr type="ctrX" for="ch" forName="circ3" refType="w" fact="0.5588"/>
+          <dgm:constr type="ctrY" for="ch" forName="circ3" refType="h" fact="0.7133"/>
+          <dgm:constr type="w" for="ch" forName="circ3" refType="w" fact="0.25"/>
+          <dgm:constr type="h" for="ch" forName="circ3" refType="h" fact="0.35"/>
+          <dgm:constr type="l" for="ch" forName="circ3Tx" refType="w" fact="0.7"/>
+          <dgm:constr type="t" for="ch" forName="circ3Tx" refType="h" fact="0.745"/>
+          <dgm:constr type="w" for="ch" forName="circ3Tx" refType="w" fact="0.26"/>
+          <dgm:constr type="h" for="ch" forName="circ3Tx" refType="h" fact="0.255"/>
+          <dgm:constr type="ctrX" for="ch" forName="circ4" refType="w" fact="0.4412"/>
+          <dgm:constr type="ctrY" for="ch" forName="circ4" refType="h" fact="0.7133"/>
+          <dgm:constr type="w" for="ch" forName="circ4" refType="w" fact="0.25"/>
+          <dgm:constr type="h" for="ch" forName="circ4" refType="h" fact="0.35"/>
+          <dgm:constr type="l" for="ch" forName="circ4Tx" refType="w" fact="0.04"/>
+          <dgm:constr type="t" for="ch" forName="circ4Tx" refType="h" fact="0.745"/>
+          <dgm:constr type="w" for="ch" forName="circ4Tx" refType="w" fact="0.26"/>
+          <dgm:constr type="h" for="ch" forName="circ4Tx" refType="h" fact="0.255"/>
+          <dgm:constr type="ctrX" for="ch" forName="circ5" refType="w" fact="0.4049"/>
+          <dgm:constr type="ctrY" for="ch" forName="circ5" refType="h" fact="0.5567"/>
+          <dgm:constr type="w" for="ch" forName="circ5" refType="w" fact="0.25"/>
+          <dgm:constr type="h" for="ch" forName="circ5" refType="h" fact="0.35"/>
+          <dgm:constr type="l" for="ch" forName="circ5Tx"/>
+          <dgm:constr type="t" for="ch" forName="circ5Tx" refType="h" fact="0.31"/>
+          <dgm:constr type="w" for="ch" forName="circ5Tx" refType="w" fact="0.26"/>
+          <dgm:constr type="h" for="ch" forName="circ5Tx" refType="h" fact="0.255"/>
+          <dgm:constr type="primFontSz" for="ch" ptType="node" op="equ"/>
+        </dgm:constrLst>
+      </dgm:if>
+      <dgm:if name="Name15" axis="ch" ptType="node" func="cnt" op="equ" val="6">
+        <dgm:constrLst>
+          <dgm:constr type="ctrX" for="ch" forName="circ1" refType="w" fact="0.5"/>
+          <dgm:constr type="ctrY" for="ch" forName="circ1" refType="h" fact="0.3844"/>
+          <dgm:constr type="w" for="ch" forName="circ1" refType="w" fact="0.24"/>
+          <dgm:constr type="h" for="ch" forName="circ1" refType="h" fact="0.3084"/>
+          <dgm:constr type="l" for="ch" forName="circ1Tx" refType="w" fact="0.35"/>
+          <dgm:constr type="t" for="ch" forName="circ1Tx"/>
+          <dgm:constr type="w" for="ch" forName="circ1Tx" refType="w" fact="0.3"/>
+          <dgm:constr type="h" for="ch" forName="circ1Tx" refType="h" fact="0.21"/>
+          <dgm:constr type="ctrX" for="ch" forName="circ2" refType="w" fact="0.5779"/>
+          <dgm:constr type="ctrY" for="ch" forName="circ2" refType="h" fact="0.4422"/>
+          <dgm:constr type="w" for="ch" forName="circ2" refType="w" fact="0.24"/>
+          <dgm:constr type="h" for="ch" forName="circ2" refType="h" fact="0.3084"/>
+          <dgm:constr type="l" for="ch" forName="circ2Tx" refType="w" fact="0.7157"/>
+          <dgm:constr type="t" for="ch" forName="circ2Tx" refType="h" fact="0.2"/>
+          <dgm:constr type="w" for="ch" forName="circ2Tx" refType="w" fact="0.2843"/>
+          <dgm:constr type="h" for="ch" forName="circ2Tx" refType="h" fact="0.23"/>
+          <dgm:constr type="ctrX" for="ch" forName="circ3" refType="w" fact="0.5779"/>
+          <dgm:constr type="ctrY" for="ch" forName="circ3" refType="h" fact="0.5578"/>
+          <dgm:constr type="w" for="ch" forName="circ3" refType="w" fact="0.24"/>
+          <dgm:constr type="h" for="ch" forName="circ3" refType="h" fact="0.3084"/>
+          <dgm:constr type="l" for="ch" forName="circ3Tx" refType="w" fact="0.7157"/>
+          <dgm:constr type="t" for="ch" forName="circ3Tx" refType="h" fact="0.543"/>
+          <dgm:constr type="w" for="ch" forName="circ3Tx" refType="w" fact="0.2843"/>
+          <dgm:constr type="h" for="ch" forName="circ3Tx" refType="h" fact="0.257"/>
+          <dgm:constr type="ctrX" for="ch" forName="circ4" refType="w" fact="0.5"/>
+          <dgm:constr type="ctrY" for="ch" forName="circ4" refType="h" fact="0.6157"/>
+          <dgm:constr type="w" for="ch" forName="circ4" refType="w" fact="0.24"/>
+          <dgm:constr type="h" for="ch" forName="circ4" refType="h" fact="0.3084"/>
+          <dgm:constr type="l" for="ch" forName="circ4Tx" refType="w" fact="0.35"/>
+          <dgm:constr type="t" for="ch" forName="circ4Tx" refType="h" fact="0.79"/>
+          <dgm:constr type="w" for="ch" forName="circ4Tx" refType="w" fact="0.3"/>
+          <dgm:constr type="h" for="ch" forName="circ4Tx" refType="h" fact="0.21"/>
+          <dgm:constr type="ctrX" for="ch" forName="circ5" refType="w" fact="0.4221"/>
+          <dgm:constr type="ctrY" for="ch" forName="circ5" refType="h" fact="0.5578"/>
+          <dgm:constr type="w" for="ch" forName="circ5" refType="w" fact="0.24"/>
+          <dgm:constr type="h" for="ch" forName="circ5" refType="h" fact="0.3084"/>
+          <dgm:constr type="l" for="ch" forName="circ5Tx" refType="w" fact="0"/>
+          <dgm:constr type="t" for="ch" forName="circ5Tx" refType="h" fact="0.543"/>
+          <dgm:constr type="w" for="ch" forName="circ5Tx" refType="w" fact="0.2843"/>
+          <dgm:constr type="h" for="ch" forName="circ5Tx" refType="h" fact="0.257"/>
+          <dgm:constr type="ctrX" for="ch" forName="circ6" refType="w" fact="0.4221"/>
+          <dgm:constr type="ctrY" for="ch" forName="circ6" refType="h" fact="0.4422"/>
+          <dgm:constr type="w" for="ch" forName="circ6" refType="w" fact="0.24"/>
+          <dgm:constr type="h" for="ch" forName="circ6" refType="h" fact="0.3084"/>
+          <dgm:constr type="l" for="ch" forName="circ6Tx" refType="w" fact="0"/>
+          <dgm:constr type="t" for="ch" forName="circ6Tx" refType="h" fact="0.2"/>
+          <dgm:constr type="w" for="ch" forName="circ6Tx" refType="w" fact="0.2843"/>
+          <dgm:constr type="h" for="ch" forName="circ6Tx" refType="h" fact="0.257"/>
+          <dgm:constr type="primFontSz" for="ch" ptType="node" op="equ"/>
+        </dgm:constrLst>
+      </dgm:if>
+      <dgm:else name="Name16">
+        <dgm:constrLst>
+          <dgm:constr type="ctrX" for="ch" forName="circ1" refType="w" fact="0.5"/>
+          <dgm:constr type="ctrY" for="ch" forName="circ1" refType="h" fact="0.4177"/>
+          <dgm:constr type="w" for="ch" forName="circ1" refType="w" fact="0.24"/>
+          <dgm:constr type="h" for="ch" forName="circ1" refType="h" fact="0.3262"/>
+          <dgm:constr type="l" for="ch" forName="circ1Tx" refType="w" fact="0.3625"/>
+          <dgm:constr type="t" for="ch" forName="circ1Tx"/>
+          <dgm:constr type="w" for="ch" forName="circ1Tx" refType="w" fact="0.275"/>
+          <dgm:constr type="h" for="ch" forName="circ1Tx" refType="h" fact="0.2"/>
+          <dgm:constr type="ctrX" for="ch" forName="circ2" refType="w" fact="0.5704"/>
+          <dgm:constr type="ctrY" for="ch" forName="circ2" refType="h" fact="0.4637"/>
+          <dgm:constr type="w" for="ch" forName="circ2" refType="w" fact="0.24"/>
+          <dgm:constr type="h" for="ch" forName="circ2" refType="h" fact="0.3262"/>
+          <dgm:constr type="l" for="ch" forName="circ2Tx" refType="w" fact="0.72"/>
+          <dgm:constr type="t" for="ch" forName="circ2Tx" refType="h" fact="0.19"/>
+          <dgm:constr type="w" for="ch" forName="circ2Tx" refType="w" fact="0.26"/>
+          <dgm:constr type="h" for="ch" forName="circ2Tx" refType="h" fact="0.22"/>
+          <dgm:constr type="ctrX" for="ch" forName="circ3" refType="w" fact="0.5877"/>
+          <dgm:constr type="ctrY" for="ch" forName="circ3" refType="h" fact="0.5672"/>
+          <dgm:constr type="w" for="ch" forName="circ3" refType="w" fact="0.24"/>
+          <dgm:constr type="h" for="ch" forName="circ3" refType="h" fact="0.3262"/>
+          <dgm:constr type="l" for="ch" forName="circ3Tx" refType="w" fact="0.745"/>
+          <dgm:constr type="t" for="ch" forName="circ3Tx" refType="h" fact="0.47"/>
+          <dgm:constr type="w" for="ch" forName="circ3Tx" refType="w" fact="0.255"/>
+          <dgm:constr type="h" for="ch" forName="circ3Tx" refType="h" fact="0.235"/>
+          <dgm:constr type="ctrX" for="ch" forName="circ4" refType="w" fact="0.539"/>
+          <dgm:constr type="ctrY" for="ch" forName="circ4" refType="h" fact="0.6502"/>
+          <dgm:constr type="w" for="ch" forName="circ4" refType="w" fact="0.24"/>
+          <dgm:constr type="h" for="ch" forName="circ4" refType="h" fact="0.3262"/>
+          <dgm:constr type="l" for="ch" forName="circ4Tx" refType="w" fact="0.635"/>
+          <dgm:constr type="t" for="ch" forName="circ4Tx" refType="h" fact="0.785"/>
+          <dgm:constr type="w" for="ch" forName="circ4Tx" refType="w" fact="0.275"/>
+          <dgm:constr type="h" for="ch" forName="circ4Tx" refType="h" fact="0.215"/>
+          <dgm:constr type="ctrX" for="ch" forName="circ5" refType="w" fact="0.461"/>
+          <dgm:constr type="ctrY" for="ch" forName="circ5" refType="h" fact="0.6502"/>
+          <dgm:constr type="w" for="ch" forName="circ5" refType="w" fact="0.24"/>
+          <dgm:constr type="h" for="ch" forName="circ5" refType="h" fact="0.3262"/>
+          <dgm:constr type="l" for="ch" forName="circ5Tx" refType="w" fact="0.09"/>
+          <dgm:constr type="t" for="ch" forName="circ5Tx" refType="h" fact="0.785"/>
+          <dgm:constr type="w" for="ch" forName="circ5Tx" refType="w" fact="0.275"/>
+          <dgm:constr type="h" for="ch" forName="circ5Tx" refType="h" fact="0.215"/>
+          <dgm:constr type="ctrX" for="ch" forName="circ6" refType="w" fact="0.4123"/>
+          <dgm:constr type="ctrY" for="ch" forName="circ6" refType="h" fact="0.5672"/>
+          <dgm:constr type="w" for="ch" forName="circ6" refType="w" fact="0.24"/>
+          <dgm:constr type="h" for="ch" forName="circ6" refType="h" fact="0.3262"/>
+          <dgm:constr type="l" for="ch" forName="circ6Tx"/>
+          <dgm:constr type="t" for="ch" forName="circ6Tx" refType="h" fact="0.47"/>
+          <dgm:constr type="w" for="ch" forName="circ6Tx" refType="w" fact="0.255"/>
+          <dgm:constr type="h" for="ch" forName="circ6Tx" refType="h" fact="0.235"/>
+          <dgm:constr type="ctrX" for="ch" forName="circ7" refType="w" fact="0.4296"/>
+          <dgm:constr type="ctrY" for="ch" forName="circ7" refType="h" fact="0.4637"/>
+          <dgm:constr type="w" for="ch" forName="circ7" refType="w" fact="0.24"/>
+          <dgm:constr type="h" for="ch" forName="circ7" refType="h" fact="0.3262"/>
+          <dgm:constr type="l" for="ch" forName="circ7Tx" refType="w" fact="0.02"/>
+          <dgm:constr type="t" for="ch" forName="circ7Tx" refType="h" fact="0.19"/>
+          <dgm:constr type="w" for="ch" forName="circ7Tx" refType="w" fact="0.26"/>
+          <dgm:constr type="h" for="ch" forName="circ7Tx" refType="h" fact="0.22"/>
+          <dgm:constr type="primFontSz" for="ch" ptType="node" op="equ"/>
+        </dgm:constrLst>
+      </dgm:else>
+    </dgm:choose>
+    <dgm:ruleLst/>
+    <dgm:forEach name="Name17" axis="ch" ptType="node" cnt="1">
+      <dgm:choose name="Name18">
+        <dgm:if name="Name19" axis="root ch" ptType="all node" func="cnt" op="equ" val="1">
+          <dgm:layoutNode name="circ1TxSh" styleLbl="vennNode1">
+            <dgm:alg type="tx">
+              <dgm:param type="txAnchorHorzCh" val="ctr"/>
+              <dgm:param type="txAnchorVertCh" val="mid"/>
+            </dgm:alg>
+            <dgm:shape xmlns:r="http://schemas.openxmlformats.org/officeDocument/2006/relationships" type="ellipse" r:blip="">
+              <dgm:adjLst/>
+            </dgm:shape>
+            <dgm:choose name="Name20">
+              <dgm:if name="Name21" func="var" arg="dir" op="equ" val="norm">
+                <dgm:choose name="Name22">
+                  <dgm:if name="Name23" axis="root ch" ptType="all node" func="cnt" op="lte" val="4">
+                    <dgm:presOf axis="desOrSelf" ptType="node"/>
+                  </dgm:if>
+                  <dgm:else name="Name24">
+                    <dgm:presOf/>
+                  </dgm:else>
+                </dgm:choose>
+              </dgm:if>
+              <dgm:else name="Name25">
+                <dgm:choose name="Name26">
+                  <dgm:if name="Name27" axis="root ch" ptType="all node" func="cnt" op="equ" val="2">
+                    <dgm:presOf axis="root ch desOrSelf" ptType="all node node" st="1 2 1" cnt="1 1 0"/>
+                  </dgm:if>
+                  <dgm:else name="Name28">
+                    <dgm:presOf axis="desOrSelf" ptType="node"/>
+                  </dgm:else>
+                </dgm:choose>
+              </dgm:else>
+            </dgm:choose>
+            <dgm:constrLst>
+              <dgm:constr type="tMarg"/>
+              <dgm:constr type="bMarg"/>
+              <dgm:constr type="lMarg"/>
+              <dgm:constr type="rMarg"/>
+              <dgm:constr type="primFontSz" val="65"/>
+            </dgm:constrLst>
+            <dgm:ruleLst>
+              <dgm:rule type="primFontSz" val="5" fact="NaN" max="NaN"/>
+            </dgm:ruleLst>
+          </dgm:layoutNode>
+        </dgm:if>
+        <dgm:else name="Name29">
+          <dgm:layoutNode name="circ1" styleLbl="vennNode1">
+            <dgm:alg type="sp"/>
+            <dgm:shape xmlns:r="http://schemas.openxmlformats.org/officeDocument/2006/relationships" type="ellipse" r:blip="">
+              <dgm:adjLst/>
+            </dgm:shape>
+            <dgm:choose name="Name30">
+              <dgm:if name="Name31" func="var" arg="dir" op="equ" val="norm">
+                <dgm:choose name="Name32">
+                  <dgm:if name="Name33" axis="root ch" ptType="all node" func="cnt" op="lte" val="4">
+                    <dgm:presOf axis="desOrSelf" ptType="node"/>
+                  </dgm:if>
+                  <dgm:else name="Name34">
+                    <dgm:presOf/>
+                  </dgm:else>
+                </dgm:choose>
+              </dgm:if>
+              <dgm:else name="Name35">
+                <dgm:choose name="Name36">
+                  <dgm:if name="Name37" axis="root ch" ptType="all node" func="cnt" op="equ" val="2">
+                    <dgm:presOf axis="root ch desOrSelf" ptType="all node node" st="1 2 1" cnt="1 1 0"/>
+                  </dgm:if>
+                  <dgm:else name="Name38">
+                    <dgm:choose name="Name39">
+                      <dgm:if name="Name40" axis="root ch" ptType="all node" func="cnt" op="lte" val="4">
+                        <dgm:presOf axis="desOrSelf" ptType="node"/>
+                      </dgm:if>
+                      <dgm:else name="Name41">
+                        <dgm:presOf/>
+                      </dgm:else>
+                    </dgm:choose>
+                  </dgm:else>
+                </dgm:choose>
+              </dgm:else>
+            </dgm:choose>
+            <dgm:constrLst/>
+            <dgm:ruleLst/>
+          </dgm:layoutNode>
+          <dgm:layoutNode name="circ1Tx" styleLbl="revTx">
+            <dgm:varLst>
+              <dgm:chMax val="0"/>
+              <dgm:chPref val="0"/>
+              <dgm:bulletEnabled val="1"/>
+            </dgm:varLst>
+            <dgm:alg type="tx">
+              <dgm:param type="txAnchorHorzCh" val="ctr"/>
+              <dgm:param type="txAnchorVertCh" val="mid"/>
+            </dgm:alg>
+            <dgm:shape xmlns:r="http://schemas.openxmlformats.org/officeDocument/2006/relationships" type="rect" r:blip="" hideGeom="1">
+              <dgm:adjLst/>
+            </dgm:shape>
+            <dgm:choose name="Name42">
+              <dgm:if name="Name43" func="var" arg="dir" op="equ" val="norm">
+                <dgm:presOf axis="desOrSelf" ptType="node"/>
+              </dgm:if>
+              <dgm:else name="Name44">
+                <dgm:choose name="Name45">
+                  <dgm:if name="Name46" axis="root ch" ptType="all node" func="cnt" op="equ" val="2">
+                    <dgm:presOf axis="root ch desOrSelf" ptType="all node node" st="1 2 1" cnt="1 1 0"/>
+                  </dgm:if>
+                  <dgm:else name="Name47">
+                    <dgm:presOf axis="desOrSelf" ptType="node"/>
+                  </dgm:else>
+                </dgm:choose>
+              </dgm:else>
+            </dgm:choose>
+            <dgm:constrLst>
+              <dgm:constr type="tMarg"/>
+              <dgm:constr type="bMarg"/>
+              <dgm:constr type="lMarg"/>
+              <dgm:constr type="rMarg"/>
+              <dgm:constr type="primFontSz" val="65"/>
+            </dgm:constrLst>
+            <dgm:ruleLst>
+              <dgm:rule type="primFontSz" val="5" fact="NaN" max="NaN"/>
+            </dgm:ruleLst>
+          </dgm:layoutNode>
+        </dgm:else>
+      </dgm:choose>
+    </dgm:forEach>
+    <dgm:forEach name="Name48" axis="ch" ptType="node" st="2" cnt="1">
+      <dgm:layoutNode name="circ2" styleLbl="vennNode1">
+        <dgm:alg type="sp"/>
+        <dgm:shape xmlns:r="http://schemas.openxmlformats.org/officeDocument/2006/relationships" type="ellipse" r:blip="">
+          <dgm:adjLst/>
+        </dgm:shape>
+        <dgm:choose name="Name49">
+          <dgm:if name="Name50" func="var" arg="dir" op="equ" val="norm">
+            <dgm:choose name="Name51">
+              <dgm:if name="Name52" axis="root ch" ptType="all node" func="cnt" op="lte" val="4">
+                <dgm:presOf axis="desOrSelf" ptType="node"/>
+              </dgm:if>
+              <dgm:else name="Name53">
+                <dgm:presOf/>
+              </dgm:else>
+            </dgm:choose>
+          </dgm:if>
+          <dgm:else name="Name54">
+            <dgm:choose name="Name55">
+              <dgm:if name="Name56" axis="root ch" ptType="all node" func="cnt" op="equ" val="2">
+                <dgm:presOf axis="root ch desOrSelf" ptType="all node node" st="1 1 1" cnt="1 1 0"/>
+              </dgm:if>
+              <dgm:if name="Name57" axis="root ch" ptType="all node" func="cnt" op="equ" val="3">
+                <dgm:presOf axis="root ch desOrSelf" ptType="all node node" st="1 3 1" cnt="1 1 0"/>
+              </dgm:if>
+              <dgm:if name="Name58" axis="root ch" ptType="all node" func="cnt" op="equ" val="4">
+                <dgm:presOf axis="root ch desOrSelf" ptType="all node node" st="1 4 1" cnt="1 1 0"/>
+              </dgm:if>
+              <dgm:else name="Name59">
+                <dgm:presOf/>
+              </dgm:else>
+            </dgm:choose>
+          </dgm:else>
+        </dgm:choose>
+        <dgm:constrLst/>
+        <dgm:ruleLst/>
+      </dgm:layoutNode>
+      <dgm:layoutNode name="circ2Tx" styleLbl="revTx">
+        <dgm:varLst>
+          <dgm:chMax val="0"/>
+          <dgm:chPref val="0"/>
+          <dgm:bulletEnabled val="1"/>
+        </dgm:varLst>
+        <dgm:alg type="tx">
+          <dgm:param type="txAnchorHorzCh" val="ctr"/>
+          <dgm:param type="txAnchorVertCh" val="mid"/>
+        </dgm:alg>
+        <dgm:shape xmlns:r="http://schemas.openxmlformats.org/officeDocument/2006/relationships" type="rect" r:blip="" hideGeom="1">
+          <dgm:adjLst/>
+        </dgm:shape>
+        <dgm:choose name="Name60">
+          <dgm:if name="Name61" func="var" arg="dir" op="equ" val="norm">
+            <dgm:presOf axis="desOrSelf" ptType="node"/>
+          </dgm:if>
+          <dgm:else name="Name62">
+            <dgm:choose name="Name63">
+              <dgm:if name="Name64" axis="root ch" ptType="all node" func="cnt" op="equ" val="2">
+                <dgm:presOf axis="root ch desOrSelf" ptType="all node node" st="1 1 1" cnt="1 1 0"/>
+              </dgm:if>
+              <dgm:if name="Name65" axis="root ch" ptType="all node" func="cnt" op="equ" val="3">
+                <dgm:presOf axis="root ch desOrSelf" ptType="all node node" st="1 3 1" cnt="1 1 0"/>
+              </dgm:if>
+              <dgm:if name="Name66" axis="root ch" ptType="all node" func="cnt" op="equ" val="4">
+                <dgm:presOf axis="root ch desOrSelf" ptType="all node node" st="1 4 1" cnt="1 1 0"/>
+              </dgm:if>
+              <dgm:if name="Name67" axis="root ch" ptType="all node" func="cnt" op="equ" val="5">
+                <dgm:presOf axis="root ch desOrSelf" ptType="all node node" st="1 5 1" cnt="1 1 0"/>
+              </dgm:if>
+              <dgm:if name="Name68" axis="root ch" ptType="all node" func="cnt" op="equ" val="6">
+                <dgm:presOf axis="root ch desOrSelf" ptType="all node node" st="1 6 1" cnt="1 1 0"/>
+              </dgm:if>
+              <dgm:else name="Name69">
+                <dgm:presOf axis="root ch desOrSelf" ptType="all node node" st="1 7 1" cnt="1 1 0"/>
+              </dgm:else>
+            </dgm:choose>
+          </dgm:else>
+        </dgm:choose>
+        <dgm:constrLst>
+          <dgm:constr type="tMarg"/>
+          <dgm:constr type="bMarg"/>
+          <dgm:constr type="lMarg"/>
+          <dgm:constr type="rMarg"/>
+          <dgm:constr type="primFontSz" val="65"/>
+        </dgm:constrLst>
+        <dgm:ruleLst>
+          <dgm:rule type="primFontSz" val="5" fact="NaN" max="NaN"/>
+        </dgm:ruleLst>
+      </dgm:layoutNode>
+    </dgm:forEach>
+    <dgm:forEach name="Name70" axis="ch" ptType="node" st="3" cnt="1">
+      <dgm:layoutNode name="circ3" styleLbl="vennNode1">
+        <dgm:alg type="sp"/>
+        <dgm:shape xmlns:r="http://schemas.openxmlformats.org/officeDocument/2006/relationships" type="ellipse" r:blip="">
+          <dgm:adjLst/>
+        </dgm:shape>
+        <dgm:choose name="Name71">
+          <dgm:if name="Name72" func="var" arg="dir" op="equ" val="norm">
+            <dgm:choose name="Name73">
+              <dgm:if name="Name74" axis="root ch" ptType="all node" func="cnt" op="lte" val="4">
+                <dgm:presOf axis="desOrSelf" ptType="node"/>
+              </dgm:if>
+              <dgm:else name="Name75">
+                <dgm:presOf/>
+              </dgm:else>
+            </dgm:choose>
+          </dgm:if>
+          <dgm:else name="Name76">
+            <dgm:choose name="Name77">
+              <dgm:if name="Name78" axis="root ch" ptType="all node" func="cnt" op="equ" val="3">
+                <dgm:presOf axis="root ch desOrSelf" ptType="all node node" st="1 2 1" cnt="1 1 0"/>
+              </dgm:if>
+              <dgm:if name="Name79" axis="root ch" ptType="all node" func="cnt" op="equ" val="4">
+                <dgm:presOf axis="root ch desOrSelf" ptType="all node node" st="1 3 1" cnt="1 1 0"/>
+              </dgm:if>
+              <dgm:else name="Name80">
+                <dgm:presOf/>
+              </dgm:else>
+            </dgm:choose>
+          </dgm:else>
+        </dgm:choose>
+        <dgm:constrLst/>
+        <dgm:ruleLst/>
+      </dgm:layoutNode>
+      <dgm:layoutNode name="circ3Tx" styleLbl="revTx">
+        <dgm:varLst>
+          <dgm:chMax val="0"/>
+          <dgm:chPref val="0"/>
+          <dgm:bulletEnabled val="1"/>
+        </dgm:varLst>
+        <dgm:alg type="tx">
+          <dgm:param type="txAnchorHorzCh" val="ctr"/>
+          <dgm:param type="txAnchorVertCh" val="mid"/>
+        </dgm:alg>
+        <dgm:shape xmlns:r="http://schemas.openxmlformats.org/officeDocument/2006/relationships" type="rect" r:blip="" hideGeom="1">
+          <dgm:adjLst/>
+        </dgm:shape>
+        <dgm:choose name="Name81">
+          <dgm:if name="Name82" func="var" arg="dir" op="equ" val="norm">
+            <dgm:presOf axis="desOrSelf" ptType="node"/>
+          </dgm:if>
+          <dgm:else name="Name83">
+            <dgm:choose name="Name84">
+              <dgm:if name="Name85" axis="root ch" ptType="all node" func="cnt" op="equ" val="3">
+                <dgm:presOf axis="root ch desOrSelf" ptType="all node node" st="1 2 1" cnt="1 1 0"/>
+              </dgm:if>
+              <dgm:if name="Name86" axis="root ch" ptType="all node" func="cnt" op="equ" val="4">
+                <dgm:presOf axis="root ch desOrSelf" ptType="all node node" st="1 3 1" cnt="1 1 0"/>
+              </dgm:if>
+              <dgm:if name="Name87" axis="root ch" ptType="all node" func="cnt" op="equ" val="5">
+                <dgm:presOf axis="root ch desOrSelf" ptType="all node node" st="1 4 1" cnt="1 1 0"/>
+              </dgm:if>
+              <dgm:if name="Name88" axis="root ch" ptType="all node" func="cnt" op="equ" val="6">
+                <dgm:presOf axis="root ch desOrSelf" ptType="all node node" st="1 5 1" cnt="1 1 0"/>
+              </dgm:if>
+              <dgm:else name="Name89">
+                <dgm:presOf axis="root ch desOrSelf" ptType="all node node" st="1 6 1" cnt="1 1 0"/>
+              </dgm:else>
+            </dgm:choose>
+          </dgm:else>
+        </dgm:choose>
+        <dgm:constrLst>
+          <dgm:constr type="tMarg"/>
+          <dgm:constr type="bMarg"/>
+          <dgm:constr type="lMarg"/>
+          <dgm:constr type="rMarg"/>
+          <dgm:constr type="primFontSz" val="65"/>
+        </dgm:constrLst>
+        <dgm:ruleLst>
+          <dgm:rule type="primFontSz" val="5" fact="NaN" max="NaN"/>
+        </dgm:ruleLst>
+      </dgm:layoutNode>
+    </dgm:forEach>
+    <dgm:forEach name="Name90" axis="ch" ptType="node" st="4" cnt="1">
+      <dgm:layoutNode name="circ4" styleLbl="vennNode1">
+        <dgm:alg type="sp"/>
+        <dgm:shape xmlns:r="http://schemas.openxmlformats.org/officeDocument/2006/relationships" type="ellipse" r:blip="">
+          <dgm:adjLst/>
+        </dgm:shape>
+        <dgm:choose name="Name91">
+          <dgm:if name="Name92" func="var" arg="dir" op="equ" val="norm">
+            <dgm:choose name="Name93">
+              <dgm:if name="Name94" axis="root ch" ptType="all node" func="cnt" op="lte" val="4">
+                <dgm:presOf axis="desOrSelf" ptType="node"/>
+              </dgm:if>
+              <dgm:else name="Name95">
+                <dgm:presOf/>
+              </dgm:else>
+            </dgm:choose>
+          </dgm:if>
+          <dgm:else name="Name96">
+            <dgm:choose name="Name97">
+              <dgm:if name="Name98" axis="root ch" ptType="all node" func="cnt" op="equ" val="4">
+                <dgm:presOf axis="root ch desOrSelf" ptType="all node node" st="1 2 1" cnt="1 1 0"/>
+              </dgm:if>
+              <dgm:else name="Name99">
+                <dgm:presOf/>
+              </dgm:else>
+            </dgm:choose>
+          </dgm:else>
+        </dgm:choose>
+        <dgm:constrLst/>
+        <dgm:ruleLst/>
+      </dgm:layoutNode>
+      <dgm:layoutNode name="circ4Tx" styleLbl="revTx">
+        <dgm:varLst>
+          <dgm:chMax val="0"/>
+          <dgm:chPref val="0"/>
+          <dgm:bulletEnabled val="1"/>
+        </dgm:varLst>
+        <dgm:alg type="tx">
+          <dgm:param type="txAnchorHorzCh" val="ctr"/>
+          <dgm:param type="txAnchorVertCh" val="mid"/>
+        </dgm:alg>
+        <dgm:shape xmlns:r="http://schemas.openxmlformats.org/officeDocument/2006/relationships" type="rect" r:blip="" hideGeom="1">
+          <dgm:adjLst/>
+        </dgm:shape>
+        <dgm:choose name="Name100">
+          <dgm:if name="Name101" func="var" arg="dir" op="equ" val="norm">
+            <dgm:presOf axis="desOrSelf" ptType="node"/>
+          </dgm:if>
+          <dgm:else name="Name102">
+            <dgm:choose name="Name103">
+              <dgm:if name="Name104" axis="root ch" ptType="all node" func="cnt" op="equ" val="4">
+                <dgm:presOf axis="root ch desOrSelf" ptType="all node node" st="1 2 1" cnt="1 1 0"/>
+              </dgm:if>
+              <dgm:if name="Name105" axis="root ch" ptType="all node" func="cnt" op="equ" val="5">
+                <dgm:presOf axis="root ch desOrSelf" ptType="all node node" st="1 3 1" cnt="1 1 0"/>
+              </dgm:if>
+              <dgm:if name="Name106" axis="root ch" ptType="all node" func="cnt" op="equ" val="6">
+                <dgm:presOf axis="root ch desOrSelf" ptType="all node node" st="1 4 1" cnt="1 1 0"/>
+              </dgm:if>
+              <dgm:else name="Name107">
+                <dgm:presOf axis="root ch desOrSelf" ptType="all node node" st="1 5 1" cnt="1 1 0"/>
+              </dgm:else>
+            </dgm:choose>
+          </dgm:else>
+        </dgm:choose>
+        <dgm:constrLst>
+          <dgm:constr type="tMarg"/>
+          <dgm:constr type="bMarg"/>
+          <dgm:constr type="lMarg"/>
+          <dgm:constr type="rMarg"/>
+          <dgm:constr type="primFontSz" val="65"/>
+        </dgm:constrLst>
+        <dgm:ruleLst>
+          <dgm:rule type="primFontSz" val="5" fact="NaN" max="NaN"/>
+        </dgm:ruleLst>
+      </dgm:layoutNode>
+    </dgm:forEach>
+    <dgm:forEach name="Name108" axis="ch" ptType="node" st="5" cnt="1">
+      <dgm:layoutNode name="circ5" styleLbl="vennNode1">
+        <dgm:alg type="sp"/>
+        <dgm:shape xmlns:r="http://schemas.openxmlformats.org/officeDocument/2006/relationships" type="ellipse" r:blip="">
+          <dgm:adjLst/>
+        </dgm:shape>
+        <dgm:presOf/>
+        <dgm:constrLst/>
+        <dgm:ruleLst/>
+      </dgm:layoutNode>
+      <dgm:layoutNode name="circ5Tx" styleLbl="revTx">
+        <dgm:varLst>
+          <dgm:chMax val="0"/>
+          <dgm:chPref val="0"/>
+          <dgm:bulletEnabled val="1"/>
+        </dgm:varLst>
+        <dgm:alg type="tx">
+          <dgm:param type="txAnchorHorzCh" val="ctr"/>
+          <dgm:param type="txAnchorVertCh" val="mid"/>
+        </dgm:alg>
+        <dgm:shape xmlns:r="http://schemas.openxmlformats.org/officeDocument/2006/relationships" type="rect" r:blip="" hideGeom="1">
+          <dgm:adjLst/>
+        </dgm:shape>
+        <dgm:choose name="Name109">
+          <dgm:if name="Name110" func="var" arg="dir" op="equ" val="norm">
+            <dgm:presOf axis="desOrSelf" ptType="node"/>
+          </dgm:if>
+          <dgm:else name="Name111">
+            <dgm:choose name="Name112">
+              <dgm:if name="Name113" axis="root ch" ptType="all node" func="cnt" op="equ" val="5">
+                <dgm:presOf axis="root ch desOrSelf" ptType="all node node" st="1 2 1" cnt="1 1 0"/>
+              </dgm:if>
+              <dgm:if name="Name114" axis="root ch" ptType="all node" func="cnt" op="equ" val="6">
+                <dgm:presOf axis="root ch desOrSelf" ptType="all node node" st="1 3 1" cnt="1 1 0"/>
+              </dgm:if>
+              <dgm:else name="Name115">
+                <dgm:presOf axis="root ch desOrSelf" ptType="all node node" st="1 4 1" cnt="1 1 0"/>
+              </dgm:else>
+            </dgm:choose>
+          </dgm:else>
+        </dgm:choose>
+        <dgm:constrLst>
+          <dgm:constr type="tMarg"/>
+          <dgm:constr type="bMarg"/>
+          <dgm:constr type="lMarg"/>
+          <dgm:constr type="rMarg"/>
+          <dgm:constr type="primFontSz" val="65"/>
+        </dgm:constrLst>
+        <dgm:ruleLst>
+          <dgm:rule type="primFontSz" val="5" fact="NaN" max="NaN"/>
+        </dgm:ruleLst>
+      </dgm:layoutNode>
+    </dgm:forEach>
+    <dgm:forEach name="Name116" axis="ch" ptType="node" st="6" cnt="1">
+      <dgm:layoutNode name="circ6" styleLbl="vennNode1">
+        <dgm:alg type="sp"/>
+        <dgm:shape xmlns:r="http://schemas.openxmlformats.org/officeDocument/2006/relationships" type="ellipse" r:blip="">
+          <dgm:adjLst/>
+        </dgm:shape>
+        <dgm:presOf/>
+        <dgm:constrLst/>
+        <dgm:ruleLst/>
+      </dgm:layoutNode>
+      <dgm:layoutNode name="circ6Tx" styleLbl="revTx">
+        <dgm:varLst>
+          <dgm:chMax val="0"/>
+          <dgm:chPref val="0"/>
+          <dgm:bulletEnabled val="1"/>
+        </dgm:varLst>
+        <dgm:alg type="tx">
+          <dgm:param type="txAnchorHorzCh" val="ctr"/>
+          <dgm:param type="txAnchorVertCh" val="mid"/>
+        </dgm:alg>
+        <dgm:shape xmlns:r="http://schemas.openxmlformats.org/officeDocument/2006/relationships" type="rect" r:blip="" hideGeom="1">
+          <dgm:adjLst/>
+        </dgm:shape>
+        <dgm:choose name="Name117">
+          <dgm:if name="Name118" func="var" arg="dir" op="equ" val="norm">
+            <dgm:presOf axis="desOrSelf" ptType="node"/>
+          </dgm:if>
+          <dgm:else name="Name119">
+            <dgm:choose name="Name120">
+              <dgm:if name="Name121" axis="root ch" ptType="all node" func="cnt" op="equ" val="6">
+                <dgm:presOf axis="root ch desOrSelf" ptType="all node node" st="1 2 1" cnt="1 1 0"/>
+              </dgm:if>
+              <dgm:else name="Name122">
+                <dgm:presOf axis="root ch desOrSelf" ptType="all node node" st="1 3 1" cnt="1 1 0"/>
+              </dgm:else>
+            </dgm:choose>
+          </dgm:else>
+        </dgm:choose>
+        <dgm:constrLst>
+          <dgm:constr type="tMarg"/>
+          <dgm:constr type="bMarg"/>
+          <dgm:constr type="lMarg"/>
+          <dgm:constr type="rMarg"/>
+          <dgm:constr type="primFontSz" val="65"/>
+        </dgm:constrLst>
+        <dgm:ruleLst>
+          <dgm:rule type="primFontSz" val="5" fact="NaN" max="NaN"/>
+        </dgm:ruleLst>
+      </dgm:layoutNode>
+    </dgm:forEach>
+    <dgm:forEach name="Name123" axis="ch" ptType="node" st="7" cnt="1">
+      <dgm:layoutNode name="circ7" styleLbl="vennNode1">
+        <dgm:alg type="sp"/>
+        <dgm:shape xmlns:r="http://schemas.openxmlformats.org/officeDocument/2006/relationships" type="ellipse" r:blip="">
+          <dgm:adjLst/>
+        </dgm:shape>
+        <dgm:presOf/>
+        <dgm:constrLst/>
+        <dgm:ruleLst/>
+      </dgm:layoutNode>
+      <dgm:layoutNode name="circ7Tx" styleLbl="revTx">
+        <dgm:varLst>
+          <dgm:chMax val="0"/>
+          <dgm:chPref val="0"/>
+          <dgm:bulletEnabled val="1"/>
+        </dgm:varLst>
+        <dgm:alg type="tx">
+          <dgm:param type="txAnchorHorzCh" val="ctr"/>
+          <dgm:param type="txAnchorVertCh" val="mid"/>
+        </dgm:alg>
+        <dgm:shape xmlns:r="http://schemas.openxmlformats.org/officeDocument/2006/relationships" type="rect" r:blip="" hideGeom="1">
+          <dgm:adjLst/>
+        </dgm:shape>
+        <dgm:choose name="Name124">
+          <dgm:if name="Name125" func="var" arg="dir" op="equ" val="norm">
+            <dgm:presOf axis="desOrSelf" ptType="node"/>
+          </dgm:if>
+          <dgm:else name="Name126">
+            <dgm:presOf axis="root ch desOrSelf" ptType="all node node" st="1 2 1" cnt="1 1 0"/>
+          </dgm:else>
+        </dgm:choose>
+        <dgm:constrLst>
+          <dgm:constr type="tMarg"/>
+          <dgm:constr type="bMarg"/>
+          <dgm:constr type="lMarg"/>
+          <dgm:constr type="rMarg"/>
+          <dgm:constr type="primFontSz" val="65"/>
+        </dgm:constrLst>
+        <dgm:ruleLst>
+          <dgm:rule type="primFontSz" val="5" fact="NaN" max="NaN"/>
+        </dgm:ruleLst>
+      </dgm:layoutNode>
+    </dgm:forEach>
+  </dgm:layoutNode>
+</dgm:layoutDef>
+</file>
+
 <file path=ppt/diagrams/quickStyle1.xml><?xml version="1.0" encoding="utf-8"?>
+<dgm:styleDef xmlns:dgm="http://schemas.openxmlformats.org/drawingml/2006/diagram" xmlns:a="http://schemas.openxmlformats.org/drawingml/2006/main" uniqueId="urn:microsoft.com/office/officeart/2005/8/quickstyle/simple1">
+  <dgm:title val=""/>
+  <dgm:desc val=""/>
+  <dgm:catLst>
+    <dgm:cat type="simple" pri="10100"/>
+  </dgm:catLst>
+  <dgm:scene3d>
+    <a:camera prst="orthographicFront"/>
+    <a:lightRig rig="threePt" dir="t"/>
+  </dgm:scene3d>
+  <dgm:styleLbl name="node0">
+    <dgm:scene3d>
+      <a:camera prst="orthographicFront"/>
+      <a:lightRig rig="threePt" dir="t"/>
+    </dgm:scene3d>
+    <dgm:sp3d/>
+    <dgm:txPr/>
+    <dgm:style>
+      <a:lnRef idx="2">
+        <a:scrgbClr r="0" g="0" b="0"/>
+      </a:lnRef>
+      <a:fillRef idx="1">
+        <a:scrgbClr r="0" g="0" b="0"/>
+      </a:fillRef>
+      <a:effectRef idx="0">
+        <a:scrgbClr r="0" g="0" b="0"/>
+      </a:effectRef>
+      <a:fontRef idx="minor">
+        <a:schemeClr val="lt1"/>
+      </a:fontRef>
+    </dgm:style>
+  </dgm:styleLbl>
+  <dgm:styleLbl name="lnNode1">
+    <dgm:scene3d>
+      <a:camera prst="orthographicFront"/>
+      <a:lightRig rig="threePt" dir="t"/>
+    </dgm:scene3d>
+    <dgm:sp3d/>
+    <dgm:txPr/>
+    <dgm:style>
+      <a:lnRef idx="2">
+        <a:scrgbClr r="0" g="0" b="0"/>
+      </a:lnRef>
+      <a:fillRef idx="1">
+        <a:scrgbClr r="0" g="0" b="0"/>
+      </a:fillRef>
+      <a:effectRef idx="0">
+        <a:scrgbClr r="0" g="0" b="0"/>
+      </a:effectRef>
+      <a:fontRef idx="minor">
+        <a:schemeClr val="lt1"/>
+      </a:fontRef>
+    </dgm:style>
+  </dgm:styleLbl>
+  <dgm:styleLbl name="vennNode1">
+    <dgm:scene3d>
+      <a:camera prst="orthographicFront"/>
+      <a:lightRig rig="threePt" dir="t"/>
+    </dgm:scene3d>
+    <dgm:sp3d/>
+    <dgm:txPr/>
+    <dgm:style>
+      <a:lnRef idx="2">
+        <a:scrgbClr r="0" g="0" b="0"/>
+      </a:lnRef>
+      <a:fillRef idx="1">
+        <a:scrgbClr r="0" g="0" b="0"/>
+      </a:fillRef>
+      <a:effectRef idx="0">
+        <a:scrgbClr r="0" g="0" b="0"/>
+      </a:effectRef>
+      <a:fontRef idx="minor">
+        <a:schemeClr val="tx1"/>
+      </a:fontRef>
+    </dgm:style>
+  </dgm:styleLbl>
+  <dgm:styleLbl name="alignNode1">
+    <dgm:scene3d>
+      <a:camera prst="orthographicFront"/>
+      <a:lightRig rig="threePt" dir="t"/>
+    </dgm:scene3d>
+    <dgm:sp3d/>
+    <dgm:txPr/>
+    <dgm:style>
+      <a:lnRef idx="2">
+        <a:scrgbClr r="0" g="0" b="0"/>
+      </a:lnRef>
+      <a:fillRef idx="1">
+        <a:scrgbClr r="0" g="0" b="0"/>
+      </a:fillRef>
+      <a:effectRef idx="0">
+        <a:scrgbClr r="0" g="0" b="0"/>
+      </a:effectRef>
+      <a:fontRef idx="minor">
+        <a:schemeClr val="lt1"/>
+      </a:fontRef>
+    </dgm:style>
+  </dgm:styleLbl>
+  <dgm:styleLbl name="node1">
+    <dgm:scene3d>
+      <a:camera prst="orthographicFront"/>
+      <a:lightRig rig="threePt" dir="t"/>
+    </dgm:scene3d>
+    <dgm:sp3d/>
+    <dgm:txPr/>
+    <dgm:style>
+      <a:lnRef idx="2">
+        <a:scrgbClr r="0" g="0" b="0"/>
+      </a:lnRef>
+      <a:fillRef idx="1">
+        <a:scrgbClr r="0" g="0" b="0"/>
+      </a:fillRef>
+      <a:effectRef idx="0">
+        <a:scrgbClr r="0" g="0" b="0"/>
+      </a:effectRef>
+      <a:fontRef idx="minor">
+        <a:schemeClr val="lt1"/>
+      </a:fontRef>
+    </dgm:style>
+  </dgm:styleLbl>
+  <dgm:styleLbl name="node2">
+    <dgm:scene3d>
+      <a:camera prst="orthographicFront"/>
+      <a:lightRig rig="threePt" dir="t"/>
+    </dgm:scene3d>
+    <dgm:sp3d/>
+    <dgm:txPr/>
+    <dgm:style>
+      <a:lnRef idx="2">
+        <a:scrgbClr r="0" g="0" b="0"/>
+      </a:lnRef>
+      <a:fillRef idx="1">
+        <a:scrgbClr r="0" g="0" b="0"/>
+      </a:fillRef>
+      <a:effectRef idx="0">
+        <a:scrgbClr r="0" g="0" b="0"/>
+      </a:effectRef>
+      <a:fontRef idx="minor">
+        <a:schemeClr val="lt1"/>
+      </a:fontRef>
+    </dgm:style>
+  </dgm:styleLbl>
+  <dgm:styleLbl name="node3">
+    <dgm:scene3d>
+      <a:camera prst="orthographicFront"/>
+      <a:lightRig rig="threePt" dir="t"/>
+    </dgm:scene3d>
+    <dgm:sp3d/>
+    <dgm:txPr/>
+    <dgm:style>
+      <a:lnRef idx="2">
+        <a:scrgbClr r="0" g="0" b="0"/>
+      </a:lnRef>
+      <a:fillRef idx="1">
+        <a:scrgbClr r="0" g="0" b="0"/>
+      </a:fillRef>
+      <a:effectRef idx="0">
+        <a:scrgbClr r="0" g="0" b="0"/>
+      </a:effectRef>
+      <a:fontRef idx="minor">
+        <a:schemeClr val="lt1"/>
+      </a:fontRef>
+    </dgm:style>
+  </dgm:styleLbl>
+  <dgm:styleLbl name="node4">
+    <dgm:scene3d>
+      <a:camera prst="orthographicFront"/>
+      <a:lightRig rig="threePt" dir="t"/>
+    </dgm:scene3d>
+    <dgm:sp3d/>
+    <dgm:txPr/>
+    <dgm:style>
+      <a:lnRef idx="2">
+        <a:scrgbClr r="0" g="0" b="0"/>
+      </a:lnRef>
+      <a:fillRef idx="1">
+        <a:scrgbClr r="0" g="0" b="0"/>
+      </a:fillRef>
+      <a:effectRef idx="0">
+        <a:scrgbClr r="0" g="0" b="0"/>
+      </a:effectRef>
+      <a:fontRef idx="minor">
+        <a:schemeClr val="lt1"/>
+      </a:fontRef>
+    </dgm:style>
+  </dgm:styleLbl>
+  <dgm:styleLbl name="fgImgPlace1">
+    <dgm:scene3d>
+      <a:camera prst="orthographicFront"/>
+      <a:lightRig rig="threePt" dir="t"/>
+    </dgm:scene3d>
+    <dgm:sp3d/>
+    <dgm:txPr/>
+    <dgm:style>
+      <a:lnRef idx="2">
+        <a:scrgbClr r="0" g="0" b="0"/>
+      </a:lnRef>
+      <a:fillRef idx="1">
+        <a:scrgbClr r="0" g="0" b="0"/>
+      </a:fillRef>
+      <a:effectRef idx="0">
+        <a:scrgbClr r="0" g="0" b="0"/>
+      </a:effectRef>
+      <a:fontRef idx="minor"/>
+    </dgm:style>
+  </dgm:styleLbl>
+  <dgm:styleLbl name="alignImgPlace1">
+    <dgm:scene3d>
+      <a:camera prst="orthographicFront"/>
+      <a:lightRig rig="threePt" dir="t"/>
+    </dgm:scene3d>
+    <dgm:sp3d/>
+    <dgm:txPr/>
+    <dgm:style>
+      <a:lnRef idx="2">
+        <a:scrgbClr r="0" g="0" b="0"/>
+      </a:lnRef>
+      <a:fillRef idx="1">
+        <a:scrgbClr r="0" g="0" b="0"/>
+      </a:fillRef>
+      <a:effectRef idx="0">
+        <a:scrgbClr r="0" g="0" b="0"/>
+      </a:effectRef>
+      <a:fontRef idx="minor"/>
+    </dgm:style>
+  </dgm:styleLbl>
+  <dgm:styleLbl name="bgImgPlace1">
+    <dgm:scene3d>
+      <a:camera prst="orthographicFront"/>
+      <a:lightRig rig="threePt" dir="t"/>
+    </dgm:scene3d>
+    <dgm:sp3d/>
+    <dgm:txPr/>
+    <dgm:style>
+      <a:lnRef idx="2">
+        <a:scrgbClr r="0" g="0" b="0"/>
+      </a:lnRef>
+      <a:fillRef idx="1">
+        <a:scrgbClr r="0" g="0" b="0"/>
+      </a:fillRef>
+      <a:effectRef idx="0">
+        <a:scrgbClr r="0" g="0" b="0"/>
+      </a:effectRef>
+      <a:fontRef idx="minor"/>
+    </dgm:style>
+  </dgm:styleLbl>
+  <dgm:styleLbl name="sibTrans2D1">
+    <dgm:scene3d>
+      <a:camera prst="orthographicFront"/>
+      <a:lightRig rig="threePt" dir="t"/>
+    </dgm:scene3d>
+    <dgm:sp3d/>
+    <dgm:txPr/>
+    <dgm:style>
+      <a:lnRef idx="0">
+        <a:scrgbClr r="0" g="0" b="0"/>
+      </a:lnRef>
+      <a:fillRef idx="1">
+        <a:scrgbClr r="0" g="0" b="0"/>
+      </a:fillRef>
+      <a:effectRef idx="0">
+        <a:scrgbClr r="0" g="0" b="0"/>
+      </a:effectRef>
+      <a:fontRef idx="minor">
+        <a:schemeClr val="lt1"/>
+      </a:fontRef>
+    </dgm:style>
+  </dgm:styleLbl>
+  <dgm:styleLbl name="fgSibTrans2D1">
+    <dgm:scene3d>
+      <a:camera prst="orthographicFront"/>
+      <a:lightRig rig="threePt" dir="t"/>
+    </dgm:scene3d>
+    <dgm:sp3d/>
+    <dgm:txPr/>
+    <dgm:style>
+      <a:lnRef idx="0">
+        <a:scrgbClr r="0" g="0" b="0"/>
+      </a:lnRef>
+      <a:fillRef idx="1">
+        <a:scrgbClr r="0" g="0" b="0"/>
+      </a:fillRef>
+      <a:effectRef idx="0">
+        <a:scrgbClr r="0" g="0" b="0"/>
+      </a:effectRef>
+      <a:fontRef idx="minor">
+        <a:schemeClr val="lt1"/>
+      </a:fontRef>
+    </dgm:style>
+  </dgm:styleLbl>
+  <dgm:styleLbl name="bgSibTrans2D1">
+    <dgm:scene3d>
+      <a:camera prst="orthographicFront"/>
+      <a:lightRig rig="threePt" dir="t"/>
+    </dgm:scene3d>
+    <dgm:sp3d/>
+    <dgm:txPr/>
+    <dgm:style>
+      <a:lnRef idx="0">
+        <a:scrgbClr r="0" g="0" b="0"/>
+      </a:lnRef>
+      <a:fillRef idx="1">
+        <a:scrgbClr r="0" g="0" b="0"/>
+      </a:fillRef>
+      <a:effectRef idx="0">
+        <a:scrgbClr r="0" g="0" b="0"/>
+      </a:effectRef>
+      <a:fontRef idx="minor">
+        <a:schemeClr val="lt1"/>
+      </a:fontRef>
+    </dgm:style>
+  </dgm:styleLbl>
+  <dgm:styleLbl name="sibTrans1D1">
+    <dgm:scene3d>
+      <a:camera prst="orthographicFront"/>
+      <a:lightRig rig="threePt" dir="t"/>
+    </dgm:scene3d>
+    <dgm:sp3d/>
+    <dgm:txPr/>
+    <dgm:style>
+      <a:lnRef idx="1">
+        <a:scrgbClr r="0" g="0" b="0"/>
+      </a:lnRef>
+      <a:fillRef idx="0">
+        <a:scrgbClr r="0" g="0" b="0"/>
+      </a:fillRef>
+      <a:effectRef idx="0">
+        <a:scrgbClr r="0" g="0" b="0"/>
+      </a:effectRef>
+      <a:fontRef idx="minor"/>
+    </dgm:style>
+  </dgm:styleLbl>
+  <dgm:styleLbl name="callout">
+    <dgm:scene3d>
+      <a:camera prst="orthographicFront"/>
+      <a:lightRig rig="threePt" dir="t"/>
+    </dgm:scene3d>
+    <dgm:sp3d/>
+    <dgm:txPr/>
+    <dgm:style>
+      <a:lnRef idx="2">
+        <a:scrgbClr r="0" g="0" b="0"/>
+      </a:lnRef>
+      <a:fillRef idx="1">
+        <a:scrgbClr r="0" g="0" b="0"/>
+      </a:fillRef>
+      <a:effectRef idx="0">
+        <a:scrgbClr r="0" g="0" b="0"/>
+      </a:effectRef>
+      <a:fontRef idx="minor"/>
+    </dgm:style>
+  </dgm:styleLbl>
+  <dgm:styleLbl name="asst0">
+    <dgm:scene3d>
+      <a:camera prst="orthographicFront"/>
+      <a:lightRig rig="threePt" dir="t"/>
+    </dgm:scene3d>
+    <dgm:sp3d/>
+    <dgm:txPr/>
+    <dgm:style>
+      <a:lnRef idx="2">
+        <a:scrgbClr r="0" g="0" b="0"/>
+      </a:lnRef>
+      <a:fillRef idx="1">
+        <a:scrgbClr r="0" g="0" b="0"/>
+      </a:fillRef>
+      <a:effectRef idx="0">
+        <a:scrgbClr r="0" g="0" b="0"/>
+      </a:effectRef>
+      <a:fontRef idx="minor">
+        <a:schemeClr val="lt1"/>
+      </a:fontRef>
+    </dgm:style>
+  </dgm:styleLbl>
+  <dgm:styleLbl name="asst1">
+    <dgm:scene3d>
+      <a:camera prst="orthographicFront"/>
+      <a:lightRig rig="threePt" dir="t"/>
+    </dgm:scene3d>
+    <dgm:sp3d/>
+    <dgm:txPr/>
+    <dgm:style>
+      <a:lnRef idx="2">
+        <a:scrgbClr r="0" g="0" b="0"/>
+      </a:lnRef>
+      <a:fillRef idx="1">
+        <a:scrgbClr r="0" g="0" b="0"/>
+      </a:fillRef>
+      <a:effectRef idx="0">
+        <a:scrgbClr r="0" g="0" b="0"/>
+      </a:effectRef>
+      <a:fontRef idx="minor">
+        <a:schemeClr val="lt1"/>
+      </a:fontRef>
+    </dgm:style>
+  </dgm:styleLbl>
+  <dgm:styleLbl name="asst2">
+    <dgm:scene3d>
+      <a:camera prst="orthographicFront"/>
+      <a:lightRig rig="threePt" dir="t"/>
+    </dgm:scene3d>
+    <dgm:sp3d/>
+    <dgm:txPr/>
+    <dgm:style>
+      <a:lnRef idx="2">
+        <a:scrgbClr r="0" g="0" b="0"/>
+      </a:lnRef>
+      <a:fillRef idx="1">
+        <a:scrgbClr r="0" g="0" b="0"/>
+      </a:fillRef>
+      <a:effectRef idx="0">
+        <a:scrgbClr r="0" g="0" b="0"/>
+      </a:effectRef>
+      <a:fontRef idx="minor">
+        <a:schemeClr val="lt1"/>
+      </a:fontRef>
+    </dgm:style>
+  </dgm:styleLbl>
+  <dgm:styleLbl name="asst3">
+    <dgm:scene3d>
+      <a:camera prst="orthographicFront"/>
+      <a:lightRig rig="threePt" dir="t"/>
+    </dgm:scene3d>
+    <dgm:sp3d/>
+    <dgm:txPr/>
+    <dgm:style>
+      <a:lnRef idx="2">
+        <a:scrgbClr r="0" g="0" b="0"/>
+      </a:lnRef>
+      <a:fillRef idx="1">
+        <a:scrgbClr r="0" g="0" b="0"/>
+      </a:fillRef>
+      <a:effectRef idx="0">
+        <a:scrgbClr r="0" g="0" b="0"/>
+      </a:effectRef>
+      <a:fontRef idx="minor">
+        <a:schemeClr val="lt1"/>
+      </a:fontRef>
+    </dgm:style>
+  </dgm:styleLbl>
+  <dgm:styleLbl name="asst4">
+    <dgm:scene3d>
+      <a:camera prst="orthographicFront"/>
+      <a:lightRig rig="threePt" dir="t"/>
+    </dgm:scene3d>
+    <dgm:sp3d/>
+    <dgm:txPr/>
+    <dgm:style>
+      <a:lnRef idx="2">
+        <a:scrgbClr r="0" g="0" b="0"/>
+      </a:lnRef>
+      <a:fillRef idx="1">
+        <a:scrgbClr r="0" g="0" b="0"/>
+      </a:fillRef>
+      <a:effectRef idx="0">
+        <a:scrgbClr r="0" g="0" b="0"/>
+      </a:effectRef>
+      <a:fontRef idx="minor">
+        <a:schemeClr val="lt1"/>
+      </a:fontRef>
+    </dgm:style>
+  </dgm:styleLbl>
+  <dgm:styleLbl name="parChTrans2D1">
+    <dgm:scene3d>
+      <a:camera prst="orthographicFront"/>
+      <a:lightRig rig="threePt" dir="t"/>
+    </dgm:scene3d>
+    <dgm:sp3d/>
+    <dgm:txPr/>
+    <dgm:style>
+      <a:lnRef idx="2">
+        <a:scrgbClr r="0" g="0" b="0"/>
+      </a:lnRef>
+      <a:fillRef idx="1">
+        <a:scrgbClr r="0" g="0" b="0"/>
+      </a:fillRef>
+      <a:effectRef idx="0">
+        <a:scrgbClr r="0" g="0" b="0"/>
+      </a:effectRef>
+      <a:fontRef idx="minor">
+        <a:schemeClr val="lt1"/>
+      </a:fontRef>
+    </dgm:style>
+  </dgm:styleLbl>
+  <dgm:styleLbl name="parChTrans2D2">
+    <dgm:scene3d>
+      <a:camera prst="orthographicFront"/>
+      <a:lightRig rig="threePt" dir="t"/>
+    </dgm:scene3d>
+    <dgm:sp3d/>
+    <dgm:txPr/>
+    <dgm:style>
+      <a:lnRef idx="2">
+        <a:scrgbClr r="0" g="0" b="0"/>
+      </a:lnRef>
+      <a:fillRef idx="1">
+        <a:scrgbClr r="0" g="0" b="0"/>
+      </a:fillRef>
+      <a:effectRef idx="0">
+        <a:scrgbClr r="0" g="0" b="0"/>
+      </a:effectRef>
+      <a:fontRef idx="minor">
+        <a:schemeClr val="lt1"/>
+      </a:fontRef>
+    </dgm:style>
+  </dgm:styleLbl>
+  <dgm:styleLbl name="parChTrans2D3">
+    <dgm:scene3d>
+      <a:camera prst="orthographicFront"/>
+      <a:lightRig rig="threePt" dir="t"/>
+    </dgm:scene3d>
+    <dgm:sp3d/>
+    <dgm:txPr/>
+    <dgm:style>
+      <a:lnRef idx="2">
+        <a:scrgbClr r="0" g="0" b="0"/>
+      </a:lnRef>
+      <a:fillRef idx="1">
+        <a:scrgbClr r="0" g="0" b="0"/>
+      </a:fillRef>
+      <a:effectRef idx="0">
+        <a:scrgbClr r="0" g="0" b="0"/>
+      </a:effectRef>
+      <a:fontRef idx="minor">
+        <a:schemeClr val="lt1"/>
+      </a:fontRef>
+    </dgm:style>
+  </dgm:styleLbl>
+  <dgm:styleLbl name="parChTrans2D4">
+    <dgm:scene3d>
+      <a:camera prst="orthographicFront"/>
+      <a:lightRig rig="threePt" dir="t"/>
+    </dgm:scene3d>
+    <dgm:sp3d/>
+    <dgm:txPr/>
+    <dgm:style>
+      <a:lnRef idx="2">
+        <a:scrgbClr r="0" g="0" b="0"/>
+      </a:lnRef>
+      <a:fillRef idx="1">
+        <a:scrgbClr r="0" g="0" b="0"/>
+      </a:fillRef>
+      <a:effectRef idx="0">
+        <a:scrgbClr r="0" g="0" b="0"/>
+      </a:effectRef>
+      <a:fontRef idx="minor">
+        <a:schemeClr val="lt1"/>
+      </a:fontRef>
+    </dgm:style>
+  </dgm:styleLbl>
+  <dgm:styleLbl name="parChTrans1D1">
+    <dgm:scene3d>
+      <a:camera prst="orthographicFront"/>
+      <a:lightRig rig="threePt" dir="t"/>
+    </dgm:scene3d>
+    <dgm:sp3d/>
+    <dgm:txPr/>
+    <dgm:style>
+      <a:lnRef idx="2">
+        <a:scrgbClr r="0" g="0" b="0"/>
+      </a:lnRef>
+      <a:fillRef idx="0">
+        <a:scrgbClr r="0" g="0" b="0"/>
+      </a:fillRef>
+      <a:effectRef idx="0">
+        <a:scrgbClr r="0" g="0" b="0"/>
+      </a:effectRef>
+      <a:fontRef idx="minor"/>
+    </dgm:style>
+  </dgm:styleLbl>
+  <dgm:styleLbl name="parChTrans1D2">
+    <dgm:scene3d>
+      <a:camera prst="orthographicFront"/>
+      <a:lightRig rig="threePt" dir="t"/>
+    </dgm:scene3d>
+    <dgm:sp3d/>
+    <dgm:txPr/>
+    <dgm:style>
+      <a:lnRef idx="2">
+        <a:scrgbClr r="0" g="0" b="0"/>
+      </a:lnRef>
+      <a:fillRef idx="0">
+        <a:scrgbClr r="0" g="0" b="0"/>
+      </a:fillRef>
+      <a:effectRef idx="0">
+        <a:scrgbClr r="0" g="0" b="0"/>
+      </a:effectRef>
+      <a:fontRef idx="minor"/>
+    </dgm:style>
+  </dgm:styleLbl>
+  <dgm:styleLbl name="parChTrans1D3">
+    <dgm:scene3d>
+      <a:camera prst="orthographicFront"/>
+      <a:lightRig rig="threePt" dir="t"/>
+    </dgm:scene3d>
+    <dgm:sp3d/>
+    <dgm:txPr/>
+    <dgm:style>
+      <a:lnRef idx="2">
+        <a:scrgbClr r="0" g="0" b="0"/>
+      </a:lnRef>
+      <a:fillRef idx="0">
+        <a:scrgbClr r="0" g="0" b="0"/>
+      </a:fillRef>
+      <a:effectRef idx="0">
+        <a:scrgbClr r="0" g="0" b="0"/>
+      </a:effectRef>
+      <a:fontRef idx="minor"/>
+    </dgm:style>
+  </dgm:styleLbl>
+  <dgm:styleLbl name="parChTrans1D4">
+    <dgm:scene3d>
+      <a:camera prst="orthographicFront"/>
+      <a:lightRig rig="threePt" dir="t"/>
+    </dgm:scene3d>
+    <dgm:sp3d/>
+    <dgm:txPr/>
+    <dgm:style>
+      <a:lnRef idx="2">
+        <a:scrgbClr r="0" g="0" b="0"/>
+      </a:lnRef>
+      <a:fillRef idx="0">
+        <a:scrgbClr r="0" g="0" b="0"/>
+      </a:fillRef>
+      <a:effectRef idx="0">
+        <a:scrgbClr r="0" g="0" b="0"/>
+      </a:effectRef>
+      <a:fontRef idx="minor"/>
+    </dgm:style>
+  </dgm:styleLbl>
+  <dgm:styleLbl name="fgAcc1">
+    <dgm:scene3d>
+      <a:camera prst="orthographicFront"/>
+      <a:lightRig rig="threePt" dir="t"/>
+    </dgm:scene3d>
+    <dgm:sp3d/>
+    <dgm:txPr/>
+    <dgm:style>
+      <a:lnRef idx="2">
+        <a:scrgbClr r="0" g="0" b="0"/>
+      </a:lnRef>
+      <a:fillRef idx="1">
+        <a:scrgbClr r="0" g="0" b="0"/>
+      </a:fillRef>
+      <a:effectRef idx="0">
+        <a:scrgbClr r="0" g="0" b="0"/>
+      </a:effectRef>
+      <a:fontRef idx="minor"/>
+    </dgm:style>
+  </dgm:styleLbl>
+  <dgm:styleLbl name="conFgAcc1">
+    <dgm:scene3d>
+      <a:camera prst="orthographicFront"/>
+      <a:lightRig rig="threePt" dir="t"/>
+    </dgm:scene3d>
+    <dgm:sp3d/>
+    <dgm:txPr/>
+    <dgm:style>
+      <a:lnRef idx="2">
+        <a:scrgbClr r="0" g="0" b="0"/>
+      </a:lnRef>
+      <a:fillRef idx="1">
+        <a:scrgbClr r="0" g="0" b="0"/>
+      </a:fillRef>
+      <a:effectRef idx="0">
+        <a:scrgbClr r="0" g="0" b="0"/>
+      </a:effectRef>
+      <a:fontRef idx="minor"/>
+    </dgm:style>
+  </dgm:styleLbl>
+  <dgm:styleLbl name="alignAcc1">
+    <dgm:scene3d>
+      <a:camera prst="orthographicFront"/>
+      <a:lightRig rig="threePt" dir="t"/>
+    </dgm:scene3d>
+    <dgm:sp3d/>
+    <dgm:txPr/>
+    <dgm:style>
+      <a:lnRef idx="2">
+        <a:scrgbClr r="0" g="0" b="0"/>
+      </a:lnRef>
+      <a:fillRef idx="1">
+        <a:scrgbClr r="0" g="0" b="0"/>
+      </a:fillRef>
+      <a:effectRef idx="0">
+        <a:scrgbClr r="0" g="0" b="0"/>
+      </a:effectRef>
+      <a:fontRef idx="minor"/>
+    </dgm:style>
+  </dgm:styleLbl>
+  <dgm:styleLbl name="trAlignAcc1">
+    <dgm:scene3d>
+      <a:camera prst="orthographicFront"/>
+      <a:lightRig rig="threePt" dir="t"/>
+    </dgm:scene3d>
+    <dgm:sp3d/>
+    <dgm:txPr/>
+    <dgm:style>
+      <a:lnRef idx="1">
+        <a:scrgbClr r="0" g="0" b="0"/>
+      </a:lnRef>
+      <a:fillRef idx="1">
+        <a:scrgbClr r="0" g="0" b="0"/>
+      </a:fillRef>
+      <a:effectRef idx="0">
+        <a:scrgbClr r="0" g="0" b="0"/>
+      </a:effectRef>
+      <a:fontRef idx="minor"/>
+    </dgm:style>
+  </dgm:styleLbl>
+  <dgm:styleLbl name="bgAcc1">
+    <dgm:scene3d>
+      <a:camera prst="orthographicFront"/>
+      <a:lightRig rig="threePt" dir="t"/>
+    </dgm:scene3d>
+    <dgm:sp3d/>
+    <dgm:txPr/>
+    <dgm:style>
+      <a:lnRef idx="2">
+        <a:scrgbClr r="0" g="0" b="0"/>
+      </a:lnRef>
+      <a:fillRef idx="1">
+        <a:scrgbClr r="0" g="0" b="0"/>
+      </a:fillRef>
+      <a:effectRef idx="0">
+        <a:scrgbClr r="0" g="0" b="0"/>
+      </a:effectRef>
+      <a:fontRef idx="minor"/>
+    </dgm:style>
+  </dgm:styleLbl>
+  <dgm:styleLbl name="solidFgAcc1">
+    <dgm:scene3d>
+      <a:camera prst="orthographicFront"/>
+      <a:lightRig rig="threePt" dir="t"/>
+    </dgm:scene3d>
+    <dgm:sp3d/>
+    <dgm:txPr/>
+    <dgm:style>
+      <a:lnRef idx="2">
+        <a:scrgbClr r="0" g="0" b="0"/>
+      </a:lnRef>
+      <a:fillRef idx="1">
+        <a:scrgbClr r="0" g="0" b="0"/>
+      </a:fillRef>
+      <a:effectRef idx="0">
+        <a:scrgbClr r="0" g="0" b="0"/>
+      </a:effectRef>
+      <a:fontRef idx="minor"/>
+    </dgm:style>
+  </dgm:styleLbl>
+  <dgm:styleLbl name="solidAlignAcc1">
+    <dgm:scene3d>
+      <a:camera prst="orthographicFront"/>
+      <a:lightRig rig="threePt" dir="t"/>
+    </dgm:scene3d>
+    <dgm:sp3d/>
+    <dgm:txPr/>
+    <dgm:style>
+      <a:lnRef idx="2">
+        <a:scrgbClr r="0" g="0" b="0"/>
+      </a:lnRef>
+      <a:fillRef idx="1">
+        <a:scrgbClr r="0" g="0" b="0"/>
+      </a:fillRef>
+      <a:effectRef idx="0">
+        <a:scrgbClr r="0" g="0" b="0"/>
+      </a:effectRef>
+      <a:fontRef idx="minor"/>
+    </dgm:style>
+  </dgm:styleLbl>
+  <dgm:styleLbl name="solidBgAcc1">
+    <dgm:scene3d>
+      <a:camera prst="orthographicFront"/>
+      <a:lightRig rig="threePt" dir="t"/>
+    </dgm:scene3d>
+    <dgm:sp3d/>
+    <dgm:txPr/>
+    <dgm:style>
+      <a:lnRef idx="2">
+        <a:scrgbClr r="0" g="0" b="0"/>
+      </a:lnRef>
+      <a:fillRef idx="1">
+        <a:scrgbClr r="0" g="0" b="0"/>
+      </a:fillRef>
+      <a:effectRef idx="0">
+        <a:scrgbClr r="0" g="0" b="0"/>
+      </a:effectRef>
+      <a:fontRef idx="minor"/>
+    </dgm:style>
+  </dgm:styleLbl>
+  <dgm:styleLbl name="fgAccFollowNode1">
+    <dgm:scene3d>
+      <a:camera prst="orthographicFront"/>
+      <a:lightRig rig="threePt" dir="t"/>
+    </dgm:scene3d>
+    <dgm:sp3d/>
+    <dgm:txPr/>
+    <dgm:style>
+      <a:lnRef idx="2">
+        <a:scrgbClr r="0" g="0" b="0"/>
+      </a:lnRef>
+      <a:fillRef idx="1">
+        <a:scrgbClr r="0" g="0" b="0"/>
+      </a:fillRef>
+      <a:effectRef idx="0">
+        <a:scrgbClr r="0" g="0" b="0"/>
+      </a:effectRef>
+      <a:fontRef idx="minor"/>
+    </dgm:style>
+  </dgm:styleLbl>
+  <dgm:styleLbl name="alignAccFollowNode1">
+    <dgm:scene3d>
+      <a:camera prst="orthographicFront"/>
+      <a:lightRig rig="threePt" dir="t"/>
+    </dgm:scene3d>
+    <dgm:sp3d/>
+    <dgm:txPr/>
+    <dgm:style>
+      <a:lnRef idx="2">
+        <a:scrgbClr r="0" g="0" b="0"/>
+      </a:lnRef>
+      <a:fillRef idx="1">
+        <a:scrgbClr r="0" g="0" b="0"/>
+      </a:fillRef>
+      <a:effectRef idx="0">
+        <a:scrgbClr r="0" g="0" b="0"/>
+      </a:effectRef>
+      <a:fontRef idx="minor"/>
+    </dgm:style>
+  </dgm:styleLbl>
+  <dgm:styleLbl name="bgAccFollowNode1">
+    <dgm:scene3d>
+      <a:camera prst="orthographicFront"/>
+      <a:lightRig rig="threePt" dir="t"/>
+    </dgm:scene3d>
+    <dgm:sp3d/>
+    <dgm:txPr/>
+    <dgm:style>
+      <a:lnRef idx="2">
+        <a:scrgbClr r="0" g="0" b="0"/>
+      </a:lnRef>
+      <a:fillRef idx="1">
+        <a:scrgbClr r="0" g="0" b="0"/>
+      </a:fillRef>
+      <a:effectRef idx="0">
+        <a:scrgbClr r="0" g="0" b="0"/>
+      </a:effectRef>
+      <a:fontRef idx="minor"/>
+    </dgm:style>
+  </dgm:styleLbl>
+  <dgm:styleLbl name="fgAcc0">
+    <dgm:scene3d>
+      <a:camera prst="orthographicFront"/>
+      <a:lightRig rig="threePt" dir="t"/>
+    </dgm:scene3d>
+    <dgm:sp3d/>
+    <dgm:txPr/>
+    <dgm:style>
+      <a:lnRef idx="2">
+        <a:scrgbClr r="0" g="0" b="0"/>
+      </a:lnRef>
+      <a:fillRef idx="1">
+        <a:scrgbClr r="0" g="0" b="0"/>
+      </a:fillRef>
+      <a:effectRef idx="0">
+        <a:scrgbClr r="0" g="0" b="0"/>
+      </a:effectRef>
+      <a:fontRef idx="minor"/>
+    </dgm:style>
+  </dgm:styleLbl>
+  <dgm:styleLbl name="fgAcc2">
+    <dgm:scene3d>
+      <a:camera prst="orthographicFront"/>
+      <a:lightRig rig="threePt" dir="t"/>
+    </dgm:scene3d>
+    <dgm:sp3d/>
+    <dgm:txPr/>
+    <dgm:style>
+      <a:lnRef idx="2">
+        <a:scrgbClr r="0" g="0" b="0"/>
+      </a:lnRef>
+      <a:fillRef idx="1">
+        <a:scrgbClr r="0" g="0" b="0"/>
+      </a:fillRef>
+      <a:effectRef idx="0">
+        <a:scrgbClr r="0" g="0" b="0"/>
+      </a:effectRef>
+      <a:fontRef idx="minor"/>
+    </dgm:style>
+  </dgm:styleLbl>
+  <dgm:styleLbl name="fgAcc3">
+    <dgm:scene3d>
+      <a:camera prst="orthographicFront"/>
+      <a:lightRig rig="threePt" dir="t"/>
+    </dgm:scene3d>
+    <dgm:sp3d/>
+    <dgm:txPr/>
+    <dgm:style>
+      <a:lnRef idx="2">
+        <a:scrgbClr r="0" g="0" b="0"/>
+      </a:lnRef>
+      <a:fillRef idx="1">
+        <a:scrgbClr r="0" g="0" b="0"/>
+      </a:fillRef>
+      <a:effectRef idx="0">
+        <a:scrgbClr r="0" g="0" b="0"/>
+      </a:effectRef>
+      <a:fontRef idx="minor"/>
+    </dgm:style>
+  </dgm:styleLbl>
+  <dgm:styleLbl name="fgAcc4">
+    <dgm:scene3d>
+      <a:camera prst="orthographicFront"/>
+      <a:lightRig rig="threePt" dir="t"/>
+    </dgm:scene3d>
+    <dgm:sp3d/>
+    <dgm:txPr/>
+    <dgm:style>
+      <a:lnRef idx="2">
+        <a:scrgbClr r="0" g="0" b="0"/>
+      </a:lnRef>
+      <a:fillRef idx="1">
+        <a:scrgbClr r="0" g="0" b="0"/>
+      </a:fillRef>
+      <a:effectRef idx="0">
+        <a:scrgbClr r="0" g="0" b="0"/>
+      </a:effectRef>
+      <a:fontRef idx="minor"/>
+    </dgm:style>
+  </dgm:styleLbl>
+  <dgm:styleLbl name="bgShp">
+    <dgm:scene3d>
+      <a:camera prst="orthographicFront"/>
+      <a:lightRig rig="threePt" dir="t"/>
+    </dgm:scene3d>
+    <dgm:sp3d/>
+    <dgm:txPr/>
+    <dgm:style>
+      <a:lnRef idx="0">
+        <a:scrgbClr r="0" g="0" b="0"/>
+      </a:lnRef>
+      <a:fillRef idx="1">
+        <a:scrgbClr r="0" g="0" b="0"/>
+      </a:fillRef>
+      <a:effectRef idx="0">
+        <a:scrgbClr r="0" g="0" b="0"/>
+      </a:effectRef>
+      <a:fontRef idx="minor"/>
+    </dgm:style>
+  </dgm:styleLbl>
+  <dgm:styleLbl name="dkBgShp">
+    <dgm:scene3d>
+      <a:camera prst="orthographicFront"/>
+      <a:lightRig rig="threePt" dir="t"/>
+    </dgm:scene3d>
+    <dgm:sp3d/>
+    <dgm:txPr/>
+    <dgm:style>
+      <a:lnRef idx="0">
+        <a:scrgbClr r="0" g="0" b="0"/>
+      </a:lnRef>
+      <a:fillRef idx="1">
+        <a:scrgbClr r="0" g="0" b="0"/>
+      </a:fillRef>
+      <a:effectRef idx="0">
+        <a:scrgbClr r="0" g="0" b="0"/>
+      </a:effectRef>
+      <a:fontRef idx="minor"/>
+    </dgm:style>
+  </dgm:styleLbl>
+  <dgm:styleLbl name="trBgShp">
+    <dgm:scene3d>
+      <a:camera prst="orthographicFront"/>
+      <a:lightRig rig="threePt" dir="t"/>
+    </dgm:scene3d>
+    <dgm:sp3d/>
+    <dgm:txPr/>
+    <dgm:style>
+      <a:lnRef idx="0">
+        <a:scrgbClr r="0" g="0" b="0"/>
+      </a:lnRef>
+      <a:fillRef idx="1">
+        <a:scrgbClr r="0" g="0" b="0"/>
+      </a:fillRef>
+      <a:effectRef idx="0">
+        <a:scrgbClr r="0" g="0" b="0"/>
+      </a:effectRef>
+      <a:fontRef idx="minor"/>
+    </dgm:style>
+  </dgm:styleLbl>
+  <dgm:styleLbl name="fgShp">
+    <dgm:scene3d>
+      <a:camera prst="orthographicFront"/>
+      <a:lightRig rig="threePt" dir="t"/>
+    </dgm:scene3d>
+    <dgm:sp3d/>
+    <dgm:txPr/>
+    <dgm:style>
+      <a:lnRef idx="2">
+        <a:scrgbClr r="0" g="0" b="0"/>
+      </a:lnRef>
+      <a:fillRef idx="1">
+        <a:scrgbClr r="0" g="0" b="0"/>
+      </a:fillRef>
+      <a:effectRef idx="0">
+        <a:scrgbClr r="0" g="0" b="0"/>
+      </a:effectRef>
+      <a:fontRef idx="minor"/>
+    </dgm:style>
+  </dgm:styleLbl>
+  <dgm:styleLbl name="revTx">
+    <dgm:scene3d>
+      <a:camera prst="orthographicFront"/>
+      <a:lightRig rig="threePt" dir="t"/>
+    </dgm:scene3d>
+    <dgm:sp3d/>
+    <dgm:txPr/>
+    <dgm:style>
+      <a:lnRef idx="0">
+        <a:scrgbClr r="0" g="0" b="0"/>
+      </a:lnRef>
+      <a:fillRef idx="0">
+        <a:scrgbClr r="0" g="0" b="0"/>
+      </a:fillRef>
+      <a:effectRef idx="0">
+        <a:scrgbClr r="0" g="0" b="0"/>
+      </a:effectRef>
+      <a:fontRef idx="minor"/>
+    </dgm:style>
+  </dgm:styleLbl>
+</dgm:styleDef>
+</file>
+
+<file path=ppt/diagrams/quickStyle2.xml><?xml version="1.0" encoding="utf-8"?>
 <dgm:styleDef xmlns:dgm="http://schemas.openxmlformats.org/drawingml/2006/diagram" xmlns:a="http://schemas.openxmlformats.org/drawingml/2006/main" uniqueId="urn:microsoft.com/office/officeart/2005/8/quickstyle/simple1">
   <dgm:title val=""/>
   <dgm:desc val=""/>
@@ -3886,7 +7133,7 @@
           <p:cNvPr id="2" name="Title 1">
             <a:extLst>
               <a:ext uri="{FF2B5EF4-FFF2-40B4-BE49-F238E27FC236}">
-                <a16:creationId xmlns:a16="http://schemas.microsoft.com/office/drawing/2014/main" id="{26BE5BE0-EE5D-4AB4-B6B7-80E93F033CE0}"/>
+                <a16:creationId xmlns:a16="http://schemas.microsoft.com/office/drawing/2014/main" xmlns="" id="{26BE5BE0-EE5D-4AB4-B6B7-80E93F033CE0}"/>
               </a:ext>
             </a:extLst>
           </p:cNvPr>
@@ -3923,7 +7170,7 @@
           <p:cNvPr id="3" name="Subtitle 2">
             <a:extLst>
               <a:ext uri="{FF2B5EF4-FFF2-40B4-BE49-F238E27FC236}">
-                <a16:creationId xmlns:a16="http://schemas.microsoft.com/office/drawing/2014/main" id="{60C251B1-46D3-494B-B062-251E7204CE5A}"/>
+                <a16:creationId xmlns:a16="http://schemas.microsoft.com/office/drawing/2014/main" xmlns="" id="{60C251B1-46D3-494B-B062-251E7204CE5A}"/>
               </a:ext>
             </a:extLst>
           </p:cNvPr>
@@ -3993,7 +7240,7 @@
           <p:cNvPr id="4" name="Date Placeholder 3">
             <a:extLst>
               <a:ext uri="{FF2B5EF4-FFF2-40B4-BE49-F238E27FC236}">
-                <a16:creationId xmlns:a16="http://schemas.microsoft.com/office/drawing/2014/main" id="{24F5C6D8-6EBB-4C26-9699-1C4EA5F8BFFA}"/>
+                <a16:creationId xmlns:a16="http://schemas.microsoft.com/office/drawing/2014/main" xmlns="" id="{24F5C6D8-6EBB-4C26-9699-1C4EA5F8BFFA}"/>
               </a:ext>
             </a:extLst>
           </p:cNvPr>
@@ -4011,7 +7258,7 @@
           <a:p>
             <a:fld id="{2178D830-3F43-4FD1-8429-BB0A4D09BA8E}" type="datetimeFigureOut">
               <a:rPr lang="en-US" smtClean="0"/>
-              <a:t>2/28/2018</a:t>
+              <a:t>3/1/2018</a:t>
             </a:fld>
             <a:endParaRPr lang="en-US"/>
           </a:p>
@@ -4022,7 +7269,7 @@
           <p:cNvPr id="5" name="Footer Placeholder 4">
             <a:extLst>
               <a:ext uri="{FF2B5EF4-FFF2-40B4-BE49-F238E27FC236}">
-                <a16:creationId xmlns:a16="http://schemas.microsoft.com/office/drawing/2014/main" id="{B5F356FD-45D3-4446-8357-AE2980E2F24A}"/>
+                <a16:creationId xmlns:a16="http://schemas.microsoft.com/office/drawing/2014/main" xmlns="" id="{B5F356FD-45D3-4446-8357-AE2980E2F24A}"/>
               </a:ext>
             </a:extLst>
           </p:cNvPr>
@@ -4047,7 +7294,7 @@
           <p:cNvPr id="6" name="Slide Number Placeholder 5">
             <a:extLst>
               <a:ext uri="{FF2B5EF4-FFF2-40B4-BE49-F238E27FC236}">
-                <a16:creationId xmlns:a16="http://schemas.microsoft.com/office/drawing/2014/main" id="{2A95078C-E433-4C61-B5F7-9AC8389379D1}"/>
+                <a16:creationId xmlns:a16="http://schemas.microsoft.com/office/drawing/2014/main" xmlns="" id="{2A95078C-E433-4C61-B5F7-9AC8389379D1}"/>
               </a:ext>
             </a:extLst>
           </p:cNvPr>
@@ -4106,7 +7353,7 @@
           <p:cNvPr id="2" name="Title 1">
             <a:extLst>
               <a:ext uri="{FF2B5EF4-FFF2-40B4-BE49-F238E27FC236}">
-                <a16:creationId xmlns:a16="http://schemas.microsoft.com/office/drawing/2014/main" id="{78EC53B8-F088-40DA-A707-CBC008624F57}"/>
+                <a16:creationId xmlns:a16="http://schemas.microsoft.com/office/drawing/2014/main" xmlns="" id="{78EC53B8-F088-40DA-A707-CBC008624F57}"/>
               </a:ext>
             </a:extLst>
           </p:cNvPr>
@@ -4134,7 +7381,7 @@
           <p:cNvPr id="3" name="Vertical Text Placeholder 2">
             <a:extLst>
               <a:ext uri="{FF2B5EF4-FFF2-40B4-BE49-F238E27FC236}">
-                <a16:creationId xmlns:a16="http://schemas.microsoft.com/office/drawing/2014/main" id="{9B616243-CB9D-4E32-846D-C96A846946C0}"/>
+                <a16:creationId xmlns:a16="http://schemas.microsoft.com/office/drawing/2014/main" xmlns="" id="{9B616243-CB9D-4E32-846D-C96A846946C0}"/>
               </a:ext>
             </a:extLst>
           </p:cNvPr>
@@ -4191,7 +7438,7 @@
           <p:cNvPr id="4" name="Date Placeholder 3">
             <a:extLst>
               <a:ext uri="{FF2B5EF4-FFF2-40B4-BE49-F238E27FC236}">
-                <a16:creationId xmlns:a16="http://schemas.microsoft.com/office/drawing/2014/main" id="{8F8AF133-CDE0-4375-A3C7-1161F7D1D795}"/>
+                <a16:creationId xmlns:a16="http://schemas.microsoft.com/office/drawing/2014/main" xmlns="" id="{8F8AF133-CDE0-4375-A3C7-1161F7D1D795}"/>
               </a:ext>
             </a:extLst>
           </p:cNvPr>
@@ -4209,7 +7456,7 @@
           <a:p>
             <a:fld id="{2178D830-3F43-4FD1-8429-BB0A4D09BA8E}" type="datetimeFigureOut">
               <a:rPr lang="en-US" smtClean="0"/>
-              <a:t>2/28/2018</a:t>
+              <a:t>3/1/2018</a:t>
             </a:fld>
             <a:endParaRPr lang="en-US"/>
           </a:p>
@@ -4220,7 +7467,7 @@
           <p:cNvPr id="5" name="Footer Placeholder 4">
             <a:extLst>
               <a:ext uri="{FF2B5EF4-FFF2-40B4-BE49-F238E27FC236}">
-                <a16:creationId xmlns:a16="http://schemas.microsoft.com/office/drawing/2014/main" id="{06A4B549-C578-4294-8953-BEDFDAFB143F}"/>
+                <a16:creationId xmlns:a16="http://schemas.microsoft.com/office/drawing/2014/main" xmlns="" id="{06A4B549-C578-4294-8953-BEDFDAFB143F}"/>
               </a:ext>
             </a:extLst>
           </p:cNvPr>
@@ -4245,7 +7492,7 @@
           <p:cNvPr id="6" name="Slide Number Placeholder 5">
             <a:extLst>
               <a:ext uri="{FF2B5EF4-FFF2-40B4-BE49-F238E27FC236}">
-                <a16:creationId xmlns:a16="http://schemas.microsoft.com/office/drawing/2014/main" id="{0E4D4664-1BB3-44DF-81C4-C7B95B4BCA71}"/>
+                <a16:creationId xmlns:a16="http://schemas.microsoft.com/office/drawing/2014/main" xmlns="" id="{0E4D4664-1BB3-44DF-81C4-C7B95B4BCA71}"/>
               </a:ext>
             </a:extLst>
           </p:cNvPr>
@@ -4304,7 +7551,7 @@
           <p:cNvPr id="2" name="Vertical Title 1">
             <a:extLst>
               <a:ext uri="{FF2B5EF4-FFF2-40B4-BE49-F238E27FC236}">
-                <a16:creationId xmlns:a16="http://schemas.microsoft.com/office/drawing/2014/main" id="{D2A71916-2C2C-4C55-9CFC-6ECC394740C4}"/>
+                <a16:creationId xmlns:a16="http://schemas.microsoft.com/office/drawing/2014/main" xmlns="" id="{D2A71916-2C2C-4C55-9CFC-6ECC394740C4}"/>
               </a:ext>
             </a:extLst>
           </p:cNvPr>
@@ -4337,7 +7584,7 @@
           <p:cNvPr id="3" name="Vertical Text Placeholder 2">
             <a:extLst>
               <a:ext uri="{FF2B5EF4-FFF2-40B4-BE49-F238E27FC236}">
-                <a16:creationId xmlns:a16="http://schemas.microsoft.com/office/drawing/2014/main" id="{FB48FC9E-D220-4E0A-816E-3E6F087C431B}"/>
+                <a16:creationId xmlns:a16="http://schemas.microsoft.com/office/drawing/2014/main" xmlns="" id="{FB48FC9E-D220-4E0A-816E-3E6F087C431B}"/>
               </a:ext>
             </a:extLst>
           </p:cNvPr>
@@ -4399,7 +7646,7 @@
           <p:cNvPr id="4" name="Date Placeholder 3">
             <a:extLst>
               <a:ext uri="{FF2B5EF4-FFF2-40B4-BE49-F238E27FC236}">
-                <a16:creationId xmlns:a16="http://schemas.microsoft.com/office/drawing/2014/main" id="{1C7E645F-6FA7-41E9-9198-F24534211D93}"/>
+                <a16:creationId xmlns:a16="http://schemas.microsoft.com/office/drawing/2014/main" xmlns="" id="{1C7E645F-6FA7-41E9-9198-F24534211D93}"/>
               </a:ext>
             </a:extLst>
           </p:cNvPr>
@@ -4417,7 +7664,7 @@
           <a:p>
             <a:fld id="{2178D830-3F43-4FD1-8429-BB0A4D09BA8E}" type="datetimeFigureOut">
               <a:rPr lang="en-US" smtClean="0"/>
-              <a:t>2/28/2018</a:t>
+              <a:t>3/1/2018</a:t>
             </a:fld>
             <a:endParaRPr lang="en-US"/>
           </a:p>
@@ -4428,7 +7675,7 @@
           <p:cNvPr id="5" name="Footer Placeholder 4">
             <a:extLst>
               <a:ext uri="{FF2B5EF4-FFF2-40B4-BE49-F238E27FC236}">
-                <a16:creationId xmlns:a16="http://schemas.microsoft.com/office/drawing/2014/main" id="{399EED38-BDB2-47BA-8383-CA99D77B8245}"/>
+                <a16:creationId xmlns:a16="http://schemas.microsoft.com/office/drawing/2014/main" xmlns="" id="{399EED38-BDB2-47BA-8383-CA99D77B8245}"/>
               </a:ext>
             </a:extLst>
           </p:cNvPr>
@@ -4453,7 +7700,7 @@
           <p:cNvPr id="6" name="Slide Number Placeholder 5">
             <a:extLst>
               <a:ext uri="{FF2B5EF4-FFF2-40B4-BE49-F238E27FC236}">
-                <a16:creationId xmlns:a16="http://schemas.microsoft.com/office/drawing/2014/main" id="{A9E56847-E503-4E38-A082-5C58796872E0}"/>
+                <a16:creationId xmlns:a16="http://schemas.microsoft.com/office/drawing/2014/main" xmlns="" id="{A9E56847-E503-4E38-A082-5C58796872E0}"/>
               </a:ext>
             </a:extLst>
           </p:cNvPr>
@@ -4512,7 +7759,7 @@
           <p:cNvPr id="2" name="Title 1">
             <a:extLst>
               <a:ext uri="{FF2B5EF4-FFF2-40B4-BE49-F238E27FC236}">
-                <a16:creationId xmlns:a16="http://schemas.microsoft.com/office/drawing/2014/main" id="{244D2487-51B2-4760-B976-2E8C695D9439}"/>
+                <a16:creationId xmlns:a16="http://schemas.microsoft.com/office/drawing/2014/main" xmlns="" id="{244D2487-51B2-4760-B976-2E8C695D9439}"/>
               </a:ext>
             </a:extLst>
           </p:cNvPr>
@@ -4540,7 +7787,7 @@
           <p:cNvPr id="3" name="Content Placeholder 2">
             <a:extLst>
               <a:ext uri="{FF2B5EF4-FFF2-40B4-BE49-F238E27FC236}">
-                <a16:creationId xmlns:a16="http://schemas.microsoft.com/office/drawing/2014/main" id="{80C65EED-40D8-4202-A7C0-36C7A362DA12}"/>
+                <a16:creationId xmlns:a16="http://schemas.microsoft.com/office/drawing/2014/main" xmlns="" id="{80C65EED-40D8-4202-A7C0-36C7A362DA12}"/>
               </a:ext>
             </a:extLst>
           </p:cNvPr>
@@ -4597,7 +7844,7 @@
           <p:cNvPr id="4" name="Date Placeholder 3">
             <a:extLst>
               <a:ext uri="{FF2B5EF4-FFF2-40B4-BE49-F238E27FC236}">
-                <a16:creationId xmlns:a16="http://schemas.microsoft.com/office/drawing/2014/main" id="{9DCACFE6-D77E-47DE-B8FC-93F51BC9F0E5}"/>
+                <a16:creationId xmlns:a16="http://schemas.microsoft.com/office/drawing/2014/main" xmlns="" id="{9DCACFE6-D77E-47DE-B8FC-93F51BC9F0E5}"/>
               </a:ext>
             </a:extLst>
           </p:cNvPr>
@@ -4615,7 +7862,7 @@
           <a:p>
             <a:fld id="{2178D830-3F43-4FD1-8429-BB0A4D09BA8E}" type="datetimeFigureOut">
               <a:rPr lang="en-US" smtClean="0"/>
-              <a:t>2/28/2018</a:t>
+              <a:t>3/1/2018</a:t>
             </a:fld>
             <a:endParaRPr lang="en-US"/>
           </a:p>
@@ -4626,7 +7873,7 @@
           <p:cNvPr id="5" name="Footer Placeholder 4">
             <a:extLst>
               <a:ext uri="{FF2B5EF4-FFF2-40B4-BE49-F238E27FC236}">
-                <a16:creationId xmlns:a16="http://schemas.microsoft.com/office/drawing/2014/main" id="{4A495444-C785-49D3-9A9A-91E3C3E4668C}"/>
+                <a16:creationId xmlns:a16="http://schemas.microsoft.com/office/drawing/2014/main" xmlns="" id="{4A495444-C785-49D3-9A9A-91E3C3E4668C}"/>
               </a:ext>
             </a:extLst>
           </p:cNvPr>
@@ -4651,7 +7898,7 @@
           <p:cNvPr id="6" name="Slide Number Placeholder 5">
             <a:extLst>
               <a:ext uri="{FF2B5EF4-FFF2-40B4-BE49-F238E27FC236}">
-                <a16:creationId xmlns:a16="http://schemas.microsoft.com/office/drawing/2014/main" id="{D80ABFBE-544A-474F-A56D-2B8FF4E8542C}"/>
+                <a16:creationId xmlns:a16="http://schemas.microsoft.com/office/drawing/2014/main" xmlns="" id="{D80ABFBE-544A-474F-A56D-2B8FF4E8542C}"/>
               </a:ext>
             </a:extLst>
           </p:cNvPr>
@@ -4710,7 +7957,7 @@
           <p:cNvPr id="2" name="Title 1">
             <a:extLst>
               <a:ext uri="{FF2B5EF4-FFF2-40B4-BE49-F238E27FC236}">
-                <a16:creationId xmlns:a16="http://schemas.microsoft.com/office/drawing/2014/main" id="{B23BC11E-6BD7-4CC6-A089-63E6A1F3B101}"/>
+                <a16:creationId xmlns:a16="http://schemas.microsoft.com/office/drawing/2014/main" xmlns="" id="{B23BC11E-6BD7-4CC6-A089-63E6A1F3B101}"/>
               </a:ext>
             </a:extLst>
           </p:cNvPr>
@@ -4747,7 +7994,7 @@
           <p:cNvPr id="3" name="Text Placeholder 2">
             <a:extLst>
               <a:ext uri="{FF2B5EF4-FFF2-40B4-BE49-F238E27FC236}">
-                <a16:creationId xmlns:a16="http://schemas.microsoft.com/office/drawing/2014/main" id="{DFE847D3-BE3A-4849-85BF-1B2BE2C82199}"/>
+                <a16:creationId xmlns:a16="http://schemas.microsoft.com/office/drawing/2014/main" xmlns="" id="{DFE847D3-BE3A-4849-85BF-1B2BE2C82199}"/>
               </a:ext>
             </a:extLst>
           </p:cNvPr>
@@ -4872,7 +8119,7 @@
           <p:cNvPr id="4" name="Date Placeholder 3">
             <a:extLst>
               <a:ext uri="{FF2B5EF4-FFF2-40B4-BE49-F238E27FC236}">
-                <a16:creationId xmlns:a16="http://schemas.microsoft.com/office/drawing/2014/main" id="{97A75AB8-A917-4C81-B88B-54939625288B}"/>
+                <a16:creationId xmlns:a16="http://schemas.microsoft.com/office/drawing/2014/main" xmlns="" id="{97A75AB8-A917-4C81-B88B-54939625288B}"/>
               </a:ext>
             </a:extLst>
           </p:cNvPr>
@@ -4890,7 +8137,7 @@
           <a:p>
             <a:fld id="{2178D830-3F43-4FD1-8429-BB0A4D09BA8E}" type="datetimeFigureOut">
               <a:rPr lang="en-US" smtClean="0"/>
-              <a:t>2/28/2018</a:t>
+              <a:t>3/1/2018</a:t>
             </a:fld>
             <a:endParaRPr lang="en-US"/>
           </a:p>
@@ -4901,7 +8148,7 @@
           <p:cNvPr id="5" name="Footer Placeholder 4">
             <a:extLst>
               <a:ext uri="{FF2B5EF4-FFF2-40B4-BE49-F238E27FC236}">
-                <a16:creationId xmlns:a16="http://schemas.microsoft.com/office/drawing/2014/main" id="{2020358B-CA68-4518-8F23-0E7D749CBA1D}"/>
+                <a16:creationId xmlns:a16="http://schemas.microsoft.com/office/drawing/2014/main" xmlns="" id="{2020358B-CA68-4518-8F23-0E7D749CBA1D}"/>
               </a:ext>
             </a:extLst>
           </p:cNvPr>
@@ -4926,7 +8173,7 @@
           <p:cNvPr id="6" name="Slide Number Placeholder 5">
             <a:extLst>
               <a:ext uri="{FF2B5EF4-FFF2-40B4-BE49-F238E27FC236}">
-                <a16:creationId xmlns:a16="http://schemas.microsoft.com/office/drawing/2014/main" id="{B0265622-FFFB-49CE-B1AA-761502016654}"/>
+                <a16:creationId xmlns:a16="http://schemas.microsoft.com/office/drawing/2014/main" xmlns="" id="{B0265622-FFFB-49CE-B1AA-761502016654}"/>
               </a:ext>
             </a:extLst>
           </p:cNvPr>
@@ -4985,7 +8232,7 @@
           <p:cNvPr id="2" name="Title 1">
             <a:extLst>
               <a:ext uri="{FF2B5EF4-FFF2-40B4-BE49-F238E27FC236}">
-                <a16:creationId xmlns:a16="http://schemas.microsoft.com/office/drawing/2014/main" id="{24701ABC-8CAE-400C-B3C9-24324989BD6D}"/>
+                <a16:creationId xmlns:a16="http://schemas.microsoft.com/office/drawing/2014/main" xmlns="" id="{24701ABC-8CAE-400C-B3C9-24324989BD6D}"/>
               </a:ext>
             </a:extLst>
           </p:cNvPr>
@@ -5013,7 +8260,7 @@
           <p:cNvPr id="3" name="Content Placeholder 2">
             <a:extLst>
               <a:ext uri="{FF2B5EF4-FFF2-40B4-BE49-F238E27FC236}">
-                <a16:creationId xmlns:a16="http://schemas.microsoft.com/office/drawing/2014/main" id="{B4C97843-FE5C-4195-B488-D2917229C7CF}"/>
+                <a16:creationId xmlns:a16="http://schemas.microsoft.com/office/drawing/2014/main" xmlns="" id="{B4C97843-FE5C-4195-B488-D2917229C7CF}"/>
               </a:ext>
             </a:extLst>
           </p:cNvPr>
@@ -5075,7 +8322,7 @@
           <p:cNvPr id="4" name="Content Placeholder 3">
             <a:extLst>
               <a:ext uri="{FF2B5EF4-FFF2-40B4-BE49-F238E27FC236}">
-                <a16:creationId xmlns:a16="http://schemas.microsoft.com/office/drawing/2014/main" id="{78FD6574-C3A6-44C4-8B86-73269D0129F8}"/>
+                <a16:creationId xmlns:a16="http://schemas.microsoft.com/office/drawing/2014/main" xmlns="" id="{78FD6574-C3A6-44C4-8B86-73269D0129F8}"/>
               </a:ext>
             </a:extLst>
           </p:cNvPr>
@@ -5137,7 +8384,7 @@
           <p:cNvPr id="5" name="Date Placeholder 4">
             <a:extLst>
               <a:ext uri="{FF2B5EF4-FFF2-40B4-BE49-F238E27FC236}">
-                <a16:creationId xmlns:a16="http://schemas.microsoft.com/office/drawing/2014/main" id="{E0F7DB21-D57E-48B4-B05C-E6F98C6AF818}"/>
+                <a16:creationId xmlns:a16="http://schemas.microsoft.com/office/drawing/2014/main" xmlns="" id="{E0F7DB21-D57E-48B4-B05C-E6F98C6AF818}"/>
               </a:ext>
             </a:extLst>
           </p:cNvPr>
@@ -5155,7 +8402,7 @@
           <a:p>
             <a:fld id="{2178D830-3F43-4FD1-8429-BB0A4D09BA8E}" type="datetimeFigureOut">
               <a:rPr lang="en-US" smtClean="0"/>
-              <a:t>2/28/2018</a:t>
+              <a:t>3/1/2018</a:t>
             </a:fld>
             <a:endParaRPr lang="en-US"/>
           </a:p>
@@ -5166,7 +8413,7 @@
           <p:cNvPr id="6" name="Footer Placeholder 5">
             <a:extLst>
               <a:ext uri="{FF2B5EF4-FFF2-40B4-BE49-F238E27FC236}">
-                <a16:creationId xmlns:a16="http://schemas.microsoft.com/office/drawing/2014/main" id="{92F37848-9B0B-43E7-9C99-B4F5D8F04A4E}"/>
+                <a16:creationId xmlns:a16="http://schemas.microsoft.com/office/drawing/2014/main" xmlns="" id="{92F37848-9B0B-43E7-9C99-B4F5D8F04A4E}"/>
               </a:ext>
             </a:extLst>
           </p:cNvPr>
@@ -5191,7 +8438,7 @@
           <p:cNvPr id="7" name="Slide Number Placeholder 6">
             <a:extLst>
               <a:ext uri="{FF2B5EF4-FFF2-40B4-BE49-F238E27FC236}">
-                <a16:creationId xmlns:a16="http://schemas.microsoft.com/office/drawing/2014/main" id="{40944D65-450E-4116-B449-A53CB94AF835}"/>
+                <a16:creationId xmlns:a16="http://schemas.microsoft.com/office/drawing/2014/main" xmlns="" id="{40944D65-450E-4116-B449-A53CB94AF835}"/>
               </a:ext>
             </a:extLst>
           </p:cNvPr>
@@ -5250,7 +8497,7 @@
           <p:cNvPr id="2" name="Title 1">
             <a:extLst>
               <a:ext uri="{FF2B5EF4-FFF2-40B4-BE49-F238E27FC236}">
-                <a16:creationId xmlns:a16="http://schemas.microsoft.com/office/drawing/2014/main" id="{0DEA9664-1A67-4AF1-994C-5C3CE7088BB2}"/>
+                <a16:creationId xmlns:a16="http://schemas.microsoft.com/office/drawing/2014/main" xmlns="" id="{0DEA9664-1A67-4AF1-994C-5C3CE7088BB2}"/>
               </a:ext>
             </a:extLst>
           </p:cNvPr>
@@ -5283,7 +8530,7 @@
           <p:cNvPr id="3" name="Text Placeholder 2">
             <a:extLst>
               <a:ext uri="{FF2B5EF4-FFF2-40B4-BE49-F238E27FC236}">
-                <a16:creationId xmlns:a16="http://schemas.microsoft.com/office/drawing/2014/main" id="{1FA6893F-EC91-4FB6-9766-2CE9B6F942BD}"/>
+                <a16:creationId xmlns:a16="http://schemas.microsoft.com/office/drawing/2014/main" xmlns="" id="{1FA6893F-EC91-4FB6-9766-2CE9B6F942BD}"/>
               </a:ext>
             </a:extLst>
           </p:cNvPr>
@@ -5354,7 +8601,7 @@
           <p:cNvPr id="4" name="Content Placeholder 3">
             <a:extLst>
               <a:ext uri="{FF2B5EF4-FFF2-40B4-BE49-F238E27FC236}">
-                <a16:creationId xmlns:a16="http://schemas.microsoft.com/office/drawing/2014/main" id="{46E29E2C-8063-482D-8D0B-7005A8324BD2}"/>
+                <a16:creationId xmlns:a16="http://schemas.microsoft.com/office/drawing/2014/main" xmlns="" id="{46E29E2C-8063-482D-8D0B-7005A8324BD2}"/>
               </a:ext>
             </a:extLst>
           </p:cNvPr>
@@ -5416,7 +8663,7 @@
           <p:cNvPr id="5" name="Text Placeholder 4">
             <a:extLst>
               <a:ext uri="{FF2B5EF4-FFF2-40B4-BE49-F238E27FC236}">
-                <a16:creationId xmlns:a16="http://schemas.microsoft.com/office/drawing/2014/main" id="{44820B36-3299-498A-8293-5F7B77F4F6FE}"/>
+                <a16:creationId xmlns:a16="http://schemas.microsoft.com/office/drawing/2014/main" xmlns="" id="{44820B36-3299-498A-8293-5F7B77F4F6FE}"/>
               </a:ext>
             </a:extLst>
           </p:cNvPr>
@@ -5487,7 +8734,7 @@
           <p:cNvPr id="6" name="Content Placeholder 5">
             <a:extLst>
               <a:ext uri="{FF2B5EF4-FFF2-40B4-BE49-F238E27FC236}">
-                <a16:creationId xmlns:a16="http://schemas.microsoft.com/office/drawing/2014/main" id="{870AD632-3DE1-47AE-896C-27219B9F7CAC}"/>
+                <a16:creationId xmlns:a16="http://schemas.microsoft.com/office/drawing/2014/main" xmlns="" id="{870AD632-3DE1-47AE-896C-27219B9F7CAC}"/>
               </a:ext>
             </a:extLst>
           </p:cNvPr>
@@ -5549,7 +8796,7 @@
           <p:cNvPr id="7" name="Date Placeholder 6">
             <a:extLst>
               <a:ext uri="{FF2B5EF4-FFF2-40B4-BE49-F238E27FC236}">
-                <a16:creationId xmlns:a16="http://schemas.microsoft.com/office/drawing/2014/main" id="{E8530A62-A44B-4D0B-A619-BDE0829CE33A}"/>
+                <a16:creationId xmlns:a16="http://schemas.microsoft.com/office/drawing/2014/main" xmlns="" id="{E8530A62-A44B-4D0B-A619-BDE0829CE33A}"/>
               </a:ext>
             </a:extLst>
           </p:cNvPr>
@@ -5567,7 +8814,7 @@
           <a:p>
             <a:fld id="{2178D830-3F43-4FD1-8429-BB0A4D09BA8E}" type="datetimeFigureOut">
               <a:rPr lang="en-US" smtClean="0"/>
-              <a:t>2/28/2018</a:t>
+              <a:t>3/1/2018</a:t>
             </a:fld>
             <a:endParaRPr lang="en-US"/>
           </a:p>
@@ -5578,7 +8825,7 @@
           <p:cNvPr id="8" name="Footer Placeholder 7">
             <a:extLst>
               <a:ext uri="{FF2B5EF4-FFF2-40B4-BE49-F238E27FC236}">
-                <a16:creationId xmlns:a16="http://schemas.microsoft.com/office/drawing/2014/main" id="{6B4A2C55-2828-4DF1-A996-F615A8C6BB4A}"/>
+                <a16:creationId xmlns:a16="http://schemas.microsoft.com/office/drawing/2014/main" xmlns="" id="{6B4A2C55-2828-4DF1-A996-F615A8C6BB4A}"/>
               </a:ext>
             </a:extLst>
           </p:cNvPr>
@@ -5603,7 +8850,7 @@
           <p:cNvPr id="9" name="Slide Number Placeholder 8">
             <a:extLst>
               <a:ext uri="{FF2B5EF4-FFF2-40B4-BE49-F238E27FC236}">
-                <a16:creationId xmlns:a16="http://schemas.microsoft.com/office/drawing/2014/main" id="{28B0FC43-FACE-4C1E-B8F4-A4EA647279DE}"/>
+                <a16:creationId xmlns:a16="http://schemas.microsoft.com/office/drawing/2014/main" xmlns="" id="{28B0FC43-FACE-4C1E-B8F4-A4EA647279DE}"/>
               </a:ext>
             </a:extLst>
           </p:cNvPr>
@@ -5662,7 +8909,7 @@
           <p:cNvPr id="2" name="Title 1">
             <a:extLst>
               <a:ext uri="{FF2B5EF4-FFF2-40B4-BE49-F238E27FC236}">
-                <a16:creationId xmlns:a16="http://schemas.microsoft.com/office/drawing/2014/main" id="{A9BF2D62-60C7-404C-B488-0B0D388072B8}"/>
+                <a16:creationId xmlns:a16="http://schemas.microsoft.com/office/drawing/2014/main" xmlns="" id="{A9BF2D62-60C7-404C-B488-0B0D388072B8}"/>
               </a:ext>
             </a:extLst>
           </p:cNvPr>
@@ -5690,7 +8937,7 @@
           <p:cNvPr id="3" name="Date Placeholder 2">
             <a:extLst>
               <a:ext uri="{FF2B5EF4-FFF2-40B4-BE49-F238E27FC236}">
-                <a16:creationId xmlns:a16="http://schemas.microsoft.com/office/drawing/2014/main" id="{097D1E84-0D7E-4422-8095-2759F61BB7FB}"/>
+                <a16:creationId xmlns:a16="http://schemas.microsoft.com/office/drawing/2014/main" xmlns="" id="{097D1E84-0D7E-4422-8095-2759F61BB7FB}"/>
               </a:ext>
             </a:extLst>
           </p:cNvPr>
@@ -5708,7 +8955,7 @@
           <a:p>
             <a:fld id="{2178D830-3F43-4FD1-8429-BB0A4D09BA8E}" type="datetimeFigureOut">
               <a:rPr lang="en-US" smtClean="0"/>
-              <a:t>2/28/2018</a:t>
+              <a:t>3/1/2018</a:t>
             </a:fld>
             <a:endParaRPr lang="en-US"/>
           </a:p>
@@ -5719,7 +8966,7 @@
           <p:cNvPr id="4" name="Footer Placeholder 3">
             <a:extLst>
               <a:ext uri="{FF2B5EF4-FFF2-40B4-BE49-F238E27FC236}">
-                <a16:creationId xmlns:a16="http://schemas.microsoft.com/office/drawing/2014/main" id="{4E62D5CF-BB99-4834-974A-7E7ED1634C4E}"/>
+                <a16:creationId xmlns:a16="http://schemas.microsoft.com/office/drawing/2014/main" xmlns="" id="{4E62D5CF-BB99-4834-974A-7E7ED1634C4E}"/>
               </a:ext>
             </a:extLst>
           </p:cNvPr>
@@ -5744,7 +8991,7 @@
           <p:cNvPr id="5" name="Slide Number Placeholder 4">
             <a:extLst>
               <a:ext uri="{FF2B5EF4-FFF2-40B4-BE49-F238E27FC236}">
-                <a16:creationId xmlns:a16="http://schemas.microsoft.com/office/drawing/2014/main" id="{035D51E6-578E-4CDB-8EBC-AC8BBFC3FD88}"/>
+                <a16:creationId xmlns:a16="http://schemas.microsoft.com/office/drawing/2014/main" xmlns="" id="{035D51E6-578E-4CDB-8EBC-AC8BBFC3FD88}"/>
               </a:ext>
             </a:extLst>
           </p:cNvPr>
@@ -5803,7 +9050,7 @@
           <p:cNvPr id="2" name="Date Placeholder 1">
             <a:extLst>
               <a:ext uri="{FF2B5EF4-FFF2-40B4-BE49-F238E27FC236}">
-                <a16:creationId xmlns:a16="http://schemas.microsoft.com/office/drawing/2014/main" id="{5C166E45-6178-4DA7-B140-F6AA11751813}"/>
+                <a16:creationId xmlns:a16="http://schemas.microsoft.com/office/drawing/2014/main" xmlns="" id="{5C166E45-6178-4DA7-B140-F6AA11751813}"/>
               </a:ext>
             </a:extLst>
           </p:cNvPr>
@@ -5821,7 +9068,7 @@
           <a:p>
             <a:fld id="{2178D830-3F43-4FD1-8429-BB0A4D09BA8E}" type="datetimeFigureOut">
               <a:rPr lang="en-US" smtClean="0"/>
-              <a:t>2/28/2018</a:t>
+              <a:t>3/1/2018</a:t>
             </a:fld>
             <a:endParaRPr lang="en-US"/>
           </a:p>
@@ -5832,7 +9079,7 @@
           <p:cNvPr id="3" name="Footer Placeholder 2">
             <a:extLst>
               <a:ext uri="{FF2B5EF4-FFF2-40B4-BE49-F238E27FC236}">
-                <a16:creationId xmlns:a16="http://schemas.microsoft.com/office/drawing/2014/main" id="{2C7BF34D-38DC-45BE-91C2-AA59C7912799}"/>
+                <a16:creationId xmlns:a16="http://schemas.microsoft.com/office/drawing/2014/main" xmlns="" id="{2C7BF34D-38DC-45BE-91C2-AA59C7912799}"/>
               </a:ext>
             </a:extLst>
           </p:cNvPr>
@@ -5857,7 +9104,7 @@
           <p:cNvPr id="4" name="Slide Number Placeholder 3">
             <a:extLst>
               <a:ext uri="{FF2B5EF4-FFF2-40B4-BE49-F238E27FC236}">
-                <a16:creationId xmlns:a16="http://schemas.microsoft.com/office/drawing/2014/main" id="{85DCCC92-832A-49DD-9127-80C78F8F1D56}"/>
+                <a16:creationId xmlns:a16="http://schemas.microsoft.com/office/drawing/2014/main" xmlns="" id="{85DCCC92-832A-49DD-9127-80C78F8F1D56}"/>
               </a:ext>
             </a:extLst>
           </p:cNvPr>
@@ -5916,7 +9163,7 @@
           <p:cNvPr id="2" name="Title 1">
             <a:extLst>
               <a:ext uri="{FF2B5EF4-FFF2-40B4-BE49-F238E27FC236}">
-                <a16:creationId xmlns:a16="http://schemas.microsoft.com/office/drawing/2014/main" id="{53E61277-4A23-437C-9D82-818067941F7E}"/>
+                <a16:creationId xmlns:a16="http://schemas.microsoft.com/office/drawing/2014/main" xmlns="" id="{53E61277-4A23-437C-9D82-818067941F7E}"/>
               </a:ext>
             </a:extLst>
           </p:cNvPr>
@@ -5953,7 +9200,7 @@
           <p:cNvPr id="3" name="Content Placeholder 2">
             <a:extLst>
               <a:ext uri="{FF2B5EF4-FFF2-40B4-BE49-F238E27FC236}">
-                <a16:creationId xmlns:a16="http://schemas.microsoft.com/office/drawing/2014/main" id="{3370A0FC-B18C-4C55-AB5C-582BBF06E392}"/>
+                <a16:creationId xmlns:a16="http://schemas.microsoft.com/office/drawing/2014/main" xmlns="" id="{3370A0FC-B18C-4C55-AB5C-582BBF06E392}"/>
               </a:ext>
             </a:extLst>
           </p:cNvPr>
@@ -6043,7 +9290,7 @@
           <p:cNvPr id="4" name="Text Placeholder 3">
             <a:extLst>
               <a:ext uri="{FF2B5EF4-FFF2-40B4-BE49-F238E27FC236}">
-                <a16:creationId xmlns:a16="http://schemas.microsoft.com/office/drawing/2014/main" id="{A1EFC120-41B2-4AA4-94B5-29B4BFD4C062}"/>
+                <a16:creationId xmlns:a16="http://schemas.microsoft.com/office/drawing/2014/main" xmlns="" id="{A1EFC120-41B2-4AA4-94B5-29B4BFD4C062}"/>
               </a:ext>
             </a:extLst>
           </p:cNvPr>
@@ -6114,7 +9361,7 @@
           <p:cNvPr id="5" name="Date Placeholder 4">
             <a:extLst>
               <a:ext uri="{FF2B5EF4-FFF2-40B4-BE49-F238E27FC236}">
-                <a16:creationId xmlns:a16="http://schemas.microsoft.com/office/drawing/2014/main" id="{C53E38ED-E35F-4553-873F-66D1D110DCC5}"/>
+                <a16:creationId xmlns:a16="http://schemas.microsoft.com/office/drawing/2014/main" xmlns="" id="{C53E38ED-E35F-4553-873F-66D1D110DCC5}"/>
               </a:ext>
             </a:extLst>
           </p:cNvPr>
@@ -6132,7 +9379,7 @@
           <a:p>
             <a:fld id="{2178D830-3F43-4FD1-8429-BB0A4D09BA8E}" type="datetimeFigureOut">
               <a:rPr lang="en-US" smtClean="0"/>
-              <a:t>2/28/2018</a:t>
+              <a:t>3/1/2018</a:t>
             </a:fld>
             <a:endParaRPr lang="en-US"/>
           </a:p>
@@ -6143,7 +9390,7 @@
           <p:cNvPr id="6" name="Footer Placeholder 5">
             <a:extLst>
               <a:ext uri="{FF2B5EF4-FFF2-40B4-BE49-F238E27FC236}">
-                <a16:creationId xmlns:a16="http://schemas.microsoft.com/office/drawing/2014/main" id="{85037CEF-ADEF-4A39-AB2D-9837FE02173F}"/>
+                <a16:creationId xmlns:a16="http://schemas.microsoft.com/office/drawing/2014/main" xmlns="" id="{85037CEF-ADEF-4A39-AB2D-9837FE02173F}"/>
               </a:ext>
             </a:extLst>
           </p:cNvPr>
@@ -6168,7 +9415,7 @@
           <p:cNvPr id="7" name="Slide Number Placeholder 6">
             <a:extLst>
               <a:ext uri="{FF2B5EF4-FFF2-40B4-BE49-F238E27FC236}">
-                <a16:creationId xmlns:a16="http://schemas.microsoft.com/office/drawing/2014/main" id="{E804A7EC-A111-4488-A499-5EBD1DC4B216}"/>
+                <a16:creationId xmlns:a16="http://schemas.microsoft.com/office/drawing/2014/main" xmlns="" id="{E804A7EC-A111-4488-A499-5EBD1DC4B216}"/>
               </a:ext>
             </a:extLst>
           </p:cNvPr>
@@ -6227,7 +9474,7 @@
           <p:cNvPr id="2" name="Title 1">
             <a:extLst>
               <a:ext uri="{FF2B5EF4-FFF2-40B4-BE49-F238E27FC236}">
-                <a16:creationId xmlns:a16="http://schemas.microsoft.com/office/drawing/2014/main" id="{FA93E2D4-DA4A-45AF-AD50-D3717A28DE8A}"/>
+                <a16:creationId xmlns:a16="http://schemas.microsoft.com/office/drawing/2014/main" xmlns="" id="{FA93E2D4-DA4A-45AF-AD50-D3717A28DE8A}"/>
               </a:ext>
             </a:extLst>
           </p:cNvPr>
@@ -6264,7 +9511,7 @@
           <p:cNvPr id="3" name="Picture Placeholder 2">
             <a:extLst>
               <a:ext uri="{FF2B5EF4-FFF2-40B4-BE49-F238E27FC236}">
-                <a16:creationId xmlns:a16="http://schemas.microsoft.com/office/drawing/2014/main" id="{4C434340-4749-40E7-ACAE-3101E894350C}"/>
+                <a16:creationId xmlns:a16="http://schemas.microsoft.com/office/drawing/2014/main" xmlns="" id="{4C434340-4749-40E7-ACAE-3101E894350C}"/>
               </a:ext>
             </a:extLst>
           </p:cNvPr>
@@ -6331,7 +9578,7 @@
           <p:cNvPr id="4" name="Text Placeholder 3">
             <a:extLst>
               <a:ext uri="{FF2B5EF4-FFF2-40B4-BE49-F238E27FC236}">
-                <a16:creationId xmlns:a16="http://schemas.microsoft.com/office/drawing/2014/main" id="{B5D9E091-BAB4-4440-9747-017F8779DB66}"/>
+                <a16:creationId xmlns:a16="http://schemas.microsoft.com/office/drawing/2014/main" xmlns="" id="{B5D9E091-BAB4-4440-9747-017F8779DB66}"/>
               </a:ext>
             </a:extLst>
           </p:cNvPr>
@@ -6402,7 +9649,7 @@
           <p:cNvPr id="5" name="Date Placeholder 4">
             <a:extLst>
               <a:ext uri="{FF2B5EF4-FFF2-40B4-BE49-F238E27FC236}">
-                <a16:creationId xmlns:a16="http://schemas.microsoft.com/office/drawing/2014/main" id="{85283B18-728B-46E5-815E-33CEA87A41C5}"/>
+                <a16:creationId xmlns:a16="http://schemas.microsoft.com/office/drawing/2014/main" xmlns="" id="{85283B18-728B-46E5-815E-33CEA87A41C5}"/>
               </a:ext>
             </a:extLst>
           </p:cNvPr>
@@ -6420,7 +9667,7 @@
           <a:p>
             <a:fld id="{2178D830-3F43-4FD1-8429-BB0A4D09BA8E}" type="datetimeFigureOut">
               <a:rPr lang="en-US" smtClean="0"/>
-              <a:t>2/28/2018</a:t>
+              <a:t>3/1/2018</a:t>
             </a:fld>
             <a:endParaRPr lang="en-US"/>
           </a:p>
@@ -6431,7 +9678,7 @@
           <p:cNvPr id="6" name="Footer Placeholder 5">
             <a:extLst>
               <a:ext uri="{FF2B5EF4-FFF2-40B4-BE49-F238E27FC236}">
-                <a16:creationId xmlns:a16="http://schemas.microsoft.com/office/drawing/2014/main" id="{33A086D5-417F-4D8D-A4BD-7B158877EF8C}"/>
+                <a16:creationId xmlns:a16="http://schemas.microsoft.com/office/drawing/2014/main" xmlns="" id="{33A086D5-417F-4D8D-A4BD-7B158877EF8C}"/>
               </a:ext>
             </a:extLst>
           </p:cNvPr>
@@ -6456,7 +9703,7 @@
           <p:cNvPr id="7" name="Slide Number Placeholder 6">
             <a:extLst>
               <a:ext uri="{FF2B5EF4-FFF2-40B4-BE49-F238E27FC236}">
-                <a16:creationId xmlns:a16="http://schemas.microsoft.com/office/drawing/2014/main" id="{FA1C0AF1-6F77-443F-8BF8-150467E9BBCB}"/>
+                <a16:creationId xmlns:a16="http://schemas.microsoft.com/office/drawing/2014/main" xmlns="" id="{FA1C0AF1-6F77-443F-8BF8-150467E9BBCB}"/>
               </a:ext>
             </a:extLst>
           </p:cNvPr>
@@ -6534,7 +9781,7 @@
           <p:cNvPr id="2" name="Title Placeholder 1">
             <a:extLst>
               <a:ext uri="{FF2B5EF4-FFF2-40B4-BE49-F238E27FC236}">
-                <a16:creationId xmlns:a16="http://schemas.microsoft.com/office/drawing/2014/main" id="{357C544A-D8AB-4FA3-88CF-D5739D27050D}"/>
+                <a16:creationId xmlns:a16="http://schemas.microsoft.com/office/drawing/2014/main" xmlns="" id="{357C544A-D8AB-4FA3-88CF-D5739D27050D}"/>
               </a:ext>
             </a:extLst>
           </p:cNvPr>
@@ -6572,7 +9819,7 @@
           <p:cNvPr id="3" name="Text Placeholder 2">
             <a:extLst>
               <a:ext uri="{FF2B5EF4-FFF2-40B4-BE49-F238E27FC236}">
-                <a16:creationId xmlns:a16="http://schemas.microsoft.com/office/drawing/2014/main" id="{D4567A77-B2A5-4E77-98DD-04EC1ED523FE}"/>
+                <a16:creationId xmlns:a16="http://schemas.microsoft.com/office/drawing/2014/main" xmlns="" id="{D4567A77-B2A5-4E77-98DD-04EC1ED523FE}"/>
               </a:ext>
             </a:extLst>
           </p:cNvPr>
@@ -6639,7 +9886,7 @@
           <p:cNvPr id="4" name="Date Placeholder 3">
             <a:extLst>
               <a:ext uri="{FF2B5EF4-FFF2-40B4-BE49-F238E27FC236}">
-                <a16:creationId xmlns:a16="http://schemas.microsoft.com/office/drawing/2014/main" id="{F2D71369-58E4-472A-A87E-E5B2179A8DCE}"/>
+                <a16:creationId xmlns:a16="http://schemas.microsoft.com/office/drawing/2014/main" xmlns="" id="{F2D71369-58E4-472A-A87E-E5B2179A8DCE}"/>
               </a:ext>
             </a:extLst>
           </p:cNvPr>
@@ -6675,7 +9922,7 @@
           <a:p>
             <a:fld id="{2178D830-3F43-4FD1-8429-BB0A4D09BA8E}" type="datetimeFigureOut">
               <a:rPr lang="en-US" smtClean="0"/>
-              <a:t>2/28/2018</a:t>
+              <a:t>3/1/2018</a:t>
             </a:fld>
             <a:endParaRPr lang="en-US"/>
           </a:p>
@@ -6686,7 +9933,7 @@
           <p:cNvPr id="5" name="Footer Placeholder 4">
             <a:extLst>
               <a:ext uri="{FF2B5EF4-FFF2-40B4-BE49-F238E27FC236}">
-                <a16:creationId xmlns:a16="http://schemas.microsoft.com/office/drawing/2014/main" id="{24D213C7-3629-4765-A71F-786A54EE982C}"/>
+                <a16:creationId xmlns:a16="http://schemas.microsoft.com/office/drawing/2014/main" xmlns="" id="{24D213C7-3629-4765-A71F-786A54EE982C}"/>
               </a:ext>
             </a:extLst>
           </p:cNvPr>
@@ -6729,7 +9976,7 @@
           <p:cNvPr id="6" name="Slide Number Placeholder 5">
             <a:extLst>
               <a:ext uri="{FF2B5EF4-FFF2-40B4-BE49-F238E27FC236}">
-                <a16:creationId xmlns:a16="http://schemas.microsoft.com/office/drawing/2014/main" id="{812FC010-5255-4121-A8D7-7457D279B252}"/>
+                <a16:creationId xmlns:a16="http://schemas.microsoft.com/office/drawing/2014/main" xmlns="" id="{812FC010-5255-4121-A8D7-7457D279B252}"/>
               </a:ext>
             </a:extLst>
           </p:cNvPr>
@@ -7097,7 +10344,7 @@
           <p:cNvPr id="2" name="Title 1">
             <a:extLst>
               <a:ext uri="{FF2B5EF4-FFF2-40B4-BE49-F238E27FC236}">
-                <a16:creationId xmlns:a16="http://schemas.microsoft.com/office/drawing/2014/main" id="{9F813E0E-9CF8-4302-96E2-24A9225877F7}"/>
+                <a16:creationId xmlns:a16="http://schemas.microsoft.com/office/drawing/2014/main" xmlns="" id="{9F813E0E-9CF8-4302-96E2-24A9225877F7}"/>
               </a:ext>
             </a:extLst>
           </p:cNvPr>
@@ -7155,7 +10402,7 @@
           <p:cNvPr id="10" name="Picture 9">
             <a:extLst>
               <a:ext uri="{FF2B5EF4-FFF2-40B4-BE49-F238E27FC236}">
-                <a16:creationId xmlns:a16="http://schemas.microsoft.com/office/drawing/2014/main" id="{47A3FEF7-A02F-43B1-840C-74442D70F041}"/>
+                <a16:creationId xmlns:a16="http://schemas.microsoft.com/office/drawing/2014/main" xmlns="" id="{47A3FEF7-A02F-43B1-840C-74442D70F041}"/>
               </a:ext>
             </a:extLst>
           </p:cNvPr>
@@ -7216,12 +10463,475 @@
           <a:chExt cx="0" cy="0"/>
         </a:xfrm>
       </p:grpSpPr>
+      <p:sp>
+        <p:nvSpPr>
+          <p:cNvPr id="4" name="Oval 3">
+            <a:extLst>
+              <a:ext uri="{FF2B5EF4-FFF2-40B4-BE49-F238E27FC236}">
+                <a16:creationId xmlns:a16="http://schemas.microsoft.com/office/drawing/2014/main" xmlns="" id="{AAB4F9B7-2FF0-4AE0-8D97-C5FF2E0A67C2}"/>
+              </a:ext>
+            </a:extLst>
+          </p:cNvPr>
+          <p:cNvSpPr/>
+          <p:nvPr/>
+        </p:nvSpPr>
+        <p:spPr>
+          <a:xfrm>
+            <a:off x="5164572" y="501771"/>
+            <a:ext cx="2001631" cy="2031191"/>
+          </a:xfrm>
+          <a:prstGeom prst="ellipse">
+            <a:avLst/>
+          </a:prstGeom>
+        </p:spPr>
+        <p:style>
+          <a:lnRef idx="2">
+            <a:schemeClr val="accent1">
+              <a:shade val="50000"/>
+            </a:schemeClr>
+          </a:lnRef>
+          <a:fillRef idx="1">
+            <a:schemeClr val="accent1"/>
+          </a:fillRef>
+          <a:effectRef idx="0">
+            <a:schemeClr val="accent1"/>
+          </a:effectRef>
+          <a:fontRef idx="minor">
+            <a:schemeClr val="lt1"/>
+          </a:fontRef>
+        </p:style>
+        <p:txBody>
+          <a:bodyPr rtlCol="0" anchor="ctr"/>
+          <a:lstStyle/>
+          <a:p>
+            <a:pPr algn="ctr"/>
+            <a:endParaRPr lang="en-US"/>
+          </a:p>
+        </p:txBody>
+      </p:sp>
+      <p:sp>
+        <p:nvSpPr>
+          <p:cNvPr id="5" name="TextBox 4">
+            <a:extLst>
+              <a:ext uri="{FF2B5EF4-FFF2-40B4-BE49-F238E27FC236}">
+                <a16:creationId xmlns:a16="http://schemas.microsoft.com/office/drawing/2014/main" xmlns="" id="{6E8DA594-971F-42AC-948A-B7B00DC176A5}"/>
+              </a:ext>
+            </a:extLst>
+          </p:cNvPr>
+          <p:cNvSpPr txBox="1"/>
+          <p:nvPr/>
+        </p:nvSpPr>
+        <p:spPr>
+          <a:xfrm>
+            <a:off x="5392647" y="1238339"/>
+            <a:ext cx="1820597" cy="523220"/>
+          </a:xfrm>
+          <a:prstGeom prst="rect">
+            <a:avLst/>
+          </a:prstGeom>
+          <a:noFill/>
+        </p:spPr>
+        <p:txBody>
+          <a:bodyPr wrap="square" rtlCol="0">
+            <a:spAutoFit/>
+          </a:bodyPr>
+          <a:lstStyle/>
+          <a:p>
+            <a:r>
+              <a:rPr lang="en-US" sz="2800" dirty="0">
+                <a:solidFill>
+                  <a:schemeClr val="bg1"/>
+                </a:solidFill>
+              </a:rPr>
+              <a:t>Language</a:t>
+            </a:r>
+          </a:p>
+        </p:txBody>
+      </p:sp>
+      <p:sp>
+        <p:nvSpPr>
+          <p:cNvPr id="6" name="Oval 5">
+            <a:extLst>
+              <a:ext uri="{FF2B5EF4-FFF2-40B4-BE49-F238E27FC236}">
+                <a16:creationId xmlns:a16="http://schemas.microsoft.com/office/drawing/2014/main" xmlns="" id="{61327AA0-B493-4AC0-8C24-1DFC4F4DE635}"/>
+              </a:ext>
+            </a:extLst>
+          </p:cNvPr>
+          <p:cNvSpPr/>
+          <p:nvPr/>
+        </p:nvSpPr>
+        <p:spPr>
+          <a:xfrm>
+            <a:off x="2537381" y="4360474"/>
+            <a:ext cx="2001631" cy="2031191"/>
+          </a:xfrm>
+          <a:prstGeom prst="ellipse">
+            <a:avLst/>
+          </a:prstGeom>
+        </p:spPr>
+        <p:style>
+          <a:lnRef idx="2">
+            <a:schemeClr val="accent1">
+              <a:shade val="50000"/>
+            </a:schemeClr>
+          </a:lnRef>
+          <a:fillRef idx="1">
+            <a:schemeClr val="accent1"/>
+          </a:fillRef>
+          <a:effectRef idx="0">
+            <a:schemeClr val="accent1"/>
+          </a:effectRef>
+          <a:fontRef idx="minor">
+            <a:schemeClr val="lt1"/>
+          </a:fontRef>
+        </p:style>
+        <p:txBody>
+          <a:bodyPr rtlCol="0" anchor="ctr"/>
+          <a:lstStyle/>
+          <a:p>
+            <a:pPr algn="ctr"/>
+            <a:endParaRPr lang="en-US"/>
+          </a:p>
+        </p:txBody>
+      </p:sp>
+      <p:sp>
+        <p:nvSpPr>
+          <p:cNvPr id="7" name="TextBox 6">
+            <a:extLst>
+              <a:ext uri="{FF2B5EF4-FFF2-40B4-BE49-F238E27FC236}">
+                <a16:creationId xmlns:a16="http://schemas.microsoft.com/office/drawing/2014/main" xmlns="" id="{959968FD-1B24-4D75-B415-705F44E33BFC}"/>
+              </a:ext>
+            </a:extLst>
+          </p:cNvPr>
+          <p:cNvSpPr txBox="1"/>
+          <p:nvPr/>
+        </p:nvSpPr>
+        <p:spPr>
+          <a:xfrm>
+            <a:off x="2779488" y="5114459"/>
+            <a:ext cx="1934969" cy="523220"/>
+          </a:xfrm>
+          <a:prstGeom prst="rect">
+            <a:avLst/>
+          </a:prstGeom>
+          <a:noFill/>
+        </p:spPr>
+        <p:txBody>
+          <a:bodyPr wrap="square" rtlCol="0">
+            <a:spAutoFit/>
+          </a:bodyPr>
+          <a:lstStyle/>
+          <a:p>
+            <a:r>
+              <a:rPr lang="en-US" sz="2800" dirty="0">
+                <a:solidFill>
+                  <a:schemeClr val="bg1"/>
+                </a:solidFill>
+              </a:rPr>
+              <a:t>Mandarin</a:t>
+            </a:r>
+          </a:p>
+        </p:txBody>
+      </p:sp>
+      <p:sp>
+        <p:nvSpPr>
+          <p:cNvPr id="8" name="Oval 7">
+            <a:extLst>
+              <a:ext uri="{FF2B5EF4-FFF2-40B4-BE49-F238E27FC236}">
+                <a16:creationId xmlns:a16="http://schemas.microsoft.com/office/drawing/2014/main" xmlns="" id="{A4029011-B451-494E-9036-C01BD2516A57}"/>
+              </a:ext>
+            </a:extLst>
+          </p:cNvPr>
+          <p:cNvSpPr/>
+          <p:nvPr/>
+        </p:nvSpPr>
+        <p:spPr>
+          <a:xfrm>
+            <a:off x="5148768" y="4360474"/>
+            <a:ext cx="2001631" cy="2031191"/>
+          </a:xfrm>
+          <a:prstGeom prst="ellipse">
+            <a:avLst/>
+          </a:prstGeom>
+        </p:spPr>
+        <p:style>
+          <a:lnRef idx="2">
+            <a:schemeClr val="accent1">
+              <a:shade val="50000"/>
+            </a:schemeClr>
+          </a:lnRef>
+          <a:fillRef idx="1">
+            <a:schemeClr val="accent1"/>
+          </a:fillRef>
+          <a:effectRef idx="0">
+            <a:schemeClr val="accent1"/>
+          </a:effectRef>
+          <a:fontRef idx="minor">
+            <a:schemeClr val="lt1"/>
+          </a:fontRef>
+        </p:style>
+        <p:txBody>
+          <a:bodyPr rtlCol="0" anchor="ctr"/>
+          <a:lstStyle/>
+          <a:p>
+            <a:pPr algn="ctr"/>
+            <a:endParaRPr lang="en-US"/>
+          </a:p>
+        </p:txBody>
+      </p:sp>
+      <p:sp>
+        <p:nvSpPr>
+          <p:cNvPr id="10" name="Oval 9">
+            <a:extLst>
+              <a:ext uri="{FF2B5EF4-FFF2-40B4-BE49-F238E27FC236}">
+                <a16:creationId xmlns:a16="http://schemas.microsoft.com/office/drawing/2014/main" xmlns="" id="{8952D28E-4F96-4233-A195-77A348121560}"/>
+              </a:ext>
+            </a:extLst>
+          </p:cNvPr>
+          <p:cNvSpPr/>
+          <p:nvPr/>
+        </p:nvSpPr>
+        <p:spPr>
+          <a:xfrm>
+            <a:off x="7817365" y="4426462"/>
+            <a:ext cx="2001631" cy="2031191"/>
+          </a:xfrm>
+          <a:prstGeom prst="ellipse">
+            <a:avLst/>
+          </a:prstGeom>
+        </p:spPr>
+        <p:style>
+          <a:lnRef idx="2">
+            <a:schemeClr val="accent1">
+              <a:shade val="50000"/>
+            </a:schemeClr>
+          </a:lnRef>
+          <a:fillRef idx="1">
+            <a:schemeClr val="accent1"/>
+          </a:fillRef>
+          <a:effectRef idx="0">
+            <a:schemeClr val="accent1"/>
+          </a:effectRef>
+          <a:fontRef idx="minor">
+            <a:schemeClr val="lt1"/>
+          </a:fontRef>
+        </p:style>
+        <p:txBody>
+          <a:bodyPr rtlCol="0" anchor="ctr"/>
+          <a:lstStyle/>
+          <a:p>
+            <a:pPr algn="ctr"/>
+            <a:endParaRPr lang="en-US"/>
+          </a:p>
+        </p:txBody>
+      </p:sp>
+      <p:sp>
+        <p:nvSpPr>
+          <p:cNvPr id="11" name="TextBox 10">
+            <a:extLst>
+              <a:ext uri="{FF2B5EF4-FFF2-40B4-BE49-F238E27FC236}">
+                <a16:creationId xmlns:a16="http://schemas.microsoft.com/office/drawing/2014/main" xmlns="" id="{A5062CF8-1657-4664-B45F-6046651F7602}"/>
+              </a:ext>
+            </a:extLst>
+          </p:cNvPr>
+          <p:cNvSpPr txBox="1"/>
+          <p:nvPr/>
+        </p:nvSpPr>
+        <p:spPr>
+          <a:xfrm>
+            <a:off x="8281903" y="5114459"/>
+            <a:ext cx="2261217" cy="523220"/>
+          </a:xfrm>
+          <a:prstGeom prst="rect">
+            <a:avLst/>
+          </a:prstGeom>
+          <a:noFill/>
+        </p:spPr>
+        <p:txBody>
+          <a:bodyPr wrap="square" rtlCol="0">
+            <a:spAutoFit/>
+          </a:bodyPr>
+          <a:lstStyle/>
+          <a:p>
+            <a:r>
+              <a:rPr lang="en-US" sz="2800" dirty="0">
+                <a:solidFill>
+                  <a:schemeClr val="bg1"/>
+                </a:solidFill>
+              </a:rPr>
+              <a:t>Hindi</a:t>
+            </a:r>
+          </a:p>
+        </p:txBody>
+      </p:sp>
+      <p:sp>
+        <p:nvSpPr>
+          <p:cNvPr id="12" name="Callout: Right Arrow 11">
+            <a:extLst>
+              <a:ext uri="{FF2B5EF4-FFF2-40B4-BE49-F238E27FC236}">
+                <a16:creationId xmlns:a16="http://schemas.microsoft.com/office/drawing/2014/main" xmlns="" id="{57E5A69F-D499-4BD2-85A2-CD0E96E982A8}"/>
+              </a:ext>
+            </a:extLst>
+          </p:cNvPr>
+          <p:cNvSpPr/>
+          <p:nvPr/>
+        </p:nvSpPr>
+        <p:spPr>
+          <a:xfrm rot="16200000">
+            <a:off x="5558697" y="197906"/>
+            <a:ext cx="1181771" cy="6282378"/>
+          </a:xfrm>
+          <a:prstGeom prst="rightArrowCallout">
+            <a:avLst>
+              <a:gd name="adj1" fmla="val 23192"/>
+              <a:gd name="adj2" fmla="val 25000"/>
+              <a:gd name="adj3" fmla="val 17768"/>
+              <a:gd name="adj4" fmla="val 32431"/>
+            </a:avLst>
+          </a:prstGeom>
+          <a:solidFill>
+            <a:schemeClr val="accent2">
+              <a:lumMod val="60000"/>
+              <a:lumOff val="40000"/>
+            </a:schemeClr>
+          </a:solidFill>
+        </p:spPr>
+        <p:style>
+          <a:lnRef idx="2">
+            <a:schemeClr val="accent1">
+              <a:shade val="50000"/>
+            </a:schemeClr>
+          </a:lnRef>
+          <a:fillRef idx="1">
+            <a:schemeClr val="accent1"/>
+          </a:fillRef>
+          <a:effectRef idx="0">
+            <a:schemeClr val="accent1"/>
+          </a:effectRef>
+          <a:fontRef idx="minor">
+            <a:schemeClr val="lt1"/>
+          </a:fontRef>
+        </p:style>
+        <p:txBody>
+          <a:bodyPr rtlCol="0" anchor="ctr"/>
+          <a:lstStyle/>
+          <a:p>
+            <a:pPr algn="ctr"/>
+            <a:endParaRPr lang="en-US"/>
+          </a:p>
+        </p:txBody>
+      </p:sp>
+      <p:sp>
+        <p:nvSpPr>
+          <p:cNvPr id="13" name="TextBox 12">
+            <a:extLst>
+              <a:ext uri="{FF2B5EF4-FFF2-40B4-BE49-F238E27FC236}">
+                <a16:creationId xmlns:a16="http://schemas.microsoft.com/office/drawing/2014/main" xmlns="" id="{511839CF-C80C-445A-90F0-42E0F2B8A356}"/>
+              </a:ext>
+            </a:extLst>
+          </p:cNvPr>
+          <p:cNvSpPr txBox="1"/>
+          <p:nvPr/>
+        </p:nvSpPr>
+        <p:spPr>
+          <a:xfrm>
+            <a:off x="5438581" y="5096441"/>
+            <a:ext cx="1934969" cy="523220"/>
+          </a:xfrm>
+          <a:prstGeom prst="rect">
+            <a:avLst/>
+          </a:prstGeom>
+          <a:noFill/>
+        </p:spPr>
+        <p:txBody>
+          <a:bodyPr wrap="square" rtlCol="0">
+            <a:spAutoFit/>
+          </a:bodyPr>
+          <a:lstStyle/>
+          <a:p>
+            <a:r>
+              <a:rPr lang="en-US" sz="2800" dirty="0">
+                <a:solidFill>
+                  <a:schemeClr val="bg1"/>
+                </a:solidFill>
+              </a:rPr>
+              <a:t>Spanish</a:t>
+            </a:r>
+          </a:p>
+        </p:txBody>
+      </p:sp>
+      <p:pic>
+        <p:nvPicPr>
+          <p:cNvPr id="14" name="Picture 13">
+            <a:extLst>
+              <a:ext uri="{FF2B5EF4-FFF2-40B4-BE49-F238E27FC236}">
+                <a16:creationId xmlns:a16="http://schemas.microsoft.com/office/drawing/2014/main" xmlns="" id="{762EFF99-AF6A-481D-AD51-45C64FE5A806}"/>
+              </a:ext>
+            </a:extLst>
+          </p:cNvPr>
+          <p:cNvPicPr>
+            <a:picLocks noChangeAspect="1"/>
+          </p:cNvPicPr>
+          <p:nvPr/>
+        </p:nvPicPr>
+        <p:blipFill>
+          <a:blip r:embed="rId2">
+            <a:extLst>
+              <a:ext uri="{28A0092B-C50C-407E-A947-70E740481C1C}">
+                <a14:useLocalDpi xmlns:a14="http://schemas.microsoft.com/office/drawing/2010/main" val="0"/>
+              </a:ext>
+            </a:extLst>
+          </a:blip>
+          <a:stretch>
+            <a:fillRect/>
+          </a:stretch>
+        </p:blipFill>
+        <p:spPr>
+          <a:xfrm>
+            <a:off x="187456" y="303863"/>
+            <a:ext cx="1428750" cy="1428750"/>
+          </a:xfrm>
+          <a:prstGeom prst="rect">
+            <a:avLst/>
+          </a:prstGeom>
+        </p:spPr>
+      </p:pic>
+    </p:spTree>
+    <p:extLst>
+      <p:ext uri="{BB962C8B-B14F-4D97-AF65-F5344CB8AC3E}">
+        <p14:creationId xmlns:p14="http://schemas.microsoft.com/office/powerpoint/2010/main" val="2724304326"/>
+      </p:ext>
+    </p:extLst>
+  </p:cSld>
+  <p:clrMapOvr>
+    <a:masterClrMapping/>
+  </p:clrMapOvr>
+</p:sld>
+</file>
+
+<file path=ppt/slides/slide11.xml><?xml version="1.0" encoding="utf-8"?>
+<p:sld xmlns:a="http://schemas.openxmlformats.org/drawingml/2006/main" xmlns:r="http://schemas.openxmlformats.org/officeDocument/2006/relationships" xmlns:p="http://schemas.openxmlformats.org/presentationml/2006/main">
+  <p:cSld>
+    <p:spTree>
+      <p:nvGrpSpPr>
+        <p:cNvPr id="1" name=""/>
+        <p:cNvGrpSpPr/>
+        <p:nvPr/>
+      </p:nvGrpSpPr>
+      <p:grpSpPr>
+        <a:xfrm>
+          <a:off x="0" y="0"/>
+          <a:ext cx="0" cy="0"/>
+          <a:chOff x="0" y="0"/>
+          <a:chExt cx="0" cy="0"/>
+        </a:xfrm>
+      </p:grpSpPr>
       <p:graphicFrame>
         <p:nvGraphicFramePr>
           <p:cNvPr id="6" name="Diagram 5">
             <a:extLst>
               <a:ext uri="{FF2B5EF4-FFF2-40B4-BE49-F238E27FC236}">
-                <a16:creationId xmlns:a16="http://schemas.microsoft.com/office/drawing/2014/main" id="{491CE8C1-ACC6-4AC1-9D2E-CCF48AF7263C}"/>
+                <a16:creationId xmlns:a16="http://schemas.microsoft.com/office/drawing/2014/main" xmlns="" id="{491CE8C1-ACC6-4AC1-9D2E-CCF48AF7263C}"/>
               </a:ext>
             </a:extLst>
           </p:cNvPr>
@@ -7249,7 +10959,7 @@
           <p:cNvPr id="7" name="TextBox 6">
             <a:extLst>
               <a:ext uri="{FF2B5EF4-FFF2-40B4-BE49-F238E27FC236}">
-                <a16:creationId xmlns:a16="http://schemas.microsoft.com/office/drawing/2014/main" id="{D4CE6184-A5D3-4D62-A326-BB83628B73EE}"/>
+                <a16:creationId xmlns:a16="http://schemas.microsoft.com/office/drawing/2014/main" xmlns="" id="{D4CE6184-A5D3-4D62-A326-BB83628B73EE}"/>
               </a:ext>
             </a:extLst>
           </p:cNvPr>
@@ -7288,7 +10998,7 @@
           <p:cNvPr id="8" name="Picture 7">
             <a:extLst>
               <a:ext uri="{FF2B5EF4-FFF2-40B4-BE49-F238E27FC236}">
-                <a16:creationId xmlns:a16="http://schemas.microsoft.com/office/drawing/2014/main" id="{06230E9C-1A1C-4CDB-885A-6945AB64121C}"/>
+                <a16:creationId xmlns:a16="http://schemas.microsoft.com/office/drawing/2014/main" xmlns="" id="{06230E9C-1A1C-4CDB-885A-6945AB64121C}"/>
               </a:ext>
             </a:extLst>
           </p:cNvPr>
@@ -7354,7 +11064,7 @@
           <p:cNvPr id="4" name="Oval 3">
             <a:extLst>
               <a:ext uri="{FF2B5EF4-FFF2-40B4-BE49-F238E27FC236}">
-                <a16:creationId xmlns:a16="http://schemas.microsoft.com/office/drawing/2014/main" id="{380EE60F-5393-4B74-BD55-7A7648DBC10A}"/>
+                <a16:creationId xmlns:a16="http://schemas.microsoft.com/office/drawing/2014/main" xmlns="" id="{380EE60F-5393-4B74-BD55-7A7648DBC10A}"/>
               </a:ext>
             </a:extLst>
           </p:cNvPr>
@@ -7400,7 +11110,7 @@
           <p:cNvPr id="10" name="Oval 9">
             <a:extLst>
               <a:ext uri="{FF2B5EF4-FFF2-40B4-BE49-F238E27FC236}">
-                <a16:creationId xmlns:a16="http://schemas.microsoft.com/office/drawing/2014/main" id="{21C320D3-4F9D-483C-A5F3-F27FBC607468}"/>
+                <a16:creationId xmlns:a16="http://schemas.microsoft.com/office/drawing/2014/main" xmlns="" id="{21C320D3-4F9D-483C-A5F3-F27FBC607468}"/>
               </a:ext>
             </a:extLst>
           </p:cNvPr>
@@ -7446,7 +11156,7 @@
           <p:cNvPr id="11" name="Oval 10">
             <a:extLst>
               <a:ext uri="{FF2B5EF4-FFF2-40B4-BE49-F238E27FC236}">
-                <a16:creationId xmlns:a16="http://schemas.microsoft.com/office/drawing/2014/main" id="{95DB93AA-A7F9-4426-A26A-95263AB5A327}"/>
+                <a16:creationId xmlns:a16="http://schemas.microsoft.com/office/drawing/2014/main" xmlns="" id="{95DB93AA-A7F9-4426-A26A-95263AB5A327}"/>
               </a:ext>
             </a:extLst>
           </p:cNvPr>
@@ -7492,7 +11202,7 @@
           <p:cNvPr id="12" name="Oval 11">
             <a:extLst>
               <a:ext uri="{FF2B5EF4-FFF2-40B4-BE49-F238E27FC236}">
-                <a16:creationId xmlns:a16="http://schemas.microsoft.com/office/drawing/2014/main" id="{E5FE744F-8622-4385-BC99-EF92299D9828}"/>
+                <a16:creationId xmlns:a16="http://schemas.microsoft.com/office/drawing/2014/main" xmlns="" id="{E5FE744F-8622-4385-BC99-EF92299D9828}"/>
               </a:ext>
             </a:extLst>
           </p:cNvPr>
@@ -7538,7 +11248,7 @@
           <p:cNvPr id="13" name="Oval 12">
             <a:extLst>
               <a:ext uri="{FF2B5EF4-FFF2-40B4-BE49-F238E27FC236}">
-                <a16:creationId xmlns:a16="http://schemas.microsoft.com/office/drawing/2014/main" id="{BC323218-B014-48D8-BAF0-D9D3F935B379}"/>
+                <a16:creationId xmlns:a16="http://schemas.microsoft.com/office/drawing/2014/main" xmlns="" id="{BC323218-B014-48D8-BAF0-D9D3F935B379}"/>
               </a:ext>
             </a:extLst>
           </p:cNvPr>
@@ -7584,7 +11294,7 @@
           <p:cNvPr id="14" name="Oval 13">
             <a:extLst>
               <a:ext uri="{FF2B5EF4-FFF2-40B4-BE49-F238E27FC236}">
-                <a16:creationId xmlns:a16="http://schemas.microsoft.com/office/drawing/2014/main" id="{DD12B101-343C-4CD3-8217-C9FFFFD9D6B7}"/>
+                <a16:creationId xmlns:a16="http://schemas.microsoft.com/office/drawing/2014/main" xmlns="" id="{DD12B101-343C-4CD3-8217-C9FFFFD9D6B7}"/>
               </a:ext>
             </a:extLst>
           </p:cNvPr>
@@ -7630,7 +11340,7 @@
           <p:cNvPr id="15" name="TextBox 14">
             <a:extLst>
               <a:ext uri="{FF2B5EF4-FFF2-40B4-BE49-F238E27FC236}">
-                <a16:creationId xmlns:a16="http://schemas.microsoft.com/office/drawing/2014/main" id="{5D5D9BD1-23E4-4C75-A52D-C8EA2A0C2B68}"/>
+                <a16:creationId xmlns:a16="http://schemas.microsoft.com/office/drawing/2014/main" xmlns="" id="{5D5D9BD1-23E4-4C75-A52D-C8EA2A0C2B68}"/>
               </a:ext>
             </a:extLst>
           </p:cNvPr>
@@ -7669,7 +11379,7 @@
           <p:cNvPr id="16" name="TextBox 15">
             <a:extLst>
               <a:ext uri="{FF2B5EF4-FFF2-40B4-BE49-F238E27FC236}">
-                <a16:creationId xmlns:a16="http://schemas.microsoft.com/office/drawing/2014/main" id="{377E49A7-3490-4231-B7B1-156A33E6AA57}"/>
+                <a16:creationId xmlns:a16="http://schemas.microsoft.com/office/drawing/2014/main" xmlns="" id="{377E49A7-3490-4231-B7B1-156A33E6AA57}"/>
               </a:ext>
             </a:extLst>
           </p:cNvPr>
@@ -7708,7 +11418,7 @@
           <p:cNvPr id="17" name="TextBox 16">
             <a:extLst>
               <a:ext uri="{FF2B5EF4-FFF2-40B4-BE49-F238E27FC236}">
-                <a16:creationId xmlns:a16="http://schemas.microsoft.com/office/drawing/2014/main" id="{51AFD93E-9067-41C3-813F-ADC7E2A920CD}"/>
+                <a16:creationId xmlns:a16="http://schemas.microsoft.com/office/drawing/2014/main" xmlns="" id="{51AFD93E-9067-41C3-813F-ADC7E2A920CD}"/>
               </a:ext>
             </a:extLst>
           </p:cNvPr>
@@ -7747,7 +11457,7 @@
           <p:cNvPr id="18" name="TextBox 17">
             <a:extLst>
               <a:ext uri="{FF2B5EF4-FFF2-40B4-BE49-F238E27FC236}">
-                <a16:creationId xmlns:a16="http://schemas.microsoft.com/office/drawing/2014/main" id="{671597A4-8B04-4EFE-8D5F-63BE21F723FF}"/>
+                <a16:creationId xmlns:a16="http://schemas.microsoft.com/office/drawing/2014/main" xmlns="" id="{671597A4-8B04-4EFE-8D5F-63BE21F723FF}"/>
               </a:ext>
             </a:extLst>
           </p:cNvPr>
@@ -7786,7 +11496,7 @@
           <p:cNvPr id="19" name="TextBox 18">
             <a:extLst>
               <a:ext uri="{FF2B5EF4-FFF2-40B4-BE49-F238E27FC236}">
-                <a16:creationId xmlns:a16="http://schemas.microsoft.com/office/drawing/2014/main" id="{9B9FBA56-C679-4AF3-9CD9-FE887D9BEF3C}"/>
+                <a16:creationId xmlns:a16="http://schemas.microsoft.com/office/drawing/2014/main" xmlns="" id="{9B9FBA56-C679-4AF3-9CD9-FE887D9BEF3C}"/>
               </a:ext>
             </a:extLst>
           </p:cNvPr>
@@ -7825,7 +11535,7 @@
           <p:cNvPr id="20" name="TextBox 19">
             <a:extLst>
               <a:ext uri="{FF2B5EF4-FFF2-40B4-BE49-F238E27FC236}">
-                <a16:creationId xmlns:a16="http://schemas.microsoft.com/office/drawing/2014/main" id="{7F37576B-C8EC-443E-956F-B6FCB2E9630B}"/>
+                <a16:creationId xmlns:a16="http://schemas.microsoft.com/office/drawing/2014/main" xmlns="" id="{7F37576B-C8EC-443E-956F-B6FCB2E9630B}"/>
               </a:ext>
             </a:extLst>
           </p:cNvPr>
@@ -7864,7 +11574,7 @@
           <p:cNvPr id="22" name="TextBox 21">
             <a:extLst>
               <a:ext uri="{FF2B5EF4-FFF2-40B4-BE49-F238E27FC236}">
-                <a16:creationId xmlns:a16="http://schemas.microsoft.com/office/drawing/2014/main" id="{5D04C51F-5AA7-4466-8E54-511AA812515C}"/>
+                <a16:creationId xmlns:a16="http://schemas.microsoft.com/office/drawing/2014/main" xmlns="" id="{5D04C51F-5AA7-4466-8E54-511AA812515C}"/>
               </a:ext>
             </a:extLst>
           </p:cNvPr>
@@ -7903,7 +11613,7 @@
           <p:cNvPr id="23" name="TextBox 22">
             <a:extLst>
               <a:ext uri="{FF2B5EF4-FFF2-40B4-BE49-F238E27FC236}">
-                <a16:creationId xmlns:a16="http://schemas.microsoft.com/office/drawing/2014/main" id="{8D37478C-EBCC-4343-9A19-DE77F1317372}"/>
+                <a16:creationId xmlns:a16="http://schemas.microsoft.com/office/drawing/2014/main" xmlns="" id="{8D37478C-EBCC-4343-9A19-DE77F1317372}"/>
               </a:ext>
             </a:extLst>
           </p:cNvPr>
@@ -7949,7 +11659,7 @@
           <p:cNvPr id="24" name="TextBox 23">
             <a:extLst>
               <a:ext uri="{FF2B5EF4-FFF2-40B4-BE49-F238E27FC236}">
-                <a16:creationId xmlns:a16="http://schemas.microsoft.com/office/drawing/2014/main" id="{934FE657-7DF8-4C32-8173-E0E6AD937C26}"/>
+                <a16:creationId xmlns:a16="http://schemas.microsoft.com/office/drawing/2014/main" xmlns="" id="{934FE657-7DF8-4C32-8173-E0E6AD937C26}"/>
               </a:ext>
             </a:extLst>
           </p:cNvPr>
@@ -7995,7 +11705,7 @@
           <p:cNvPr id="25" name="TextBox 24">
             <a:extLst>
               <a:ext uri="{FF2B5EF4-FFF2-40B4-BE49-F238E27FC236}">
-                <a16:creationId xmlns:a16="http://schemas.microsoft.com/office/drawing/2014/main" id="{F5AD3B87-FB99-4B37-A84A-97F937568E4F}"/>
+                <a16:creationId xmlns:a16="http://schemas.microsoft.com/office/drawing/2014/main" xmlns="" id="{F5AD3B87-FB99-4B37-A84A-97F937568E4F}"/>
               </a:ext>
             </a:extLst>
           </p:cNvPr>
@@ -8041,7 +11751,7 @@
           <p:cNvPr id="26" name="TextBox 25">
             <a:extLst>
               <a:ext uri="{FF2B5EF4-FFF2-40B4-BE49-F238E27FC236}">
-                <a16:creationId xmlns:a16="http://schemas.microsoft.com/office/drawing/2014/main" id="{000175FA-F8E9-40F3-B48E-79B75106ED97}"/>
+                <a16:creationId xmlns:a16="http://schemas.microsoft.com/office/drawing/2014/main" xmlns="" id="{000175FA-F8E9-40F3-B48E-79B75106ED97}"/>
               </a:ext>
             </a:extLst>
           </p:cNvPr>
@@ -8087,7 +11797,7 @@
           <p:cNvPr id="28" name="TextBox 27">
             <a:extLst>
               <a:ext uri="{FF2B5EF4-FFF2-40B4-BE49-F238E27FC236}">
-                <a16:creationId xmlns:a16="http://schemas.microsoft.com/office/drawing/2014/main" id="{87D0E631-A724-4BD0-85D9-34A1ACB89933}"/>
+                <a16:creationId xmlns:a16="http://schemas.microsoft.com/office/drawing/2014/main" xmlns="" id="{87D0E631-A724-4BD0-85D9-34A1ACB89933}"/>
               </a:ext>
             </a:extLst>
           </p:cNvPr>
@@ -8133,7 +11843,7 @@
           <p:cNvPr id="29" name="Callout: Right Arrow 28">
             <a:extLst>
               <a:ext uri="{FF2B5EF4-FFF2-40B4-BE49-F238E27FC236}">
-                <a16:creationId xmlns:a16="http://schemas.microsoft.com/office/drawing/2014/main" id="{C724D25E-3DB7-4EEB-9AB0-9EC8D5F23220}"/>
+                <a16:creationId xmlns:a16="http://schemas.microsoft.com/office/drawing/2014/main" xmlns="" id="{C724D25E-3DB7-4EEB-9AB0-9EC8D5F23220}"/>
               </a:ext>
             </a:extLst>
           </p:cNvPr>
@@ -8190,7 +11900,7 @@
           <p:cNvPr id="30" name="TextBox 29">
             <a:extLst>
               <a:ext uri="{FF2B5EF4-FFF2-40B4-BE49-F238E27FC236}">
-                <a16:creationId xmlns:a16="http://schemas.microsoft.com/office/drawing/2014/main" id="{787D2DBC-170A-4663-A76D-7AAC3FD3D5F1}"/>
+                <a16:creationId xmlns:a16="http://schemas.microsoft.com/office/drawing/2014/main" xmlns="" id="{787D2DBC-170A-4663-A76D-7AAC3FD3D5F1}"/>
               </a:ext>
             </a:extLst>
           </p:cNvPr>
@@ -8231,7 +11941,7 @@
           <p:cNvPr id="31" name="TextBox 30">
             <a:extLst>
               <a:ext uri="{FF2B5EF4-FFF2-40B4-BE49-F238E27FC236}">
-                <a16:creationId xmlns:a16="http://schemas.microsoft.com/office/drawing/2014/main" id="{AC43E661-C66C-40F7-A100-2BBE6DF4C5F4}"/>
+                <a16:creationId xmlns:a16="http://schemas.microsoft.com/office/drawing/2014/main" xmlns="" id="{AC43E661-C66C-40F7-A100-2BBE6DF4C5F4}"/>
               </a:ext>
             </a:extLst>
           </p:cNvPr>
@@ -8270,7 +11980,7 @@
           <p:cNvPr id="32" name="Picture 31">
             <a:extLst>
               <a:ext uri="{FF2B5EF4-FFF2-40B4-BE49-F238E27FC236}">
-                <a16:creationId xmlns:a16="http://schemas.microsoft.com/office/drawing/2014/main" id="{93A08B81-C151-40F8-A5CB-EA0BEF0746F5}"/>
+                <a16:creationId xmlns:a16="http://schemas.microsoft.com/office/drawing/2014/main" xmlns="" id="{93A08B81-C151-40F8-A5CB-EA0BEF0746F5}"/>
               </a:ext>
             </a:extLst>
           </p:cNvPr>
@@ -8331,12 +12041,197 @@
           <a:chExt cx="0" cy="0"/>
         </a:xfrm>
       </p:grpSpPr>
+      <p:graphicFrame>
+        <p:nvGraphicFramePr>
+          <p:cNvPr id="6" name="Diagram 5">
+            <a:extLst>
+              <a:ext uri="{FF2B5EF4-FFF2-40B4-BE49-F238E27FC236}">
+                <a16:creationId xmlns:a16="http://schemas.microsoft.com/office/drawing/2014/main" xmlns="" id="{491CE8C1-ACC6-4AC1-9D2E-CCF48AF7263C}"/>
+              </a:ext>
+            </a:extLst>
+          </p:cNvPr>
+          <p:cNvGraphicFramePr/>
+          <p:nvPr>
+            <p:extLst>
+              <p:ext uri="{D42A27DB-BD31-4B8C-83A1-F6EECF244321}">
+                <p14:modId xmlns:p14="http://schemas.microsoft.com/office/powerpoint/2010/main" val="441937552"/>
+              </p:ext>
+            </p:extLst>
+          </p:nvPr>
+        </p:nvGraphicFramePr>
+        <p:xfrm>
+          <a:off x="1119348" y="361955"/>
+          <a:ext cx="10131322" cy="6134087"/>
+        </p:xfrm>
+        <a:graphic>
+          <a:graphicData uri="http://schemas.openxmlformats.org/drawingml/2006/diagram">
+            <dgm:relIds xmlns:dgm="http://schemas.openxmlformats.org/drawingml/2006/diagram" xmlns:r="http://schemas.openxmlformats.org/officeDocument/2006/relationships" r:dm="rId2" r:lo="rId3" r:qs="rId4" r:cs="rId5"/>
+          </a:graphicData>
+        </a:graphic>
+      </p:graphicFrame>
+      <p:sp>
+        <p:nvSpPr>
+          <p:cNvPr id="7" name="TextBox 6">
+            <a:extLst>
+              <a:ext uri="{FF2B5EF4-FFF2-40B4-BE49-F238E27FC236}">
+                <a16:creationId xmlns:a16="http://schemas.microsoft.com/office/drawing/2014/main" xmlns="" id="{D4CE6184-A5D3-4D62-A326-BB83628B73EE}"/>
+              </a:ext>
+            </a:extLst>
+          </p:cNvPr>
+          <p:cNvSpPr txBox="1"/>
+          <p:nvPr/>
+        </p:nvSpPr>
+        <p:spPr>
+          <a:xfrm>
+            <a:off x="-141894" y="819807"/>
+            <a:ext cx="4323978" cy="1754326"/>
+          </a:xfrm>
+          <a:prstGeom prst="rect">
+            <a:avLst/>
+          </a:prstGeom>
+          <a:noFill/>
+        </p:spPr>
+        <p:txBody>
+          <a:bodyPr wrap="square" rtlCol="0">
+            <a:spAutoFit/>
+          </a:bodyPr>
+          <a:lstStyle/>
+          <a:p>
+            <a:pPr algn="ctr"/>
+            <a:r>
+              <a:rPr lang="en-US" sz="5400" dirty="0" smtClean="0">
+                <a:solidFill>
+                  <a:schemeClr val="bg1"/>
+                </a:solidFill>
+              </a:rPr>
+              <a:t>Free Knowledge</a:t>
+            </a:r>
+            <a:endParaRPr lang="en-US" sz="5400" dirty="0">
+              <a:solidFill>
+                <a:schemeClr val="bg1"/>
+              </a:solidFill>
+            </a:endParaRPr>
+          </a:p>
+        </p:txBody>
+      </p:sp>
+      <p:pic>
+        <p:nvPicPr>
+          <p:cNvPr id="8" name="Picture 7">
+            <a:extLst>
+              <a:ext uri="{FF2B5EF4-FFF2-40B4-BE49-F238E27FC236}">
+                <a16:creationId xmlns:a16="http://schemas.microsoft.com/office/drawing/2014/main" xmlns="" id="{06230E9C-1A1C-4CDB-885A-6945AB64121C}"/>
+              </a:ext>
+            </a:extLst>
+          </p:cNvPr>
+          <p:cNvPicPr>
+            <a:picLocks noChangeAspect="1"/>
+          </p:cNvPicPr>
+          <p:nvPr/>
+        </p:nvPicPr>
+        <p:blipFill>
+          <a:blip r:embed="rId7">
+            <a:extLst>
+              <a:ext uri="{28A0092B-C50C-407E-A947-70E740481C1C}">
+                <a14:useLocalDpi xmlns:a14="http://schemas.microsoft.com/office/drawing/2010/main" val="0"/>
+              </a:ext>
+            </a:extLst>
+          </a:blip>
+          <a:stretch>
+            <a:fillRect/>
+          </a:stretch>
+        </p:blipFill>
+        <p:spPr>
+          <a:xfrm>
+            <a:off x="10528660" y="5271788"/>
+            <a:ext cx="1428750" cy="1428750"/>
+          </a:xfrm>
+          <a:prstGeom prst="rect">
+            <a:avLst/>
+          </a:prstGeom>
+        </p:spPr>
+      </p:pic>
+      <p:sp>
+        <p:nvSpPr>
+          <p:cNvPr id="2" name="Down Arrow 1"/>
+          <p:cNvSpPr/>
+          <p:nvPr/>
+        </p:nvSpPr>
+        <p:spPr>
+          <a:xfrm rot="17994208">
+            <a:off x="4604347" y="1615921"/>
+            <a:ext cx="669419" cy="2884490"/>
+          </a:xfrm>
+          <a:prstGeom prst="downArrow">
+            <a:avLst/>
+          </a:prstGeom>
+          <a:solidFill>
+            <a:schemeClr val="accent2">
+              <a:lumMod val="60000"/>
+              <a:lumOff val="40000"/>
+            </a:schemeClr>
+          </a:solidFill>
+        </p:spPr>
+        <p:style>
+          <a:lnRef idx="2">
+            <a:schemeClr val="accent1">
+              <a:shade val="50000"/>
+            </a:schemeClr>
+          </a:lnRef>
+          <a:fillRef idx="1">
+            <a:schemeClr val="accent1"/>
+          </a:fillRef>
+          <a:effectRef idx="0">
+            <a:schemeClr val="accent1"/>
+          </a:effectRef>
+          <a:fontRef idx="minor">
+            <a:schemeClr val="lt1"/>
+          </a:fontRef>
+        </p:style>
+        <p:txBody>
+          <a:bodyPr rtlCol="0" anchor="ctr"/>
+          <a:lstStyle/>
+          <a:p>
+            <a:pPr algn="ctr"/>
+            <a:endParaRPr lang="en-US"/>
+          </a:p>
+        </p:txBody>
+      </p:sp>
+    </p:spTree>
+    <p:extLst>
+      <p:ext uri="{BB962C8B-B14F-4D97-AF65-F5344CB8AC3E}">
+        <p14:creationId xmlns:p14="http://schemas.microsoft.com/office/powerpoint/2010/main" val="4176900416"/>
+      </p:ext>
+    </p:extLst>
+  </p:cSld>
+  <p:clrMapOvr>
+    <a:masterClrMapping/>
+  </p:clrMapOvr>
+</p:sld>
+</file>
+
+<file path=ppt/slides/slide4.xml><?xml version="1.0" encoding="utf-8"?>
+<p:sld xmlns:a="http://schemas.openxmlformats.org/drawingml/2006/main" xmlns:r="http://schemas.openxmlformats.org/officeDocument/2006/relationships" xmlns:p="http://schemas.openxmlformats.org/presentationml/2006/main">
+  <p:cSld>
+    <p:spTree>
+      <p:nvGrpSpPr>
+        <p:cNvPr id="1" name=""/>
+        <p:cNvGrpSpPr/>
+        <p:nvPr/>
+      </p:nvGrpSpPr>
+      <p:grpSpPr>
+        <a:xfrm>
+          <a:off x="0" y="0"/>
+          <a:ext cx="0" cy="0"/>
+          <a:chOff x="0" y="0"/>
+          <a:chExt cx="0" cy="0"/>
+        </a:xfrm>
+      </p:grpSpPr>
       <p:pic>
         <p:nvPicPr>
           <p:cNvPr id="4" name="Picture 3">
             <a:extLst>
               <a:ext uri="{FF2B5EF4-FFF2-40B4-BE49-F238E27FC236}">
-                <a16:creationId xmlns:a16="http://schemas.microsoft.com/office/drawing/2014/main" id="{33EB704D-5FE9-40E2-900B-8CB7CB7212B3}"/>
+                <a16:creationId xmlns:a16="http://schemas.microsoft.com/office/drawing/2014/main" xmlns="" id="{33EB704D-5FE9-40E2-900B-8CB7CB7212B3}"/>
               </a:ext>
             </a:extLst>
           </p:cNvPr>
@@ -8366,7 +12261,7 @@
           <p:cNvPr id="1026" name="Picture 2" descr="Image result for git branches">
             <a:extLst>
               <a:ext uri="{FF2B5EF4-FFF2-40B4-BE49-F238E27FC236}">
-                <a16:creationId xmlns:a16="http://schemas.microsoft.com/office/drawing/2014/main" id="{1F8FD966-2C18-46FD-A881-D5C2D2AC8E16}"/>
+                <a16:creationId xmlns:a16="http://schemas.microsoft.com/office/drawing/2014/main" xmlns="" id="{1F8FD966-2C18-46FD-A881-D5C2D2AC8E16}"/>
               </a:ext>
             </a:extLst>
           </p:cNvPr>
@@ -8413,7 +12308,7 @@
           <p:cNvPr id="6" name="TextBox 5">
             <a:extLst>
               <a:ext uri="{FF2B5EF4-FFF2-40B4-BE49-F238E27FC236}">
-                <a16:creationId xmlns:a16="http://schemas.microsoft.com/office/drawing/2014/main" id="{44B58A59-0D52-4212-96E4-79389C2B0A61}"/>
+                <a16:creationId xmlns:a16="http://schemas.microsoft.com/office/drawing/2014/main" xmlns="" id="{44B58A59-0D52-4212-96E4-79389C2B0A61}"/>
               </a:ext>
             </a:extLst>
           </p:cNvPr>
@@ -8452,7 +12347,7 @@
           <p:cNvPr id="8" name="Picture 7">
             <a:extLst>
               <a:ext uri="{FF2B5EF4-FFF2-40B4-BE49-F238E27FC236}">
-                <a16:creationId xmlns:a16="http://schemas.microsoft.com/office/drawing/2014/main" id="{591DD9AF-6C84-4BA7-A33B-24E18A00AF52}"/>
+                <a16:creationId xmlns:a16="http://schemas.microsoft.com/office/drawing/2014/main" xmlns="" id="{591DD9AF-6C84-4BA7-A33B-24E18A00AF52}"/>
               </a:ext>
             </a:extLst>
           </p:cNvPr>
@@ -8496,7 +12391,7 @@
 </p:sld>
 </file>
 
-<file path=ppt/slides/slide4.xml><?xml version="1.0" encoding="utf-8"?>
+<file path=ppt/slides/slide5.xml><?xml version="1.0" encoding="utf-8"?>
 <p:sld xmlns:a="http://schemas.openxmlformats.org/drawingml/2006/main" xmlns:r="http://schemas.openxmlformats.org/officeDocument/2006/relationships" xmlns:p="http://schemas.openxmlformats.org/presentationml/2006/main">
   <p:cSld>
     <p:spTree>
@@ -8518,7 +12413,7 @@
           <p:cNvPr id="4" name="Oval 3">
             <a:extLst>
               <a:ext uri="{FF2B5EF4-FFF2-40B4-BE49-F238E27FC236}">
-                <a16:creationId xmlns:a16="http://schemas.microsoft.com/office/drawing/2014/main" id="{AAB4F9B7-2FF0-4AE0-8D97-C5FF2E0A67C2}"/>
+                <a16:creationId xmlns:a16="http://schemas.microsoft.com/office/drawing/2014/main" xmlns="" id="{AAB4F9B7-2FF0-4AE0-8D97-C5FF2E0A67C2}"/>
               </a:ext>
             </a:extLst>
           </p:cNvPr>
@@ -8564,7 +12459,7 @@
           <p:cNvPr id="5" name="TextBox 4">
             <a:extLst>
               <a:ext uri="{FF2B5EF4-FFF2-40B4-BE49-F238E27FC236}">
-                <a16:creationId xmlns:a16="http://schemas.microsoft.com/office/drawing/2014/main" id="{6E8DA594-971F-42AC-948A-B7B00DC176A5}"/>
+                <a16:creationId xmlns:a16="http://schemas.microsoft.com/office/drawing/2014/main" xmlns="" id="{6E8DA594-971F-42AC-948A-B7B00DC176A5}"/>
               </a:ext>
             </a:extLst>
           </p:cNvPr>
@@ -8603,7 +12498,7 @@
           <p:cNvPr id="6" name="Oval 5">
             <a:extLst>
               <a:ext uri="{FF2B5EF4-FFF2-40B4-BE49-F238E27FC236}">
-                <a16:creationId xmlns:a16="http://schemas.microsoft.com/office/drawing/2014/main" id="{61327AA0-B493-4AC0-8C24-1DFC4F4DE635}"/>
+                <a16:creationId xmlns:a16="http://schemas.microsoft.com/office/drawing/2014/main" xmlns="" id="{61327AA0-B493-4AC0-8C24-1DFC4F4DE635}"/>
               </a:ext>
             </a:extLst>
           </p:cNvPr>
@@ -8649,7 +12544,7 @@
           <p:cNvPr id="7" name="TextBox 6">
             <a:extLst>
               <a:ext uri="{FF2B5EF4-FFF2-40B4-BE49-F238E27FC236}">
-                <a16:creationId xmlns:a16="http://schemas.microsoft.com/office/drawing/2014/main" id="{959968FD-1B24-4D75-B415-705F44E33BFC}"/>
+                <a16:creationId xmlns:a16="http://schemas.microsoft.com/office/drawing/2014/main" xmlns="" id="{959968FD-1B24-4D75-B415-705F44E33BFC}"/>
               </a:ext>
             </a:extLst>
           </p:cNvPr>
@@ -8688,7 +12583,7 @@
           <p:cNvPr id="8" name="Oval 7">
             <a:extLst>
               <a:ext uri="{FF2B5EF4-FFF2-40B4-BE49-F238E27FC236}">
-                <a16:creationId xmlns:a16="http://schemas.microsoft.com/office/drawing/2014/main" id="{A4029011-B451-494E-9036-C01BD2516A57}"/>
+                <a16:creationId xmlns:a16="http://schemas.microsoft.com/office/drawing/2014/main" xmlns="" id="{A4029011-B451-494E-9036-C01BD2516A57}"/>
               </a:ext>
             </a:extLst>
           </p:cNvPr>
@@ -8734,7 +12629,7 @@
           <p:cNvPr id="9" name="TextBox 8">
             <a:extLst>
               <a:ext uri="{FF2B5EF4-FFF2-40B4-BE49-F238E27FC236}">
-                <a16:creationId xmlns:a16="http://schemas.microsoft.com/office/drawing/2014/main" id="{1A6B25DA-9CF9-4D32-BBF1-A5F8117D146D}"/>
+                <a16:creationId xmlns:a16="http://schemas.microsoft.com/office/drawing/2014/main" xmlns="" id="{1A6B25DA-9CF9-4D32-BBF1-A5F8117D146D}"/>
               </a:ext>
             </a:extLst>
           </p:cNvPr>
@@ -8773,7 +12668,7 @@
           <p:cNvPr id="10" name="Oval 9">
             <a:extLst>
               <a:ext uri="{FF2B5EF4-FFF2-40B4-BE49-F238E27FC236}">
-                <a16:creationId xmlns:a16="http://schemas.microsoft.com/office/drawing/2014/main" id="{8952D28E-4F96-4233-A195-77A348121560}"/>
+                <a16:creationId xmlns:a16="http://schemas.microsoft.com/office/drawing/2014/main" xmlns="" id="{8952D28E-4F96-4233-A195-77A348121560}"/>
               </a:ext>
             </a:extLst>
           </p:cNvPr>
@@ -8819,7 +12714,7 @@
           <p:cNvPr id="11" name="TextBox 10">
             <a:extLst>
               <a:ext uri="{FF2B5EF4-FFF2-40B4-BE49-F238E27FC236}">
-                <a16:creationId xmlns:a16="http://schemas.microsoft.com/office/drawing/2014/main" id="{A5062CF8-1657-4664-B45F-6046651F7602}"/>
+                <a16:creationId xmlns:a16="http://schemas.microsoft.com/office/drawing/2014/main" xmlns="" id="{A5062CF8-1657-4664-B45F-6046651F7602}"/>
               </a:ext>
             </a:extLst>
           </p:cNvPr>
@@ -8858,7 +12753,7 @@
           <p:cNvPr id="12" name="Callout: Right Arrow 11">
             <a:extLst>
               <a:ext uri="{FF2B5EF4-FFF2-40B4-BE49-F238E27FC236}">
-                <a16:creationId xmlns:a16="http://schemas.microsoft.com/office/drawing/2014/main" id="{57E5A69F-D499-4BD2-85A2-CD0E96E982A8}"/>
+                <a16:creationId xmlns:a16="http://schemas.microsoft.com/office/drawing/2014/main" xmlns="" id="{57E5A69F-D499-4BD2-85A2-CD0E96E982A8}"/>
               </a:ext>
             </a:extLst>
           </p:cNvPr>
@@ -8915,7 +12810,7 @@
           <p:cNvPr id="13" name="Picture 12">
             <a:extLst>
               <a:ext uri="{FF2B5EF4-FFF2-40B4-BE49-F238E27FC236}">
-                <a16:creationId xmlns:a16="http://schemas.microsoft.com/office/drawing/2014/main" id="{166FD03D-0D34-4116-A515-62ADFFDF4A23}"/>
+                <a16:creationId xmlns:a16="http://schemas.microsoft.com/office/drawing/2014/main" xmlns="" id="{166FD03D-0D34-4116-A515-62ADFFDF4A23}"/>
               </a:ext>
             </a:extLst>
           </p:cNvPr>
@@ -8959,7 +12854,7 @@
 </p:sld>
 </file>
 
-<file path=ppt/slides/slide5.xml><?xml version="1.0" encoding="utf-8"?>
+<file path=ppt/slides/slide6.xml><?xml version="1.0" encoding="utf-8"?>
 <p:sld xmlns:a="http://schemas.openxmlformats.org/drawingml/2006/main" xmlns:r="http://schemas.openxmlformats.org/officeDocument/2006/relationships" xmlns:p="http://schemas.openxmlformats.org/presentationml/2006/main">
   <p:cSld>
     <p:spTree>
@@ -8981,7 +12876,7 @@
           <p:cNvPr id="4" name="Oval 3">
             <a:extLst>
               <a:ext uri="{FF2B5EF4-FFF2-40B4-BE49-F238E27FC236}">
-                <a16:creationId xmlns:a16="http://schemas.microsoft.com/office/drawing/2014/main" id="{AAB4F9B7-2FF0-4AE0-8D97-C5FF2E0A67C2}"/>
+                <a16:creationId xmlns:a16="http://schemas.microsoft.com/office/drawing/2014/main" xmlns="" id="{AAB4F9B7-2FF0-4AE0-8D97-C5FF2E0A67C2}"/>
               </a:ext>
             </a:extLst>
           </p:cNvPr>
@@ -9027,7 +12922,7 @@
           <p:cNvPr id="5" name="TextBox 4">
             <a:extLst>
               <a:ext uri="{FF2B5EF4-FFF2-40B4-BE49-F238E27FC236}">
-                <a16:creationId xmlns:a16="http://schemas.microsoft.com/office/drawing/2014/main" id="{6E8DA594-971F-42AC-948A-B7B00DC176A5}"/>
+                <a16:creationId xmlns:a16="http://schemas.microsoft.com/office/drawing/2014/main" xmlns="" id="{6E8DA594-971F-42AC-948A-B7B00DC176A5}"/>
               </a:ext>
             </a:extLst>
           </p:cNvPr>
@@ -9066,7 +12961,7 @@
           <p:cNvPr id="6" name="Oval 5">
             <a:extLst>
               <a:ext uri="{FF2B5EF4-FFF2-40B4-BE49-F238E27FC236}">
-                <a16:creationId xmlns:a16="http://schemas.microsoft.com/office/drawing/2014/main" id="{61327AA0-B493-4AC0-8C24-1DFC4F4DE635}"/>
+                <a16:creationId xmlns:a16="http://schemas.microsoft.com/office/drawing/2014/main" xmlns="" id="{61327AA0-B493-4AC0-8C24-1DFC4F4DE635}"/>
               </a:ext>
             </a:extLst>
           </p:cNvPr>
@@ -9112,7 +13007,7 @@
           <p:cNvPr id="7" name="TextBox 6">
             <a:extLst>
               <a:ext uri="{FF2B5EF4-FFF2-40B4-BE49-F238E27FC236}">
-                <a16:creationId xmlns:a16="http://schemas.microsoft.com/office/drawing/2014/main" id="{959968FD-1B24-4D75-B415-705F44E33BFC}"/>
+                <a16:creationId xmlns:a16="http://schemas.microsoft.com/office/drawing/2014/main" xmlns="" id="{959968FD-1B24-4D75-B415-705F44E33BFC}"/>
               </a:ext>
             </a:extLst>
           </p:cNvPr>
@@ -9151,7 +13046,7 @@
           <p:cNvPr id="8" name="Oval 7">
             <a:extLst>
               <a:ext uri="{FF2B5EF4-FFF2-40B4-BE49-F238E27FC236}">
-                <a16:creationId xmlns:a16="http://schemas.microsoft.com/office/drawing/2014/main" id="{A4029011-B451-494E-9036-C01BD2516A57}"/>
+                <a16:creationId xmlns:a16="http://schemas.microsoft.com/office/drawing/2014/main" xmlns="" id="{A4029011-B451-494E-9036-C01BD2516A57}"/>
               </a:ext>
             </a:extLst>
           </p:cNvPr>
@@ -9197,7 +13092,7 @@
           <p:cNvPr id="9" name="TextBox 8">
             <a:extLst>
               <a:ext uri="{FF2B5EF4-FFF2-40B4-BE49-F238E27FC236}">
-                <a16:creationId xmlns:a16="http://schemas.microsoft.com/office/drawing/2014/main" id="{1A6B25DA-9CF9-4D32-BBF1-A5F8117D146D}"/>
+                <a16:creationId xmlns:a16="http://schemas.microsoft.com/office/drawing/2014/main" xmlns="" id="{1A6B25DA-9CF9-4D32-BBF1-A5F8117D146D}"/>
               </a:ext>
             </a:extLst>
           </p:cNvPr>
@@ -9236,7 +13131,7 @@
           <p:cNvPr id="10" name="Oval 9">
             <a:extLst>
               <a:ext uri="{FF2B5EF4-FFF2-40B4-BE49-F238E27FC236}">
-                <a16:creationId xmlns:a16="http://schemas.microsoft.com/office/drawing/2014/main" id="{8952D28E-4F96-4233-A195-77A348121560}"/>
+                <a16:creationId xmlns:a16="http://schemas.microsoft.com/office/drawing/2014/main" xmlns="" id="{8952D28E-4F96-4233-A195-77A348121560}"/>
               </a:ext>
             </a:extLst>
           </p:cNvPr>
@@ -9282,7 +13177,7 @@
           <p:cNvPr id="11" name="TextBox 10">
             <a:extLst>
               <a:ext uri="{FF2B5EF4-FFF2-40B4-BE49-F238E27FC236}">
-                <a16:creationId xmlns:a16="http://schemas.microsoft.com/office/drawing/2014/main" id="{A5062CF8-1657-4664-B45F-6046651F7602}"/>
+                <a16:creationId xmlns:a16="http://schemas.microsoft.com/office/drawing/2014/main" xmlns="" id="{A5062CF8-1657-4664-B45F-6046651F7602}"/>
               </a:ext>
             </a:extLst>
           </p:cNvPr>
@@ -9321,7 +13216,7 @@
           <p:cNvPr id="12" name="Callout: Right Arrow 11">
             <a:extLst>
               <a:ext uri="{FF2B5EF4-FFF2-40B4-BE49-F238E27FC236}">
-                <a16:creationId xmlns:a16="http://schemas.microsoft.com/office/drawing/2014/main" id="{57E5A69F-D499-4BD2-85A2-CD0E96E982A8}"/>
+                <a16:creationId xmlns:a16="http://schemas.microsoft.com/office/drawing/2014/main" xmlns="" id="{57E5A69F-D499-4BD2-85A2-CD0E96E982A8}"/>
               </a:ext>
             </a:extLst>
           </p:cNvPr>
@@ -9378,7 +13273,7 @@
           <p:cNvPr id="3" name="Picture 2">
             <a:extLst>
               <a:ext uri="{FF2B5EF4-FFF2-40B4-BE49-F238E27FC236}">
-                <a16:creationId xmlns:a16="http://schemas.microsoft.com/office/drawing/2014/main" id="{44DDF871-B6F6-40DB-83A5-BA48239ECD13}"/>
+                <a16:creationId xmlns:a16="http://schemas.microsoft.com/office/drawing/2014/main" xmlns="" id="{44DDF871-B6F6-40DB-83A5-BA48239ECD13}"/>
               </a:ext>
             </a:extLst>
           </p:cNvPr>
@@ -9422,7 +13317,7 @@
 </p:sld>
 </file>
 
-<file path=ppt/slides/slide6.xml><?xml version="1.0" encoding="utf-8"?>
+<file path=ppt/slides/slide7.xml><?xml version="1.0" encoding="utf-8"?>
 <p:sld xmlns:a="http://schemas.openxmlformats.org/drawingml/2006/main" xmlns:r="http://schemas.openxmlformats.org/officeDocument/2006/relationships" xmlns:p="http://schemas.openxmlformats.org/presentationml/2006/main">
   <p:cSld>
     <p:spTree>
@@ -9444,7 +13339,7 @@
           <p:cNvPr id="4" name="Oval 3">
             <a:extLst>
               <a:ext uri="{FF2B5EF4-FFF2-40B4-BE49-F238E27FC236}">
-                <a16:creationId xmlns:a16="http://schemas.microsoft.com/office/drawing/2014/main" id="{AAB4F9B7-2FF0-4AE0-8D97-C5FF2E0A67C2}"/>
+                <a16:creationId xmlns:a16="http://schemas.microsoft.com/office/drawing/2014/main" xmlns="" id="{AAB4F9B7-2FF0-4AE0-8D97-C5FF2E0A67C2}"/>
               </a:ext>
             </a:extLst>
           </p:cNvPr>
@@ -9490,7 +13385,7 @@
           <p:cNvPr id="5" name="TextBox 4">
             <a:extLst>
               <a:ext uri="{FF2B5EF4-FFF2-40B4-BE49-F238E27FC236}">
-                <a16:creationId xmlns:a16="http://schemas.microsoft.com/office/drawing/2014/main" id="{6E8DA594-971F-42AC-948A-B7B00DC176A5}"/>
+                <a16:creationId xmlns:a16="http://schemas.microsoft.com/office/drawing/2014/main" xmlns="" id="{6E8DA594-971F-42AC-948A-B7B00DC176A5}"/>
               </a:ext>
             </a:extLst>
           </p:cNvPr>
@@ -9529,7 +13424,7 @@
           <p:cNvPr id="6" name="Oval 5">
             <a:extLst>
               <a:ext uri="{FF2B5EF4-FFF2-40B4-BE49-F238E27FC236}">
-                <a16:creationId xmlns:a16="http://schemas.microsoft.com/office/drawing/2014/main" id="{61327AA0-B493-4AC0-8C24-1DFC4F4DE635}"/>
+                <a16:creationId xmlns:a16="http://schemas.microsoft.com/office/drawing/2014/main" xmlns="" id="{61327AA0-B493-4AC0-8C24-1DFC4F4DE635}"/>
               </a:ext>
             </a:extLst>
           </p:cNvPr>
@@ -9575,7 +13470,7 @@
           <p:cNvPr id="7" name="TextBox 6">
             <a:extLst>
               <a:ext uri="{FF2B5EF4-FFF2-40B4-BE49-F238E27FC236}">
-                <a16:creationId xmlns:a16="http://schemas.microsoft.com/office/drawing/2014/main" id="{959968FD-1B24-4D75-B415-705F44E33BFC}"/>
+                <a16:creationId xmlns:a16="http://schemas.microsoft.com/office/drawing/2014/main" xmlns="" id="{959968FD-1B24-4D75-B415-705F44E33BFC}"/>
               </a:ext>
             </a:extLst>
           </p:cNvPr>
@@ -9614,7 +13509,7 @@
           <p:cNvPr id="8" name="Oval 7">
             <a:extLst>
               <a:ext uri="{FF2B5EF4-FFF2-40B4-BE49-F238E27FC236}">
-                <a16:creationId xmlns:a16="http://schemas.microsoft.com/office/drawing/2014/main" id="{A4029011-B451-494E-9036-C01BD2516A57}"/>
+                <a16:creationId xmlns:a16="http://schemas.microsoft.com/office/drawing/2014/main" xmlns="" id="{A4029011-B451-494E-9036-C01BD2516A57}"/>
               </a:ext>
             </a:extLst>
           </p:cNvPr>
@@ -9660,7 +13555,7 @@
           <p:cNvPr id="9" name="TextBox 8">
             <a:extLst>
               <a:ext uri="{FF2B5EF4-FFF2-40B4-BE49-F238E27FC236}">
-                <a16:creationId xmlns:a16="http://schemas.microsoft.com/office/drawing/2014/main" id="{1A6B25DA-9CF9-4D32-BBF1-A5F8117D146D}"/>
+                <a16:creationId xmlns:a16="http://schemas.microsoft.com/office/drawing/2014/main" xmlns="" id="{1A6B25DA-9CF9-4D32-BBF1-A5F8117D146D}"/>
               </a:ext>
             </a:extLst>
           </p:cNvPr>
@@ -9699,7 +13594,7 @@
           <p:cNvPr id="10" name="Oval 9">
             <a:extLst>
               <a:ext uri="{FF2B5EF4-FFF2-40B4-BE49-F238E27FC236}">
-                <a16:creationId xmlns:a16="http://schemas.microsoft.com/office/drawing/2014/main" id="{8952D28E-4F96-4233-A195-77A348121560}"/>
+                <a16:creationId xmlns:a16="http://schemas.microsoft.com/office/drawing/2014/main" xmlns="" id="{8952D28E-4F96-4233-A195-77A348121560}"/>
               </a:ext>
             </a:extLst>
           </p:cNvPr>
@@ -9745,7 +13640,7 @@
           <p:cNvPr id="11" name="TextBox 10">
             <a:extLst>
               <a:ext uri="{FF2B5EF4-FFF2-40B4-BE49-F238E27FC236}">
-                <a16:creationId xmlns:a16="http://schemas.microsoft.com/office/drawing/2014/main" id="{A5062CF8-1657-4664-B45F-6046651F7602}"/>
+                <a16:creationId xmlns:a16="http://schemas.microsoft.com/office/drawing/2014/main" xmlns="" id="{A5062CF8-1657-4664-B45F-6046651F7602}"/>
               </a:ext>
             </a:extLst>
           </p:cNvPr>
@@ -9784,7 +13679,7 @@
           <p:cNvPr id="12" name="Callout: Right Arrow 11">
             <a:extLst>
               <a:ext uri="{FF2B5EF4-FFF2-40B4-BE49-F238E27FC236}">
-                <a16:creationId xmlns:a16="http://schemas.microsoft.com/office/drawing/2014/main" id="{57E5A69F-D499-4BD2-85A2-CD0E96E982A8}"/>
+                <a16:creationId xmlns:a16="http://schemas.microsoft.com/office/drawing/2014/main" xmlns="" id="{57E5A69F-D499-4BD2-85A2-CD0E96E982A8}"/>
               </a:ext>
             </a:extLst>
           </p:cNvPr>
@@ -9841,7 +13736,7 @@
           <p:cNvPr id="13" name="Picture 12">
             <a:extLst>
               <a:ext uri="{FF2B5EF4-FFF2-40B4-BE49-F238E27FC236}">
-                <a16:creationId xmlns:a16="http://schemas.microsoft.com/office/drawing/2014/main" id="{C5F1368A-E3E2-4819-8B06-F6A2FF705856}"/>
+                <a16:creationId xmlns:a16="http://schemas.microsoft.com/office/drawing/2014/main" xmlns="" id="{C5F1368A-E3E2-4819-8B06-F6A2FF705856}"/>
               </a:ext>
             </a:extLst>
           </p:cNvPr>
@@ -9885,7 +13780,7 @@
 </p:sld>
 </file>
 
-<file path=ppt/slides/slide7.xml><?xml version="1.0" encoding="utf-8"?>
+<file path=ppt/slides/slide8.xml><?xml version="1.0" encoding="utf-8"?>
 <p:sld xmlns:a="http://schemas.openxmlformats.org/drawingml/2006/main" xmlns:r="http://schemas.openxmlformats.org/officeDocument/2006/relationships" xmlns:p="http://schemas.openxmlformats.org/presentationml/2006/main">
   <p:cSld>
     <p:spTree>
@@ -9907,7 +13802,7 @@
           <p:cNvPr id="4" name="Oval 3">
             <a:extLst>
               <a:ext uri="{FF2B5EF4-FFF2-40B4-BE49-F238E27FC236}">
-                <a16:creationId xmlns:a16="http://schemas.microsoft.com/office/drawing/2014/main" id="{AAB4F9B7-2FF0-4AE0-8D97-C5FF2E0A67C2}"/>
+                <a16:creationId xmlns:a16="http://schemas.microsoft.com/office/drawing/2014/main" xmlns="" id="{AAB4F9B7-2FF0-4AE0-8D97-C5FF2E0A67C2}"/>
               </a:ext>
             </a:extLst>
           </p:cNvPr>
@@ -9953,7 +13848,7 @@
           <p:cNvPr id="5" name="TextBox 4">
             <a:extLst>
               <a:ext uri="{FF2B5EF4-FFF2-40B4-BE49-F238E27FC236}">
-                <a16:creationId xmlns:a16="http://schemas.microsoft.com/office/drawing/2014/main" id="{6E8DA594-971F-42AC-948A-B7B00DC176A5}"/>
+                <a16:creationId xmlns:a16="http://schemas.microsoft.com/office/drawing/2014/main" xmlns="" id="{6E8DA594-971F-42AC-948A-B7B00DC176A5}"/>
               </a:ext>
             </a:extLst>
           </p:cNvPr>
@@ -9992,7 +13887,7 @@
           <p:cNvPr id="6" name="Oval 5">
             <a:extLst>
               <a:ext uri="{FF2B5EF4-FFF2-40B4-BE49-F238E27FC236}">
-                <a16:creationId xmlns:a16="http://schemas.microsoft.com/office/drawing/2014/main" id="{61327AA0-B493-4AC0-8C24-1DFC4F4DE635}"/>
+                <a16:creationId xmlns:a16="http://schemas.microsoft.com/office/drawing/2014/main" xmlns="" id="{61327AA0-B493-4AC0-8C24-1DFC4F4DE635}"/>
               </a:ext>
             </a:extLst>
           </p:cNvPr>
@@ -10038,7 +13933,7 @@
           <p:cNvPr id="7" name="TextBox 6">
             <a:extLst>
               <a:ext uri="{FF2B5EF4-FFF2-40B4-BE49-F238E27FC236}">
-                <a16:creationId xmlns:a16="http://schemas.microsoft.com/office/drawing/2014/main" id="{959968FD-1B24-4D75-B415-705F44E33BFC}"/>
+                <a16:creationId xmlns:a16="http://schemas.microsoft.com/office/drawing/2014/main" xmlns="" id="{959968FD-1B24-4D75-B415-705F44E33BFC}"/>
               </a:ext>
             </a:extLst>
           </p:cNvPr>
@@ -10077,7 +13972,7 @@
           <p:cNvPr id="8" name="Oval 7">
             <a:extLst>
               <a:ext uri="{FF2B5EF4-FFF2-40B4-BE49-F238E27FC236}">
-                <a16:creationId xmlns:a16="http://schemas.microsoft.com/office/drawing/2014/main" id="{A4029011-B451-494E-9036-C01BD2516A57}"/>
+                <a16:creationId xmlns:a16="http://schemas.microsoft.com/office/drawing/2014/main" xmlns="" id="{A4029011-B451-494E-9036-C01BD2516A57}"/>
               </a:ext>
             </a:extLst>
           </p:cNvPr>
@@ -10123,7 +14018,7 @@
           <p:cNvPr id="9" name="TextBox 8">
             <a:extLst>
               <a:ext uri="{FF2B5EF4-FFF2-40B4-BE49-F238E27FC236}">
-                <a16:creationId xmlns:a16="http://schemas.microsoft.com/office/drawing/2014/main" id="{1A6B25DA-9CF9-4D32-BBF1-A5F8117D146D}"/>
+                <a16:creationId xmlns:a16="http://schemas.microsoft.com/office/drawing/2014/main" xmlns="" id="{1A6B25DA-9CF9-4D32-BBF1-A5F8117D146D}"/>
               </a:ext>
             </a:extLst>
           </p:cNvPr>
@@ -10162,7 +14057,7 @@
           <p:cNvPr id="10" name="Oval 9">
             <a:extLst>
               <a:ext uri="{FF2B5EF4-FFF2-40B4-BE49-F238E27FC236}">
-                <a16:creationId xmlns:a16="http://schemas.microsoft.com/office/drawing/2014/main" id="{8952D28E-4F96-4233-A195-77A348121560}"/>
+                <a16:creationId xmlns:a16="http://schemas.microsoft.com/office/drawing/2014/main" xmlns="" id="{8952D28E-4F96-4233-A195-77A348121560}"/>
               </a:ext>
             </a:extLst>
           </p:cNvPr>
@@ -10208,7 +14103,7 @@
           <p:cNvPr id="11" name="TextBox 10">
             <a:extLst>
               <a:ext uri="{FF2B5EF4-FFF2-40B4-BE49-F238E27FC236}">
-                <a16:creationId xmlns:a16="http://schemas.microsoft.com/office/drawing/2014/main" id="{A5062CF8-1657-4664-B45F-6046651F7602}"/>
+                <a16:creationId xmlns:a16="http://schemas.microsoft.com/office/drawing/2014/main" xmlns="" id="{A5062CF8-1657-4664-B45F-6046651F7602}"/>
               </a:ext>
             </a:extLst>
           </p:cNvPr>
@@ -10247,7 +14142,7 @@
           <p:cNvPr id="12" name="Callout: Right Arrow 11">
             <a:extLst>
               <a:ext uri="{FF2B5EF4-FFF2-40B4-BE49-F238E27FC236}">
-                <a16:creationId xmlns:a16="http://schemas.microsoft.com/office/drawing/2014/main" id="{57E5A69F-D499-4BD2-85A2-CD0E96E982A8}"/>
+                <a16:creationId xmlns:a16="http://schemas.microsoft.com/office/drawing/2014/main" xmlns="" id="{57E5A69F-D499-4BD2-85A2-CD0E96E982A8}"/>
               </a:ext>
             </a:extLst>
           </p:cNvPr>
@@ -10304,7 +14199,7 @@
           <p:cNvPr id="13" name="Picture 12">
             <a:extLst>
               <a:ext uri="{FF2B5EF4-FFF2-40B4-BE49-F238E27FC236}">
-                <a16:creationId xmlns:a16="http://schemas.microsoft.com/office/drawing/2014/main" id="{40721080-E67C-4E36-80AB-D53D7099C83A}"/>
+                <a16:creationId xmlns:a16="http://schemas.microsoft.com/office/drawing/2014/main" xmlns="" id="{40721080-E67C-4E36-80AB-D53D7099C83A}"/>
               </a:ext>
             </a:extLst>
           </p:cNvPr>
@@ -10348,7 +14243,7 @@
 </p:sld>
 </file>
 
-<file path=ppt/slides/slide8.xml><?xml version="1.0" encoding="utf-8"?>
+<file path=ppt/slides/slide9.xml><?xml version="1.0" encoding="utf-8"?>
 <p:sld xmlns:a="http://schemas.openxmlformats.org/drawingml/2006/main" xmlns:r="http://schemas.openxmlformats.org/officeDocument/2006/relationships" xmlns:p="http://schemas.openxmlformats.org/presentationml/2006/main">
   <p:cSld>
     <p:spTree>
@@ -10370,7 +14265,7 @@
           <p:cNvPr id="4" name="Oval 3">
             <a:extLst>
               <a:ext uri="{FF2B5EF4-FFF2-40B4-BE49-F238E27FC236}">
-                <a16:creationId xmlns:a16="http://schemas.microsoft.com/office/drawing/2014/main" id="{AAB4F9B7-2FF0-4AE0-8D97-C5FF2E0A67C2}"/>
+                <a16:creationId xmlns:a16="http://schemas.microsoft.com/office/drawing/2014/main" xmlns="" id="{AAB4F9B7-2FF0-4AE0-8D97-C5FF2E0A67C2}"/>
               </a:ext>
             </a:extLst>
           </p:cNvPr>
@@ -10416,7 +14311,7 @@
           <p:cNvPr id="5" name="TextBox 4">
             <a:extLst>
               <a:ext uri="{FF2B5EF4-FFF2-40B4-BE49-F238E27FC236}">
-                <a16:creationId xmlns:a16="http://schemas.microsoft.com/office/drawing/2014/main" id="{6E8DA594-971F-42AC-948A-B7B00DC176A5}"/>
+                <a16:creationId xmlns:a16="http://schemas.microsoft.com/office/drawing/2014/main" xmlns="" id="{6E8DA594-971F-42AC-948A-B7B00DC176A5}"/>
               </a:ext>
             </a:extLst>
           </p:cNvPr>
@@ -10455,7 +14350,7 @@
           <p:cNvPr id="6" name="Oval 5">
             <a:extLst>
               <a:ext uri="{FF2B5EF4-FFF2-40B4-BE49-F238E27FC236}">
-                <a16:creationId xmlns:a16="http://schemas.microsoft.com/office/drawing/2014/main" id="{61327AA0-B493-4AC0-8C24-1DFC4F4DE635}"/>
+                <a16:creationId xmlns:a16="http://schemas.microsoft.com/office/drawing/2014/main" xmlns="" id="{61327AA0-B493-4AC0-8C24-1DFC4F4DE635}"/>
               </a:ext>
             </a:extLst>
           </p:cNvPr>
@@ -10501,7 +14396,7 @@
           <p:cNvPr id="7" name="TextBox 6">
             <a:extLst>
               <a:ext uri="{FF2B5EF4-FFF2-40B4-BE49-F238E27FC236}">
-                <a16:creationId xmlns:a16="http://schemas.microsoft.com/office/drawing/2014/main" id="{959968FD-1B24-4D75-B415-705F44E33BFC}"/>
+                <a16:creationId xmlns:a16="http://schemas.microsoft.com/office/drawing/2014/main" xmlns="" id="{959968FD-1B24-4D75-B415-705F44E33BFC}"/>
               </a:ext>
             </a:extLst>
           </p:cNvPr>
@@ -10540,7 +14435,7 @@
           <p:cNvPr id="8" name="Oval 7">
             <a:extLst>
               <a:ext uri="{FF2B5EF4-FFF2-40B4-BE49-F238E27FC236}">
-                <a16:creationId xmlns:a16="http://schemas.microsoft.com/office/drawing/2014/main" id="{A4029011-B451-494E-9036-C01BD2516A57}"/>
+                <a16:creationId xmlns:a16="http://schemas.microsoft.com/office/drawing/2014/main" xmlns="" id="{A4029011-B451-494E-9036-C01BD2516A57}"/>
               </a:ext>
             </a:extLst>
           </p:cNvPr>
@@ -10586,7 +14481,7 @@
           <p:cNvPr id="10" name="Oval 9">
             <a:extLst>
               <a:ext uri="{FF2B5EF4-FFF2-40B4-BE49-F238E27FC236}">
-                <a16:creationId xmlns:a16="http://schemas.microsoft.com/office/drawing/2014/main" id="{8952D28E-4F96-4233-A195-77A348121560}"/>
+                <a16:creationId xmlns:a16="http://schemas.microsoft.com/office/drawing/2014/main" xmlns="" id="{8952D28E-4F96-4233-A195-77A348121560}"/>
               </a:ext>
             </a:extLst>
           </p:cNvPr>
@@ -10632,7 +14527,7 @@
           <p:cNvPr id="11" name="TextBox 10">
             <a:extLst>
               <a:ext uri="{FF2B5EF4-FFF2-40B4-BE49-F238E27FC236}">
-                <a16:creationId xmlns:a16="http://schemas.microsoft.com/office/drawing/2014/main" id="{A5062CF8-1657-4664-B45F-6046651F7602}"/>
+                <a16:creationId xmlns:a16="http://schemas.microsoft.com/office/drawing/2014/main" xmlns="" id="{A5062CF8-1657-4664-B45F-6046651F7602}"/>
               </a:ext>
             </a:extLst>
           </p:cNvPr>
@@ -10671,7 +14566,7 @@
           <p:cNvPr id="12" name="Callout: Right Arrow 11">
             <a:extLst>
               <a:ext uri="{FF2B5EF4-FFF2-40B4-BE49-F238E27FC236}">
-                <a16:creationId xmlns:a16="http://schemas.microsoft.com/office/drawing/2014/main" id="{57E5A69F-D499-4BD2-85A2-CD0E96E982A8}"/>
+                <a16:creationId xmlns:a16="http://schemas.microsoft.com/office/drawing/2014/main" xmlns="" id="{57E5A69F-D499-4BD2-85A2-CD0E96E982A8}"/>
               </a:ext>
             </a:extLst>
           </p:cNvPr>
@@ -10728,7 +14623,7 @@
           <p:cNvPr id="13" name="TextBox 12">
             <a:extLst>
               <a:ext uri="{FF2B5EF4-FFF2-40B4-BE49-F238E27FC236}">
-                <a16:creationId xmlns:a16="http://schemas.microsoft.com/office/drawing/2014/main" id="{1C356CF3-1A08-467E-AA1E-3621BF8847F2}"/>
+                <a16:creationId xmlns:a16="http://schemas.microsoft.com/office/drawing/2014/main" xmlns="" id="{1C356CF3-1A08-467E-AA1E-3621BF8847F2}"/>
               </a:ext>
             </a:extLst>
           </p:cNvPr>
@@ -10781,7 +14676,7 @@
           <p:cNvPr id="14" name="Picture 13">
             <a:extLst>
               <a:ext uri="{FF2B5EF4-FFF2-40B4-BE49-F238E27FC236}">
-                <a16:creationId xmlns:a16="http://schemas.microsoft.com/office/drawing/2014/main" id="{C4708230-AE9A-4B10-93EA-8CA783CF8410}"/>
+                <a16:creationId xmlns:a16="http://schemas.microsoft.com/office/drawing/2014/main" xmlns="" id="{C4708230-AE9A-4B10-93EA-8CA783CF8410}"/>
               </a:ext>
             </a:extLst>
           </p:cNvPr>
@@ -10816,469 +14711,6 @@
     <p:extLst>
       <p:ext uri="{BB962C8B-B14F-4D97-AF65-F5344CB8AC3E}">
         <p14:creationId xmlns:p14="http://schemas.microsoft.com/office/powerpoint/2010/main" val="3318614373"/>
-      </p:ext>
-    </p:extLst>
-  </p:cSld>
-  <p:clrMapOvr>
-    <a:masterClrMapping/>
-  </p:clrMapOvr>
-</p:sld>
-</file>
-
-<file path=ppt/slides/slide9.xml><?xml version="1.0" encoding="utf-8"?>
-<p:sld xmlns:a="http://schemas.openxmlformats.org/drawingml/2006/main" xmlns:r="http://schemas.openxmlformats.org/officeDocument/2006/relationships" xmlns:p="http://schemas.openxmlformats.org/presentationml/2006/main">
-  <p:cSld>
-    <p:spTree>
-      <p:nvGrpSpPr>
-        <p:cNvPr id="1" name=""/>
-        <p:cNvGrpSpPr/>
-        <p:nvPr/>
-      </p:nvGrpSpPr>
-      <p:grpSpPr>
-        <a:xfrm>
-          <a:off x="0" y="0"/>
-          <a:ext cx="0" cy="0"/>
-          <a:chOff x="0" y="0"/>
-          <a:chExt cx="0" cy="0"/>
-        </a:xfrm>
-      </p:grpSpPr>
-      <p:sp>
-        <p:nvSpPr>
-          <p:cNvPr id="4" name="Oval 3">
-            <a:extLst>
-              <a:ext uri="{FF2B5EF4-FFF2-40B4-BE49-F238E27FC236}">
-                <a16:creationId xmlns:a16="http://schemas.microsoft.com/office/drawing/2014/main" id="{AAB4F9B7-2FF0-4AE0-8D97-C5FF2E0A67C2}"/>
-              </a:ext>
-            </a:extLst>
-          </p:cNvPr>
-          <p:cNvSpPr/>
-          <p:nvPr/>
-        </p:nvSpPr>
-        <p:spPr>
-          <a:xfrm>
-            <a:off x="5164572" y="501771"/>
-            <a:ext cx="2001631" cy="2031191"/>
-          </a:xfrm>
-          <a:prstGeom prst="ellipse">
-            <a:avLst/>
-          </a:prstGeom>
-        </p:spPr>
-        <p:style>
-          <a:lnRef idx="2">
-            <a:schemeClr val="accent1">
-              <a:shade val="50000"/>
-            </a:schemeClr>
-          </a:lnRef>
-          <a:fillRef idx="1">
-            <a:schemeClr val="accent1"/>
-          </a:fillRef>
-          <a:effectRef idx="0">
-            <a:schemeClr val="accent1"/>
-          </a:effectRef>
-          <a:fontRef idx="minor">
-            <a:schemeClr val="lt1"/>
-          </a:fontRef>
-        </p:style>
-        <p:txBody>
-          <a:bodyPr rtlCol="0" anchor="ctr"/>
-          <a:lstStyle/>
-          <a:p>
-            <a:pPr algn="ctr"/>
-            <a:endParaRPr lang="en-US"/>
-          </a:p>
-        </p:txBody>
-      </p:sp>
-      <p:sp>
-        <p:nvSpPr>
-          <p:cNvPr id="5" name="TextBox 4">
-            <a:extLst>
-              <a:ext uri="{FF2B5EF4-FFF2-40B4-BE49-F238E27FC236}">
-                <a16:creationId xmlns:a16="http://schemas.microsoft.com/office/drawing/2014/main" id="{6E8DA594-971F-42AC-948A-B7B00DC176A5}"/>
-              </a:ext>
-            </a:extLst>
-          </p:cNvPr>
-          <p:cNvSpPr txBox="1"/>
-          <p:nvPr/>
-        </p:nvSpPr>
-        <p:spPr>
-          <a:xfrm>
-            <a:off x="5392647" y="1238339"/>
-            <a:ext cx="1820597" cy="523220"/>
-          </a:xfrm>
-          <a:prstGeom prst="rect">
-            <a:avLst/>
-          </a:prstGeom>
-          <a:noFill/>
-        </p:spPr>
-        <p:txBody>
-          <a:bodyPr wrap="square" rtlCol="0">
-            <a:spAutoFit/>
-          </a:bodyPr>
-          <a:lstStyle/>
-          <a:p>
-            <a:r>
-              <a:rPr lang="en-US" sz="2800" dirty="0">
-                <a:solidFill>
-                  <a:schemeClr val="bg1"/>
-                </a:solidFill>
-              </a:rPr>
-              <a:t>Language</a:t>
-            </a:r>
-          </a:p>
-        </p:txBody>
-      </p:sp>
-      <p:sp>
-        <p:nvSpPr>
-          <p:cNvPr id="6" name="Oval 5">
-            <a:extLst>
-              <a:ext uri="{FF2B5EF4-FFF2-40B4-BE49-F238E27FC236}">
-                <a16:creationId xmlns:a16="http://schemas.microsoft.com/office/drawing/2014/main" id="{61327AA0-B493-4AC0-8C24-1DFC4F4DE635}"/>
-              </a:ext>
-            </a:extLst>
-          </p:cNvPr>
-          <p:cNvSpPr/>
-          <p:nvPr/>
-        </p:nvSpPr>
-        <p:spPr>
-          <a:xfrm>
-            <a:off x="2537381" y="4360474"/>
-            <a:ext cx="2001631" cy="2031191"/>
-          </a:xfrm>
-          <a:prstGeom prst="ellipse">
-            <a:avLst/>
-          </a:prstGeom>
-        </p:spPr>
-        <p:style>
-          <a:lnRef idx="2">
-            <a:schemeClr val="accent1">
-              <a:shade val="50000"/>
-            </a:schemeClr>
-          </a:lnRef>
-          <a:fillRef idx="1">
-            <a:schemeClr val="accent1"/>
-          </a:fillRef>
-          <a:effectRef idx="0">
-            <a:schemeClr val="accent1"/>
-          </a:effectRef>
-          <a:fontRef idx="minor">
-            <a:schemeClr val="lt1"/>
-          </a:fontRef>
-        </p:style>
-        <p:txBody>
-          <a:bodyPr rtlCol="0" anchor="ctr"/>
-          <a:lstStyle/>
-          <a:p>
-            <a:pPr algn="ctr"/>
-            <a:endParaRPr lang="en-US"/>
-          </a:p>
-        </p:txBody>
-      </p:sp>
-      <p:sp>
-        <p:nvSpPr>
-          <p:cNvPr id="7" name="TextBox 6">
-            <a:extLst>
-              <a:ext uri="{FF2B5EF4-FFF2-40B4-BE49-F238E27FC236}">
-                <a16:creationId xmlns:a16="http://schemas.microsoft.com/office/drawing/2014/main" id="{959968FD-1B24-4D75-B415-705F44E33BFC}"/>
-              </a:ext>
-            </a:extLst>
-          </p:cNvPr>
-          <p:cNvSpPr txBox="1"/>
-          <p:nvPr/>
-        </p:nvSpPr>
-        <p:spPr>
-          <a:xfrm>
-            <a:off x="2779488" y="5114459"/>
-            <a:ext cx="1934969" cy="523220"/>
-          </a:xfrm>
-          <a:prstGeom prst="rect">
-            <a:avLst/>
-          </a:prstGeom>
-          <a:noFill/>
-        </p:spPr>
-        <p:txBody>
-          <a:bodyPr wrap="square" rtlCol="0">
-            <a:spAutoFit/>
-          </a:bodyPr>
-          <a:lstStyle/>
-          <a:p>
-            <a:r>
-              <a:rPr lang="en-US" sz="2800" dirty="0">
-                <a:solidFill>
-                  <a:schemeClr val="bg1"/>
-                </a:solidFill>
-              </a:rPr>
-              <a:t>Mandarin</a:t>
-            </a:r>
-          </a:p>
-        </p:txBody>
-      </p:sp>
-      <p:sp>
-        <p:nvSpPr>
-          <p:cNvPr id="8" name="Oval 7">
-            <a:extLst>
-              <a:ext uri="{FF2B5EF4-FFF2-40B4-BE49-F238E27FC236}">
-                <a16:creationId xmlns:a16="http://schemas.microsoft.com/office/drawing/2014/main" id="{A4029011-B451-494E-9036-C01BD2516A57}"/>
-              </a:ext>
-            </a:extLst>
-          </p:cNvPr>
-          <p:cNvSpPr/>
-          <p:nvPr/>
-        </p:nvSpPr>
-        <p:spPr>
-          <a:xfrm>
-            <a:off x="5148768" y="4360474"/>
-            <a:ext cx="2001631" cy="2031191"/>
-          </a:xfrm>
-          <a:prstGeom prst="ellipse">
-            <a:avLst/>
-          </a:prstGeom>
-        </p:spPr>
-        <p:style>
-          <a:lnRef idx="2">
-            <a:schemeClr val="accent1">
-              <a:shade val="50000"/>
-            </a:schemeClr>
-          </a:lnRef>
-          <a:fillRef idx="1">
-            <a:schemeClr val="accent1"/>
-          </a:fillRef>
-          <a:effectRef idx="0">
-            <a:schemeClr val="accent1"/>
-          </a:effectRef>
-          <a:fontRef idx="minor">
-            <a:schemeClr val="lt1"/>
-          </a:fontRef>
-        </p:style>
-        <p:txBody>
-          <a:bodyPr rtlCol="0" anchor="ctr"/>
-          <a:lstStyle/>
-          <a:p>
-            <a:pPr algn="ctr"/>
-            <a:endParaRPr lang="en-US"/>
-          </a:p>
-        </p:txBody>
-      </p:sp>
-      <p:sp>
-        <p:nvSpPr>
-          <p:cNvPr id="10" name="Oval 9">
-            <a:extLst>
-              <a:ext uri="{FF2B5EF4-FFF2-40B4-BE49-F238E27FC236}">
-                <a16:creationId xmlns:a16="http://schemas.microsoft.com/office/drawing/2014/main" id="{8952D28E-4F96-4233-A195-77A348121560}"/>
-              </a:ext>
-            </a:extLst>
-          </p:cNvPr>
-          <p:cNvSpPr/>
-          <p:nvPr/>
-        </p:nvSpPr>
-        <p:spPr>
-          <a:xfrm>
-            <a:off x="7817365" y="4426462"/>
-            <a:ext cx="2001631" cy="2031191"/>
-          </a:xfrm>
-          <a:prstGeom prst="ellipse">
-            <a:avLst/>
-          </a:prstGeom>
-        </p:spPr>
-        <p:style>
-          <a:lnRef idx="2">
-            <a:schemeClr val="accent1">
-              <a:shade val="50000"/>
-            </a:schemeClr>
-          </a:lnRef>
-          <a:fillRef idx="1">
-            <a:schemeClr val="accent1"/>
-          </a:fillRef>
-          <a:effectRef idx="0">
-            <a:schemeClr val="accent1"/>
-          </a:effectRef>
-          <a:fontRef idx="minor">
-            <a:schemeClr val="lt1"/>
-          </a:fontRef>
-        </p:style>
-        <p:txBody>
-          <a:bodyPr rtlCol="0" anchor="ctr"/>
-          <a:lstStyle/>
-          <a:p>
-            <a:pPr algn="ctr"/>
-            <a:endParaRPr lang="en-US"/>
-          </a:p>
-        </p:txBody>
-      </p:sp>
-      <p:sp>
-        <p:nvSpPr>
-          <p:cNvPr id="11" name="TextBox 10">
-            <a:extLst>
-              <a:ext uri="{FF2B5EF4-FFF2-40B4-BE49-F238E27FC236}">
-                <a16:creationId xmlns:a16="http://schemas.microsoft.com/office/drawing/2014/main" id="{A5062CF8-1657-4664-B45F-6046651F7602}"/>
-              </a:ext>
-            </a:extLst>
-          </p:cNvPr>
-          <p:cNvSpPr txBox="1"/>
-          <p:nvPr/>
-        </p:nvSpPr>
-        <p:spPr>
-          <a:xfrm>
-            <a:off x="8281903" y="5114459"/>
-            <a:ext cx="2261217" cy="523220"/>
-          </a:xfrm>
-          <a:prstGeom prst="rect">
-            <a:avLst/>
-          </a:prstGeom>
-          <a:noFill/>
-        </p:spPr>
-        <p:txBody>
-          <a:bodyPr wrap="square" rtlCol="0">
-            <a:spAutoFit/>
-          </a:bodyPr>
-          <a:lstStyle/>
-          <a:p>
-            <a:r>
-              <a:rPr lang="en-US" sz="2800" dirty="0">
-                <a:solidFill>
-                  <a:schemeClr val="bg1"/>
-                </a:solidFill>
-              </a:rPr>
-              <a:t>Hindi</a:t>
-            </a:r>
-          </a:p>
-        </p:txBody>
-      </p:sp>
-      <p:sp>
-        <p:nvSpPr>
-          <p:cNvPr id="12" name="Callout: Right Arrow 11">
-            <a:extLst>
-              <a:ext uri="{FF2B5EF4-FFF2-40B4-BE49-F238E27FC236}">
-                <a16:creationId xmlns:a16="http://schemas.microsoft.com/office/drawing/2014/main" id="{57E5A69F-D499-4BD2-85A2-CD0E96E982A8}"/>
-              </a:ext>
-            </a:extLst>
-          </p:cNvPr>
-          <p:cNvSpPr/>
-          <p:nvPr/>
-        </p:nvSpPr>
-        <p:spPr>
-          <a:xfrm rot="16200000">
-            <a:off x="5558697" y="197906"/>
-            <a:ext cx="1181771" cy="6282378"/>
-          </a:xfrm>
-          <a:prstGeom prst="rightArrowCallout">
-            <a:avLst>
-              <a:gd name="adj1" fmla="val 23192"/>
-              <a:gd name="adj2" fmla="val 25000"/>
-              <a:gd name="adj3" fmla="val 17768"/>
-              <a:gd name="adj4" fmla="val 32431"/>
-            </a:avLst>
-          </a:prstGeom>
-          <a:solidFill>
-            <a:schemeClr val="accent2">
-              <a:lumMod val="60000"/>
-              <a:lumOff val="40000"/>
-            </a:schemeClr>
-          </a:solidFill>
-        </p:spPr>
-        <p:style>
-          <a:lnRef idx="2">
-            <a:schemeClr val="accent1">
-              <a:shade val="50000"/>
-            </a:schemeClr>
-          </a:lnRef>
-          <a:fillRef idx="1">
-            <a:schemeClr val="accent1"/>
-          </a:fillRef>
-          <a:effectRef idx="0">
-            <a:schemeClr val="accent1"/>
-          </a:effectRef>
-          <a:fontRef idx="minor">
-            <a:schemeClr val="lt1"/>
-          </a:fontRef>
-        </p:style>
-        <p:txBody>
-          <a:bodyPr rtlCol="0" anchor="ctr"/>
-          <a:lstStyle/>
-          <a:p>
-            <a:pPr algn="ctr"/>
-            <a:endParaRPr lang="en-US"/>
-          </a:p>
-        </p:txBody>
-      </p:sp>
-      <p:sp>
-        <p:nvSpPr>
-          <p:cNvPr id="13" name="TextBox 12">
-            <a:extLst>
-              <a:ext uri="{FF2B5EF4-FFF2-40B4-BE49-F238E27FC236}">
-                <a16:creationId xmlns:a16="http://schemas.microsoft.com/office/drawing/2014/main" id="{511839CF-C80C-445A-90F0-42E0F2B8A356}"/>
-              </a:ext>
-            </a:extLst>
-          </p:cNvPr>
-          <p:cNvSpPr txBox="1"/>
-          <p:nvPr/>
-        </p:nvSpPr>
-        <p:spPr>
-          <a:xfrm>
-            <a:off x="5438581" y="5096441"/>
-            <a:ext cx="1934969" cy="523220"/>
-          </a:xfrm>
-          <a:prstGeom prst="rect">
-            <a:avLst/>
-          </a:prstGeom>
-          <a:noFill/>
-        </p:spPr>
-        <p:txBody>
-          <a:bodyPr wrap="square" rtlCol="0">
-            <a:spAutoFit/>
-          </a:bodyPr>
-          <a:lstStyle/>
-          <a:p>
-            <a:r>
-              <a:rPr lang="en-US" sz="2800" dirty="0">
-                <a:solidFill>
-                  <a:schemeClr val="bg1"/>
-                </a:solidFill>
-              </a:rPr>
-              <a:t>Spanish</a:t>
-            </a:r>
-          </a:p>
-        </p:txBody>
-      </p:sp>
-      <p:pic>
-        <p:nvPicPr>
-          <p:cNvPr id="14" name="Picture 13">
-            <a:extLst>
-              <a:ext uri="{FF2B5EF4-FFF2-40B4-BE49-F238E27FC236}">
-                <a16:creationId xmlns:a16="http://schemas.microsoft.com/office/drawing/2014/main" id="{762EFF99-AF6A-481D-AD51-45C64FE5A806}"/>
-              </a:ext>
-            </a:extLst>
-          </p:cNvPr>
-          <p:cNvPicPr>
-            <a:picLocks noChangeAspect="1"/>
-          </p:cNvPicPr>
-          <p:nvPr/>
-        </p:nvPicPr>
-        <p:blipFill>
-          <a:blip r:embed="rId2">
-            <a:extLst>
-              <a:ext uri="{28A0092B-C50C-407E-A947-70E740481C1C}">
-                <a14:useLocalDpi xmlns:a14="http://schemas.microsoft.com/office/drawing/2010/main" val="0"/>
-              </a:ext>
-            </a:extLst>
-          </a:blip>
-          <a:stretch>
-            <a:fillRect/>
-          </a:stretch>
-        </p:blipFill>
-        <p:spPr>
-          <a:xfrm>
-            <a:off x="187456" y="303863"/>
-            <a:ext cx="1428750" cy="1428750"/>
-          </a:xfrm>
-          <a:prstGeom prst="rect">
-            <a:avLst/>
-          </a:prstGeom>
-        </p:spPr>
-      </p:pic>
-    </p:spTree>
-    <p:extLst>
-      <p:ext uri="{BB962C8B-B14F-4D97-AF65-F5344CB8AC3E}">
-        <p14:creationId xmlns:p14="http://schemas.microsoft.com/office/powerpoint/2010/main" val="2724304326"/>
       </p:ext>
     </p:extLst>
   </p:cSld>
@@ -11577,7 +15009,7 @@
   <a:extraClrSchemeLst/>
   <a:extLst>
     <a:ext uri="{05A4C25C-085E-4340-85A3-A5531E510DB2}">
-      <thm15:themeFamily xmlns:thm15="http://schemas.microsoft.com/office/thememl/2012/main" name="Office Theme" id="{62F939B6-93AF-4DB8-9C6B-D6C7DFDC589F}" vid="{4A3C46E8-61CC-4603-A589-7422A47A8E4A}"/>
+      <thm15:themeFamily xmlns:thm15="http://schemas.microsoft.com/office/thememl/2012/main" xmlns="" name="Office Theme" id="{62F939B6-93AF-4DB8-9C6B-D6C7DFDC589F}" vid="{4A3C46E8-61CC-4603-A589-7422A47A8E4A}"/>
     </a:ext>
   </a:extLst>
 </a:theme>

--- a/Vision 02-27-18/Truth & Beauty.pptx
+++ b/Vision 02-27-18/Truth & Beauty.pptx
@@ -6,8 +6,8 @@
   </p:sldMasterIdLst>
   <p:sldIdLst>
     <p:sldId id="257" r:id="rId2"/>
-    <p:sldId id="256" r:id="rId3"/>
-    <p:sldId id="266" r:id="rId4"/>
+    <p:sldId id="266" r:id="rId3"/>
+    <p:sldId id="256" r:id="rId4"/>
     <p:sldId id="265" r:id="rId5"/>
     <p:sldId id="258" r:id="rId6"/>
     <p:sldId id="259" r:id="rId7"/>
@@ -116,7 +116,18 @@
   </p:defaultTextStyle>
   <p:extLst>
     <p:ext uri="{EFAFB233-063F-42B5-8137-9DF3F51BA10A}">
-      <p15:sldGuideLst xmlns:p15="http://schemas.microsoft.com/office/powerpoint/2012/main" xmlns=""/>
+      <p15:sldGuideLst xmlns:p15="http://schemas.microsoft.com/office/powerpoint/2012/main">
+        <p15:guide id="1" orient="horz" pos="2160">
+          <p15:clr>
+            <a:srgbClr val="A4A3A4"/>
+          </p15:clr>
+        </p15:guide>
+        <p15:guide id="2" pos="3840">
+          <p15:clr>
+            <a:srgbClr val="A4A3A4"/>
+          </p15:clr>
+        </p15:guide>
+      </p15:sldGuideLst>
     </p:ext>
   </p:extLst>
 </p:presentation>
@@ -1631,18 +1642,13 @@
         <a:lstStyle/>
         <a:p>
           <a:r>
-            <a:rPr lang="en-US" sz="4000" dirty="0" smtClean="0">
+            <a:rPr lang="en-US" sz="4000" dirty="0">
               <a:solidFill>
                 <a:schemeClr val="bg1"/>
               </a:solidFill>
             </a:rPr>
             <a:t>Classroom Meetup</a:t>
           </a:r>
-          <a:endParaRPr lang="en-US" sz="4000" dirty="0">
-            <a:solidFill>
-              <a:schemeClr val="bg1"/>
-            </a:solidFill>
-          </a:endParaRPr>
         </a:p>
       </dgm:t>
     </dgm:pt>
@@ -1676,7 +1682,7 @@
         <a:lstStyle/>
         <a:p>
           <a:r>
-            <a:rPr lang="en-US" sz="4000" dirty="0" smtClean="0">
+            <a:rPr lang="en-US" sz="4000" dirty="0">
               <a:solidFill>
                 <a:schemeClr val="bg1"/>
               </a:solidFill>
@@ -1684,7 +1690,7 @@
             <a:t>Email </a:t>
           </a:r>
           <a:r>
-            <a:rPr lang="en-US" sz="4000" dirty="0" err="1" smtClean="0">
+            <a:rPr lang="en-US" sz="4000" dirty="0" err="1">
               <a:solidFill>
                 <a:schemeClr val="bg1"/>
               </a:solidFill>
@@ -1729,18 +1735,13 @@
         <a:lstStyle/>
         <a:p>
           <a:r>
-            <a:rPr lang="en-US" sz="4000" dirty="0" smtClean="0">
+            <a:rPr lang="en-US" sz="4000" dirty="0">
               <a:solidFill>
                 <a:schemeClr val="bg1"/>
               </a:solidFill>
             </a:rPr>
             <a:t>YouTube</a:t>
           </a:r>
-          <a:endParaRPr lang="en-US" sz="4000" dirty="0">
-            <a:solidFill>
-              <a:schemeClr val="bg1"/>
-            </a:solidFill>
-          </a:endParaRPr>
         </a:p>
       </dgm:t>
     </dgm:pt>
@@ -1779,13 +1780,6 @@
     <dgm:pt modelId="{291230A6-41BA-46E8-AE74-0AE8509D7D45}" type="pres">
       <dgm:prSet presAssocID="{10EDE2FF-0426-4F2F-A5D8-1E283506C9A0}" presName="circ1" presStyleLbl="vennNode1" presStyleIdx="0" presStyleCnt="3"/>
       <dgm:spPr/>
-      <dgm:t>
-        <a:bodyPr/>
-        <a:lstStyle/>
-        <a:p>
-          <a:endParaRPr lang="en-US"/>
-        </a:p>
-      </dgm:t>
     </dgm:pt>
     <dgm:pt modelId="{56ABCDAE-863A-4956-A6ED-953A0223FC6E}" type="pres">
       <dgm:prSet presAssocID="{10EDE2FF-0426-4F2F-A5D8-1E283506C9A0}" presName="circ1Tx" presStyleLbl="revTx" presStyleIdx="0" presStyleCnt="0">
@@ -1796,24 +1790,10 @@
         </dgm:presLayoutVars>
       </dgm:prSet>
       <dgm:spPr/>
-      <dgm:t>
-        <a:bodyPr/>
-        <a:lstStyle/>
-        <a:p>
-          <a:endParaRPr lang="en-US"/>
-        </a:p>
-      </dgm:t>
     </dgm:pt>
     <dgm:pt modelId="{FA11B4C0-B91D-4CFD-8E76-BA14698B5669}" type="pres">
       <dgm:prSet presAssocID="{3593E6B1-9FCF-4830-A73F-ACEEE4FE75D1}" presName="circ2" presStyleLbl="vennNode1" presStyleIdx="1" presStyleCnt="3"/>
       <dgm:spPr/>
-      <dgm:t>
-        <a:bodyPr/>
-        <a:lstStyle/>
-        <a:p>
-          <a:endParaRPr lang="en-US"/>
-        </a:p>
-      </dgm:t>
     </dgm:pt>
     <dgm:pt modelId="{4D76FCA4-7C24-4986-84AA-F9BFC4EF4B93}" type="pres">
       <dgm:prSet presAssocID="{3593E6B1-9FCF-4830-A73F-ACEEE4FE75D1}" presName="circ2Tx" presStyleLbl="revTx" presStyleIdx="0" presStyleCnt="0">
@@ -1824,24 +1804,10 @@
         </dgm:presLayoutVars>
       </dgm:prSet>
       <dgm:spPr/>
-      <dgm:t>
-        <a:bodyPr/>
-        <a:lstStyle/>
-        <a:p>
-          <a:endParaRPr lang="en-US"/>
-        </a:p>
-      </dgm:t>
     </dgm:pt>
     <dgm:pt modelId="{2902C9EC-BD0A-483C-9C48-A726CFCEA416}" type="pres">
       <dgm:prSet presAssocID="{756CE29D-3BB3-4A95-9BDD-EC729FB8FD14}" presName="circ3" presStyleLbl="vennNode1" presStyleIdx="2" presStyleCnt="3"/>
       <dgm:spPr/>
-      <dgm:t>
-        <a:bodyPr/>
-        <a:lstStyle/>
-        <a:p>
-          <a:endParaRPr lang="en-US"/>
-        </a:p>
-      </dgm:t>
     </dgm:pt>
     <dgm:pt modelId="{01AF219F-3FE3-44D5-862B-F467336039EF}" type="pres">
       <dgm:prSet presAssocID="{756CE29D-3BB3-4A95-9BDD-EC729FB8FD14}" presName="circ3Tx" presStyleLbl="revTx" presStyleIdx="0" presStyleCnt="0">
@@ -1852,26 +1818,19 @@
         </dgm:presLayoutVars>
       </dgm:prSet>
       <dgm:spPr/>
-      <dgm:t>
-        <a:bodyPr/>
-        <a:lstStyle/>
-        <a:p>
-          <a:endParaRPr lang="en-US"/>
-        </a:p>
-      </dgm:t>
     </dgm:pt>
   </dgm:ptLst>
   <dgm:cxnLst>
+    <dgm:cxn modelId="{7F57ED12-53CF-4E9A-B8D2-D478F940713F}" type="presOf" srcId="{3593E6B1-9FCF-4830-A73F-ACEEE4FE75D1}" destId="{FA11B4C0-B91D-4CFD-8E76-BA14698B5669}" srcOrd="0" destOrd="0" presId="urn:microsoft.com/office/officeart/2005/8/layout/venn1"/>
     <dgm:cxn modelId="{B6DBA52E-EBA9-48CB-9200-4581377E77CA}" type="presOf" srcId="{3593E6B1-9FCF-4830-A73F-ACEEE4FE75D1}" destId="{4D76FCA4-7C24-4986-84AA-F9BFC4EF4B93}" srcOrd="1" destOrd="0" presId="urn:microsoft.com/office/officeart/2005/8/layout/venn1"/>
-    <dgm:cxn modelId="{B34FF3D0-3262-469E-9F18-E2E087A9C9ED}" type="presOf" srcId="{D809BE7A-F9AA-48E9-919A-E9BD3FB1D3DD}" destId="{66DE18CB-007D-47E9-B2BE-4EA0221E9A69}" srcOrd="0" destOrd="0" presId="urn:microsoft.com/office/officeart/2005/8/layout/venn1"/>
-    <dgm:cxn modelId="{716F5DEE-D8A5-447F-92F7-30A7664FC1AC}" type="presOf" srcId="{756CE29D-3BB3-4A95-9BDD-EC729FB8FD14}" destId="{01AF219F-3FE3-44D5-862B-F467336039EF}" srcOrd="1" destOrd="0" presId="urn:microsoft.com/office/officeart/2005/8/layout/venn1"/>
     <dgm:cxn modelId="{B233D153-4C43-4A99-B473-9C53FAFFBD72}" type="presOf" srcId="{756CE29D-3BB3-4A95-9BDD-EC729FB8FD14}" destId="{2902C9EC-BD0A-483C-9C48-A726CFCEA416}" srcOrd="0" destOrd="0" presId="urn:microsoft.com/office/officeart/2005/8/layout/venn1"/>
-    <dgm:cxn modelId="{7F57ED12-53CF-4E9A-B8D2-D478F940713F}" type="presOf" srcId="{3593E6B1-9FCF-4830-A73F-ACEEE4FE75D1}" destId="{FA11B4C0-B91D-4CFD-8E76-BA14698B5669}" srcOrd="0" destOrd="0" presId="urn:microsoft.com/office/officeart/2005/8/layout/venn1"/>
-    <dgm:cxn modelId="{2E4098ED-A61D-4F0C-AE3F-C997808FDF9A}" srcId="{D809BE7A-F9AA-48E9-919A-E9BD3FB1D3DD}" destId="{10EDE2FF-0426-4F2F-A5D8-1E283506C9A0}" srcOrd="0" destOrd="0" parTransId="{91912E94-0FAB-433B-B9D1-2C488C96CF9F}" sibTransId="{E2687846-C2A2-4F84-9982-E5AA9F38A092}"/>
-    <dgm:cxn modelId="{478C41E6-9816-4499-8563-446148FC7976}" type="presOf" srcId="{10EDE2FF-0426-4F2F-A5D8-1E283506C9A0}" destId="{291230A6-41BA-46E8-AE74-0AE8509D7D45}" srcOrd="0" destOrd="0" presId="urn:microsoft.com/office/officeart/2005/8/layout/venn1"/>
-    <dgm:cxn modelId="{78B7A0D8-8240-44E3-A0C1-0453295FB4B7}" type="presOf" srcId="{10EDE2FF-0426-4F2F-A5D8-1E283506C9A0}" destId="{56ABCDAE-863A-4956-A6ED-953A0223FC6E}" srcOrd="1" destOrd="0" presId="urn:microsoft.com/office/officeart/2005/8/layout/venn1"/>
     <dgm:cxn modelId="{9A6A3575-73D7-494A-AD78-484D61A24037}" srcId="{D809BE7A-F9AA-48E9-919A-E9BD3FB1D3DD}" destId="{3593E6B1-9FCF-4830-A73F-ACEEE4FE75D1}" srcOrd="1" destOrd="0" parTransId="{B840921B-6761-4922-B9FC-2FADE2CE3602}" sibTransId="{01CFEC25-6C3A-427A-981C-12C2EE2A0811}"/>
     <dgm:cxn modelId="{7ED67BC6-EE1B-43AA-8CF6-B30A55C1F1F1}" srcId="{D809BE7A-F9AA-48E9-919A-E9BD3FB1D3DD}" destId="{756CE29D-3BB3-4A95-9BDD-EC729FB8FD14}" srcOrd="2" destOrd="0" parTransId="{C1037316-3B67-4BE2-A6D5-61EEECE248B1}" sibTransId="{36E2498E-C0B8-4389-9553-C77D78A85472}"/>
+    <dgm:cxn modelId="{B34FF3D0-3262-469E-9F18-E2E087A9C9ED}" type="presOf" srcId="{D809BE7A-F9AA-48E9-919A-E9BD3FB1D3DD}" destId="{66DE18CB-007D-47E9-B2BE-4EA0221E9A69}" srcOrd="0" destOrd="0" presId="urn:microsoft.com/office/officeart/2005/8/layout/venn1"/>
+    <dgm:cxn modelId="{78B7A0D8-8240-44E3-A0C1-0453295FB4B7}" type="presOf" srcId="{10EDE2FF-0426-4F2F-A5D8-1E283506C9A0}" destId="{56ABCDAE-863A-4956-A6ED-953A0223FC6E}" srcOrd="1" destOrd="0" presId="urn:microsoft.com/office/officeart/2005/8/layout/venn1"/>
+    <dgm:cxn modelId="{478C41E6-9816-4499-8563-446148FC7976}" type="presOf" srcId="{10EDE2FF-0426-4F2F-A5D8-1E283506C9A0}" destId="{291230A6-41BA-46E8-AE74-0AE8509D7D45}" srcOrd="0" destOrd="0" presId="urn:microsoft.com/office/officeart/2005/8/layout/venn1"/>
+    <dgm:cxn modelId="{2E4098ED-A61D-4F0C-AE3F-C997808FDF9A}" srcId="{D809BE7A-F9AA-48E9-919A-E9BD3FB1D3DD}" destId="{10EDE2FF-0426-4F2F-A5D8-1E283506C9A0}" srcOrd="0" destOrd="0" parTransId="{91912E94-0FAB-433B-B9D1-2C488C96CF9F}" sibTransId="{E2687846-C2A2-4F84-9982-E5AA9F38A092}"/>
+    <dgm:cxn modelId="{716F5DEE-D8A5-447F-92F7-30A7664FC1AC}" type="presOf" srcId="{756CE29D-3BB3-4A95-9BDD-EC729FB8FD14}" destId="{01AF219F-3FE3-44D5-862B-F467336039EF}" srcOrd="1" destOrd="0" presId="urn:microsoft.com/office/officeart/2005/8/layout/venn1"/>
     <dgm:cxn modelId="{8F7B1E16-88F0-4782-A81F-00D40052E396}" type="presParOf" srcId="{66DE18CB-007D-47E9-B2BE-4EA0221E9A69}" destId="{291230A6-41BA-46E8-AE74-0AE8509D7D45}" srcOrd="0" destOrd="0" presId="urn:microsoft.com/office/officeart/2005/8/layout/venn1"/>
     <dgm:cxn modelId="{CAB8EA81-1E11-4AEB-B060-CDD081EC982D}" type="presParOf" srcId="{66DE18CB-007D-47E9-B2BE-4EA0221E9A69}" destId="{56ABCDAE-863A-4956-A6ED-953A0223FC6E}" srcOrd="1" destOrd="0" presId="urn:microsoft.com/office/officeart/2005/8/layout/venn1"/>
     <dgm:cxn modelId="{AAC4D7CE-440B-4183-BD29-3D341956997C}" type="presParOf" srcId="{66DE18CB-007D-47E9-B2BE-4EA0221E9A69}" destId="{FA11B4C0-B91D-4CFD-8E76-BA14698B5669}" srcOrd="2" destOrd="0" presId="urn:microsoft.com/office/officeart/2005/8/layout/venn1"/>
@@ -2159,13 +2118,6 @@
         </dgm:presLayoutVars>
       </dgm:prSet>
       <dgm:spPr/>
-      <dgm:t>
-        <a:bodyPr/>
-        <a:lstStyle/>
-        <a:p>
-          <a:endParaRPr lang="en-US"/>
-        </a:p>
-      </dgm:t>
     </dgm:pt>
     <dgm:pt modelId="{62E1C0D3-D0B3-403F-BF92-584D10960D5B}" type="pres">
       <dgm:prSet presAssocID="{089E12B4-51E7-4530-9B85-DDE5A99D6DAB}" presName="circ2" presStyleLbl="vennNode1" presStyleIdx="1" presStyleCnt="6"/>
@@ -2180,13 +2132,6 @@
         </dgm:presLayoutVars>
       </dgm:prSet>
       <dgm:spPr/>
-      <dgm:t>
-        <a:bodyPr/>
-        <a:lstStyle/>
-        <a:p>
-          <a:endParaRPr lang="en-US"/>
-        </a:p>
-      </dgm:t>
     </dgm:pt>
     <dgm:pt modelId="{1AAC568D-D8F6-4AC0-B10D-54BE9EBE3E89}" type="pres">
       <dgm:prSet presAssocID="{CDC65F9A-B73D-4AC6-8090-6B95D98475A8}" presName="circ3" presStyleLbl="vennNode1" presStyleIdx="2" presStyleCnt="6"/>
@@ -2201,13 +2146,6 @@
         </dgm:presLayoutVars>
       </dgm:prSet>
       <dgm:spPr/>
-      <dgm:t>
-        <a:bodyPr/>
-        <a:lstStyle/>
-        <a:p>
-          <a:endParaRPr lang="en-US"/>
-        </a:p>
-      </dgm:t>
     </dgm:pt>
     <dgm:pt modelId="{71346BBF-C1E9-49B1-A7CB-5E6ACE34D15E}" type="pres">
       <dgm:prSet presAssocID="{D706A245-86CB-4708-8370-6AD6F590BD59}" presName="circ4" presStyleLbl="vennNode1" presStyleIdx="3" presStyleCnt="6"/>
@@ -2222,13 +2160,6 @@
         </dgm:presLayoutVars>
       </dgm:prSet>
       <dgm:spPr/>
-      <dgm:t>
-        <a:bodyPr/>
-        <a:lstStyle/>
-        <a:p>
-          <a:endParaRPr lang="en-US"/>
-        </a:p>
-      </dgm:t>
     </dgm:pt>
     <dgm:pt modelId="{02757E78-A087-4BCD-9DDA-6E080D512234}" type="pres">
       <dgm:prSet presAssocID="{3170B727-E72A-49B7-9114-ABD250BF24D4}" presName="circ5" presStyleLbl="vennNode1" presStyleIdx="4" presStyleCnt="6"/>
@@ -2243,13 +2174,6 @@
         </dgm:presLayoutVars>
       </dgm:prSet>
       <dgm:spPr/>
-      <dgm:t>
-        <a:bodyPr/>
-        <a:lstStyle/>
-        <a:p>
-          <a:endParaRPr lang="en-US"/>
-        </a:p>
-      </dgm:t>
     </dgm:pt>
     <dgm:pt modelId="{739A2C4E-56E5-4D42-93DC-85FEEB0D980B}" type="pres">
       <dgm:prSet presAssocID="{CB00BECD-C643-495A-BDBA-8C2C0EA6BADC}" presName="circ6" presStyleLbl="vennNode1" presStyleIdx="5" presStyleCnt="6"/>
@@ -2264,29 +2188,22 @@
         </dgm:presLayoutVars>
       </dgm:prSet>
       <dgm:spPr/>
-      <dgm:t>
-        <a:bodyPr/>
-        <a:lstStyle/>
-        <a:p>
-          <a:endParaRPr lang="en-US"/>
-        </a:p>
-      </dgm:t>
     </dgm:pt>
   </dgm:ptLst>
   <dgm:cxnLst>
+    <dgm:cxn modelId="{265F681F-32EF-4B49-BE93-0DE52B537E02}" srcId="{D809BE7A-F9AA-48E9-919A-E9BD3FB1D3DD}" destId="{089E12B4-51E7-4530-9B85-DDE5A99D6DAB}" srcOrd="1" destOrd="0" parTransId="{2CC1EF01-4432-484C-A682-20CC8D9C6617}" sibTransId="{D972643E-FCF7-4768-9292-859C88A07579}"/>
+    <dgm:cxn modelId="{5C9ACA4E-CC38-4D02-AD64-832A721400A5}" type="presOf" srcId="{D809BE7A-F9AA-48E9-919A-E9BD3FB1D3DD}" destId="{66DE18CB-007D-47E9-B2BE-4EA0221E9A69}" srcOrd="0" destOrd="0" presId="urn:microsoft.com/office/officeart/2005/8/layout/venn1"/>
+    <dgm:cxn modelId="{0ABC8D57-353A-41A3-82BC-DB6105BF5F36}" srcId="{D809BE7A-F9AA-48E9-919A-E9BD3FB1D3DD}" destId="{CB00BECD-C643-495A-BDBA-8C2C0EA6BADC}" srcOrd="5" destOrd="0" parTransId="{638DD8E3-5B70-451F-A1F2-4CA33E5A04FD}" sibTransId="{5168F07F-1E5D-4252-8513-68A726960C15}"/>
+    <dgm:cxn modelId="{92EE3D81-5412-4E14-AE8B-FE1B2FDBB940}" type="presOf" srcId="{10EDE2FF-0426-4F2F-A5D8-1E283506C9A0}" destId="{56ABCDAE-863A-4956-A6ED-953A0223FC6E}" srcOrd="0" destOrd="0" presId="urn:microsoft.com/office/officeart/2005/8/layout/venn1"/>
+    <dgm:cxn modelId="{2D825383-C75E-4A48-98B7-9BAFE6475CEF}" type="presOf" srcId="{CB00BECD-C643-495A-BDBA-8C2C0EA6BADC}" destId="{9C8EE873-BD3F-4F6F-A7E0-19568FE70224}" srcOrd="0" destOrd="0" presId="urn:microsoft.com/office/officeart/2005/8/layout/venn1"/>
     <dgm:cxn modelId="{9D53B883-73A4-4A15-BB45-4E532EB58449}" type="presOf" srcId="{3170B727-E72A-49B7-9114-ABD250BF24D4}" destId="{37C96542-9F6E-4274-8B42-E6420CECEB59}" srcOrd="0" destOrd="0" presId="urn:microsoft.com/office/officeart/2005/8/layout/venn1"/>
     <dgm:cxn modelId="{BFDF358D-B600-4349-853F-CCCCA8B69F06}" srcId="{D809BE7A-F9AA-48E9-919A-E9BD3FB1D3DD}" destId="{3170B727-E72A-49B7-9114-ABD250BF24D4}" srcOrd="4" destOrd="0" parTransId="{D2893ACF-B8AA-4CFF-94EB-DD59A941A975}" sibTransId="{90497537-1ED3-4A14-8804-DEEFEBE48B17}"/>
+    <dgm:cxn modelId="{9BA06FBB-A046-4130-B39F-C3C99B960636}" type="presOf" srcId="{089E12B4-51E7-4530-9B85-DDE5A99D6DAB}" destId="{25064A5B-19DD-4405-90B4-F8103CD51158}" srcOrd="0" destOrd="0" presId="urn:microsoft.com/office/officeart/2005/8/layout/venn1"/>
+    <dgm:cxn modelId="{C5BE5BCD-A88D-413A-A329-101CBD35A6D6}" type="presOf" srcId="{CDC65F9A-B73D-4AC6-8090-6B95D98475A8}" destId="{1557AF40-B21A-477B-89B7-420F750C7D25}" srcOrd="0" destOrd="0" presId="urn:microsoft.com/office/officeart/2005/8/layout/venn1"/>
+    <dgm:cxn modelId="{205410DC-CBE7-42E0-99BA-95C01C42C234}" type="presOf" srcId="{D706A245-86CB-4708-8370-6AD6F590BD59}" destId="{A10EE39D-0332-4BF2-A61A-FF4819EE03ED}" srcOrd="0" destOrd="0" presId="urn:microsoft.com/office/officeart/2005/8/layout/venn1"/>
+    <dgm:cxn modelId="{7E4ED2DF-9E61-4375-B585-78F3866C9B03}" srcId="{D809BE7A-F9AA-48E9-919A-E9BD3FB1D3DD}" destId="{D706A245-86CB-4708-8370-6AD6F590BD59}" srcOrd="3" destOrd="0" parTransId="{14778FFE-619A-484C-B4BE-8579646BAF22}" sibTransId="{2BB3B027-1771-4817-B759-C26122853C4C}"/>
+    <dgm:cxn modelId="{2E4098ED-A61D-4F0C-AE3F-C997808FDF9A}" srcId="{D809BE7A-F9AA-48E9-919A-E9BD3FB1D3DD}" destId="{10EDE2FF-0426-4F2F-A5D8-1E283506C9A0}" srcOrd="0" destOrd="0" parTransId="{91912E94-0FAB-433B-B9D1-2C488C96CF9F}" sibTransId="{E2687846-C2A2-4F84-9982-E5AA9F38A092}"/>
     <dgm:cxn modelId="{D7C18BEF-94E4-4AFB-9948-75A669A09DA0}" srcId="{D809BE7A-F9AA-48E9-919A-E9BD3FB1D3DD}" destId="{CDC65F9A-B73D-4AC6-8090-6B95D98475A8}" srcOrd="2" destOrd="0" parTransId="{D2D875E4-827A-4ABF-8D18-0A7B6B78AEAD}" sibTransId="{B06EEE59-E680-435B-AFE3-E8C20690B62F}"/>
-    <dgm:cxn modelId="{0ABC8D57-353A-41A3-82BC-DB6105BF5F36}" srcId="{D809BE7A-F9AA-48E9-919A-E9BD3FB1D3DD}" destId="{CB00BECD-C643-495A-BDBA-8C2C0EA6BADC}" srcOrd="5" destOrd="0" parTransId="{638DD8E3-5B70-451F-A1F2-4CA33E5A04FD}" sibTransId="{5168F07F-1E5D-4252-8513-68A726960C15}"/>
-    <dgm:cxn modelId="{92EE3D81-5412-4E14-AE8B-FE1B2FDBB940}" type="presOf" srcId="{10EDE2FF-0426-4F2F-A5D8-1E283506C9A0}" destId="{56ABCDAE-863A-4956-A6ED-953A0223FC6E}" srcOrd="0" destOrd="0" presId="urn:microsoft.com/office/officeart/2005/8/layout/venn1"/>
-    <dgm:cxn modelId="{9BA06FBB-A046-4130-B39F-C3C99B960636}" type="presOf" srcId="{089E12B4-51E7-4530-9B85-DDE5A99D6DAB}" destId="{25064A5B-19DD-4405-90B4-F8103CD51158}" srcOrd="0" destOrd="0" presId="urn:microsoft.com/office/officeart/2005/8/layout/venn1"/>
-    <dgm:cxn modelId="{7E4ED2DF-9E61-4375-B585-78F3866C9B03}" srcId="{D809BE7A-F9AA-48E9-919A-E9BD3FB1D3DD}" destId="{D706A245-86CB-4708-8370-6AD6F590BD59}" srcOrd="3" destOrd="0" parTransId="{14778FFE-619A-484C-B4BE-8579646BAF22}" sibTransId="{2BB3B027-1771-4817-B759-C26122853C4C}"/>
-    <dgm:cxn modelId="{205410DC-CBE7-42E0-99BA-95C01C42C234}" type="presOf" srcId="{D706A245-86CB-4708-8370-6AD6F590BD59}" destId="{A10EE39D-0332-4BF2-A61A-FF4819EE03ED}" srcOrd="0" destOrd="0" presId="urn:microsoft.com/office/officeart/2005/8/layout/venn1"/>
-    <dgm:cxn modelId="{C5BE5BCD-A88D-413A-A329-101CBD35A6D6}" type="presOf" srcId="{CDC65F9A-B73D-4AC6-8090-6B95D98475A8}" destId="{1557AF40-B21A-477B-89B7-420F750C7D25}" srcOrd="0" destOrd="0" presId="urn:microsoft.com/office/officeart/2005/8/layout/venn1"/>
-    <dgm:cxn modelId="{5C9ACA4E-CC38-4D02-AD64-832A721400A5}" type="presOf" srcId="{D809BE7A-F9AA-48E9-919A-E9BD3FB1D3DD}" destId="{66DE18CB-007D-47E9-B2BE-4EA0221E9A69}" srcOrd="0" destOrd="0" presId="urn:microsoft.com/office/officeart/2005/8/layout/venn1"/>
-    <dgm:cxn modelId="{265F681F-32EF-4B49-BE93-0DE52B537E02}" srcId="{D809BE7A-F9AA-48E9-919A-E9BD3FB1D3DD}" destId="{089E12B4-51E7-4530-9B85-DDE5A99D6DAB}" srcOrd="1" destOrd="0" parTransId="{2CC1EF01-4432-484C-A682-20CC8D9C6617}" sibTransId="{D972643E-FCF7-4768-9292-859C88A07579}"/>
-    <dgm:cxn modelId="{2E4098ED-A61D-4F0C-AE3F-C997808FDF9A}" srcId="{D809BE7A-F9AA-48E9-919A-E9BD3FB1D3DD}" destId="{10EDE2FF-0426-4F2F-A5D8-1E283506C9A0}" srcOrd="0" destOrd="0" parTransId="{91912E94-0FAB-433B-B9D1-2C488C96CF9F}" sibTransId="{E2687846-C2A2-4F84-9982-E5AA9F38A092}"/>
-    <dgm:cxn modelId="{2D825383-C75E-4A48-98B7-9BAFE6475CEF}" type="presOf" srcId="{CB00BECD-C643-495A-BDBA-8C2C0EA6BADC}" destId="{9C8EE873-BD3F-4F6F-A7E0-19568FE70224}" srcOrd="0" destOrd="0" presId="urn:microsoft.com/office/officeart/2005/8/layout/venn1"/>
     <dgm:cxn modelId="{6FE49B25-28A7-4D62-9BD2-C67A52007E19}" type="presParOf" srcId="{66DE18CB-007D-47E9-B2BE-4EA0221E9A69}" destId="{291230A6-41BA-46E8-AE74-0AE8509D7D45}" srcOrd="0" destOrd="0" presId="urn:microsoft.com/office/officeart/2005/8/layout/venn1"/>
     <dgm:cxn modelId="{1B2C15AF-4473-4AFA-A9F3-7E15851D5471}" type="presParOf" srcId="{66DE18CB-007D-47E9-B2BE-4EA0221E9A69}" destId="{56ABCDAE-863A-4956-A6ED-953A0223FC6E}" srcOrd="1" destOrd="0" presId="urn:microsoft.com/office/officeart/2005/8/layout/venn1"/>
     <dgm:cxn modelId="{BC55D963-1DB3-4EBE-A9B4-E3698E789DA5}" type="presParOf" srcId="{66DE18CB-007D-47E9-B2BE-4EA0221E9A69}" destId="{62E1C0D3-D0B3-403F-BF92-584D10960D5B}" srcOrd="2" destOrd="0" presId="urn:microsoft.com/office/officeart/2005/8/layout/venn1"/>
@@ -2374,7 +2291,7 @@
         </a:bodyPr>
         <a:lstStyle/>
         <a:p>
-          <a:pPr lvl="0" algn="ctr" defTabSz="1778000">
+          <a:pPr marL="0" lvl="0" indent="0" algn="ctr" defTabSz="1778000">
             <a:lnSpc>
               <a:spcPct val="90000"/>
             </a:lnSpc>
@@ -2384,20 +2301,16 @@
             <a:spcAft>
               <a:spcPct val="35000"/>
             </a:spcAft>
+            <a:buNone/>
           </a:pPr>
           <a:r>
-            <a:rPr lang="en-US" sz="4000" kern="1200" dirty="0" smtClean="0">
+            <a:rPr lang="en-US" sz="4000" kern="1200" dirty="0">
               <a:solidFill>
                 <a:schemeClr val="bg1"/>
               </a:solidFill>
             </a:rPr>
             <a:t>Classroom Meetup</a:t>
           </a:r>
-          <a:endParaRPr lang="en-US" sz="4000" kern="1200" dirty="0">
-            <a:solidFill>
-              <a:schemeClr val="bg1"/>
-            </a:solidFill>
-          </a:endParaRPr>
         </a:p>
       </dsp:txBody>
       <dsp:txXfrm>
@@ -2461,7 +2374,7 @@
         </a:bodyPr>
         <a:lstStyle/>
         <a:p>
-          <a:pPr lvl="0" algn="ctr" defTabSz="1778000">
+          <a:pPr marL="0" lvl="0" indent="0" algn="ctr" defTabSz="1778000">
             <a:lnSpc>
               <a:spcPct val="90000"/>
             </a:lnSpc>
@@ -2471,9 +2384,10 @@
             <a:spcAft>
               <a:spcPct val="35000"/>
             </a:spcAft>
+            <a:buNone/>
           </a:pPr>
           <a:r>
-            <a:rPr lang="en-US" sz="4000" kern="1200" dirty="0" smtClean="0">
+            <a:rPr lang="en-US" sz="4000" kern="1200" dirty="0">
               <a:solidFill>
                 <a:schemeClr val="bg1"/>
               </a:solidFill>
@@ -2481,7 +2395,7 @@
             <a:t>Email </a:t>
           </a:r>
           <a:r>
-            <a:rPr lang="en-US" sz="4000" kern="1200" dirty="0" err="1" smtClean="0">
+            <a:rPr lang="en-US" sz="4000" kern="1200" dirty="0" err="1">
               <a:solidFill>
                 <a:schemeClr val="bg1"/>
               </a:solidFill>
@@ -2556,7 +2470,7 @@
         </a:bodyPr>
         <a:lstStyle/>
         <a:p>
-          <a:pPr lvl="0" algn="ctr" defTabSz="1778000">
+          <a:pPr marL="0" lvl="0" indent="0" algn="ctr" defTabSz="1778000">
             <a:lnSpc>
               <a:spcPct val="90000"/>
             </a:lnSpc>
@@ -2566,20 +2480,16 @@
             <a:spcAft>
               <a:spcPct val="35000"/>
             </a:spcAft>
+            <a:buNone/>
           </a:pPr>
           <a:r>
-            <a:rPr lang="en-US" sz="4000" kern="1200" dirty="0" smtClean="0">
+            <a:rPr lang="en-US" sz="4000" kern="1200" dirty="0">
               <a:solidFill>
                 <a:schemeClr val="bg1"/>
               </a:solidFill>
             </a:rPr>
             <a:t>YouTube</a:t>
           </a:r>
-          <a:endParaRPr lang="en-US" sz="4000" kern="1200" dirty="0">
-            <a:solidFill>
-              <a:schemeClr val="bg1"/>
-            </a:solidFill>
-          </a:endParaRPr>
         </a:p>
       </dsp:txBody>
       <dsp:txXfrm>
@@ -2688,7 +2598,7 @@
         </a:bodyPr>
         <a:lstStyle/>
         <a:p>
-          <a:pPr lvl="0" algn="ctr" defTabSz="1778000">
+          <a:pPr marL="0" lvl="0" indent="0" algn="ctr" defTabSz="1778000">
             <a:lnSpc>
               <a:spcPct val="90000"/>
             </a:lnSpc>
@@ -2698,6 +2608,7 @@
             <a:spcAft>
               <a:spcPct val="35000"/>
             </a:spcAft>
+            <a:buNone/>
           </a:pPr>
           <a:r>
             <a:rPr lang="en-US" sz="4000" kern="1200" dirty="0">
@@ -2803,7 +2714,7 @@
         </a:bodyPr>
         <a:lstStyle/>
         <a:p>
-          <a:pPr lvl="0" algn="ctr" defTabSz="1778000">
+          <a:pPr marL="0" lvl="0" indent="0" algn="ctr" defTabSz="1778000">
             <a:lnSpc>
               <a:spcPct val="90000"/>
             </a:lnSpc>
@@ -2813,6 +2724,7 @@
             <a:spcAft>
               <a:spcPct val="35000"/>
             </a:spcAft>
+            <a:buNone/>
           </a:pPr>
           <a:r>
             <a:rPr lang="en-US" sz="4000" kern="1200" dirty="0">
@@ -2918,7 +2830,7 @@
         </a:bodyPr>
         <a:lstStyle/>
         <a:p>
-          <a:pPr lvl="0" algn="ctr" defTabSz="1778000">
+          <a:pPr marL="0" lvl="0" indent="0" algn="ctr" defTabSz="1778000">
             <a:lnSpc>
               <a:spcPct val="90000"/>
             </a:lnSpc>
@@ -2928,6 +2840,7 @@
             <a:spcAft>
               <a:spcPct val="35000"/>
             </a:spcAft>
+            <a:buNone/>
           </a:pPr>
           <a:r>
             <a:rPr lang="en-US" sz="4000" kern="1200" dirty="0">
@@ -3033,7 +2946,7 @@
         </a:bodyPr>
         <a:lstStyle/>
         <a:p>
-          <a:pPr lvl="0" algn="ctr" defTabSz="1778000">
+          <a:pPr marL="0" lvl="0" indent="0" algn="ctr" defTabSz="1778000">
             <a:lnSpc>
               <a:spcPct val="90000"/>
             </a:lnSpc>
@@ -3043,6 +2956,7 @@
             <a:spcAft>
               <a:spcPct val="35000"/>
             </a:spcAft>
+            <a:buNone/>
           </a:pPr>
           <a:r>
             <a:rPr lang="en-US" sz="4000" kern="1200" dirty="0">
@@ -3148,7 +3062,7 @@
         </a:bodyPr>
         <a:lstStyle/>
         <a:p>
-          <a:pPr lvl="0" algn="ctr" defTabSz="1778000">
+          <a:pPr marL="0" lvl="0" indent="0" algn="ctr" defTabSz="1778000">
             <a:lnSpc>
               <a:spcPct val="90000"/>
             </a:lnSpc>
@@ -3158,6 +3072,7 @@
             <a:spcAft>
               <a:spcPct val="35000"/>
             </a:spcAft>
+            <a:buNone/>
           </a:pPr>
           <a:r>
             <a:rPr lang="en-US" sz="4000" kern="1200" dirty="0">
@@ -3263,7 +3178,7 @@
         </a:bodyPr>
         <a:lstStyle/>
         <a:p>
-          <a:pPr lvl="0" algn="ctr" defTabSz="1778000">
+          <a:pPr marL="0" lvl="0" indent="0" algn="ctr" defTabSz="1778000">
             <a:lnSpc>
               <a:spcPct val="90000"/>
             </a:lnSpc>
@@ -3273,6 +3188,7 @@
             <a:spcAft>
               <a:spcPct val="35000"/>
             </a:spcAft>
+            <a:buNone/>
           </a:pPr>
           <a:r>
             <a:rPr lang="en-US" sz="4000" kern="1200" dirty="0">
@@ -7133,7 +7049,7 @@
           <p:cNvPr id="2" name="Title 1">
             <a:extLst>
               <a:ext uri="{FF2B5EF4-FFF2-40B4-BE49-F238E27FC236}">
-                <a16:creationId xmlns:a16="http://schemas.microsoft.com/office/drawing/2014/main" xmlns="" id="{26BE5BE0-EE5D-4AB4-B6B7-80E93F033CE0}"/>
+                <a16:creationId xmlns:a16="http://schemas.microsoft.com/office/drawing/2014/main" id="{26BE5BE0-EE5D-4AB4-B6B7-80E93F033CE0}"/>
               </a:ext>
             </a:extLst>
           </p:cNvPr>
@@ -7170,7 +7086,7 @@
           <p:cNvPr id="3" name="Subtitle 2">
             <a:extLst>
               <a:ext uri="{FF2B5EF4-FFF2-40B4-BE49-F238E27FC236}">
-                <a16:creationId xmlns:a16="http://schemas.microsoft.com/office/drawing/2014/main" xmlns="" id="{60C251B1-46D3-494B-B062-251E7204CE5A}"/>
+                <a16:creationId xmlns:a16="http://schemas.microsoft.com/office/drawing/2014/main" id="{60C251B1-46D3-494B-B062-251E7204CE5A}"/>
               </a:ext>
             </a:extLst>
           </p:cNvPr>
@@ -7240,7 +7156,7 @@
           <p:cNvPr id="4" name="Date Placeholder 3">
             <a:extLst>
               <a:ext uri="{FF2B5EF4-FFF2-40B4-BE49-F238E27FC236}">
-                <a16:creationId xmlns:a16="http://schemas.microsoft.com/office/drawing/2014/main" xmlns="" id="{24F5C6D8-6EBB-4C26-9699-1C4EA5F8BFFA}"/>
+                <a16:creationId xmlns:a16="http://schemas.microsoft.com/office/drawing/2014/main" id="{24F5C6D8-6EBB-4C26-9699-1C4EA5F8BFFA}"/>
               </a:ext>
             </a:extLst>
           </p:cNvPr>
@@ -7269,7 +7185,7 @@
           <p:cNvPr id="5" name="Footer Placeholder 4">
             <a:extLst>
               <a:ext uri="{FF2B5EF4-FFF2-40B4-BE49-F238E27FC236}">
-                <a16:creationId xmlns:a16="http://schemas.microsoft.com/office/drawing/2014/main" xmlns="" id="{B5F356FD-45D3-4446-8357-AE2980E2F24A}"/>
+                <a16:creationId xmlns:a16="http://schemas.microsoft.com/office/drawing/2014/main" id="{B5F356FD-45D3-4446-8357-AE2980E2F24A}"/>
               </a:ext>
             </a:extLst>
           </p:cNvPr>
@@ -7294,7 +7210,7 @@
           <p:cNvPr id="6" name="Slide Number Placeholder 5">
             <a:extLst>
               <a:ext uri="{FF2B5EF4-FFF2-40B4-BE49-F238E27FC236}">
-                <a16:creationId xmlns:a16="http://schemas.microsoft.com/office/drawing/2014/main" xmlns="" id="{2A95078C-E433-4C61-B5F7-9AC8389379D1}"/>
+                <a16:creationId xmlns:a16="http://schemas.microsoft.com/office/drawing/2014/main" id="{2A95078C-E433-4C61-B5F7-9AC8389379D1}"/>
               </a:ext>
             </a:extLst>
           </p:cNvPr>
@@ -7353,7 +7269,7 @@
           <p:cNvPr id="2" name="Title 1">
             <a:extLst>
               <a:ext uri="{FF2B5EF4-FFF2-40B4-BE49-F238E27FC236}">
-                <a16:creationId xmlns:a16="http://schemas.microsoft.com/office/drawing/2014/main" xmlns="" id="{78EC53B8-F088-40DA-A707-CBC008624F57}"/>
+                <a16:creationId xmlns:a16="http://schemas.microsoft.com/office/drawing/2014/main" id="{78EC53B8-F088-40DA-A707-CBC008624F57}"/>
               </a:ext>
             </a:extLst>
           </p:cNvPr>
@@ -7381,7 +7297,7 @@
           <p:cNvPr id="3" name="Vertical Text Placeholder 2">
             <a:extLst>
               <a:ext uri="{FF2B5EF4-FFF2-40B4-BE49-F238E27FC236}">
-                <a16:creationId xmlns:a16="http://schemas.microsoft.com/office/drawing/2014/main" xmlns="" id="{9B616243-CB9D-4E32-846D-C96A846946C0}"/>
+                <a16:creationId xmlns:a16="http://schemas.microsoft.com/office/drawing/2014/main" id="{9B616243-CB9D-4E32-846D-C96A846946C0}"/>
               </a:ext>
             </a:extLst>
           </p:cNvPr>
@@ -7438,7 +7354,7 @@
           <p:cNvPr id="4" name="Date Placeholder 3">
             <a:extLst>
               <a:ext uri="{FF2B5EF4-FFF2-40B4-BE49-F238E27FC236}">
-                <a16:creationId xmlns:a16="http://schemas.microsoft.com/office/drawing/2014/main" xmlns="" id="{8F8AF133-CDE0-4375-A3C7-1161F7D1D795}"/>
+                <a16:creationId xmlns:a16="http://schemas.microsoft.com/office/drawing/2014/main" id="{8F8AF133-CDE0-4375-A3C7-1161F7D1D795}"/>
               </a:ext>
             </a:extLst>
           </p:cNvPr>
@@ -7467,7 +7383,7 @@
           <p:cNvPr id="5" name="Footer Placeholder 4">
             <a:extLst>
               <a:ext uri="{FF2B5EF4-FFF2-40B4-BE49-F238E27FC236}">
-                <a16:creationId xmlns:a16="http://schemas.microsoft.com/office/drawing/2014/main" xmlns="" id="{06A4B549-C578-4294-8953-BEDFDAFB143F}"/>
+                <a16:creationId xmlns:a16="http://schemas.microsoft.com/office/drawing/2014/main" id="{06A4B549-C578-4294-8953-BEDFDAFB143F}"/>
               </a:ext>
             </a:extLst>
           </p:cNvPr>
@@ -7492,7 +7408,7 @@
           <p:cNvPr id="6" name="Slide Number Placeholder 5">
             <a:extLst>
               <a:ext uri="{FF2B5EF4-FFF2-40B4-BE49-F238E27FC236}">
-                <a16:creationId xmlns:a16="http://schemas.microsoft.com/office/drawing/2014/main" xmlns="" id="{0E4D4664-1BB3-44DF-81C4-C7B95B4BCA71}"/>
+                <a16:creationId xmlns:a16="http://schemas.microsoft.com/office/drawing/2014/main" id="{0E4D4664-1BB3-44DF-81C4-C7B95B4BCA71}"/>
               </a:ext>
             </a:extLst>
           </p:cNvPr>
@@ -7551,7 +7467,7 @@
           <p:cNvPr id="2" name="Vertical Title 1">
             <a:extLst>
               <a:ext uri="{FF2B5EF4-FFF2-40B4-BE49-F238E27FC236}">
-                <a16:creationId xmlns:a16="http://schemas.microsoft.com/office/drawing/2014/main" xmlns="" id="{D2A71916-2C2C-4C55-9CFC-6ECC394740C4}"/>
+                <a16:creationId xmlns:a16="http://schemas.microsoft.com/office/drawing/2014/main" id="{D2A71916-2C2C-4C55-9CFC-6ECC394740C4}"/>
               </a:ext>
             </a:extLst>
           </p:cNvPr>
@@ -7584,7 +7500,7 @@
           <p:cNvPr id="3" name="Vertical Text Placeholder 2">
             <a:extLst>
               <a:ext uri="{FF2B5EF4-FFF2-40B4-BE49-F238E27FC236}">
-                <a16:creationId xmlns:a16="http://schemas.microsoft.com/office/drawing/2014/main" xmlns="" id="{FB48FC9E-D220-4E0A-816E-3E6F087C431B}"/>
+                <a16:creationId xmlns:a16="http://schemas.microsoft.com/office/drawing/2014/main" id="{FB48FC9E-D220-4E0A-816E-3E6F087C431B}"/>
               </a:ext>
             </a:extLst>
           </p:cNvPr>
@@ -7646,7 +7562,7 @@
           <p:cNvPr id="4" name="Date Placeholder 3">
             <a:extLst>
               <a:ext uri="{FF2B5EF4-FFF2-40B4-BE49-F238E27FC236}">
-                <a16:creationId xmlns:a16="http://schemas.microsoft.com/office/drawing/2014/main" xmlns="" id="{1C7E645F-6FA7-41E9-9198-F24534211D93}"/>
+                <a16:creationId xmlns:a16="http://schemas.microsoft.com/office/drawing/2014/main" id="{1C7E645F-6FA7-41E9-9198-F24534211D93}"/>
               </a:ext>
             </a:extLst>
           </p:cNvPr>
@@ -7675,7 +7591,7 @@
           <p:cNvPr id="5" name="Footer Placeholder 4">
             <a:extLst>
               <a:ext uri="{FF2B5EF4-FFF2-40B4-BE49-F238E27FC236}">
-                <a16:creationId xmlns:a16="http://schemas.microsoft.com/office/drawing/2014/main" xmlns="" id="{399EED38-BDB2-47BA-8383-CA99D77B8245}"/>
+                <a16:creationId xmlns:a16="http://schemas.microsoft.com/office/drawing/2014/main" id="{399EED38-BDB2-47BA-8383-CA99D77B8245}"/>
               </a:ext>
             </a:extLst>
           </p:cNvPr>
@@ -7700,7 +7616,7 @@
           <p:cNvPr id="6" name="Slide Number Placeholder 5">
             <a:extLst>
               <a:ext uri="{FF2B5EF4-FFF2-40B4-BE49-F238E27FC236}">
-                <a16:creationId xmlns:a16="http://schemas.microsoft.com/office/drawing/2014/main" xmlns="" id="{A9E56847-E503-4E38-A082-5C58796872E0}"/>
+                <a16:creationId xmlns:a16="http://schemas.microsoft.com/office/drawing/2014/main" id="{A9E56847-E503-4E38-A082-5C58796872E0}"/>
               </a:ext>
             </a:extLst>
           </p:cNvPr>
@@ -7759,7 +7675,7 @@
           <p:cNvPr id="2" name="Title 1">
             <a:extLst>
               <a:ext uri="{FF2B5EF4-FFF2-40B4-BE49-F238E27FC236}">
-                <a16:creationId xmlns:a16="http://schemas.microsoft.com/office/drawing/2014/main" xmlns="" id="{244D2487-51B2-4760-B976-2E8C695D9439}"/>
+                <a16:creationId xmlns:a16="http://schemas.microsoft.com/office/drawing/2014/main" id="{244D2487-51B2-4760-B976-2E8C695D9439}"/>
               </a:ext>
             </a:extLst>
           </p:cNvPr>
@@ -7787,7 +7703,7 @@
           <p:cNvPr id="3" name="Content Placeholder 2">
             <a:extLst>
               <a:ext uri="{FF2B5EF4-FFF2-40B4-BE49-F238E27FC236}">
-                <a16:creationId xmlns:a16="http://schemas.microsoft.com/office/drawing/2014/main" xmlns="" id="{80C65EED-40D8-4202-A7C0-36C7A362DA12}"/>
+                <a16:creationId xmlns:a16="http://schemas.microsoft.com/office/drawing/2014/main" id="{80C65EED-40D8-4202-A7C0-36C7A362DA12}"/>
               </a:ext>
             </a:extLst>
           </p:cNvPr>
@@ -7844,7 +7760,7 @@
           <p:cNvPr id="4" name="Date Placeholder 3">
             <a:extLst>
               <a:ext uri="{FF2B5EF4-FFF2-40B4-BE49-F238E27FC236}">
-                <a16:creationId xmlns:a16="http://schemas.microsoft.com/office/drawing/2014/main" xmlns="" id="{9DCACFE6-D77E-47DE-B8FC-93F51BC9F0E5}"/>
+                <a16:creationId xmlns:a16="http://schemas.microsoft.com/office/drawing/2014/main" id="{9DCACFE6-D77E-47DE-B8FC-93F51BC9F0E5}"/>
               </a:ext>
             </a:extLst>
           </p:cNvPr>
@@ -7873,7 +7789,7 @@
           <p:cNvPr id="5" name="Footer Placeholder 4">
             <a:extLst>
               <a:ext uri="{FF2B5EF4-FFF2-40B4-BE49-F238E27FC236}">
-                <a16:creationId xmlns:a16="http://schemas.microsoft.com/office/drawing/2014/main" xmlns="" id="{4A495444-C785-49D3-9A9A-91E3C3E4668C}"/>
+                <a16:creationId xmlns:a16="http://schemas.microsoft.com/office/drawing/2014/main" id="{4A495444-C785-49D3-9A9A-91E3C3E4668C}"/>
               </a:ext>
             </a:extLst>
           </p:cNvPr>
@@ -7898,7 +7814,7 @@
           <p:cNvPr id="6" name="Slide Number Placeholder 5">
             <a:extLst>
               <a:ext uri="{FF2B5EF4-FFF2-40B4-BE49-F238E27FC236}">
-                <a16:creationId xmlns:a16="http://schemas.microsoft.com/office/drawing/2014/main" xmlns="" id="{D80ABFBE-544A-474F-A56D-2B8FF4E8542C}"/>
+                <a16:creationId xmlns:a16="http://schemas.microsoft.com/office/drawing/2014/main" id="{D80ABFBE-544A-474F-A56D-2B8FF4E8542C}"/>
               </a:ext>
             </a:extLst>
           </p:cNvPr>
@@ -7957,7 +7873,7 @@
           <p:cNvPr id="2" name="Title 1">
             <a:extLst>
               <a:ext uri="{FF2B5EF4-FFF2-40B4-BE49-F238E27FC236}">
-                <a16:creationId xmlns:a16="http://schemas.microsoft.com/office/drawing/2014/main" xmlns="" id="{B23BC11E-6BD7-4CC6-A089-63E6A1F3B101}"/>
+                <a16:creationId xmlns:a16="http://schemas.microsoft.com/office/drawing/2014/main" id="{B23BC11E-6BD7-4CC6-A089-63E6A1F3B101}"/>
               </a:ext>
             </a:extLst>
           </p:cNvPr>
@@ -7994,7 +7910,7 @@
           <p:cNvPr id="3" name="Text Placeholder 2">
             <a:extLst>
               <a:ext uri="{FF2B5EF4-FFF2-40B4-BE49-F238E27FC236}">
-                <a16:creationId xmlns:a16="http://schemas.microsoft.com/office/drawing/2014/main" xmlns="" id="{DFE847D3-BE3A-4849-85BF-1B2BE2C82199}"/>
+                <a16:creationId xmlns:a16="http://schemas.microsoft.com/office/drawing/2014/main" id="{DFE847D3-BE3A-4849-85BF-1B2BE2C82199}"/>
               </a:ext>
             </a:extLst>
           </p:cNvPr>
@@ -8119,7 +8035,7 @@
           <p:cNvPr id="4" name="Date Placeholder 3">
             <a:extLst>
               <a:ext uri="{FF2B5EF4-FFF2-40B4-BE49-F238E27FC236}">
-                <a16:creationId xmlns:a16="http://schemas.microsoft.com/office/drawing/2014/main" xmlns="" id="{97A75AB8-A917-4C81-B88B-54939625288B}"/>
+                <a16:creationId xmlns:a16="http://schemas.microsoft.com/office/drawing/2014/main" id="{97A75AB8-A917-4C81-B88B-54939625288B}"/>
               </a:ext>
             </a:extLst>
           </p:cNvPr>
@@ -8148,7 +8064,7 @@
           <p:cNvPr id="5" name="Footer Placeholder 4">
             <a:extLst>
               <a:ext uri="{FF2B5EF4-FFF2-40B4-BE49-F238E27FC236}">
-                <a16:creationId xmlns:a16="http://schemas.microsoft.com/office/drawing/2014/main" xmlns="" id="{2020358B-CA68-4518-8F23-0E7D749CBA1D}"/>
+                <a16:creationId xmlns:a16="http://schemas.microsoft.com/office/drawing/2014/main" id="{2020358B-CA68-4518-8F23-0E7D749CBA1D}"/>
               </a:ext>
             </a:extLst>
           </p:cNvPr>
@@ -8173,7 +8089,7 @@
           <p:cNvPr id="6" name="Slide Number Placeholder 5">
             <a:extLst>
               <a:ext uri="{FF2B5EF4-FFF2-40B4-BE49-F238E27FC236}">
-                <a16:creationId xmlns:a16="http://schemas.microsoft.com/office/drawing/2014/main" xmlns="" id="{B0265622-FFFB-49CE-B1AA-761502016654}"/>
+                <a16:creationId xmlns:a16="http://schemas.microsoft.com/office/drawing/2014/main" id="{B0265622-FFFB-49CE-B1AA-761502016654}"/>
               </a:ext>
             </a:extLst>
           </p:cNvPr>
@@ -8232,7 +8148,7 @@
           <p:cNvPr id="2" name="Title 1">
             <a:extLst>
               <a:ext uri="{FF2B5EF4-FFF2-40B4-BE49-F238E27FC236}">
-                <a16:creationId xmlns:a16="http://schemas.microsoft.com/office/drawing/2014/main" xmlns="" id="{24701ABC-8CAE-400C-B3C9-24324989BD6D}"/>
+                <a16:creationId xmlns:a16="http://schemas.microsoft.com/office/drawing/2014/main" id="{24701ABC-8CAE-400C-B3C9-24324989BD6D}"/>
               </a:ext>
             </a:extLst>
           </p:cNvPr>
@@ -8260,7 +8176,7 @@
           <p:cNvPr id="3" name="Content Placeholder 2">
             <a:extLst>
               <a:ext uri="{FF2B5EF4-FFF2-40B4-BE49-F238E27FC236}">
-                <a16:creationId xmlns:a16="http://schemas.microsoft.com/office/drawing/2014/main" xmlns="" id="{B4C97843-FE5C-4195-B488-D2917229C7CF}"/>
+                <a16:creationId xmlns:a16="http://schemas.microsoft.com/office/drawing/2014/main" id="{B4C97843-FE5C-4195-B488-D2917229C7CF}"/>
               </a:ext>
             </a:extLst>
           </p:cNvPr>
@@ -8322,7 +8238,7 @@
           <p:cNvPr id="4" name="Content Placeholder 3">
             <a:extLst>
               <a:ext uri="{FF2B5EF4-FFF2-40B4-BE49-F238E27FC236}">
-                <a16:creationId xmlns:a16="http://schemas.microsoft.com/office/drawing/2014/main" xmlns="" id="{78FD6574-C3A6-44C4-8B86-73269D0129F8}"/>
+                <a16:creationId xmlns:a16="http://schemas.microsoft.com/office/drawing/2014/main" id="{78FD6574-C3A6-44C4-8B86-73269D0129F8}"/>
               </a:ext>
             </a:extLst>
           </p:cNvPr>
@@ -8384,7 +8300,7 @@
           <p:cNvPr id="5" name="Date Placeholder 4">
             <a:extLst>
               <a:ext uri="{FF2B5EF4-FFF2-40B4-BE49-F238E27FC236}">
-                <a16:creationId xmlns:a16="http://schemas.microsoft.com/office/drawing/2014/main" xmlns="" id="{E0F7DB21-D57E-48B4-B05C-E6F98C6AF818}"/>
+                <a16:creationId xmlns:a16="http://schemas.microsoft.com/office/drawing/2014/main" id="{E0F7DB21-D57E-48B4-B05C-E6F98C6AF818}"/>
               </a:ext>
             </a:extLst>
           </p:cNvPr>
@@ -8413,7 +8329,7 @@
           <p:cNvPr id="6" name="Footer Placeholder 5">
             <a:extLst>
               <a:ext uri="{FF2B5EF4-FFF2-40B4-BE49-F238E27FC236}">
-                <a16:creationId xmlns:a16="http://schemas.microsoft.com/office/drawing/2014/main" xmlns="" id="{92F37848-9B0B-43E7-9C99-B4F5D8F04A4E}"/>
+                <a16:creationId xmlns:a16="http://schemas.microsoft.com/office/drawing/2014/main" id="{92F37848-9B0B-43E7-9C99-B4F5D8F04A4E}"/>
               </a:ext>
             </a:extLst>
           </p:cNvPr>
@@ -8438,7 +8354,7 @@
           <p:cNvPr id="7" name="Slide Number Placeholder 6">
             <a:extLst>
               <a:ext uri="{FF2B5EF4-FFF2-40B4-BE49-F238E27FC236}">
-                <a16:creationId xmlns:a16="http://schemas.microsoft.com/office/drawing/2014/main" xmlns="" id="{40944D65-450E-4116-B449-A53CB94AF835}"/>
+                <a16:creationId xmlns:a16="http://schemas.microsoft.com/office/drawing/2014/main" id="{40944D65-450E-4116-B449-A53CB94AF835}"/>
               </a:ext>
             </a:extLst>
           </p:cNvPr>
@@ -8497,7 +8413,7 @@
           <p:cNvPr id="2" name="Title 1">
             <a:extLst>
               <a:ext uri="{FF2B5EF4-FFF2-40B4-BE49-F238E27FC236}">
-                <a16:creationId xmlns:a16="http://schemas.microsoft.com/office/drawing/2014/main" xmlns="" id="{0DEA9664-1A67-4AF1-994C-5C3CE7088BB2}"/>
+                <a16:creationId xmlns:a16="http://schemas.microsoft.com/office/drawing/2014/main" id="{0DEA9664-1A67-4AF1-994C-5C3CE7088BB2}"/>
               </a:ext>
             </a:extLst>
           </p:cNvPr>
@@ -8530,7 +8446,7 @@
           <p:cNvPr id="3" name="Text Placeholder 2">
             <a:extLst>
               <a:ext uri="{FF2B5EF4-FFF2-40B4-BE49-F238E27FC236}">
-                <a16:creationId xmlns:a16="http://schemas.microsoft.com/office/drawing/2014/main" xmlns="" id="{1FA6893F-EC91-4FB6-9766-2CE9B6F942BD}"/>
+                <a16:creationId xmlns:a16="http://schemas.microsoft.com/office/drawing/2014/main" id="{1FA6893F-EC91-4FB6-9766-2CE9B6F942BD}"/>
               </a:ext>
             </a:extLst>
           </p:cNvPr>
@@ -8601,7 +8517,7 @@
           <p:cNvPr id="4" name="Content Placeholder 3">
             <a:extLst>
               <a:ext uri="{FF2B5EF4-FFF2-40B4-BE49-F238E27FC236}">
-                <a16:creationId xmlns:a16="http://schemas.microsoft.com/office/drawing/2014/main" xmlns="" id="{46E29E2C-8063-482D-8D0B-7005A8324BD2}"/>
+                <a16:creationId xmlns:a16="http://schemas.microsoft.com/office/drawing/2014/main" id="{46E29E2C-8063-482D-8D0B-7005A8324BD2}"/>
               </a:ext>
             </a:extLst>
           </p:cNvPr>
@@ -8663,7 +8579,7 @@
           <p:cNvPr id="5" name="Text Placeholder 4">
             <a:extLst>
               <a:ext uri="{FF2B5EF4-FFF2-40B4-BE49-F238E27FC236}">
-                <a16:creationId xmlns:a16="http://schemas.microsoft.com/office/drawing/2014/main" xmlns="" id="{44820B36-3299-498A-8293-5F7B77F4F6FE}"/>
+                <a16:creationId xmlns:a16="http://schemas.microsoft.com/office/drawing/2014/main" id="{44820B36-3299-498A-8293-5F7B77F4F6FE}"/>
               </a:ext>
             </a:extLst>
           </p:cNvPr>
@@ -8734,7 +8650,7 @@
           <p:cNvPr id="6" name="Content Placeholder 5">
             <a:extLst>
               <a:ext uri="{FF2B5EF4-FFF2-40B4-BE49-F238E27FC236}">
-                <a16:creationId xmlns:a16="http://schemas.microsoft.com/office/drawing/2014/main" xmlns="" id="{870AD632-3DE1-47AE-896C-27219B9F7CAC}"/>
+                <a16:creationId xmlns:a16="http://schemas.microsoft.com/office/drawing/2014/main" id="{870AD632-3DE1-47AE-896C-27219B9F7CAC}"/>
               </a:ext>
             </a:extLst>
           </p:cNvPr>
@@ -8796,7 +8712,7 @@
           <p:cNvPr id="7" name="Date Placeholder 6">
             <a:extLst>
               <a:ext uri="{FF2B5EF4-FFF2-40B4-BE49-F238E27FC236}">
-                <a16:creationId xmlns:a16="http://schemas.microsoft.com/office/drawing/2014/main" xmlns="" id="{E8530A62-A44B-4D0B-A619-BDE0829CE33A}"/>
+                <a16:creationId xmlns:a16="http://schemas.microsoft.com/office/drawing/2014/main" id="{E8530A62-A44B-4D0B-A619-BDE0829CE33A}"/>
               </a:ext>
             </a:extLst>
           </p:cNvPr>
@@ -8825,7 +8741,7 @@
           <p:cNvPr id="8" name="Footer Placeholder 7">
             <a:extLst>
               <a:ext uri="{FF2B5EF4-FFF2-40B4-BE49-F238E27FC236}">
-                <a16:creationId xmlns:a16="http://schemas.microsoft.com/office/drawing/2014/main" xmlns="" id="{6B4A2C55-2828-4DF1-A996-F615A8C6BB4A}"/>
+                <a16:creationId xmlns:a16="http://schemas.microsoft.com/office/drawing/2014/main" id="{6B4A2C55-2828-4DF1-A996-F615A8C6BB4A}"/>
               </a:ext>
             </a:extLst>
           </p:cNvPr>
@@ -8850,7 +8766,7 @@
           <p:cNvPr id="9" name="Slide Number Placeholder 8">
             <a:extLst>
               <a:ext uri="{FF2B5EF4-FFF2-40B4-BE49-F238E27FC236}">
-                <a16:creationId xmlns:a16="http://schemas.microsoft.com/office/drawing/2014/main" xmlns="" id="{28B0FC43-FACE-4C1E-B8F4-A4EA647279DE}"/>
+                <a16:creationId xmlns:a16="http://schemas.microsoft.com/office/drawing/2014/main" id="{28B0FC43-FACE-4C1E-B8F4-A4EA647279DE}"/>
               </a:ext>
             </a:extLst>
           </p:cNvPr>
@@ -8909,7 +8825,7 @@
           <p:cNvPr id="2" name="Title 1">
             <a:extLst>
               <a:ext uri="{FF2B5EF4-FFF2-40B4-BE49-F238E27FC236}">
-                <a16:creationId xmlns:a16="http://schemas.microsoft.com/office/drawing/2014/main" xmlns="" id="{A9BF2D62-60C7-404C-B488-0B0D388072B8}"/>
+                <a16:creationId xmlns:a16="http://schemas.microsoft.com/office/drawing/2014/main" id="{A9BF2D62-60C7-404C-B488-0B0D388072B8}"/>
               </a:ext>
             </a:extLst>
           </p:cNvPr>
@@ -8937,7 +8853,7 @@
           <p:cNvPr id="3" name="Date Placeholder 2">
             <a:extLst>
               <a:ext uri="{FF2B5EF4-FFF2-40B4-BE49-F238E27FC236}">
-                <a16:creationId xmlns:a16="http://schemas.microsoft.com/office/drawing/2014/main" xmlns="" id="{097D1E84-0D7E-4422-8095-2759F61BB7FB}"/>
+                <a16:creationId xmlns:a16="http://schemas.microsoft.com/office/drawing/2014/main" id="{097D1E84-0D7E-4422-8095-2759F61BB7FB}"/>
               </a:ext>
             </a:extLst>
           </p:cNvPr>
@@ -8966,7 +8882,7 @@
           <p:cNvPr id="4" name="Footer Placeholder 3">
             <a:extLst>
               <a:ext uri="{FF2B5EF4-FFF2-40B4-BE49-F238E27FC236}">
-                <a16:creationId xmlns:a16="http://schemas.microsoft.com/office/drawing/2014/main" xmlns="" id="{4E62D5CF-BB99-4834-974A-7E7ED1634C4E}"/>
+                <a16:creationId xmlns:a16="http://schemas.microsoft.com/office/drawing/2014/main" id="{4E62D5CF-BB99-4834-974A-7E7ED1634C4E}"/>
               </a:ext>
             </a:extLst>
           </p:cNvPr>
@@ -8991,7 +8907,7 @@
           <p:cNvPr id="5" name="Slide Number Placeholder 4">
             <a:extLst>
               <a:ext uri="{FF2B5EF4-FFF2-40B4-BE49-F238E27FC236}">
-                <a16:creationId xmlns:a16="http://schemas.microsoft.com/office/drawing/2014/main" xmlns="" id="{035D51E6-578E-4CDB-8EBC-AC8BBFC3FD88}"/>
+                <a16:creationId xmlns:a16="http://schemas.microsoft.com/office/drawing/2014/main" id="{035D51E6-578E-4CDB-8EBC-AC8BBFC3FD88}"/>
               </a:ext>
             </a:extLst>
           </p:cNvPr>
@@ -9050,7 +8966,7 @@
           <p:cNvPr id="2" name="Date Placeholder 1">
             <a:extLst>
               <a:ext uri="{FF2B5EF4-FFF2-40B4-BE49-F238E27FC236}">
-                <a16:creationId xmlns:a16="http://schemas.microsoft.com/office/drawing/2014/main" xmlns="" id="{5C166E45-6178-4DA7-B140-F6AA11751813}"/>
+                <a16:creationId xmlns:a16="http://schemas.microsoft.com/office/drawing/2014/main" id="{5C166E45-6178-4DA7-B140-F6AA11751813}"/>
               </a:ext>
             </a:extLst>
           </p:cNvPr>
@@ -9079,7 +8995,7 @@
           <p:cNvPr id="3" name="Footer Placeholder 2">
             <a:extLst>
               <a:ext uri="{FF2B5EF4-FFF2-40B4-BE49-F238E27FC236}">
-                <a16:creationId xmlns:a16="http://schemas.microsoft.com/office/drawing/2014/main" xmlns="" id="{2C7BF34D-38DC-45BE-91C2-AA59C7912799}"/>
+                <a16:creationId xmlns:a16="http://schemas.microsoft.com/office/drawing/2014/main" id="{2C7BF34D-38DC-45BE-91C2-AA59C7912799}"/>
               </a:ext>
             </a:extLst>
           </p:cNvPr>
@@ -9104,7 +9020,7 @@
           <p:cNvPr id="4" name="Slide Number Placeholder 3">
             <a:extLst>
               <a:ext uri="{FF2B5EF4-FFF2-40B4-BE49-F238E27FC236}">
-                <a16:creationId xmlns:a16="http://schemas.microsoft.com/office/drawing/2014/main" xmlns="" id="{85DCCC92-832A-49DD-9127-80C78F8F1D56}"/>
+                <a16:creationId xmlns:a16="http://schemas.microsoft.com/office/drawing/2014/main" id="{85DCCC92-832A-49DD-9127-80C78F8F1D56}"/>
               </a:ext>
             </a:extLst>
           </p:cNvPr>
@@ -9163,7 +9079,7 @@
           <p:cNvPr id="2" name="Title 1">
             <a:extLst>
               <a:ext uri="{FF2B5EF4-FFF2-40B4-BE49-F238E27FC236}">
-                <a16:creationId xmlns:a16="http://schemas.microsoft.com/office/drawing/2014/main" xmlns="" id="{53E61277-4A23-437C-9D82-818067941F7E}"/>
+                <a16:creationId xmlns:a16="http://schemas.microsoft.com/office/drawing/2014/main" id="{53E61277-4A23-437C-9D82-818067941F7E}"/>
               </a:ext>
             </a:extLst>
           </p:cNvPr>
@@ -9200,7 +9116,7 @@
           <p:cNvPr id="3" name="Content Placeholder 2">
             <a:extLst>
               <a:ext uri="{FF2B5EF4-FFF2-40B4-BE49-F238E27FC236}">
-                <a16:creationId xmlns:a16="http://schemas.microsoft.com/office/drawing/2014/main" xmlns="" id="{3370A0FC-B18C-4C55-AB5C-582BBF06E392}"/>
+                <a16:creationId xmlns:a16="http://schemas.microsoft.com/office/drawing/2014/main" id="{3370A0FC-B18C-4C55-AB5C-582BBF06E392}"/>
               </a:ext>
             </a:extLst>
           </p:cNvPr>
@@ -9290,7 +9206,7 @@
           <p:cNvPr id="4" name="Text Placeholder 3">
             <a:extLst>
               <a:ext uri="{FF2B5EF4-FFF2-40B4-BE49-F238E27FC236}">
-                <a16:creationId xmlns:a16="http://schemas.microsoft.com/office/drawing/2014/main" xmlns="" id="{A1EFC120-41B2-4AA4-94B5-29B4BFD4C062}"/>
+                <a16:creationId xmlns:a16="http://schemas.microsoft.com/office/drawing/2014/main" id="{A1EFC120-41B2-4AA4-94B5-29B4BFD4C062}"/>
               </a:ext>
             </a:extLst>
           </p:cNvPr>
@@ -9361,7 +9277,7 @@
           <p:cNvPr id="5" name="Date Placeholder 4">
             <a:extLst>
               <a:ext uri="{FF2B5EF4-FFF2-40B4-BE49-F238E27FC236}">
-                <a16:creationId xmlns:a16="http://schemas.microsoft.com/office/drawing/2014/main" xmlns="" id="{C53E38ED-E35F-4553-873F-66D1D110DCC5}"/>
+                <a16:creationId xmlns:a16="http://schemas.microsoft.com/office/drawing/2014/main" id="{C53E38ED-E35F-4553-873F-66D1D110DCC5}"/>
               </a:ext>
             </a:extLst>
           </p:cNvPr>
@@ -9390,7 +9306,7 @@
           <p:cNvPr id="6" name="Footer Placeholder 5">
             <a:extLst>
               <a:ext uri="{FF2B5EF4-FFF2-40B4-BE49-F238E27FC236}">
-                <a16:creationId xmlns:a16="http://schemas.microsoft.com/office/drawing/2014/main" xmlns="" id="{85037CEF-ADEF-4A39-AB2D-9837FE02173F}"/>
+                <a16:creationId xmlns:a16="http://schemas.microsoft.com/office/drawing/2014/main" id="{85037CEF-ADEF-4A39-AB2D-9837FE02173F}"/>
               </a:ext>
             </a:extLst>
           </p:cNvPr>
@@ -9415,7 +9331,7 @@
           <p:cNvPr id="7" name="Slide Number Placeholder 6">
             <a:extLst>
               <a:ext uri="{FF2B5EF4-FFF2-40B4-BE49-F238E27FC236}">
-                <a16:creationId xmlns:a16="http://schemas.microsoft.com/office/drawing/2014/main" xmlns="" id="{E804A7EC-A111-4488-A499-5EBD1DC4B216}"/>
+                <a16:creationId xmlns:a16="http://schemas.microsoft.com/office/drawing/2014/main" id="{E804A7EC-A111-4488-A499-5EBD1DC4B216}"/>
               </a:ext>
             </a:extLst>
           </p:cNvPr>
@@ -9474,7 +9390,7 @@
           <p:cNvPr id="2" name="Title 1">
             <a:extLst>
               <a:ext uri="{FF2B5EF4-FFF2-40B4-BE49-F238E27FC236}">
-                <a16:creationId xmlns:a16="http://schemas.microsoft.com/office/drawing/2014/main" xmlns="" id="{FA93E2D4-DA4A-45AF-AD50-D3717A28DE8A}"/>
+                <a16:creationId xmlns:a16="http://schemas.microsoft.com/office/drawing/2014/main" id="{FA93E2D4-DA4A-45AF-AD50-D3717A28DE8A}"/>
               </a:ext>
             </a:extLst>
           </p:cNvPr>
@@ -9511,7 +9427,7 @@
           <p:cNvPr id="3" name="Picture Placeholder 2">
             <a:extLst>
               <a:ext uri="{FF2B5EF4-FFF2-40B4-BE49-F238E27FC236}">
-                <a16:creationId xmlns:a16="http://schemas.microsoft.com/office/drawing/2014/main" xmlns="" id="{4C434340-4749-40E7-ACAE-3101E894350C}"/>
+                <a16:creationId xmlns:a16="http://schemas.microsoft.com/office/drawing/2014/main" id="{4C434340-4749-40E7-ACAE-3101E894350C}"/>
               </a:ext>
             </a:extLst>
           </p:cNvPr>
@@ -9578,7 +9494,7 @@
           <p:cNvPr id="4" name="Text Placeholder 3">
             <a:extLst>
               <a:ext uri="{FF2B5EF4-FFF2-40B4-BE49-F238E27FC236}">
-                <a16:creationId xmlns:a16="http://schemas.microsoft.com/office/drawing/2014/main" xmlns="" id="{B5D9E091-BAB4-4440-9747-017F8779DB66}"/>
+                <a16:creationId xmlns:a16="http://schemas.microsoft.com/office/drawing/2014/main" id="{B5D9E091-BAB4-4440-9747-017F8779DB66}"/>
               </a:ext>
             </a:extLst>
           </p:cNvPr>
@@ -9649,7 +9565,7 @@
           <p:cNvPr id="5" name="Date Placeholder 4">
             <a:extLst>
               <a:ext uri="{FF2B5EF4-FFF2-40B4-BE49-F238E27FC236}">
-                <a16:creationId xmlns:a16="http://schemas.microsoft.com/office/drawing/2014/main" xmlns="" id="{85283B18-728B-46E5-815E-33CEA87A41C5}"/>
+                <a16:creationId xmlns:a16="http://schemas.microsoft.com/office/drawing/2014/main" id="{85283B18-728B-46E5-815E-33CEA87A41C5}"/>
               </a:ext>
             </a:extLst>
           </p:cNvPr>
@@ -9678,7 +9594,7 @@
           <p:cNvPr id="6" name="Footer Placeholder 5">
             <a:extLst>
               <a:ext uri="{FF2B5EF4-FFF2-40B4-BE49-F238E27FC236}">
-                <a16:creationId xmlns:a16="http://schemas.microsoft.com/office/drawing/2014/main" xmlns="" id="{33A086D5-417F-4D8D-A4BD-7B158877EF8C}"/>
+                <a16:creationId xmlns:a16="http://schemas.microsoft.com/office/drawing/2014/main" id="{33A086D5-417F-4D8D-A4BD-7B158877EF8C}"/>
               </a:ext>
             </a:extLst>
           </p:cNvPr>
@@ -9703,7 +9619,7 @@
           <p:cNvPr id="7" name="Slide Number Placeholder 6">
             <a:extLst>
               <a:ext uri="{FF2B5EF4-FFF2-40B4-BE49-F238E27FC236}">
-                <a16:creationId xmlns:a16="http://schemas.microsoft.com/office/drawing/2014/main" xmlns="" id="{FA1C0AF1-6F77-443F-8BF8-150467E9BBCB}"/>
+                <a16:creationId xmlns:a16="http://schemas.microsoft.com/office/drawing/2014/main" id="{FA1C0AF1-6F77-443F-8BF8-150467E9BBCB}"/>
               </a:ext>
             </a:extLst>
           </p:cNvPr>
@@ -9781,7 +9697,7 @@
           <p:cNvPr id="2" name="Title Placeholder 1">
             <a:extLst>
               <a:ext uri="{FF2B5EF4-FFF2-40B4-BE49-F238E27FC236}">
-                <a16:creationId xmlns:a16="http://schemas.microsoft.com/office/drawing/2014/main" xmlns="" id="{357C544A-D8AB-4FA3-88CF-D5739D27050D}"/>
+                <a16:creationId xmlns:a16="http://schemas.microsoft.com/office/drawing/2014/main" id="{357C544A-D8AB-4FA3-88CF-D5739D27050D}"/>
               </a:ext>
             </a:extLst>
           </p:cNvPr>
@@ -9819,7 +9735,7 @@
           <p:cNvPr id="3" name="Text Placeholder 2">
             <a:extLst>
               <a:ext uri="{FF2B5EF4-FFF2-40B4-BE49-F238E27FC236}">
-                <a16:creationId xmlns:a16="http://schemas.microsoft.com/office/drawing/2014/main" xmlns="" id="{D4567A77-B2A5-4E77-98DD-04EC1ED523FE}"/>
+                <a16:creationId xmlns:a16="http://schemas.microsoft.com/office/drawing/2014/main" id="{D4567A77-B2A5-4E77-98DD-04EC1ED523FE}"/>
               </a:ext>
             </a:extLst>
           </p:cNvPr>
@@ -9886,7 +9802,7 @@
           <p:cNvPr id="4" name="Date Placeholder 3">
             <a:extLst>
               <a:ext uri="{FF2B5EF4-FFF2-40B4-BE49-F238E27FC236}">
-                <a16:creationId xmlns:a16="http://schemas.microsoft.com/office/drawing/2014/main" xmlns="" id="{F2D71369-58E4-472A-A87E-E5B2179A8DCE}"/>
+                <a16:creationId xmlns:a16="http://schemas.microsoft.com/office/drawing/2014/main" id="{F2D71369-58E4-472A-A87E-E5B2179A8DCE}"/>
               </a:ext>
             </a:extLst>
           </p:cNvPr>
@@ -9933,7 +9849,7 @@
           <p:cNvPr id="5" name="Footer Placeholder 4">
             <a:extLst>
               <a:ext uri="{FF2B5EF4-FFF2-40B4-BE49-F238E27FC236}">
-                <a16:creationId xmlns:a16="http://schemas.microsoft.com/office/drawing/2014/main" xmlns="" id="{24D213C7-3629-4765-A71F-786A54EE982C}"/>
+                <a16:creationId xmlns:a16="http://schemas.microsoft.com/office/drawing/2014/main" id="{24D213C7-3629-4765-A71F-786A54EE982C}"/>
               </a:ext>
             </a:extLst>
           </p:cNvPr>
@@ -9976,7 +9892,7 @@
           <p:cNvPr id="6" name="Slide Number Placeholder 5">
             <a:extLst>
               <a:ext uri="{FF2B5EF4-FFF2-40B4-BE49-F238E27FC236}">
-                <a16:creationId xmlns:a16="http://schemas.microsoft.com/office/drawing/2014/main" xmlns="" id="{812FC010-5255-4121-A8D7-7457D279B252}"/>
+                <a16:creationId xmlns:a16="http://schemas.microsoft.com/office/drawing/2014/main" id="{812FC010-5255-4121-A8D7-7457D279B252}"/>
               </a:ext>
             </a:extLst>
           </p:cNvPr>
@@ -10344,7 +10260,7 @@
           <p:cNvPr id="2" name="Title 1">
             <a:extLst>
               <a:ext uri="{FF2B5EF4-FFF2-40B4-BE49-F238E27FC236}">
-                <a16:creationId xmlns:a16="http://schemas.microsoft.com/office/drawing/2014/main" xmlns="" id="{9F813E0E-9CF8-4302-96E2-24A9225877F7}"/>
+                <a16:creationId xmlns:a16="http://schemas.microsoft.com/office/drawing/2014/main" id="{9F813E0E-9CF8-4302-96E2-24A9225877F7}"/>
               </a:ext>
             </a:extLst>
           </p:cNvPr>
@@ -10402,7 +10318,7 @@
           <p:cNvPr id="10" name="Picture 9">
             <a:extLst>
               <a:ext uri="{FF2B5EF4-FFF2-40B4-BE49-F238E27FC236}">
-                <a16:creationId xmlns:a16="http://schemas.microsoft.com/office/drawing/2014/main" xmlns="" id="{47A3FEF7-A02F-43B1-840C-74442D70F041}"/>
+                <a16:creationId xmlns:a16="http://schemas.microsoft.com/office/drawing/2014/main" id="{47A3FEF7-A02F-43B1-840C-74442D70F041}"/>
               </a:ext>
             </a:extLst>
           </p:cNvPr>
@@ -10468,7 +10384,7 @@
           <p:cNvPr id="4" name="Oval 3">
             <a:extLst>
               <a:ext uri="{FF2B5EF4-FFF2-40B4-BE49-F238E27FC236}">
-                <a16:creationId xmlns:a16="http://schemas.microsoft.com/office/drawing/2014/main" xmlns="" id="{AAB4F9B7-2FF0-4AE0-8D97-C5FF2E0A67C2}"/>
+                <a16:creationId xmlns:a16="http://schemas.microsoft.com/office/drawing/2014/main" id="{AAB4F9B7-2FF0-4AE0-8D97-C5FF2E0A67C2}"/>
               </a:ext>
             </a:extLst>
           </p:cNvPr>
@@ -10514,7 +10430,7 @@
           <p:cNvPr id="5" name="TextBox 4">
             <a:extLst>
               <a:ext uri="{FF2B5EF4-FFF2-40B4-BE49-F238E27FC236}">
-                <a16:creationId xmlns:a16="http://schemas.microsoft.com/office/drawing/2014/main" xmlns="" id="{6E8DA594-971F-42AC-948A-B7B00DC176A5}"/>
+                <a16:creationId xmlns:a16="http://schemas.microsoft.com/office/drawing/2014/main" id="{6E8DA594-971F-42AC-948A-B7B00DC176A5}"/>
               </a:ext>
             </a:extLst>
           </p:cNvPr>
@@ -10553,7 +10469,7 @@
           <p:cNvPr id="6" name="Oval 5">
             <a:extLst>
               <a:ext uri="{FF2B5EF4-FFF2-40B4-BE49-F238E27FC236}">
-                <a16:creationId xmlns:a16="http://schemas.microsoft.com/office/drawing/2014/main" xmlns="" id="{61327AA0-B493-4AC0-8C24-1DFC4F4DE635}"/>
+                <a16:creationId xmlns:a16="http://schemas.microsoft.com/office/drawing/2014/main" id="{61327AA0-B493-4AC0-8C24-1DFC4F4DE635}"/>
               </a:ext>
             </a:extLst>
           </p:cNvPr>
@@ -10599,7 +10515,7 @@
           <p:cNvPr id="7" name="TextBox 6">
             <a:extLst>
               <a:ext uri="{FF2B5EF4-FFF2-40B4-BE49-F238E27FC236}">
-                <a16:creationId xmlns:a16="http://schemas.microsoft.com/office/drawing/2014/main" xmlns="" id="{959968FD-1B24-4D75-B415-705F44E33BFC}"/>
+                <a16:creationId xmlns:a16="http://schemas.microsoft.com/office/drawing/2014/main" id="{959968FD-1B24-4D75-B415-705F44E33BFC}"/>
               </a:ext>
             </a:extLst>
           </p:cNvPr>
@@ -10638,7 +10554,7 @@
           <p:cNvPr id="8" name="Oval 7">
             <a:extLst>
               <a:ext uri="{FF2B5EF4-FFF2-40B4-BE49-F238E27FC236}">
-                <a16:creationId xmlns:a16="http://schemas.microsoft.com/office/drawing/2014/main" xmlns="" id="{A4029011-B451-494E-9036-C01BD2516A57}"/>
+                <a16:creationId xmlns:a16="http://schemas.microsoft.com/office/drawing/2014/main" id="{A4029011-B451-494E-9036-C01BD2516A57}"/>
               </a:ext>
             </a:extLst>
           </p:cNvPr>
@@ -10684,7 +10600,7 @@
           <p:cNvPr id="10" name="Oval 9">
             <a:extLst>
               <a:ext uri="{FF2B5EF4-FFF2-40B4-BE49-F238E27FC236}">
-                <a16:creationId xmlns:a16="http://schemas.microsoft.com/office/drawing/2014/main" xmlns="" id="{8952D28E-4F96-4233-A195-77A348121560}"/>
+                <a16:creationId xmlns:a16="http://schemas.microsoft.com/office/drawing/2014/main" id="{8952D28E-4F96-4233-A195-77A348121560}"/>
               </a:ext>
             </a:extLst>
           </p:cNvPr>
@@ -10730,7 +10646,7 @@
           <p:cNvPr id="11" name="TextBox 10">
             <a:extLst>
               <a:ext uri="{FF2B5EF4-FFF2-40B4-BE49-F238E27FC236}">
-                <a16:creationId xmlns:a16="http://schemas.microsoft.com/office/drawing/2014/main" xmlns="" id="{A5062CF8-1657-4664-B45F-6046651F7602}"/>
+                <a16:creationId xmlns:a16="http://schemas.microsoft.com/office/drawing/2014/main" id="{A5062CF8-1657-4664-B45F-6046651F7602}"/>
               </a:ext>
             </a:extLst>
           </p:cNvPr>
@@ -10769,7 +10685,7 @@
           <p:cNvPr id="12" name="Callout: Right Arrow 11">
             <a:extLst>
               <a:ext uri="{FF2B5EF4-FFF2-40B4-BE49-F238E27FC236}">
-                <a16:creationId xmlns:a16="http://schemas.microsoft.com/office/drawing/2014/main" xmlns="" id="{57E5A69F-D499-4BD2-85A2-CD0E96E982A8}"/>
+                <a16:creationId xmlns:a16="http://schemas.microsoft.com/office/drawing/2014/main" id="{57E5A69F-D499-4BD2-85A2-CD0E96E982A8}"/>
               </a:ext>
             </a:extLst>
           </p:cNvPr>
@@ -10826,7 +10742,7 @@
           <p:cNvPr id="13" name="TextBox 12">
             <a:extLst>
               <a:ext uri="{FF2B5EF4-FFF2-40B4-BE49-F238E27FC236}">
-                <a16:creationId xmlns:a16="http://schemas.microsoft.com/office/drawing/2014/main" xmlns="" id="{511839CF-C80C-445A-90F0-42E0F2B8A356}"/>
+                <a16:creationId xmlns:a16="http://schemas.microsoft.com/office/drawing/2014/main" id="{511839CF-C80C-445A-90F0-42E0F2B8A356}"/>
               </a:ext>
             </a:extLst>
           </p:cNvPr>
@@ -10865,7 +10781,7 @@
           <p:cNvPr id="14" name="Picture 13">
             <a:extLst>
               <a:ext uri="{FF2B5EF4-FFF2-40B4-BE49-F238E27FC236}">
-                <a16:creationId xmlns:a16="http://schemas.microsoft.com/office/drawing/2014/main" xmlns="" id="{762EFF99-AF6A-481D-AD51-45C64FE5A806}"/>
+                <a16:creationId xmlns:a16="http://schemas.microsoft.com/office/drawing/2014/main" id="{762EFF99-AF6A-481D-AD51-45C64FE5A806}"/>
               </a:ext>
             </a:extLst>
           </p:cNvPr>
@@ -10931,7 +10847,7 @@
           <p:cNvPr id="6" name="Diagram 5">
             <a:extLst>
               <a:ext uri="{FF2B5EF4-FFF2-40B4-BE49-F238E27FC236}">
-                <a16:creationId xmlns:a16="http://schemas.microsoft.com/office/drawing/2014/main" xmlns="" id="{491CE8C1-ACC6-4AC1-9D2E-CCF48AF7263C}"/>
+                <a16:creationId xmlns:a16="http://schemas.microsoft.com/office/drawing/2014/main" id="{491CE8C1-ACC6-4AC1-9D2E-CCF48AF7263C}"/>
               </a:ext>
             </a:extLst>
           </p:cNvPr>
@@ -10959,7 +10875,7 @@
           <p:cNvPr id="7" name="TextBox 6">
             <a:extLst>
               <a:ext uri="{FF2B5EF4-FFF2-40B4-BE49-F238E27FC236}">
-                <a16:creationId xmlns:a16="http://schemas.microsoft.com/office/drawing/2014/main" xmlns="" id="{D4CE6184-A5D3-4D62-A326-BB83628B73EE}"/>
+                <a16:creationId xmlns:a16="http://schemas.microsoft.com/office/drawing/2014/main" id="{D4CE6184-A5D3-4D62-A326-BB83628B73EE}"/>
               </a:ext>
             </a:extLst>
           </p:cNvPr>
@@ -10998,7 +10914,7 @@
           <p:cNvPr id="8" name="Picture 7">
             <a:extLst>
               <a:ext uri="{FF2B5EF4-FFF2-40B4-BE49-F238E27FC236}">
-                <a16:creationId xmlns:a16="http://schemas.microsoft.com/office/drawing/2014/main" xmlns="" id="{06230E9C-1A1C-4CDB-885A-6945AB64121C}"/>
+                <a16:creationId xmlns:a16="http://schemas.microsoft.com/office/drawing/2014/main" id="{06230E9C-1A1C-4CDB-885A-6945AB64121C}"/>
               </a:ext>
             </a:extLst>
           </p:cNvPr>
@@ -11059,994 +10975,12 @@
           <a:chExt cx="0" cy="0"/>
         </a:xfrm>
       </p:grpSpPr>
-      <p:sp>
-        <p:nvSpPr>
-          <p:cNvPr id="4" name="Oval 3">
-            <a:extLst>
-              <a:ext uri="{FF2B5EF4-FFF2-40B4-BE49-F238E27FC236}">
-                <a16:creationId xmlns:a16="http://schemas.microsoft.com/office/drawing/2014/main" xmlns="" id="{380EE60F-5393-4B74-BD55-7A7648DBC10A}"/>
-              </a:ext>
-            </a:extLst>
-          </p:cNvPr>
-          <p:cNvSpPr/>
-          <p:nvPr/>
-        </p:nvSpPr>
-        <p:spPr>
-          <a:xfrm>
-            <a:off x="0" y="3459787"/>
-            <a:ext cx="2001631" cy="2031191"/>
-          </a:xfrm>
-          <a:prstGeom prst="ellipse">
-            <a:avLst/>
-          </a:prstGeom>
-        </p:spPr>
-        <p:style>
-          <a:lnRef idx="2">
-            <a:schemeClr val="accent1">
-              <a:shade val="50000"/>
-            </a:schemeClr>
-          </a:lnRef>
-          <a:fillRef idx="1">
-            <a:schemeClr val="accent1"/>
-          </a:fillRef>
-          <a:effectRef idx="0">
-            <a:schemeClr val="accent1"/>
-          </a:effectRef>
-          <a:fontRef idx="minor">
-            <a:schemeClr val="lt1"/>
-          </a:fontRef>
-        </p:style>
-        <p:txBody>
-          <a:bodyPr rtlCol="0" anchor="ctr"/>
-          <a:lstStyle/>
-          <a:p>
-            <a:pPr algn="ctr"/>
-            <a:endParaRPr lang="en-US"/>
-          </a:p>
-        </p:txBody>
-      </p:sp>
-      <p:sp>
-        <p:nvSpPr>
-          <p:cNvPr id="10" name="Oval 9">
-            <a:extLst>
-              <a:ext uri="{FF2B5EF4-FFF2-40B4-BE49-F238E27FC236}">
-                <a16:creationId xmlns:a16="http://schemas.microsoft.com/office/drawing/2014/main" xmlns="" id="{21C320D3-4F9D-483C-A5F3-F27FBC607468}"/>
-              </a:ext>
-            </a:extLst>
-          </p:cNvPr>
-          <p:cNvSpPr/>
-          <p:nvPr/>
-        </p:nvSpPr>
-        <p:spPr>
-          <a:xfrm>
-            <a:off x="2028330" y="3459787"/>
-            <a:ext cx="2001631" cy="2031191"/>
-          </a:xfrm>
-          <a:prstGeom prst="ellipse">
-            <a:avLst/>
-          </a:prstGeom>
-        </p:spPr>
-        <p:style>
-          <a:lnRef idx="2">
-            <a:schemeClr val="accent1">
-              <a:shade val="50000"/>
-            </a:schemeClr>
-          </a:lnRef>
-          <a:fillRef idx="1">
-            <a:schemeClr val="accent1"/>
-          </a:fillRef>
-          <a:effectRef idx="0">
-            <a:schemeClr val="accent1"/>
-          </a:effectRef>
-          <a:fontRef idx="minor">
-            <a:schemeClr val="lt1"/>
-          </a:fontRef>
-        </p:style>
-        <p:txBody>
-          <a:bodyPr rtlCol="0" anchor="ctr"/>
-          <a:lstStyle/>
-          <a:p>
-            <a:pPr algn="ctr"/>
-            <a:endParaRPr lang="en-US"/>
-          </a:p>
-        </p:txBody>
-      </p:sp>
-      <p:sp>
-        <p:nvSpPr>
-          <p:cNvPr id="11" name="Oval 10">
-            <a:extLst>
-              <a:ext uri="{FF2B5EF4-FFF2-40B4-BE49-F238E27FC236}">
-                <a16:creationId xmlns:a16="http://schemas.microsoft.com/office/drawing/2014/main" xmlns="" id="{95DB93AA-A7F9-4426-A26A-95263AB5A327}"/>
-              </a:ext>
-            </a:extLst>
-          </p:cNvPr>
-          <p:cNvSpPr/>
-          <p:nvPr/>
-        </p:nvSpPr>
-        <p:spPr>
-          <a:xfrm>
-            <a:off x="4066091" y="3459787"/>
-            <a:ext cx="2001631" cy="2031191"/>
-          </a:xfrm>
-          <a:prstGeom prst="ellipse">
-            <a:avLst/>
-          </a:prstGeom>
-        </p:spPr>
-        <p:style>
-          <a:lnRef idx="2">
-            <a:schemeClr val="accent1">
-              <a:shade val="50000"/>
-            </a:schemeClr>
-          </a:lnRef>
-          <a:fillRef idx="1">
-            <a:schemeClr val="accent1"/>
-          </a:fillRef>
-          <a:effectRef idx="0">
-            <a:schemeClr val="accent1"/>
-          </a:effectRef>
-          <a:fontRef idx="minor">
-            <a:schemeClr val="lt1"/>
-          </a:fontRef>
-        </p:style>
-        <p:txBody>
-          <a:bodyPr rtlCol="0" anchor="ctr"/>
-          <a:lstStyle/>
-          <a:p>
-            <a:pPr algn="ctr"/>
-            <a:endParaRPr lang="en-US"/>
-          </a:p>
-        </p:txBody>
-      </p:sp>
-      <p:sp>
-        <p:nvSpPr>
-          <p:cNvPr id="12" name="Oval 11">
-            <a:extLst>
-              <a:ext uri="{FF2B5EF4-FFF2-40B4-BE49-F238E27FC236}">
-                <a16:creationId xmlns:a16="http://schemas.microsoft.com/office/drawing/2014/main" xmlns="" id="{E5FE744F-8622-4385-BC99-EF92299D9828}"/>
-              </a:ext>
-            </a:extLst>
-          </p:cNvPr>
-          <p:cNvSpPr/>
-          <p:nvPr/>
-        </p:nvSpPr>
-        <p:spPr>
-          <a:xfrm>
-            <a:off x="6102095" y="3459787"/>
-            <a:ext cx="2001631" cy="2031191"/>
-          </a:xfrm>
-          <a:prstGeom prst="ellipse">
-            <a:avLst/>
-          </a:prstGeom>
-        </p:spPr>
-        <p:style>
-          <a:lnRef idx="2">
-            <a:schemeClr val="accent1">
-              <a:shade val="50000"/>
-            </a:schemeClr>
-          </a:lnRef>
-          <a:fillRef idx="1">
-            <a:schemeClr val="accent1"/>
-          </a:fillRef>
-          <a:effectRef idx="0">
-            <a:schemeClr val="accent1"/>
-          </a:effectRef>
-          <a:fontRef idx="minor">
-            <a:schemeClr val="lt1"/>
-          </a:fontRef>
-        </p:style>
-        <p:txBody>
-          <a:bodyPr rtlCol="0" anchor="ctr"/>
-          <a:lstStyle/>
-          <a:p>
-            <a:pPr algn="ctr"/>
-            <a:endParaRPr lang="en-US"/>
-          </a:p>
-        </p:txBody>
-      </p:sp>
-      <p:sp>
-        <p:nvSpPr>
-          <p:cNvPr id="13" name="Oval 12">
-            <a:extLst>
-              <a:ext uri="{FF2B5EF4-FFF2-40B4-BE49-F238E27FC236}">
-                <a16:creationId xmlns:a16="http://schemas.microsoft.com/office/drawing/2014/main" xmlns="" id="{BC323218-B014-48D8-BAF0-D9D3F935B379}"/>
-              </a:ext>
-            </a:extLst>
-          </p:cNvPr>
-          <p:cNvSpPr/>
-          <p:nvPr/>
-        </p:nvSpPr>
-        <p:spPr>
-          <a:xfrm>
-            <a:off x="8156964" y="3459787"/>
-            <a:ext cx="2001631" cy="2031191"/>
-          </a:xfrm>
-          <a:prstGeom prst="ellipse">
-            <a:avLst/>
-          </a:prstGeom>
-        </p:spPr>
-        <p:style>
-          <a:lnRef idx="2">
-            <a:schemeClr val="accent1">
-              <a:shade val="50000"/>
-            </a:schemeClr>
-          </a:lnRef>
-          <a:fillRef idx="1">
-            <a:schemeClr val="accent1"/>
-          </a:fillRef>
-          <a:effectRef idx="0">
-            <a:schemeClr val="accent1"/>
-          </a:effectRef>
-          <a:fontRef idx="minor">
-            <a:schemeClr val="lt1"/>
-          </a:fontRef>
-        </p:style>
-        <p:txBody>
-          <a:bodyPr rtlCol="0" anchor="ctr"/>
-          <a:lstStyle/>
-          <a:p>
-            <a:pPr algn="ctr"/>
-            <a:endParaRPr lang="en-US"/>
-          </a:p>
-        </p:txBody>
-      </p:sp>
-      <p:sp>
-        <p:nvSpPr>
-          <p:cNvPr id="14" name="Oval 13">
-            <a:extLst>
-              <a:ext uri="{FF2B5EF4-FFF2-40B4-BE49-F238E27FC236}">
-                <a16:creationId xmlns:a16="http://schemas.microsoft.com/office/drawing/2014/main" xmlns="" id="{DD12B101-343C-4CD3-8217-C9FFFFD9D6B7}"/>
-              </a:ext>
-            </a:extLst>
-          </p:cNvPr>
-          <p:cNvSpPr/>
-          <p:nvPr/>
-        </p:nvSpPr>
-        <p:spPr>
-          <a:xfrm>
-            <a:off x="10158595" y="3459786"/>
-            <a:ext cx="2001631" cy="2031191"/>
-          </a:xfrm>
-          <a:prstGeom prst="ellipse">
-            <a:avLst/>
-          </a:prstGeom>
-        </p:spPr>
-        <p:style>
-          <a:lnRef idx="2">
-            <a:schemeClr val="accent1">
-              <a:shade val="50000"/>
-            </a:schemeClr>
-          </a:lnRef>
-          <a:fillRef idx="1">
-            <a:schemeClr val="accent1"/>
-          </a:fillRef>
-          <a:effectRef idx="0">
-            <a:schemeClr val="accent1"/>
-          </a:effectRef>
-          <a:fontRef idx="minor">
-            <a:schemeClr val="lt1"/>
-          </a:fontRef>
-        </p:style>
-        <p:txBody>
-          <a:bodyPr rtlCol="0" anchor="ctr"/>
-          <a:lstStyle/>
-          <a:p>
-            <a:pPr algn="ctr"/>
-            <a:endParaRPr lang="en-US"/>
-          </a:p>
-        </p:txBody>
-      </p:sp>
-      <p:sp>
-        <p:nvSpPr>
-          <p:cNvPr id="15" name="TextBox 14">
-            <a:extLst>
-              <a:ext uri="{FF2B5EF4-FFF2-40B4-BE49-F238E27FC236}">
-                <a16:creationId xmlns:a16="http://schemas.microsoft.com/office/drawing/2014/main" xmlns="" id="{5D5D9BD1-23E4-4C75-A52D-C8EA2A0C2B68}"/>
-              </a:ext>
-            </a:extLst>
-          </p:cNvPr>
-          <p:cNvSpPr txBox="1"/>
-          <p:nvPr/>
-        </p:nvSpPr>
-        <p:spPr>
-          <a:xfrm>
-            <a:off x="2299881" y="4213771"/>
-            <a:ext cx="1820597" cy="523220"/>
-          </a:xfrm>
-          <a:prstGeom prst="rect">
-            <a:avLst/>
-          </a:prstGeom>
-          <a:noFill/>
-        </p:spPr>
-        <p:txBody>
-          <a:bodyPr wrap="square" rtlCol="0">
-            <a:spAutoFit/>
-          </a:bodyPr>
-          <a:lstStyle/>
-          <a:p>
-            <a:r>
-              <a:rPr lang="en-US" sz="2800" dirty="0">
-                <a:solidFill>
-                  <a:schemeClr val="bg1"/>
-                </a:solidFill>
-              </a:rPr>
-              <a:t>Language</a:t>
-            </a:r>
-          </a:p>
-        </p:txBody>
-      </p:sp>
-      <p:sp>
-        <p:nvSpPr>
-          <p:cNvPr id="16" name="TextBox 15">
-            <a:extLst>
-              <a:ext uri="{FF2B5EF4-FFF2-40B4-BE49-F238E27FC236}">
-                <a16:creationId xmlns:a16="http://schemas.microsoft.com/office/drawing/2014/main" xmlns="" id="{377E49A7-3490-4231-B7B1-156A33E6AA57}"/>
-              </a:ext>
-            </a:extLst>
-          </p:cNvPr>
-          <p:cNvSpPr txBox="1"/>
-          <p:nvPr/>
-        </p:nvSpPr>
-        <p:spPr>
-          <a:xfrm>
-            <a:off x="352637" y="4213771"/>
-            <a:ext cx="1820597" cy="523220"/>
-          </a:xfrm>
-          <a:prstGeom prst="rect">
-            <a:avLst/>
-          </a:prstGeom>
-          <a:noFill/>
-        </p:spPr>
-        <p:txBody>
-          <a:bodyPr wrap="square" rtlCol="0">
-            <a:spAutoFit/>
-          </a:bodyPr>
-          <a:lstStyle/>
-          <a:p>
-            <a:r>
-              <a:rPr lang="en-US" sz="2800" dirty="0">
-                <a:solidFill>
-                  <a:schemeClr val="bg1"/>
-                </a:solidFill>
-              </a:rPr>
-              <a:t>Science</a:t>
-            </a:r>
-          </a:p>
-        </p:txBody>
-      </p:sp>
-      <p:sp>
-        <p:nvSpPr>
-          <p:cNvPr id="17" name="TextBox 16">
-            <a:extLst>
-              <a:ext uri="{FF2B5EF4-FFF2-40B4-BE49-F238E27FC236}">
-                <a16:creationId xmlns:a16="http://schemas.microsoft.com/office/drawing/2014/main" xmlns="" id="{51AFD93E-9067-41C3-813F-ADC7E2A920CD}"/>
-              </a:ext>
-            </a:extLst>
-          </p:cNvPr>
-          <p:cNvSpPr txBox="1"/>
-          <p:nvPr/>
-        </p:nvSpPr>
-        <p:spPr>
-          <a:xfrm>
-            <a:off x="4334736" y="4213771"/>
-            <a:ext cx="1820597" cy="523220"/>
-          </a:xfrm>
-          <a:prstGeom prst="rect">
-            <a:avLst/>
-          </a:prstGeom>
-          <a:noFill/>
-        </p:spPr>
-        <p:txBody>
-          <a:bodyPr wrap="square" rtlCol="0">
-            <a:spAutoFit/>
-          </a:bodyPr>
-          <a:lstStyle/>
-          <a:p>
-            <a:r>
-              <a:rPr lang="en-US" sz="2800" dirty="0">
-                <a:solidFill>
-                  <a:schemeClr val="bg1"/>
-                </a:solidFill>
-              </a:rPr>
-              <a:t>Wellness</a:t>
-            </a:r>
-          </a:p>
-        </p:txBody>
-      </p:sp>
-      <p:sp>
-        <p:nvSpPr>
-          <p:cNvPr id="18" name="TextBox 17">
-            <a:extLst>
-              <a:ext uri="{FF2B5EF4-FFF2-40B4-BE49-F238E27FC236}">
-                <a16:creationId xmlns:a16="http://schemas.microsoft.com/office/drawing/2014/main" xmlns="" id="{671597A4-8B04-4EFE-8D5F-63BE21F723FF}"/>
-              </a:ext>
-            </a:extLst>
-          </p:cNvPr>
-          <p:cNvSpPr txBox="1"/>
-          <p:nvPr/>
-        </p:nvSpPr>
-        <p:spPr>
-          <a:xfrm>
-            <a:off x="6549860" y="4213771"/>
-            <a:ext cx="1820597" cy="523220"/>
-          </a:xfrm>
-          <a:prstGeom prst="rect">
-            <a:avLst/>
-          </a:prstGeom>
-          <a:noFill/>
-        </p:spPr>
-        <p:txBody>
-          <a:bodyPr wrap="square" rtlCol="0">
-            <a:spAutoFit/>
-          </a:bodyPr>
-          <a:lstStyle/>
-          <a:p>
-            <a:r>
-              <a:rPr lang="en-US" sz="2800" dirty="0">
-                <a:solidFill>
-                  <a:schemeClr val="bg1"/>
-                </a:solidFill>
-              </a:rPr>
-              <a:t>Music</a:t>
-            </a:r>
-          </a:p>
-        </p:txBody>
-      </p:sp>
-      <p:sp>
-        <p:nvSpPr>
-          <p:cNvPr id="19" name="TextBox 18">
-            <a:extLst>
-              <a:ext uri="{FF2B5EF4-FFF2-40B4-BE49-F238E27FC236}">
-                <a16:creationId xmlns:a16="http://schemas.microsoft.com/office/drawing/2014/main" xmlns="" id="{9B9FBA56-C679-4AF3-9CD9-FE887D9BEF3C}"/>
-              </a:ext>
-            </a:extLst>
-          </p:cNvPr>
-          <p:cNvSpPr txBox="1"/>
-          <p:nvPr/>
-        </p:nvSpPr>
-        <p:spPr>
-          <a:xfrm>
-            <a:off x="8735126" y="4213771"/>
-            <a:ext cx="1820597" cy="523220"/>
-          </a:xfrm>
-          <a:prstGeom prst="rect">
-            <a:avLst/>
-          </a:prstGeom>
-          <a:noFill/>
-        </p:spPr>
-        <p:txBody>
-          <a:bodyPr wrap="square" rtlCol="0">
-            <a:spAutoFit/>
-          </a:bodyPr>
-          <a:lstStyle/>
-          <a:p>
-            <a:r>
-              <a:rPr lang="en-US" sz="2800" dirty="0">
-                <a:solidFill>
-                  <a:schemeClr val="bg1"/>
-                </a:solidFill>
-              </a:rPr>
-              <a:t>Art</a:t>
-            </a:r>
-          </a:p>
-        </p:txBody>
-      </p:sp>
-      <p:sp>
-        <p:nvSpPr>
-          <p:cNvPr id="20" name="TextBox 19">
-            <a:extLst>
-              <a:ext uri="{FF2B5EF4-FFF2-40B4-BE49-F238E27FC236}">
-                <a16:creationId xmlns:a16="http://schemas.microsoft.com/office/drawing/2014/main" xmlns="" id="{7F37576B-C8EC-443E-956F-B6FCB2E9630B}"/>
-              </a:ext>
-            </a:extLst>
-          </p:cNvPr>
-          <p:cNvSpPr txBox="1"/>
-          <p:nvPr/>
-        </p:nvSpPr>
-        <p:spPr>
-          <a:xfrm>
-            <a:off x="10366328" y="4213770"/>
-            <a:ext cx="1820597" cy="523220"/>
-          </a:xfrm>
-          <a:prstGeom prst="rect">
-            <a:avLst/>
-          </a:prstGeom>
-          <a:noFill/>
-        </p:spPr>
-        <p:txBody>
-          <a:bodyPr wrap="square" rtlCol="0">
-            <a:spAutoFit/>
-          </a:bodyPr>
-          <a:lstStyle/>
-          <a:p>
-            <a:r>
-              <a:rPr lang="en-US" sz="2800" dirty="0">
-                <a:solidFill>
-                  <a:schemeClr val="bg1"/>
-                </a:solidFill>
-              </a:rPr>
-              <a:t>Theology</a:t>
-            </a:r>
-          </a:p>
-        </p:txBody>
-      </p:sp>
-      <p:sp>
-        <p:nvSpPr>
-          <p:cNvPr id="22" name="TextBox 21">
-            <a:extLst>
-              <a:ext uri="{FF2B5EF4-FFF2-40B4-BE49-F238E27FC236}">
-                <a16:creationId xmlns:a16="http://schemas.microsoft.com/office/drawing/2014/main" xmlns="" id="{5D04C51F-5AA7-4466-8E54-511AA812515C}"/>
-              </a:ext>
-            </a:extLst>
-          </p:cNvPr>
-          <p:cNvSpPr txBox="1"/>
-          <p:nvPr/>
-        </p:nvSpPr>
-        <p:spPr>
-          <a:xfrm>
-            <a:off x="650886" y="5775930"/>
-            <a:ext cx="1196767" cy="461665"/>
-          </a:xfrm>
-          <a:prstGeom prst="rect">
-            <a:avLst/>
-          </a:prstGeom>
-          <a:noFill/>
-        </p:spPr>
-        <p:txBody>
-          <a:bodyPr wrap="square" rtlCol="0">
-            <a:spAutoFit/>
-          </a:bodyPr>
-          <a:lstStyle/>
-          <a:p>
-            <a:r>
-              <a:rPr lang="en-US" sz="2400" dirty="0">
-                <a:solidFill>
-                  <a:schemeClr val="bg1"/>
-                </a:solidFill>
-              </a:rPr>
-              <a:t>2017</a:t>
-            </a:r>
-          </a:p>
-        </p:txBody>
-      </p:sp>
-      <p:sp>
-        <p:nvSpPr>
-          <p:cNvPr id="23" name="TextBox 22">
-            <a:extLst>
-              <a:ext uri="{FF2B5EF4-FFF2-40B4-BE49-F238E27FC236}">
-                <a16:creationId xmlns:a16="http://schemas.microsoft.com/office/drawing/2014/main" xmlns="" id="{8D37478C-EBCC-4343-9A19-DE77F1317372}"/>
-              </a:ext>
-            </a:extLst>
-          </p:cNvPr>
-          <p:cNvSpPr txBox="1"/>
-          <p:nvPr/>
-        </p:nvSpPr>
-        <p:spPr>
-          <a:xfrm>
-            <a:off x="6723879" y="5775930"/>
-            <a:ext cx="1196766" cy="461665"/>
-          </a:xfrm>
-          <a:prstGeom prst="rect">
-            <a:avLst/>
-          </a:prstGeom>
-          <a:noFill/>
-        </p:spPr>
-        <p:txBody>
-          <a:bodyPr wrap="square" rtlCol="0">
-            <a:spAutoFit/>
-          </a:bodyPr>
-          <a:lstStyle>
-            <a:defPPr>
-              <a:defRPr lang="en-US"/>
-            </a:defPPr>
-            <a:lvl1pPr>
-              <a:defRPr sz="2400">
-                <a:solidFill>
-                  <a:schemeClr val="bg1"/>
-                </a:solidFill>
-              </a:defRPr>
-            </a:lvl1pPr>
-          </a:lstStyle>
-          <a:p>
-            <a:r>
-              <a:rPr lang="en-US" dirty="0"/>
-              <a:t>2018</a:t>
-            </a:r>
-          </a:p>
-        </p:txBody>
-      </p:sp>
-      <p:sp>
-        <p:nvSpPr>
-          <p:cNvPr id="24" name="TextBox 23">
-            <a:extLst>
-              <a:ext uri="{FF2B5EF4-FFF2-40B4-BE49-F238E27FC236}">
-                <a16:creationId xmlns:a16="http://schemas.microsoft.com/office/drawing/2014/main" xmlns="" id="{934FE657-7DF8-4C32-8173-E0E6AD937C26}"/>
-              </a:ext>
-            </a:extLst>
-          </p:cNvPr>
-          <p:cNvSpPr txBox="1"/>
-          <p:nvPr/>
-        </p:nvSpPr>
-        <p:spPr>
-          <a:xfrm>
-            <a:off x="4755248" y="5781471"/>
-            <a:ext cx="758062" cy="365990"/>
-          </a:xfrm>
-          <a:prstGeom prst="rect">
-            <a:avLst/>
-          </a:prstGeom>
-          <a:noFill/>
-        </p:spPr>
-        <p:txBody>
-          <a:bodyPr wrap="square" rtlCol="0">
-            <a:spAutoFit/>
-          </a:bodyPr>
-          <a:lstStyle>
-            <a:defPPr>
-              <a:defRPr lang="en-US"/>
-            </a:defPPr>
-            <a:lvl1pPr>
-              <a:defRPr sz="2400">
-                <a:solidFill>
-                  <a:schemeClr val="bg1"/>
-                </a:solidFill>
-              </a:defRPr>
-            </a:lvl1pPr>
-          </a:lstStyle>
-          <a:p>
-            <a:r>
-              <a:rPr lang="en-US" dirty="0"/>
-              <a:t>TBD</a:t>
-            </a:r>
-          </a:p>
-        </p:txBody>
-      </p:sp>
-      <p:sp>
-        <p:nvSpPr>
-          <p:cNvPr id="25" name="TextBox 24">
-            <a:extLst>
-              <a:ext uri="{FF2B5EF4-FFF2-40B4-BE49-F238E27FC236}">
-                <a16:creationId xmlns:a16="http://schemas.microsoft.com/office/drawing/2014/main" xmlns="" id="{F5AD3B87-FB99-4B37-A84A-97F937568E4F}"/>
-              </a:ext>
-            </a:extLst>
-          </p:cNvPr>
-          <p:cNvSpPr txBox="1"/>
-          <p:nvPr/>
-        </p:nvSpPr>
-        <p:spPr>
-          <a:xfrm>
-            <a:off x="8887362" y="5744875"/>
-            <a:ext cx="758062" cy="365990"/>
-          </a:xfrm>
-          <a:prstGeom prst="rect">
-            <a:avLst/>
-          </a:prstGeom>
-          <a:noFill/>
-        </p:spPr>
-        <p:txBody>
-          <a:bodyPr wrap="square" rtlCol="0">
-            <a:spAutoFit/>
-          </a:bodyPr>
-          <a:lstStyle>
-            <a:defPPr>
-              <a:defRPr lang="en-US"/>
-            </a:defPPr>
-            <a:lvl1pPr>
-              <a:defRPr sz="2400">
-                <a:solidFill>
-                  <a:schemeClr val="bg1"/>
-                </a:solidFill>
-              </a:defRPr>
-            </a:lvl1pPr>
-          </a:lstStyle>
-          <a:p>
-            <a:r>
-              <a:rPr lang="en-US" dirty="0"/>
-              <a:t>TBD</a:t>
-            </a:r>
-          </a:p>
-        </p:txBody>
-      </p:sp>
-      <p:sp>
-        <p:nvSpPr>
-          <p:cNvPr id="26" name="TextBox 25">
-            <a:extLst>
-              <a:ext uri="{FF2B5EF4-FFF2-40B4-BE49-F238E27FC236}">
-                <a16:creationId xmlns:a16="http://schemas.microsoft.com/office/drawing/2014/main" xmlns="" id="{000175FA-F8E9-40F3-B48E-79B75106ED97}"/>
-              </a:ext>
-            </a:extLst>
-          </p:cNvPr>
-          <p:cNvSpPr txBox="1"/>
-          <p:nvPr/>
-        </p:nvSpPr>
-        <p:spPr>
-          <a:xfrm>
-            <a:off x="10897595" y="5757068"/>
-            <a:ext cx="758062" cy="365990"/>
-          </a:xfrm>
-          <a:prstGeom prst="rect">
-            <a:avLst/>
-          </a:prstGeom>
-          <a:noFill/>
-        </p:spPr>
-        <p:txBody>
-          <a:bodyPr wrap="square" rtlCol="0">
-            <a:spAutoFit/>
-          </a:bodyPr>
-          <a:lstStyle>
-            <a:defPPr>
-              <a:defRPr lang="en-US"/>
-            </a:defPPr>
-            <a:lvl1pPr>
-              <a:defRPr sz="2400">
-                <a:solidFill>
-                  <a:schemeClr val="bg1"/>
-                </a:solidFill>
-              </a:defRPr>
-            </a:lvl1pPr>
-          </a:lstStyle>
-          <a:p>
-            <a:r>
-              <a:rPr lang="en-US" dirty="0"/>
-              <a:t>TBD</a:t>
-            </a:r>
-          </a:p>
-        </p:txBody>
-      </p:sp>
-      <p:sp>
-        <p:nvSpPr>
-          <p:cNvPr id="28" name="TextBox 27">
-            <a:extLst>
-              <a:ext uri="{FF2B5EF4-FFF2-40B4-BE49-F238E27FC236}">
-                <a16:creationId xmlns:a16="http://schemas.microsoft.com/office/drawing/2014/main" xmlns="" id="{87D0E631-A724-4BD0-85D9-34A1ACB89933}"/>
-              </a:ext>
-            </a:extLst>
-          </p:cNvPr>
-          <p:cNvSpPr txBox="1"/>
-          <p:nvPr/>
-        </p:nvSpPr>
-        <p:spPr>
-          <a:xfrm>
-            <a:off x="2626937" y="5775230"/>
-            <a:ext cx="1196767" cy="461665"/>
-          </a:xfrm>
-          <a:prstGeom prst="rect">
-            <a:avLst/>
-          </a:prstGeom>
-          <a:noFill/>
-        </p:spPr>
-        <p:txBody>
-          <a:bodyPr wrap="square" rtlCol="0">
-            <a:spAutoFit/>
-          </a:bodyPr>
-          <a:lstStyle>
-            <a:defPPr>
-              <a:defRPr lang="en-US"/>
-            </a:defPPr>
-            <a:lvl1pPr>
-              <a:defRPr sz="2400">
-                <a:solidFill>
-                  <a:schemeClr val="bg1"/>
-                </a:solidFill>
-              </a:defRPr>
-            </a:lvl1pPr>
-          </a:lstStyle>
-          <a:p>
-            <a:r>
-              <a:rPr lang="en-US" dirty="0"/>
-              <a:t>2022</a:t>
-            </a:r>
-          </a:p>
-        </p:txBody>
-      </p:sp>
-      <p:sp>
-        <p:nvSpPr>
-          <p:cNvPr id="29" name="Callout: Right Arrow 28">
-            <a:extLst>
-              <a:ext uri="{FF2B5EF4-FFF2-40B4-BE49-F238E27FC236}">
-                <a16:creationId xmlns:a16="http://schemas.microsoft.com/office/drawing/2014/main" xmlns="" id="{C724D25E-3DB7-4EEB-9AB0-9EC8D5F23220}"/>
-              </a:ext>
-            </a:extLst>
-          </p:cNvPr>
-          <p:cNvSpPr/>
-          <p:nvPr/>
-        </p:nvSpPr>
-        <p:spPr>
-          <a:xfrm rot="16200000">
-            <a:off x="5262331" y="-2963591"/>
-            <a:ext cx="1395646" cy="11183616"/>
-          </a:xfrm>
-          <a:prstGeom prst="rightArrowCallout">
-            <a:avLst>
-              <a:gd name="adj1" fmla="val 23192"/>
-              <a:gd name="adj2" fmla="val 25000"/>
-              <a:gd name="adj3" fmla="val 17768"/>
-              <a:gd name="adj4" fmla="val 47966"/>
-            </a:avLst>
-          </a:prstGeom>
-          <a:solidFill>
-            <a:schemeClr val="accent2">
-              <a:lumMod val="60000"/>
-              <a:lumOff val="40000"/>
-            </a:schemeClr>
-          </a:solidFill>
-        </p:spPr>
-        <p:style>
-          <a:lnRef idx="2">
-            <a:schemeClr val="accent1">
-              <a:shade val="50000"/>
-            </a:schemeClr>
-          </a:lnRef>
-          <a:fillRef idx="1">
-            <a:schemeClr val="accent1"/>
-          </a:fillRef>
-          <a:effectRef idx="0">
-            <a:schemeClr val="accent1"/>
-          </a:effectRef>
-          <a:fontRef idx="minor">
-            <a:schemeClr val="lt1"/>
-          </a:fontRef>
-        </p:style>
-        <p:txBody>
-          <a:bodyPr rtlCol="0" anchor="ctr"/>
-          <a:lstStyle/>
-          <a:p>
-            <a:pPr algn="ctr"/>
-            <a:endParaRPr lang="en-US"/>
-          </a:p>
-        </p:txBody>
-      </p:sp>
-      <p:sp>
-        <p:nvSpPr>
-          <p:cNvPr id="30" name="TextBox 29">
-            <a:extLst>
-              <a:ext uri="{FF2B5EF4-FFF2-40B4-BE49-F238E27FC236}">
-                <a16:creationId xmlns:a16="http://schemas.microsoft.com/office/drawing/2014/main" xmlns="" id="{787D2DBC-170A-4663-A76D-7AAC3FD3D5F1}"/>
-              </a:ext>
-            </a:extLst>
-          </p:cNvPr>
-          <p:cNvSpPr txBox="1"/>
-          <p:nvPr/>
-        </p:nvSpPr>
-        <p:spPr>
-          <a:xfrm>
-            <a:off x="1560147" y="913967"/>
-            <a:ext cx="9599263" cy="923330"/>
-          </a:xfrm>
-          <a:prstGeom prst="rect">
-            <a:avLst/>
-          </a:prstGeom>
-          <a:noFill/>
-        </p:spPr>
-        <p:txBody>
-          <a:bodyPr wrap="square" rtlCol="0">
-            <a:spAutoFit/>
-          </a:bodyPr>
-          <a:lstStyle/>
-          <a:p>
-            <a:r>
-              <a:rPr lang="en-US" sz="5400" dirty="0">
-                <a:solidFill>
-                  <a:schemeClr val="bg1"/>
-                </a:solidFill>
-                <a:latin typeface="Times New Roman" panose="02020603050405020304" pitchFamily="18" charset="0"/>
-                <a:cs typeface="Times New Roman" panose="02020603050405020304" pitchFamily="18" charset="0"/>
-              </a:rPr>
-              <a:t>Classroom, YouTube, &amp; GitHub</a:t>
-            </a:r>
-          </a:p>
-        </p:txBody>
-      </p:sp>
-      <p:sp>
-        <p:nvSpPr>
-          <p:cNvPr id="31" name="TextBox 30">
-            <a:extLst>
-              <a:ext uri="{FF2B5EF4-FFF2-40B4-BE49-F238E27FC236}">
-                <a16:creationId xmlns:a16="http://schemas.microsoft.com/office/drawing/2014/main" xmlns="" id="{AC43E661-C66C-40F7-A100-2BBE6DF4C5F4}"/>
-              </a:ext>
-            </a:extLst>
-          </p:cNvPr>
-          <p:cNvSpPr txBox="1"/>
-          <p:nvPr/>
-        </p:nvSpPr>
-        <p:spPr>
-          <a:xfrm>
-            <a:off x="4755248" y="2615744"/>
-            <a:ext cx="5153136" cy="769441"/>
-          </a:xfrm>
-          <a:prstGeom prst="rect">
-            <a:avLst/>
-          </a:prstGeom>
-          <a:noFill/>
-        </p:spPr>
-        <p:txBody>
-          <a:bodyPr wrap="square" rtlCol="0">
-            <a:spAutoFit/>
-          </a:bodyPr>
-          <a:lstStyle/>
-          <a:p>
-            <a:r>
-              <a:rPr lang="en-US" sz="4400" dirty="0">
-                <a:solidFill>
-                  <a:schemeClr val="bg1"/>
-                </a:solidFill>
-              </a:rPr>
-              <a:t>5 Year Plan</a:t>
-            </a:r>
-          </a:p>
-        </p:txBody>
-      </p:sp>
-      <p:pic>
-        <p:nvPicPr>
-          <p:cNvPr id="32" name="Picture 31">
-            <a:extLst>
-              <a:ext uri="{FF2B5EF4-FFF2-40B4-BE49-F238E27FC236}">
-                <a16:creationId xmlns:a16="http://schemas.microsoft.com/office/drawing/2014/main" xmlns="" id="{93A08B81-C151-40F8-A5CB-EA0BEF0746F5}"/>
-              </a:ext>
-            </a:extLst>
-          </p:cNvPr>
-          <p:cNvPicPr>
-            <a:picLocks noChangeAspect="1"/>
-          </p:cNvPicPr>
-          <p:nvPr/>
-        </p:nvPicPr>
-        <p:blipFill>
-          <a:blip r:embed="rId2">
-            <a:extLst>
-              <a:ext uri="{28A0092B-C50C-407E-A947-70E740481C1C}">
-                <a14:useLocalDpi xmlns:a14="http://schemas.microsoft.com/office/drawing/2010/main" val="0"/>
-              </a:ext>
-            </a:extLst>
-          </a:blip>
-          <a:stretch>
-            <a:fillRect/>
-          </a:stretch>
-        </p:blipFill>
-        <p:spPr>
-          <a:xfrm>
-            <a:off x="131397" y="307812"/>
-            <a:ext cx="1428750" cy="1428750"/>
-          </a:xfrm>
-          <a:prstGeom prst="rect">
-            <a:avLst/>
-          </a:prstGeom>
-        </p:spPr>
-      </p:pic>
-    </p:spTree>
-    <p:extLst>
-      <p:ext uri="{BB962C8B-B14F-4D97-AF65-F5344CB8AC3E}">
-        <p14:creationId xmlns:p14="http://schemas.microsoft.com/office/powerpoint/2010/main" val="2203030452"/>
-      </p:ext>
-    </p:extLst>
-  </p:cSld>
-  <p:clrMapOvr>
-    <a:masterClrMapping/>
-  </p:clrMapOvr>
-</p:sld>
-</file>
-
-<file path=ppt/slides/slide3.xml><?xml version="1.0" encoding="utf-8"?>
-<p:sld xmlns:a="http://schemas.openxmlformats.org/drawingml/2006/main" xmlns:r="http://schemas.openxmlformats.org/officeDocument/2006/relationships" xmlns:p="http://schemas.openxmlformats.org/presentationml/2006/main">
-  <p:cSld>
-    <p:spTree>
-      <p:nvGrpSpPr>
-        <p:cNvPr id="1" name=""/>
-        <p:cNvGrpSpPr/>
-        <p:nvPr/>
-      </p:nvGrpSpPr>
-      <p:grpSpPr>
-        <a:xfrm>
-          <a:off x="0" y="0"/>
-          <a:ext cx="0" cy="0"/>
-          <a:chOff x="0" y="0"/>
-          <a:chExt cx="0" cy="0"/>
-        </a:xfrm>
-      </p:grpSpPr>
       <p:graphicFrame>
         <p:nvGraphicFramePr>
           <p:cNvPr id="6" name="Diagram 5">
             <a:extLst>
               <a:ext uri="{FF2B5EF4-FFF2-40B4-BE49-F238E27FC236}">
-                <a16:creationId xmlns:a16="http://schemas.microsoft.com/office/drawing/2014/main" xmlns="" id="{491CE8C1-ACC6-4AC1-9D2E-CCF48AF7263C}"/>
+                <a16:creationId xmlns:a16="http://schemas.microsoft.com/office/drawing/2014/main" id="{491CE8C1-ACC6-4AC1-9D2E-CCF48AF7263C}"/>
               </a:ext>
             </a:extLst>
           </p:cNvPr>
@@ -12074,7 +11008,7 @@
           <p:cNvPr id="7" name="TextBox 6">
             <a:extLst>
               <a:ext uri="{FF2B5EF4-FFF2-40B4-BE49-F238E27FC236}">
-                <a16:creationId xmlns:a16="http://schemas.microsoft.com/office/drawing/2014/main" xmlns="" id="{D4CE6184-A5D3-4D62-A326-BB83628B73EE}"/>
+                <a16:creationId xmlns:a16="http://schemas.microsoft.com/office/drawing/2014/main" id="{D4CE6184-A5D3-4D62-A326-BB83628B73EE}"/>
               </a:ext>
             </a:extLst>
           </p:cNvPr>
@@ -12099,18 +11033,13 @@
           <a:p>
             <a:pPr algn="ctr"/>
             <a:r>
-              <a:rPr lang="en-US" sz="5400" dirty="0" smtClean="0">
+              <a:rPr lang="en-US" sz="5400" dirty="0">
                 <a:solidFill>
                   <a:schemeClr val="bg1"/>
                 </a:solidFill>
               </a:rPr>
               <a:t>Free Knowledge</a:t>
             </a:r>
-            <a:endParaRPr lang="en-US" sz="5400" dirty="0">
-              <a:solidFill>
-                <a:schemeClr val="bg1"/>
-              </a:solidFill>
-            </a:endParaRPr>
           </a:p>
         </p:txBody>
       </p:sp>
@@ -12119,7 +11048,7 @@
           <p:cNvPr id="8" name="Picture 7">
             <a:extLst>
               <a:ext uri="{FF2B5EF4-FFF2-40B4-BE49-F238E27FC236}">
-                <a16:creationId xmlns:a16="http://schemas.microsoft.com/office/drawing/2014/main" xmlns="" id="{06230E9C-1A1C-4CDB-885A-6945AB64121C}"/>
+                <a16:creationId xmlns:a16="http://schemas.microsoft.com/office/drawing/2014/main" id="{06230E9C-1A1C-4CDB-885A-6945AB64121C}"/>
               </a:ext>
             </a:extLst>
           </p:cNvPr>
@@ -12209,6 +11138,988 @@
 </p:sld>
 </file>
 
+<file path=ppt/slides/slide3.xml><?xml version="1.0" encoding="utf-8"?>
+<p:sld xmlns:a="http://schemas.openxmlformats.org/drawingml/2006/main" xmlns:r="http://schemas.openxmlformats.org/officeDocument/2006/relationships" xmlns:p="http://schemas.openxmlformats.org/presentationml/2006/main">
+  <p:cSld>
+    <p:spTree>
+      <p:nvGrpSpPr>
+        <p:cNvPr id="1" name=""/>
+        <p:cNvGrpSpPr/>
+        <p:nvPr/>
+      </p:nvGrpSpPr>
+      <p:grpSpPr>
+        <a:xfrm>
+          <a:off x="0" y="0"/>
+          <a:ext cx="0" cy="0"/>
+          <a:chOff x="0" y="0"/>
+          <a:chExt cx="0" cy="0"/>
+        </a:xfrm>
+      </p:grpSpPr>
+      <p:sp>
+        <p:nvSpPr>
+          <p:cNvPr id="4" name="Oval 3">
+            <a:extLst>
+              <a:ext uri="{FF2B5EF4-FFF2-40B4-BE49-F238E27FC236}">
+                <a16:creationId xmlns:a16="http://schemas.microsoft.com/office/drawing/2014/main" id="{380EE60F-5393-4B74-BD55-7A7648DBC10A}"/>
+              </a:ext>
+            </a:extLst>
+          </p:cNvPr>
+          <p:cNvSpPr/>
+          <p:nvPr/>
+        </p:nvSpPr>
+        <p:spPr>
+          <a:xfrm>
+            <a:off x="0" y="3459787"/>
+            <a:ext cx="2001631" cy="2031191"/>
+          </a:xfrm>
+          <a:prstGeom prst="ellipse">
+            <a:avLst/>
+          </a:prstGeom>
+        </p:spPr>
+        <p:style>
+          <a:lnRef idx="2">
+            <a:schemeClr val="accent1">
+              <a:shade val="50000"/>
+            </a:schemeClr>
+          </a:lnRef>
+          <a:fillRef idx="1">
+            <a:schemeClr val="accent1"/>
+          </a:fillRef>
+          <a:effectRef idx="0">
+            <a:schemeClr val="accent1"/>
+          </a:effectRef>
+          <a:fontRef idx="minor">
+            <a:schemeClr val="lt1"/>
+          </a:fontRef>
+        </p:style>
+        <p:txBody>
+          <a:bodyPr rtlCol="0" anchor="ctr"/>
+          <a:lstStyle/>
+          <a:p>
+            <a:pPr algn="ctr"/>
+            <a:endParaRPr lang="en-US"/>
+          </a:p>
+        </p:txBody>
+      </p:sp>
+      <p:sp>
+        <p:nvSpPr>
+          <p:cNvPr id="10" name="Oval 9">
+            <a:extLst>
+              <a:ext uri="{FF2B5EF4-FFF2-40B4-BE49-F238E27FC236}">
+                <a16:creationId xmlns:a16="http://schemas.microsoft.com/office/drawing/2014/main" id="{21C320D3-4F9D-483C-A5F3-F27FBC607468}"/>
+              </a:ext>
+            </a:extLst>
+          </p:cNvPr>
+          <p:cNvSpPr/>
+          <p:nvPr/>
+        </p:nvSpPr>
+        <p:spPr>
+          <a:xfrm>
+            <a:off x="2028330" y="3459787"/>
+            <a:ext cx="2001631" cy="2031191"/>
+          </a:xfrm>
+          <a:prstGeom prst="ellipse">
+            <a:avLst/>
+          </a:prstGeom>
+        </p:spPr>
+        <p:style>
+          <a:lnRef idx="2">
+            <a:schemeClr val="accent1">
+              <a:shade val="50000"/>
+            </a:schemeClr>
+          </a:lnRef>
+          <a:fillRef idx="1">
+            <a:schemeClr val="accent1"/>
+          </a:fillRef>
+          <a:effectRef idx="0">
+            <a:schemeClr val="accent1"/>
+          </a:effectRef>
+          <a:fontRef idx="minor">
+            <a:schemeClr val="lt1"/>
+          </a:fontRef>
+        </p:style>
+        <p:txBody>
+          <a:bodyPr rtlCol="0" anchor="ctr"/>
+          <a:lstStyle/>
+          <a:p>
+            <a:pPr algn="ctr"/>
+            <a:endParaRPr lang="en-US"/>
+          </a:p>
+        </p:txBody>
+      </p:sp>
+      <p:sp>
+        <p:nvSpPr>
+          <p:cNvPr id="11" name="Oval 10">
+            <a:extLst>
+              <a:ext uri="{FF2B5EF4-FFF2-40B4-BE49-F238E27FC236}">
+                <a16:creationId xmlns:a16="http://schemas.microsoft.com/office/drawing/2014/main" id="{95DB93AA-A7F9-4426-A26A-95263AB5A327}"/>
+              </a:ext>
+            </a:extLst>
+          </p:cNvPr>
+          <p:cNvSpPr/>
+          <p:nvPr/>
+        </p:nvSpPr>
+        <p:spPr>
+          <a:xfrm>
+            <a:off x="4066091" y="3459787"/>
+            <a:ext cx="2001631" cy="2031191"/>
+          </a:xfrm>
+          <a:prstGeom prst="ellipse">
+            <a:avLst/>
+          </a:prstGeom>
+        </p:spPr>
+        <p:style>
+          <a:lnRef idx="2">
+            <a:schemeClr val="accent1">
+              <a:shade val="50000"/>
+            </a:schemeClr>
+          </a:lnRef>
+          <a:fillRef idx="1">
+            <a:schemeClr val="accent1"/>
+          </a:fillRef>
+          <a:effectRef idx="0">
+            <a:schemeClr val="accent1"/>
+          </a:effectRef>
+          <a:fontRef idx="minor">
+            <a:schemeClr val="lt1"/>
+          </a:fontRef>
+        </p:style>
+        <p:txBody>
+          <a:bodyPr rtlCol="0" anchor="ctr"/>
+          <a:lstStyle/>
+          <a:p>
+            <a:pPr algn="ctr"/>
+            <a:endParaRPr lang="en-US"/>
+          </a:p>
+        </p:txBody>
+      </p:sp>
+      <p:sp>
+        <p:nvSpPr>
+          <p:cNvPr id="12" name="Oval 11">
+            <a:extLst>
+              <a:ext uri="{FF2B5EF4-FFF2-40B4-BE49-F238E27FC236}">
+                <a16:creationId xmlns:a16="http://schemas.microsoft.com/office/drawing/2014/main" id="{E5FE744F-8622-4385-BC99-EF92299D9828}"/>
+              </a:ext>
+            </a:extLst>
+          </p:cNvPr>
+          <p:cNvSpPr/>
+          <p:nvPr/>
+        </p:nvSpPr>
+        <p:spPr>
+          <a:xfrm>
+            <a:off x="6102095" y="3459787"/>
+            <a:ext cx="2001631" cy="2031191"/>
+          </a:xfrm>
+          <a:prstGeom prst="ellipse">
+            <a:avLst/>
+          </a:prstGeom>
+        </p:spPr>
+        <p:style>
+          <a:lnRef idx="2">
+            <a:schemeClr val="accent1">
+              <a:shade val="50000"/>
+            </a:schemeClr>
+          </a:lnRef>
+          <a:fillRef idx="1">
+            <a:schemeClr val="accent1"/>
+          </a:fillRef>
+          <a:effectRef idx="0">
+            <a:schemeClr val="accent1"/>
+          </a:effectRef>
+          <a:fontRef idx="minor">
+            <a:schemeClr val="lt1"/>
+          </a:fontRef>
+        </p:style>
+        <p:txBody>
+          <a:bodyPr rtlCol="0" anchor="ctr"/>
+          <a:lstStyle/>
+          <a:p>
+            <a:pPr algn="ctr"/>
+            <a:endParaRPr lang="en-US"/>
+          </a:p>
+        </p:txBody>
+      </p:sp>
+      <p:sp>
+        <p:nvSpPr>
+          <p:cNvPr id="13" name="Oval 12">
+            <a:extLst>
+              <a:ext uri="{FF2B5EF4-FFF2-40B4-BE49-F238E27FC236}">
+                <a16:creationId xmlns:a16="http://schemas.microsoft.com/office/drawing/2014/main" id="{BC323218-B014-48D8-BAF0-D9D3F935B379}"/>
+              </a:ext>
+            </a:extLst>
+          </p:cNvPr>
+          <p:cNvSpPr/>
+          <p:nvPr/>
+        </p:nvSpPr>
+        <p:spPr>
+          <a:xfrm>
+            <a:off x="8156964" y="3459787"/>
+            <a:ext cx="2001631" cy="2031191"/>
+          </a:xfrm>
+          <a:prstGeom prst="ellipse">
+            <a:avLst/>
+          </a:prstGeom>
+        </p:spPr>
+        <p:style>
+          <a:lnRef idx="2">
+            <a:schemeClr val="accent1">
+              <a:shade val="50000"/>
+            </a:schemeClr>
+          </a:lnRef>
+          <a:fillRef idx="1">
+            <a:schemeClr val="accent1"/>
+          </a:fillRef>
+          <a:effectRef idx="0">
+            <a:schemeClr val="accent1"/>
+          </a:effectRef>
+          <a:fontRef idx="minor">
+            <a:schemeClr val="lt1"/>
+          </a:fontRef>
+        </p:style>
+        <p:txBody>
+          <a:bodyPr rtlCol="0" anchor="ctr"/>
+          <a:lstStyle/>
+          <a:p>
+            <a:pPr algn="ctr"/>
+            <a:endParaRPr lang="en-US"/>
+          </a:p>
+        </p:txBody>
+      </p:sp>
+      <p:sp>
+        <p:nvSpPr>
+          <p:cNvPr id="14" name="Oval 13">
+            <a:extLst>
+              <a:ext uri="{FF2B5EF4-FFF2-40B4-BE49-F238E27FC236}">
+                <a16:creationId xmlns:a16="http://schemas.microsoft.com/office/drawing/2014/main" id="{DD12B101-343C-4CD3-8217-C9FFFFD9D6B7}"/>
+              </a:ext>
+            </a:extLst>
+          </p:cNvPr>
+          <p:cNvSpPr/>
+          <p:nvPr/>
+        </p:nvSpPr>
+        <p:spPr>
+          <a:xfrm>
+            <a:off x="10158595" y="3459786"/>
+            <a:ext cx="2001631" cy="2031191"/>
+          </a:xfrm>
+          <a:prstGeom prst="ellipse">
+            <a:avLst/>
+          </a:prstGeom>
+        </p:spPr>
+        <p:style>
+          <a:lnRef idx="2">
+            <a:schemeClr val="accent1">
+              <a:shade val="50000"/>
+            </a:schemeClr>
+          </a:lnRef>
+          <a:fillRef idx="1">
+            <a:schemeClr val="accent1"/>
+          </a:fillRef>
+          <a:effectRef idx="0">
+            <a:schemeClr val="accent1"/>
+          </a:effectRef>
+          <a:fontRef idx="minor">
+            <a:schemeClr val="lt1"/>
+          </a:fontRef>
+        </p:style>
+        <p:txBody>
+          <a:bodyPr rtlCol="0" anchor="ctr"/>
+          <a:lstStyle/>
+          <a:p>
+            <a:pPr algn="ctr"/>
+            <a:endParaRPr lang="en-US"/>
+          </a:p>
+        </p:txBody>
+      </p:sp>
+      <p:sp>
+        <p:nvSpPr>
+          <p:cNvPr id="15" name="TextBox 14">
+            <a:extLst>
+              <a:ext uri="{FF2B5EF4-FFF2-40B4-BE49-F238E27FC236}">
+                <a16:creationId xmlns:a16="http://schemas.microsoft.com/office/drawing/2014/main" id="{5D5D9BD1-23E4-4C75-A52D-C8EA2A0C2B68}"/>
+              </a:ext>
+            </a:extLst>
+          </p:cNvPr>
+          <p:cNvSpPr txBox="1"/>
+          <p:nvPr/>
+        </p:nvSpPr>
+        <p:spPr>
+          <a:xfrm>
+            <a:off x="2299881" y="4213771"/>
+            <a:ext cx="1820597" cy="523220"/>
+          </a:xfrm>
+          <a:prstGeom prst="rect">
+            <a:avLst/>
+          </a:prstGeom>
+          <a:noFill/>
+        </p:spPr>
+        <p:txBody>
+          <a:bodyPr wrap="square" rtlCol="0">
+            <a:spAutoFit/>
+          </a:bodyPr>
+          <a:lstStyle/>
+          <a:p>
+            <a:r>
+              <a:rPr lang="en-US" sz="2800" dirty="0">
+                <a:solidFill>
+                  <a:schemeClr val="bg1"/>
+                </a:solidFill>
+              </a:rPr>
+              <a:t>Language</a:t>
+            </a:r>
+          </a:p>
+        </p:txBody>
+      </p:sp>
+      <p:sp>
+        <p:nvSpPr>
+          <p:cNvPr id="16" name="TextBox 15">
+            <a:extLst>
+              <a:ext uri="{FF2B5EF4-FFF2-40B4-BE49-F238E27FC236}">
+                <a16:creationId xmlns:a16="http://schemas.microsoft.com/office/drawing/2014/main" id="{377E49A7-3490-4231-B7B1-156A33E6AA57}"/>
+              </a:ext>
+            </a:extLst>
+          </p:cNvPr>
+          <p:cNvSpPr txBox="1"/>
+          <p:nvPr/>
+        </p:nvSpPr>
+        <p:spPr>
+          <a:xfrm>
+            <a:off x="352637" y="4213771"/>
+            <a:ext cx="1820597" cy="523220"/>
+          </a:xfrm>
+          <a:prstGeom prst="rect">
+            <a:avLst/>
+          </a:prstGeom>
+          <a:noFill/>
+        </p:spPr>
+        <p:txBody>
+          <a:bodyPr wrap="square" rtlCol="0">
+            <a:spAutoFit/>
+          </a:bodyPr>
+          <a:lstStyle/>
+          <a:p>
+            <a:r>
+              <a:rPr lang="en-US" sz="2800" dirty="0">
+                <a:solidFill>
+                  <a:schemeClr val="bg1"/>
+                </a:solidFill>
+              </a:rPr>
+              <a:t>Science</a:t>
+            </a:r>
+          </a:p>
+        </p:txBody>
+      </p:sp>
+      <p:sp>
+        <p:nvSpPr>
+          <p:cNvPr id="17" name="TextBox 16">
+            <a:extLst>
+              <a:ext uri="{FF2B5EF4-FFF2-40B4-BE49-F238E27FC236}">
+                <a16:creationId xmlns:a16="http://schemas.microsoft.com/office/drawing/2014/main" id="{51AFD93E-9067-41C3-813F-ADC7E2A920CD}"/>
+              </a:ext>
+            </a:extLst>
+          </p:cNvPr>
+          <p:cNvSpPr txBox="1"/>
+          <p:nvPr/>
+        </p:nvSpPr>
+        <p:spPr>
+          <a:xfrm>
+            <a:off x="4334736" y="4213771"/>
+            <a:ext cx="1820597" cy="523220"/>
+          </a:xfrm>
+          <a:prstGeom prst="rect">
+            <a:avLst/>
+          </a:prstGeom>
+          <a:noFill/>
+        </p:spPr>
+        <p:txBody>
+          <a:bodyPr wrap="square" rtlCol="0">
+            <a:spAutoFit/>
+          </a:bodyPr>
+          <a:lstStyle/>
+          <a:p>
+            <a:r>
+              <a:rPr lang="en-US" sz="2800" dirty="0">
+                <a:solidFill>
+                  <a:schemeClr val="bg1"/>
+                </a:solidFill>
+              </a:rPr>
+              <a:t>Wellness</a:t>
+            </a:r>
+          </a:p>
+        </p:txBody>
+      </p:sp>
+      <p:sp>
+        <p:nvSpPr>
+          <p:cNvPr id="18" name="TextBox 17">
+            <a:extLst>
+              <a:ext uri="{FF2B5EF4-FFF2-40B4-BE49-F238E27FC236}">
+                <a16:creationId xmlns:a16="http://schemas.microsoft.com/office/drawing/2014/main" id="{671597A4-8B04-4EFE-8D5F-63BE21F723FF}"/>
+              </a:ext>
+            </a:extLst>
+          </p:cNvPr>
+          <p:cNvSpPr txBox="1"/>
+          <p:nvPr/>
+        </p:nvSpPr>
+        <p:spPr>
+          <a:xfrm>
+            <a:off x="6549860" y="4213771"/>
+            <a:ext cx="1820597" cy="523220"/>
+          </a:xfrm>
+          <a:prstGeom prst="rect">
+            <a:avLst/>
+          </a:prstGeom>
+          <a:noFill/>
+        </p:spPr>
+        <p:txBody>
+          <a:bodyPr wrap="square" rtlCol="0">
+            <a:spAutoFit/>
+          </a:bodyPr>
+          <a:lstStyle/>
+          <a:p>
+            <a:r>
+              <a:rPr lang="en-US" sz="2800" dirty="0">
+                <a:solidFill>
+                  <a:schemeClr val="bg1"/>
+                </a:solidFill>
+              </a:rPr>
+              <a:t>Music</a:t>
+            </a:r>
+          </a:p>
+        </p:txBody>
+      </p:sp>
+      <p:sp>
+        <p:nvSpPr>
+          <p:cNvPr id="19" name="TextBox 18">
+            <a:extLst>
+              <a:ext uri="{FF2B5EF4-FFF2-40B4-BE49-F238E27FC236}">
+                <a16:creationId xmlns:a16="http://schemas.microsoft.com/office/drawing/2014/main" id="{9B9FBA56-C679-4AF3-9CD9-FE887D9BEF3C}"/>
+              </a:ext>
+            </a:extLst>
+          </p:cNvPr>
+          <p:cNvSpPr txBox="1"/>
+          <p:nvPr/>
+        </p:nvSpPr>
+        <p:spPr>
+          <a:xfrm>
+            <a:off x="8735126" y="4213771"/>
+            <a:ext cx="1820597" cy="523220"/>
+          </a:xfrm>
+          <a:prstGeom prst="rect">
+            <a:avLst/>
+          </a:prstGeom>
+          <a:noFill/>
+        </p:spPr>
+        <p:txBody>
+          <a:bodyPr wrap="square" rtlCol="0">
+            <a:spAutoFit/>
+          </a:bodyPr>
+          <a:lstStyle/>
+          <a:p>
+            <a:r>
+              <a:rPr lang="en-US" sz="2800" dirty="0">
+                <a:solidFill>
+                  <a:schemeClr val="bg1"/>
+                </a:solidFill>
+              </a:rPr>
+              <a:t>Art</a:t>
+            </a:r>
+          </a:p>
+        </p:txBody>
+      </p:sp>
+      <p:sp>
+        <p:nvSpPr>
+          <p:cNvPr id="20" name="TextBox 19">
+            <a:extLst>
+              <a:ext uri="{FF2B5EF4-FFF2-40B4-BE49-F238E27FC236}">
+                <a16:creationId xmlns:a16="http://schemas.microsoft.com/office/drawing/2014/main" id="{7F37576B-C8EC-443E-956F-B6FCB2E9630B}"/>
+              </a:ext>
+            </a:extLst>
+          </p:cNvPr>
+          <p:cNvSpPr txBox="1"/>
+          <p:nvPr/>
+        </p:nvSpPr>
+        <p:spPr>
+          <a:xfrm>
+            <a:off x="10366328" y="4213770"/>
+            <a:ext cx="1820597" cy="523220"/>
+          </a:xfrm>
+          <a:prstGeom prst="rect">
+            <a:avLst/>
+          </a:prstGeom>
+          <a:noFill/>
+        </p:spPr>
+        <p:txBody>
+          <a:bodyPr wrap="square" rtlCol="0">
+            <a:spAutoFit/>
+          </a:bodyPr>
+          <a:lstStyle/>
+          <a:p>
+            <a:r>
+              <a:rPr lang="en-US" sz="2800" dirty="0">
+                <a:solidFill>
+                  <a:schemeClr val="bg1"/>
+                </a:solidFill>
+              </a:rPr>
+              <a:t>Theology</a:t>
+            </a:r>
+          </a:p>
+        </p:txBody>
+      </p:sp>
+      <p:sp>
+        <p:nvSpPr>
+          <p:cNvPr id="22" name="TextBox 21">
+            <a:extLst>
+              <a:ext uri="{FF2B5EF4-FFF2-40B4-BE49-F238E27FC236}">
+                <a16:creationId xmlns:a16="http://schemas.microsoft.com/office/drawing/2014/main" id="{5D04C51F-5AA7-4466-8E54-511AA812515C}"/>
+              </a:ext>
+            </a:extLst>
+          </p:cNvPr>
+          <p:cNvSpPr txBox="1"/>
+          <p:nvPr/>
+        </p:nvSpPr>
+        <p:spPr>
+          <a:xfrm>
+            <a:off x="650886" y="5775930"/>
+            <a:ext cx="1196767" cy="461665"/>
+          </a:xfrm>
+          <a:prstGeom prst="rect">
+            <a:avLst/>
+          </a:prstGeom>
+          <a:noFill/>
+        </p:spPr>
+        <p:txBody>
+          <a:bodyPr wrap="square" rtlCol="0">
+            <a:spAutoFit/>
+          </a:bodyPr>
+          <a:lstStyle/>
+          <a:p>
+            <a:r>
+              <a:rPr lang="en-US" sz="2400" dirty="0">
+                <a:solidFill>
+                  <a:schemeClr val="bg1"/>
+                </a:solidFill>
+              </a:rPr>
+              <a:t>2017</a:t>
+            </a:r>
+          </a:p>
+        </p:txBody>
+      </p:sp>
+      <p:sp>
+        <p:nvSpPr>
+          <p:cNvPr id="23" name="TextBox 22">
+            <a:extLst>
+              <a:ext uri="{FF2B5EF4-FFF2-40B4-BE49-F238E27FC236}">
+                <a16:creationId xmlns:a16="http://schemas.microsoft.com/office/drawing/2014/main" id="{8D37478C-EBCC-4343-9A19-DE77F1317372}"/>
+              </a:ext>
+            </a:extLst>
+          </p:cNvPr>
+          <p:cNvSpPr txBox="1"/>
+          <p:nvPr/>
+        </p:nvSpPr>
+        <p:spPr>
+          <a:xfrm>
+            <a:off x="6723879" y="5775930"/>
+            <a:ext cx="1196766" cy="461665"/>
+          </a:xfrm>
+          <a:prstGeom prst="rect">
+            <a:avLst/>
+          </a:prstGeom>
+          <a:noFill/>
+        </p:spPr>
+        <p:txBody>
+          <a:bodyPr wrap="square" rtlCol="0">
+            <a:spAutoFit/>
+          </a:bodyPr>
+          <a:lstStyle>
+            <a:defPPr>
+              <a:defRPr lang="en-US"/>
+            </a:defPPr>
+            <a:lvl1pPr>
+              <a:defRPr sz="2400">
+                <a:solidFill>
+                  <a:schemeClr val="bg1"/>
+                </a:solidFill>
+              </a:defRPr>
+            </a:lvl1pPr>
+          </a:lstStyle>
+          <a:p>
+            <a:r>
+              <a:rPr lang="en-US" dirty="0"/>
+              <a:t>2018</a:t>
+            </a:r>
+          </a:p>
+        </p:txBody>
+      </p:sp>
+      <p:sp>
+        <p:nvSpPr>
+          <p:cNvPr id="24" name="TextBox 23">
+            <a:extLst>
+              <a:ext uri="{FF2B5EF4-FFF2-40B4-BE49-F238E27FC236}">
+                <a16:creationId xmlns:a16="http://schemas.microsoft.com/office/drawing/2014/main" id="{934FE657-7DF8-4C32-8173-E0E6AD937C26}"/>
+              </a:ext>
+            </a:extLst>
+          </p:cNvPr>
+          <p:cNvSpPr txBox="1"/>
+          <p:nvPr/>
+        </p:nvSpPr>
+        <p:spPr>
+          <a:xfrm>
+            <a:off x="4755248" y="5781471"/>
+            <a:ext cx="758062" cy="365990"/>
+          </a:xfrm>
+          <a:prstGeom prst="rect">
+            <a:avLst/>
+          </a:prstGeom>
+          <a:noFill/>
+        </p:spPr>
+        <p:txBody>
+          <a:bodyPr wrap="square" rtlCol="0">
+            <a:spAutoFit/>
+          </a:bodyPr>
+          <a:lstStyle>
+            <a:defPPr>
+              <a:defRPr lang="en-US"/>
+            </a:defPPr>
+            <a:lvl1pPr>
+              <a:defRPr sz="2400">
+                <a:solidFill>
+                  <a:schemeClr val="bg1"/>
+                </a:solidFill>
+              </a:defRPr>
+            </a:lvl1pPr>
+          </a:lstStyle>
+          <a:p>
+            <a:r>
+              <a:rPr lang="en-US" dirty="0"/>
+              <a:t>TBD</a:t>
+            </a:r>
+          </a:p>
+        </p:txBody>
+      </p:sp>
+      <p:sp>
+        <p:nvSpPr>
+          <p:cNvPr id="25" name="TextBox 24">
+            <a:extLst>
+              <a:ext uri="{FF2B5EF4-FFF2-40B4-BE49-F238E27FC236}">
+                <a16:creationId xmlns:a16="http://schemas.microsoft.com/office/drawing/2014/main" id="{F5AD3B87-FB99-4B37-A84A-97F937568E4F}"/>
+              </a:ext>
+            </a:extLst>
+          </p:cNvPr>
+          <p:cNvSpPr txBox="1"/>
+          <p:nvPr/>
+        </p:nvSpPr>
+        <p:spPr>
+          <a:xfrm>
+            <a:off x="8887362" y="5744875"/>
+            <a:ext cx="758062" cy="365990"/>
+          </a:xfrm>
+          <a:prstGeom prst="rect">
+            <a:avLst/>
+          </a:prstGeom>
+          <a:noFill/>
+        </p:spPr>
+        <p:txBody>
+          <a:bodyPr wrap="square" rtlCol="0">
+            <a:spAutoFit/>
+          </a:bodyPr>
+          <a:lstStyle>
+            <a:defPPr>
+              <a:defRPr lang="en-US"/>
+            </a:defPPr>
+            <a:lvl1pPr>
+              <a:defRPr sz="2400">
+                <a:solidFill>
+                  <a:schemeClr val="bg1"/>
+                </a:solidFill>
+              </a:defRPr>
+            </a:lvl1pPr>
+          </a:lstStyle>
+          <a:p>
+            <a:r>
+              <a:rPr lang="en-US" dirty="0"/>
+              <a:t>TBD</a:t>
+            </a:r>
+          </a:p>
+        </p:txBody>
+      </p:sp>
+      <p:sp>
+        <p:nvSpPr>
+          <p:cNvPr id="26" name="TextBox 25">
+            <a:extLst>
+              <a:ext uri="{FF2B5EF4-FFF2-40B4-BE49-F238E27FC236}">
+                <a16:creationId xmlns:a16="http://schemas.microsoft.com/office/drawing/2014/main" id="{000175FA-F8E9-40F3-B48E-79B75106ED97}"/>
+              </a:ext>
+            </a:extLst>
+          </p:cNvPr>
+          <p:cNvSpPr txBox="1"/>
+          <p:nvPr/>
+        </p:nvSpPr>
+        <p:spPr>
+          <a:xfrm>
+            <a:off x="10897595" y="5757068"/>
+            <a:ext cx="758062" cy="365990"/>
+          </a:xfrm>
+          <a:prstGeom prst="rect">
+            <a:avLst/>
+          </a:prstGeom>
+          <a:noFill/>
+        </p:spPr>
+        <p:txBody>
+          <a:bodyPr wrap="square" rtlCol="0">
+            <a:spAutoFit/>
+          </a:bodyPr>
+          <a:lstStyle>
+            <a:defPPr>
+              <a:defRPr lang="en-US"/>
+            </a:defPPr>
+            <a:lvl1pPr>
+              <a:defRPr sz="2400">
+                <a:solidFill>
+                  <a:schemeClr val="bg1"/>
+                </a:solidFill>
+              </a:defRPr>
+            </a:lvl1pPr>
+          </a:lstStyle>
+          <a:p>
+            <a:r>
+              <a:rPr lang="en-US" dirty="0"/>
+              <a:t>TBD</a:t>
+            </a:r>
+          </a:p>
+        </p:txBody>
+      </p:sp>
+      <p:sp>
+        <p:nvSpPr>
+          <p:cNvPr id="28" name="TextBox 27">
+            <a:extLst>
+              <a:ext uri="{FF2B5EF4-FFF2-40B4-BE49-F238E27FC236}">
+                <a16:creationId xmlns:a16="http://schemas.microsoft.com/office/drawing/2014/main" id="{87D0E631-A724-4BD0-85D9-34A1ACB89933}"/>
+              </a:ext>
+            </a:extLst>
+          </p:cNvPr>
+          <p:cNvSpPr txBox="1"/>
+          <p:nvPr/>
+        </p:nvSpPr>
+        <p:spPr>
+          <a:xfrm>
+            <a:off x="2626937" y="5775230"/>
+            <a:ext cx="1196767" cy="461665"/>
+          </a:xfrm>
+          <a:prstGeom prst="rect">
+            <a:avLst/>
+          </a:prstGeom>
+          <a:noFill/>
+        </p:spPr>
+        <p:txBody>
+          <a:bodyPr wrap="square" rtlCol="0">
+            <a:spAutoFit/>
+          </a:bodyPr>
+          <a:lstStyle>
+            <a:defPPr>
+              <a:defRPr lang="en-US"/>
+            </a:defPPr>
+            <a:lvl1pPr>
+              <a:defRPr sz="2400">
+                <a:solidFill>
+                  <a:schemeClr val="bg1"/>
+                </a:solidFill>
+              </a:defRPr>
+            </a:lvl1pPr>
+          </a:lstStyle>
+          <a:p>
+            <a:r>
+              <a:rPr lang="en-US" dirty="0"/>
+              <a:t>2022</a:t>
+            </a:r>
+          </a:p>
+        </p:txBody>
+      </p:sp>
+      <p:sp>
+        <p:nvSpPr>
+          <p:cNvPr id="29" name="Callout: Right Arrow 28">
+            <a:extLst>
+              <a:ext uri="{FF2B5EF4-FFF2-40B4-BE49-F238E27FC236}">
+                <a16:creationId xmlns:a16="http://schemas.microsoft.com/office/drawing/2014/main" id="{C724D25E-3DB7-4EEB-9AB0-9EC8D5F23220}"/>
+              </a:ext>
+            </a:extLst>
+          </p:cNvPr>
+          <p:cNvSpPr/>
+          <p:nvPr/>
+        </p:nvSpPr>
+        <p:spPr>
+          <a:xfrm rot="16200000">
+            <a:off x="5262331" y="-2963591"/>
+            <a:ext cx="1395646" cy="11183616"/>
+          </a:xfrm>
+          <a:prstGeom prst="rightArrowCallout">
+            <a:avLst>
+              <a:gd name="adj1" fmla="val 23192"/>
+              <a:gd name="adj2" fmla="val 25000"/>
+              <a:gd name="adj3" fmla="val 17768"/>
+              <a:gd name="adj4" fmla="val 47966"/>
+            </a:avLst>
+          </a:prstGeom>
+          <a:solidFill>
+            <a:schemeClr val="accent2">
+              <a:lumMod val="60000"/>
+              <a:lumOff val="40000"/>
+            </a:schemeClr>
+          </a:solidFill>
+        </p:spPr>
+        <p:style>
+          <a:lnRef idx="2">
+            <a:schemeClr val="accent1">
+              <a:shade val="50000"/>
+            </a:schemeClr>
+          </a:lnRef>
+          <a:fillRef idx="1">
+            <a:schemeClr val="accent1"/>
+          </a:fillRef>
+          <a:effectRef idx="0">
+            <a:schemeClr val="accent1"/>
+          </a:effectRef>
+          <a:fontRef idx="minor">
+            <a:schemeClr val="lt1"/>
+          </a:fontRef>
+        </p:style>
+        <p:txBody>
+          <a:bodyPr rtlCol="0" anchor="ctr"/>
+          <a:lstStyle/>
+          <a:p>
+            <a:pPr algn="ctr"/>
+            <a:endParaRPr lang="en-US"/>
+          </a:p>
+        </p:txBody>
+      </p:sp>
+      <p:sp>
+        <p:nvSpPr>
+          <p:cNvPr id="30" name="TextBox 29">
+            <a:extLst>
+              <a:ext uri="{FF2B5EF4-FFF2-40B4-BE49-F238E27FC236}">
+                <a16:creationId xmlns:a16="http://schemas.microsoft.com/office/drawing/2014/main" id="{787D2DBC-170A-4663-A76D-7AAC3FD3D5F1}"/>
+              </a:ext>
+            </a:extLst>
+          </p:cNvPr>
+          <p:cNvSpPr txBox="1"/>
+          <p:nvPr/>
+        </p:nvSpPr>
+        <p:spPr>
+          <a:xfrm>
+            <a:off x="1560147" y="913967"/>
+            <a:ext cx="9599263" cy="923330"/>
+          </a:xfrm>
+          <a:prstGeom prst="rect">
+            <a:avLst/>
+          </a:prstGeom>
+          <a:noFill/>
+        </p:spPr>
+        <p:txBody>
+          <a:bodyPr wrap="square" rtlCol="0">
+            <a:spAutoFit/>
+          </a:bodyPr>
+          <a:lstStyle/>
+          <a:p>
+            <a:r>
+              <a:rPr lang="en-US" sz="5400" dirty="0">
+                <a:solidFill>
+                  <a:schemeClr val="bg1"/>
+                </a:solidFill>
+                <a:latin typeface="Times New Roman" panose="02020603050405020304" pitchFamily="18" charset="0"/>
+                <a:cs typeface="Times New Roman" panose="02020603050405020304" pitchFamily="18" charset="0"/>
+              </a:rPr>
+              <a:t>Classroom, YouTube, &amp; GitHub</a:t>
+            </a:r>
+          </a:p>
+        </p:txBody>
+      </p:sp>
+      <p:sp>
+        <p:nvSpPr>
+          <p:cNvPr id="31" name="TextBox 30">
+            <a:extLst>
+              <a:ext uri="{FF2B5EF4-FFF2-40B4-BE49-F238E27FC236}">
+                <a16:creationId xmlns:a16="http://schemas.microsoft.com/office/drawing/2014/main" id="{AC43E661-C66C-40F7-A100-2BBE6DF4C5F4}"/>
+              </a:ext>
+            </a:extLst>
+          </p:cNvPr>
+          <p:cNvSpPr txBox="1"/>
+          <p:nvPr/>
+        </p:nvSpPr>
+        <p:spPr>
+          <a:xfrm>
+            <a:off x="4755248" y="2615744"/>
+            <a:ext cx="5153136" cy="769441"/>
+          </a:xfrm>
+          <a:prstGeom prst="rect">
+            <a:avLst/>
+          </a:prstGeom>
+          <a:noFill/>
+        </p:spPr>
+        <p:txBody>
+          <a:bodyPr wrap="square" rtlCol="0">
+            <a:spAutoFit/>
+          </a:bodyPr>
+          <a:lstStyle/>
+          <a:p>
+            <a:r>
+              <a:rPr lang="en-US" sz="4400" dirty="0">
+                <a:solidFill>
+                  <a:schemeClr val="bg1"/>
+                </a:solidFill>
+              </a:rPr>
+              <a:t>5 Year Plan</a:t>
+            </a:r>
+          </a:p>
+        </p:txBody>
+      </p:sp>
+      <p:pic>
+        <p:nvPicPr>
+          <p:cNvPr id="32" name="Picture 31">
+            <a:extLst>
+              <a:ext uri="{FF2B5EF4-FFF2-40B4-BE49-F238E27FC236}">
+                <a16:creationId xmlns:a16="http://schemas.microsoft.com/office/drawing/2014/main" id="{93A08B81-C151-40F8-A5CB-EA0BEF0746F5}"/>
+              </a:ext>
+            </a:extLst>
+          </p:cNvPr>
+          <p:cNvPicPr>
+            <a:picLocks noChangeAspect="1"/>
+          </p:cNvPicPr>
+          <p:nvPr/>
+        </p:nvPicPr>
+        <p:blipFill>
+          <a:blip r:embed="rId2">
+            <a:extLst>
+              <a:ext uri="{28A0092B-C50C-407E-A947-70E740481C1C}">
+                <a14:useLocalDpi xmlns:a14="http://schemas.microsoft.com/office/drawing/2010/main" val="0"/>
+              </a:ext>
+            </a:extLst>
+          </a:blip>
+          <a:stretch>
+            <a:fillRect/>
+          </a:stretch>
+        </p:blipFill>
+        <p:spPr>
+          <a:xfrm>
+            <a:off x="131397" y="307812"/>
+            <a:ext cx="1428750" cy="1428750"/>
+          </a:xfrm>
+          <a:prstGeom prst="rect">
+            <a:avLst/>
+          </a:prstGeom>
+        </p:spPr>
+      </p:pic>
+    </p:spTree>
+    <p:extLst>
+      <p:ext uri="{BB962C8B-B14F-4D97-AF65-F5344CB8AC3E}">
+        <p14:creationId xmlns:p14="http://schemas.microsoft.com/office/powerpoint/2010/main" val="2203030452"/>
+      </p:ext>
+    </p:extLst>
+  </p:cSld>
+  <p:clrMapOvr>
+    <a:masterClrMapping/>
+  </p:clrMapOvr>
+</p:sld>
+</file>
+
 <file path=ppt/slides/slide4.xml><?xml version="1.0" encoding="utf-8"?>
 <p:sld xmlns:a="http://schemas.openxmlformats.org/drawingml/2006/main" xmlns:r="http://schemas.openxmlformats.org/officeDocument/2006/relationships" xmlns:p="http://schemas.openxmlformats.org/presentationml/2006/main">
   <p:cSld>
@@ -12231,7 +12142,7 @@
           <p:cNvPr id="4" name="Picture 3">
             <a:extLst>
               <a:ext uri="{FF2B5EF4-FFF2-40B4-BE49-F238E27FC236}">
-                <a16:creationId xmlns:a16="http://schemas.microsoft.com/office/drawing/2014/main" xmlns="" id="{33EB704D-5FE9-40E2-900B-8CB7CB7212B3}"/>
+                <a16:creationId xmlns:a16="http://schemas.microsoft.com/office/drawing/2014/main" id="{33EB704D-5FE9-40E2-900B-8CB7CB7212B3}"/>
               </a:ext>
             </a:extLst>
           </p:cNvPr>
@@ -12261,7 +12172,7 @@
           <p:cNvPr id="1026" name="Picture 2" descr="Image result for git branches">
             <a:extLst>
               <a:ext uri="{FF2B5EF4-FFF2-40B4-BE49-F238E27FC236}">
-                <a16:creationId xmlns:a16="http://schemas.microsoft.com/office/drawing/2014/main" xmlns="" id="{1F8FD966-2C18-46FD-A881-D5C2D2AC8E16}"/>
+                <a16:creationId xmlns:a16="http://schemas.microsoft.com/office/drawing/2014/main" id="{1F8FD966-2C18-46FD-A881-D5C2D2AC8E16}"/>
               </a:ext>
             </a:extLst>
           </p:cNvPr>
@@ -12308,7 +12219,7 @@
           <p:cNvPr id="6" name="TextBox 5">
             <a:extLst>
               <a:ext uri="{FF2B5EF4-FFF2-40B4-BE49-F238E27FC236}">
-                <a16:creationId xmlns:a16="http://schemas.microsoft.com/office/drawing/2014/main" xmlns="" id="{44B58A59-0D52-4212-96E4-79389C2B0A61}"/>
+                <a16:creationId xmlns:a16="http://schemas.microsoft.com/office/drawing/2014/main" id="{44B58A59-0D52-4212-96E4-79389C2B0A61}"/>
               </a:ext>
             </a:extLst>
           </p:cNvPr>
@@ -12347,7 +12258,7 @@
           <p:cNvPr id="8" name="Picture 7">
             <a:extLst>
               <a:ext uri="{FF2B5EF4-FFF2-40B4-BE49-F238E27FC236}">
-                <a16:creationId xmlns:a16="http://schemas.microsoft.com/office/drawing/2014/main" xmlns="" id="{591DD9AF-6C84-4BA7-A33B-24E18A00AF52}"/>
+                <a16:creationId xmlns:a16="http://schemas.microsoft.com/office/drawing/2014/main" id="{591DD9AF-6C84-4BA7-A33B-24E18A00AF52}"/>
               </a:ext>
             </a:extLst>
           </p:cNvPr>
@@ -12413,7 +12324,7 @@
           <p:cNvPr id="4" name="Oval 3">
             <a:extLst>
               <a:ext uri="{FF2B5EF4-FFF2-40B4-BE49-F238E27FC236}">
-                <a16:creationId xmlns:a16="http://schemas.microsoft.com/office/drawing/2014/main" xmlns="" id="{AAB4F9B7-2FF0-4AE0-8D97-C5FF2E0A67C2}"/>
+                <a16:creationId xmlns:a16="http://schemas.microsoft.com/office/drawing/2014/main" id="{AAB4F9B7-2FF0-4AE0-8D97-C5FF2E0A67C2}"/>
               </a:ext>
             </a:extLst>
           </p:cNvPr>
@@ -12459,7 +12370,7 @@
           <p:cNvPr id="5" name="TextBox 4">
             <a:extLst>
               <a:ext uri="{FF2B5EF4-FFF2-40B4-BE49-F238E27FC236}">
-                <a16:creationId xmlns:a16="http://schemas.microsoft.com/office/drawing/2014/main" xmlns="" id="{6E8DA594-971F-42AC-948A-B7B00DC176A5}"/>
+                <a16:creationId xmlns:a16="http://schemas.microsoft.com/office/drawing/2014/main" id="{6E8DA594-971F-42AC-948A-B7B00DC176A5}"/>
               </a:ext>
             </a:extLst>
           </p:cNvPr>
@@ -12498,7 +12409,7 @@
           <p:cNvPr id="6" name="Oval 5">
             <a:extLst>
               <a:ext uri="{FF2B5EF4-FFF2-40B4-BE49-F238E27FC236}">
-                <a16:creationId xmlns:a16="http://schemas.microsoft.com/office/drawing/2014/main" xmlns="" id="{61327AA0-B493-4AC0-8C24-1DFC4F4DE635}"/>
+                <a16:creationId xmlns:a16="http://schemas.microsoft.com/office/drawing/2014/main" id="{61327AA0-B493-4AC0-8C24-1DFC4F4DE635}"/>
               </a:ext>
             </a:extLst>
           </p:cNvPr>
@@ -12544,7 +12455,7 @@
           <p:cNvPr id="7" name="TextBox 6">
             <a:extLst>
               <a:ext uri="{FF2B5EF4-FFF2-40B4-BE49-F238E27FC236}">
-                <a16:creationId xmlns:a16="http://schemas.microsoft.com/office/drawing/2014/main" xmlns="" id="{959968FD-1B24-4D75-B415-705F44E33BFC}"/>
+                <a16:creationId xmlns:a16="http://schemas.microsoft.com/office/drawing/2014/main" id="{959968FD-1B24-4D75-B415-705F44E33BFC}"/>
               </a:ext>
             </a:extLst>
           </p:cNvPr>
@@ -12583,7 +12494,7 @@
           <p:cNvPr id="8" name="Oval 7">
             <a:extLst>
               <a:ext uri="{FF2B5EF4-FFF2-40B4-BE49-F238E27FC236}">
-                <a16:creationId xmlns:a16="http://schemas.microsoft.com/office/drawing/2014/main" xmlns="" id="{A4029011-B451-494E-9036-C01BD2516A57}"/>
+                <a16:creationId xmlns:a16="http://schemas.microsoft.com/office/drawing/2014/main" id="{A4029011-B451-494E-9036-C01BD2516A57}"/>
               </a:ext>
             </a:extLst>
           </p:cNvPr>
@@ -12629,7 +12540,7 @@
           <p:cNvPr id="9" name="TextBox 8">
             <a:extLst>
               <a:ext uri="{FF2B5EF4-FFF2-40B4-BE49-F238E27FC236}">
-                <a16:creationId xmlns:a16="http://schemas.microsoft.com/office/drawing/2014/main" xmlns="" id="{1A6B25DA-9CF9-4D32-BBF1-A5F8117D146D}"/>
+                <a16:creationId xmlns:a16="http://schemas.microsoft.com/office/drawing/2014/main" id="{1A6B25DA-9CF9-4D32-BBF1-A5F8117D146D}"/>
               </a:ext>
             </a:extLst>
           </p:cNvPr>
@@ -12668,7 +12579,7 @@
           <p:cNvPr id="10" name="Oval 9">
             <a:extLst>
               <a:ext uri="{FF2B5EF4-FFF2-40B4-BE49-F238E27FC236}">
-                <a16:creationId xmlns:a16="http://schemas.microsoft.com/office/drawing/2014/main" xmlns="" id="{8952D28E-4F96-4233-A195-77A348121560}"/>
+                <a16:creationId xmlns:a16="http://schemas.microsoft.com/office/drawing/2014/main" id="{8952D28E-4F96-4233-A195-77A348121560}"/>
               </a:ext>
             </a:extLst>
           </p:cNvPr>
@@ -12714,7 +12625,7 @@
           <p:cNvPr id="11" name="TextBox 10">
             <a:extLst>
               <a:ext uri="{FF2B5EF4-FFF2-40B4-BE49-F238E27FC236}">
-                <a16:creationId xmlns:a16="http://schemas.microsoft.com/office/drawing/2014/main" xmlns="" id="{A5062CF8-1657-4664-B45F-6046651F7602}"/>
+                <a16:creationId xmlns:a16="http://schemas.microsoft.com/office/drawing/2014/main" id="{A5062CF8-1657-4664-B45F-6046651F7602}"/>
               </a:ext>
             </a:extLst>
           </p:cNvPr>
@@ -12753,7 +12664,7 @@
           <p:cNvPr id="12" name="Callout: Right Arrow 11">
             <a:extLst>
               <a:ext uri="{FF2B5EF4-FFF2-40B4-BE49-F238E27FC236}">
-                <a16:creationId xmlns:a16="http://schemas.microsoft.com/office/drawing/2014/main" xmlns="" id="{57E5A69F-D499-4BD2-85A2-CD0E96E982A8}"/>
+                <a16:creationId xmlns:a16="http://schemas.microsoft.com/office/drawing/2014/main" id="{57E5A69F-D499-4BD2-85A2-CD0E96E982A8}"/>
               </a:ext>
             </a:extLst>
           </p:cNvPr>
@@ -12810,7 +12721,7 @@
           <p:cNvPr id="13" name="Picture 12">
             <a:extLst>
               <a:ext uri="{FF2B5EF4-FFF2-40B4-BE49-F238E27FC236}">
-                <a16:creationId xmlns:a16="http://schemas.microsoft.com/office/drawing/2014/main" xmlns="" id="{166FD03D-0D34-4116-A515-62ADFFDF4A23}"/>
+                <a16:creationId xmlns:a16="http://schemas.microsoft.com/office/drawing/2014/main" id="{166FD03D-0D34-4116-A515-62ADFFDF4A23}"/>
               </a:ext>
             </a:extLst>
           </p:cNvPr>
@@ -12876,7 +12787,7 @@
           <p:cNvPr id="4" name="Oval 3">
             <a:extLst>
               <a:ext uri="{FF2B5EF4-FFF2-40B4-BE49-F238E27FC236}">
-                <a16:creationId xmlns:a16="http://schemas.microsoft.com/office/drawing/2014/main" xmlns="" id="{AAB4F9B7-2FF0-4AE0-8D97-C5FF2E0A67C2}"/>
+                <a16:creationId xmlns:a16="http://schemas.microsoft.com/office/drawing/2014/main" id="{AAB4F9B7-2FF0-4AE0-8D97-C5FF2E0A67C2}"/>
               </a:ext>
             </a:extLst>
           </p:cNvPr>
@@ -12922,7 +12833,7 @@
           <p:cNvPr id="5" name="TextBox 4">
             <a:extLst>
               <a:ext uri="{FF2B5EF4-FFF2-40B4-BE49-F238E27FC236}">
-                <a16:creationId xmlns:a16="http://schemas.microsoft.com/office/drawing/2014/main" xmlns="" id="{6E8DA594-971F-42AC-948A-B7B00DC176A5}"/>
+                <a16:creationId xmlns:a16="http://schemas.microsoft.com/office/drawing/2014/main" id="{6E8DA594-971F-42AC-948A-B7B00DC176A5}"/>
               </a:ext>
             </a:extLst>
           </p:cNvPr>
@@ -12961,7 +12872,7 @@
           <p:cNvPr id="6" name="Oval 5">
             <a:extLst>
               <a:ext uri="{FF2B5EF4-FFF2-40B4-BE49-F238E27FC236}">
-                <a16:creationId xmlns:a16="http://schemas.microsoft.com/office/drawing/2014/main" xmlns="" id="{61327AA0-B493-4AC0-8C24-1DFC4F4DE635}"/>
+                <a16:creationId xmlns:a16="http://schemas.microsoft.com/office/drawing/2014/main" id="{61327AA0-B493-4AC0-8C24-1DFC4F4DE635}"/>
               </a:ext>
             </a:extLst>
           </p:cNvPr>
@@ -13007,7 +12918,7 @@
           <p:cNvPr id="7" name="TextBox 6">
             <a:extLst>
               <a:ext uri="{FF2B5EF4-FFF2-40B4-BE49-F238E27FC236}">
-                <a16:creationId xmlns:a16="http://schemas.microsoft.com/office/drawing/2014/main" xmlns="" id="{959968FD-1B24-4D75-B415-705F44E33BFC}"/>
+                <a16:creationId xmlns:a16="http://schemas.microsoft.com/office/drawing/2014/main" id="{959968FD-1B24-4D75-B415-705F44E33BFC}"/>
               </a:ext>
             </a:extLst>
           </p:cNvPr>
@@ -13046,7 +12957,7 @@
           <p:cNvPr id="8" name="Oval 7">
             <a:extLst>
               <a:ext uri="{FF2B5EF4-FFF2-40B4-BE49-F238E27FC236}">
-                <a16:creationId xmlns:a16="http://schemas.microsoft.com/office/drawing/2014/main" xmlns="" id="{A4029011-B451-494E-9036-C01BD2516A57}"/>
+                <a16:creationId xmlns:a16="http://schemas.microsoft.com/office/drawing/2014/main" id="{A4029011-B451-494E-9036-C01BD2516A57}"/>
               </a:ext>
             </a:extLst>
           </p:cNvPr>
@@ -13092,7 +13003,7 @@
           <p:cNvPr id="9" name="TextBox 8">
             <a:extLst>
               <a:ext uri="{FF2B5EF4-FFF2-40B4-BE49-F238E27FC236}">
-                <a16:creationId xmlns:a16="http://schemas.microsoft.com/office/drawing/2014/main" xmlns="" id="{1A6B25DA-9CF9-4D32-BBF1-A5F8117D146D}"/>
+                <a16:creationId xmlns:a16="http://schemas.microsoft.com/office/drawing/2014/main" id="{1A6B25DA-9CF9-4D32-BBF1-A5F8117D146D}"/>
               </a:ext>
             </a:extLst>
           </p:cNvPr>
@@ -13131,7 +13042,7 @@
           <p:cNvPr id="10" name="Oval 9">
             <a:extLst>
               <a:ext uri="{FF2B5EF4-FFF2-40B4-BE49-F238E27FC236}">
-                <a16:creationId xmlns:a16="http://schemas.microsoft.com/office/drawing/2014/main" xmlns="" id="{8952D28E-4F96-4233-A195-77A348121560}"/>
+                <a16:creationId xmlns:a16="http://schemas.microsoft.com/office/drawing/2014/main" id="{8952D28E-4F96-4233-A195-77A348121560}"/>
               </a:ext>
             </a:extLst>
           </p:cNvPr>
@@ -13177,7 +13088,7 @@
           <p:cNvPr id="11" name="TextBox 10">
             <a:extLst>
               <a:ext uri="{FF2B5EF4-FFF2-40B4-BE49-F238E27FC236}">
-                <a16:creationId xmlns:a16="http://schemas.microsoft.com/office/drawing/2014/main" xmlns="" id="{A5062CF8-1657-4664-B45F-6046651F7602}"/>
+                <a16:creationId xmlns:a16="http://schemas.microsoft.com/office/drawing/2014/main" id="{A5062CF8-1657-4664-B45F-6046651F7602}"/>
               </a:ext>
             </a:extLst>
           </p:cNvPr>
@@ -13216,7 +13127,7 @@
           <p:cNvPr id="12" name="Callout: Right Arrow 11">
             <a:extLst>
               <a:ext uri="{FF2B5EF4-FFF2-40B4-BE49-F238E27FC236}">
-                <a16:creationId xmlns:a16="http://schemas.microsoft.com/office/drawing/2014/main" xmlns="" id="{57E5A69F-D499-4BD2-85A2-CD0E96E982A8}"/>
+                <a16:creationId xmlns:a16="http://schemas.microsoft.com/office/drawing/2014/main" id="{57E5A69F-D499-4BD2-85A2-CD0E96E982A8}"/>
               </a:ext>
             </a:extLst>
           </p:cNvPr>
@@ -13273,7 +13184,7 @@
           <p:cNvPr id="3" name="Picture 2">
             <a:extLst>
               <a:ext uri="{FF2B5EF4-FFF2-40B4-BE49-F238E27FC236}">
-                <a16:creationId xmlns:a16="http://schemas.microsoft.com/office/drawing/2014/main" xmlns="" id="{44DDF871-B6F6-40DB-83A5-BA48239ECD13}"/>
+                <a16:creationId xmlns:a16="http://schemas.microsoft.com/office/drawing/2014/main" id="{44DDF871-B6F6-40DB-83A5-BA48239ECD13}"/>
               </a:ext>
             </a:extLst>
           </p:cNvPr>
@@ -13339,7 +13250,7 @@
           <p:cNvPr id="4" name="Oval 3">
             <a:extLst>
               <a:ext uri="{FF2B5EF4-FFF2-40B4-BE49-F238E27FC236}">
-                <a16:creationId xmlns:a16="http://schemas.microsoft.com/office/drawing/2014/main" xmlns="" id="{AAB4F9B7-2FF0-4AE0-8D97-C5FF2E0A67C2}"/>
+                <a16:creationId xmlns:a16="http://schemas.microsoft.com/office/drawing/2014/main" id="{AAB4F9B7-2FF0-4AE0-8D97-C5FF2E0A67C2}"/>
               </a:ext>
             </a:extLst>
           </p:cNvPr>
@@ -13385,7 +13296,7 @@
           <p:cNvPr id="5" name="TextBox 4">
             <a:extLst>
               <a:ext uri="{FF2B5EF4-FFF2-40B4-BE49-F238E27FC236}">
-                <a16:creationId xmlns:a16="http://schemas.microsoft.com/office/drawing/2014/main" xmlns="" id="{6E8DA594-971F-42AC-948A-B7B00DC176A5}"/>
+                <a16:creationId xmlns:a16="http://schemas.microsoft.com/office/drawing/2014/main" id="{6E8DA594-971F-42AC-948A-B7B00DC176A5}"/>
               </a:ext>
             </a:extLst>
           </p:cNvPr>
@@ -13424,7 +13335,7 @@
           <p:cNvPr id="6" name="Oval 5">
             <a:extLst>
               <a:ext uri="{FF2B5EF4-FFF2-40B4-BE49-F238E27FC236}">
-                <a16:creationId xmlns:a16="http://schemas.microsoft.com/office/drawing/2014/main" xmlns="" id="{61327AA0-B493-4AC0-8C24-1DFC4F4DE635}"/>
+                <a16:creationId xmlns:a16="http://schemas.microsoft.com/office/drawing/2014/main" id="{61327AA0-B493-4AC0-8C24-1DFC4F4DE635}"/>
               </a:ext>
             </a:extLst>
           </p:cNvPr>
@@ -13470,7 +13381,7 @@
           <p:cNvPr id="7" name="TextBox 6">
             <a:extLst>
               <a:ext uri="{FF2B5EF4-FFF2-40B4-BE49-F238E27FC236}">
-                <a16:creationId xmlns:a16="http://schemas.microsoft.com/office/drawing/2014/main" xmlns="" id="{959968FD-1B24-4D75-B415-705F44E33BFC}"/>
+                <a16:creationId xmlns:a16="http://schemas.microsoft.com/office/drawing/2014/main" id="{959968FD-1B24-4D75-B415-705F44E33BFC}"/>
               </a:ext>
             </a:extLst>
           </p:cNvPr>
@@ -13509,7 +13420,7 @@
           <p:cNvPr id="8" name="Oval 7">
             <a:extLst>
               <a:ext uri="{FF2B5EF4-FFF2-40B4-BE49-F238E27FC236}">
-                <a16:creationId xmlns:a16="http://schemas.microsoft.com/office/drawing/2014/main" xmlns="" id="{A4029011-B451-494E-9036-C01BD2516A57}"/>
+                <a16:creationId xmlns:a16="http://schemas.microsoft.com/office/drawing/2014/main" id="{A4029011-B451-494E-9036-C01BD2516A57}"/>
               </a:ext>
             </a:extLst>
           </p:cNvPr>
@@ -13555,7 +13466,7 @@
           <p:cNvPr id="9" name="TextBox 8">
             <a:extLst>
               <a:ext uri="{FF2B5EF4-FFF2-40B4-BE49-F238E27FC236}">
-                <a16:creationId xmlns:a16="http://schemas.microsoft.com/office/drawing/2014/main" xmlns="" id="{1A6B25DA-9CF9-4D32-BBF1-A5F8117D146D}"/>
+                <a16:creationId xmlns:a16="http://schemas.microsoft.com/office/drawing/2014/main" id="{1A6B25DA-9CF9-4D32-BBF1-A5F8117D146D}"/>
               </a:ext>
             </a:extLst>
           </p:cNvPr>
@@ -13594,7 +13505,7 @@
           <p:cNvPr id="10" name="Oval 9">
             <a:extLst>
               <a:ext uri="{FF2B5EF4-FFF2-40B4-BE49-F238E27FC236}">
-                <a16:creationId xmlns:a16="http://schemas.microsoft.com/office/drawing/2014/main" xmlns="" id="{8952D28E-4F96-4233-A195-77A348121560}"/>
+                <a16:creationId xmlns:a16="http://schemas.microsoft.com/office/drawing/2014/main" id="{8952D28E-4F96-4233-A195-77A348121560}"/>
               </a:ext>
             </a:extLst>
           </p:cNvPr>
@@ -13640,7 +13551,7 @@
           <p:cNvPr id="11" name="TextBox 10">
             <a:extLst>
               <a:ext uri="{FF2B5EF4-FFF2-40B4-BE49-F238E27FC236}">
-                <a16:creationId xmlns:a16="http://schemas.microsoft.com/office/drawing/2014/main" xmlns="" id="{A5062CF8-1657-4664-B45F-6046651F7602}"/>
+                <a16:creationId xmlns:a16="http://schemas.microsoft.com/office/drawing/2014/main" id="{A5062CF8-1657-4664-B45F-6046651F7602}"/>
               </a:ext>
             </a:extLst>
           </p:cNvPr>
@@ -13679,7 +13590,7 @@
           <p:cNvPr id="12" name="Callout: Right Arrow 11">
             <a:extLst>
               <a:ext uri="{FF2B5EF4-FFF2-40B4-BE49-F238E27FC236}">
-                <a16:creationId xmlns:a16="http://schemas.microsoft.com/office/drawing/2014/main" xmlns="" id="{57E5A69F-D499-4BD2-85A2-CD0E96E982A8}"/>
+                <a16:creationId xmlns:a16="http://schemas.microsoft.com/office/drawing/2014/main" id="{57E5A69F-D499-4BD2-85A2-CD0E96E982A8}"/>
               </a:ext>
             </a:extLst>
           </p:cNvPr>
@@ -13736,7 +13647,7 @@
           <p:cNvPr id="13" name="Picture 12">
             <a:extLst>
               <a:ext uri="{FF2B5EF4-FFF2-40B4-BE49-F238E27FC236}">
-                <a16:creationId xmlns:a16="http://schemas.microsoft.com/office/drawing/2014/main" xmlns="" id="{C5F1368A-E3E2-4819-8B06-F6A2FF705856}"/>
+                <a16:creationId xmlns:a16="http://schemas.microsoft.com/office/drawing/2014/main" id="{C5F1368A-E3E2-4819-8B06-F6A2FF705856}"/>
               </a:ext>
             </a:extLst>
           </p:cNvPr>
@@ -13802,7 +13713,7 @@
           <p:cNvPr id="4" name="Oval 3">
             <a:extLst>
               <a:ext uri="{FF2B5EF4-FFF2-40B4-BE49-F238E27FC236}">
-                <a16:creationId xmlns:a16="http://schemas.microsoft.com/office/drawing/2014/main" xmlns="" id="{AAB4F9B7-2FF0-4AE0-8D97-C5FF2E0A67C2}"/>
+                <a16:creationId xmlns:a16="http://schemas.microsoft.com/office/drawing/2014/main" id="{AAB4F9B7-2FF0-4AE0-8D97-C5FF2E0A67C2}"/>
               </a:ext>
             </a:extLst>
           </p:cNvPr>
@@ -13848,7 +13759,7 @@
           <p:cNvPr id="5" name="TextBox 4">
             <a:extLst>
               <a:ext uri="{FF2B5EF4-FFF2-40B4-BE49-F238E27FC236}">
-                <a16:creationId xmlns:a16="http://schemas.microsoft.com/office/drawing/2014/main" xmlns="" id="{6E8DA594-971F-42AC-948A-B7B00DC176A5}"/>
+                <a16:creationId xmlns:a16="http://schemas.microsoft.com/office/drawing/2014/main" id="{6E8DA594-971F-42AC-948A-B7B00DC176A5}"/>
               </a:ext>
             </a:extLst>
           </p:cNvPr>
@@ -13887,7 +13798,7 @@
           <p:cNvPr id="6" name="Oval 5">
             <a:extLst>
               <a:ext uri="{FF2B5EF4-FFF2-40B4-BE49-F238E27FC236}">
-                <a16:creationId xmlns:a16="http://schemas.microsoft.com/office/drawing/2014/main" xmlns="" id="{61327AA0-B493-4AC0-8C24-1DFC4F4DE635}"/>
+                <a16:creationId xmlns:a16="http://schemas.microsoft.com/office/drawing/2014/main" id="{61327AA0-B493-4AC0-8C24-1DFC4F4DE635}"/>
               </a:ext>
             </a:extLst>
           </p:cNvPr>
@@ -13933,7 +13844,7 @@
           <p:cNvPr id="7" name="TextBox 6">
             <a:extLst>
               <a:ext uri="{FF2B5EF4-FFF2-40B4-BE49-F238E27FC236}">
-                <a16:creationId xmlns:a16="http://schemas.microsoft.com/office/drawing/2014/main" xmlns="" id="{959968FD-1B24-4D75-B415-705F44E33BFC}"/>
+                <a16:creationId xmlns:a16="http://schemas.microsoft.com/office/drawing/2014/main" id="{959968FD-1B24-4D75-B415-705F44E33BFC}"/>
               </a:ext>
             </a:extLst>
           </p:cNvPr>
@@ -13972,7 +13883,7 @@
           <p:cNvPr id="8" name="Oval 7">
             <a:extLst>
               <a:ext uri="{FF2B5EF4-FFF2-40B4-BE49-F238E27FC236}">
-                <a16:creationId xmlns:a16="http://schemas.microsoft.com/office/drawing/2014/main" xmlns="" id="{A4029011-B451-494E-9036-C01BD2516A57}"/>
+                <a16:creationId xmlns:a16="http://schemas.microsoft.com/office/drawing/2014/main" id="{A4029011-B451-494E-9036-C01BD2516A57}"/>
               </a:ext>
             </a:extLst>
           </p:cNvPr>
@@ -14018,7 +13929,7 @@
           <p:cNvPr id="9" name="TextBox 8">
             <a:extLst>
               <a:ext uri="{FF2B5EF4-FFF2-40B4-BE49-F238E27FC236}">
-                <a16:creationId xmlns:a16="http://schemas.microsoft.com/office/drawing/2014/main" xmlns="" id="{1A6B25DA-9CF9-4D32-BBF1-A5F8117D146D}"/>
+                <a16:creationId xmlns:a16="http://schemas.microsoft.com/office/drawing/2014/main" id="{1A6B25DA-9CF9-4D32-BBF1-A5F8117D146D}"/>
               </a:ext>
             </a:extLst>
           </p:cNvPr>
@@ -14057,7 +13968,7 @@
           <p:cNvPr id="10" name="Oval 9">
             <a:extLst>
               <a:ext uri="{FF2B5EF4-FFF2-40B4-BE49-F238E27FC236}">
-                <a16:creationId xmlns:a16="http://schemas.microsoft.com/office/drawing/2014/main" xmlns="" id="{8952D28E-4F96-4233-A195-77A348121560}"/>
+                <a16:creationId xmlns:a16="http://schemas.microsoft.com/office/drawing/2014/main" id="{8952D28E-4F96-4233-A195-77A348121560}"/>
               </a:ext>
             </a:extLst>
           </p:cNvPr>
@@ -14103,7 +14014,7 @@
           <p:cNvPr id="11" name="TextBox 10">
             <a:extLst>
               <a:ext uri="{FF2B5EF4-FFF2-40B4-BE49-F238E27FC236}">
-                <a16:creationId xmlns:a16="http://schemas.microsoft.com/office/drawing/2014/main" xmlns="" id="{A5062CF8-1657-4664-B45F-6046651F7602}"/>
+                <a16:creationId xmlns:a16="http://schemas.microsoft.com/office/drawing/2014/main" id="{A5062CF8-1657-4664-B45F-6046651F7602}"/>
               </a:ext>
             </a:extLst>
           </p:cNvPr>
@@ -14142,7 +14053,7 @@
           <p:cNvPr id="12" name="Callout: Right Arrow 11">
             <a:extLst>
               <a:ext uri="{FF2B5EF4-FFF2-40B4-BE49-F238E27FC236}">
-                <a16:creationId xmlns:a16="http://schemas.microsoft.com/office/drawing/2014/main" xmlns="" id="{57E5A69F-D499-4BD2-85A2-CD0E96E982A8}"/>
+                <a16:creationId xmlns:a16="http://schemas.microsoft.com/office/drawing/2014/main" id="{57E5A69F-D499-4BD2-85A2-CD0E96E982A8}"/>
               </a:ext>
             </a:extLst>
           </p:cNvPr>
@@ -14199,7 +14110,7 @@
           <p:cNvPr id="13" name="Picture 12">
             <a:extLst>
               <a:ext uri="{FF2B5EF4-FFF2-40B4-BE49-F238E27FC236}">
-                <a16:creationId xmlns:a16="http://schemas.microsoft.com/office/drawing/2014/main" xmlns="" id="{40721080-E67C-4E36-80AB-D53D7099C83A}"/>
+                <a16:creationId xmlns:a16="http://schemas.microsoft.com/office/drawing/2014/main" id="{40721080-E67C-4E36-80AB-D53D7099C83A}"/>
               </a:ext>
             </a:extLst>
           </p:cNvPr>
@@ -14265,7 +14176,7 @@
           <p:cNvPr id="4" name="Oval 3">
             <a:extLst>
               <a:ext uri="{FF2B5EF4-FFF2-40B4-BE49-F238E27FC236}">
-                <a16:creationId xmlns:a16="http://schemas.microsoft.com/office/drawing/2014/main" xmlns="" id="{AAB4F9B7-2FF0-4AE0-8D97-C5FF2E0A67C2}"/>
+                <a16:creationId xmlns:a16="http://schemas.microsoft.com/office/drawing/2014/main" id="{AAB4F9B7-2FF0-4AE0-8D97-C5FF2E0A67C2}"/>
               </a:ext>
             </a:extLst>
           </p:cNvPr>
@@ -14311,7 +14222,7 @@
           <p:cNvPr id="5" name="TextBox 4">
             <a:extLst>
               <a:ext uri="{FF2B5EF4-FFF2-40B4-BE49-F238E27FC236}">
-                <a16:creationId xmlns:a16="http://schemas.microsoft.com/office/drawing/2014/main" xmlns="" id="{6E8DA594-971F-42AC-948A-B7B00DC176A5}"/>
+                <a16:creationId xmlns:a16="http://schemas.microsoft.com/office/drawing/2014/main" id="{6E8DA594-971F-42AC-948A-B7B00DC176A5}"/>
               </a:ext>
             </a:extLst>
           </p:cNvPr>
@@ -14350,7 +14261,7 @@
           <p:cNvPr id="6" name="Oval 5">
             <a:extLst>
               <a:ext uri="{FF2B5EF4-FFF2-40B4-BE49-F238E27FC236}">
-                <a16:creationId xmlns:a16="http://schemas.microsoft.com/office/drawing/2014/main" xmlns="" id="{61327AA0-B493-4AC0-8C24-1DFC4F4DE635}"/>
+                <a16:creationId xmlns:a16="http://schemas.microsoft.com/office/drawing/2014/main" id="{61327AA0-B493-4AC0-8C24-1DFC4F4DE635}"/>
               </a:ext>
             </a:extLst>
           </p:cNvPr>
@@ -14396,7 +14307,7 @@
           <p:cNvPr id="7" name="TextBox 6">
             <a:extLst>
               <a:ext uri="{FF2B5EF4-FFF2-40B4-BE49-F238E27FC236}">
-                <a16:creationId xmlns:a16="http://schemas.microsoft.com/office/drawing/2014/main" xmlns="" id="{959968FD-1B24-4D75-B415-705F44E33BFC}"/>
+                <a16:creationId xmlns:a16="http://schemas.microsoft.com/office/drawing/2014/main" id="{959968FD-1B24-4D75-B415-705F44E33BFC}"/>
               </a:ext>
             </a:extLst>
           </p:cNvPr>
@@ -14435,7 +14346,7 @@
           <p:cNvPr id="8" name="Oval 7">
             <a:extLst>
               <a:ext uri="{FF2B5EF4-FFF2-40B4-BE49-F238E27FC236}">
-                <a16:creationId xmlns:a16="http://schemas.microsoft.com/office/drawing/2014/main" xmlns="" id="{A4029011-B451-494E-9036-C01BD2516A57}"/>
+                <a16:creationId xmlns:a16="http://schemas.microsoft.com/office/drawing/2014/main" id="{A4029011-B451-494E-9036-C01BD2516A57}"/>
               </a:ext>
             </a:extLst>
           </p:cNvPr>
@@ -14481,7 +14392,7 @@
           <p:cNvPr id="10" name="Oval 9">
             <a:extLst>
               <a:ext uri="{FF2B5EF4-FFF2-40B4-BE49-F238E27FC236}">
-                <a16:creationId xmlns:a16="http://schemas.microsoft.com/office/drawing/2014/main" xmlns="" id="{8952D28E-4F96-4233-A195-77A348121560}"/>
+                <a16:creationId xmlns:a16="http://schemas.microsoft.com/office/drawing/2014/main" id="{8952D28E-4F96-4233-A195-77A348121560}"/>
               </a:ext>
             </a:extLst>
           </p:cNvPr>
@@ -14527,7 +14438,7 @@
           <p:cNvPr id="11" name="TextBox 10">
             <a:extLst>
               <a:ext uri="{FF2B5EF4-FFF2-40B4-BE49-F238E27FC236}">
-                <a16:creationId xmlns:a16="http://schemas.microsoft.com/office/drawing/2014/main" xmlns="" id="{A5062CF8-1657-4664-B45F-6046651F7602}"/>
+                <a16:creationId xmlns:a16="http://schemas.microsoft.com/office/drawing/2014/main" id="{A5062CF8-1657-4664-B45F-6046651F7602}"/>
               </a:ext>
             </a:extLst>
           </p:cNvPr>
@@ -14566,7 +14477,7 @@
           <p:cNvPr id="12" name="Callout: Right Arrow 11">
             <a:extLst>
               <a:ext uri="{FF2B5EF4-FFF2-40B4-BE49-F238E27FC236}">
-                <a16:creationId xmlns:a16="http://schemas.microsoft.com/office/drawing/2014/main" xmlns="" id="{57E5A69F-D499-4BD2-85A2-CD0E96E982A8}"/>
+                <a16:creationId xmlns:a16="http://schemas.microsoft.com/office/drawing/2014/main" id="{57E5A69F-D499-4BD2-85A2-CD0E96E982A8}"/>
               </a:ext>
             </a:extLst>
           </p:cNvPr>
@@ -14623,7 +14534,7 @@
           <p:cNvPr id="13" name="TextBox 12">
             <a:extLst>
               <a:ext uri="{FF2B5EF4-FFF2-40B4-BE49-F238E27FC236}">
-                <a16:creationId xmlns:a16="http://schemas.microsoft.com/office/drawing/2014/main" xmlns="" id="{1C356CF3-1A08-467E-AA1E-3621BF8847F2}"/>
+                <a16:creationId xmlns:a16="http://schemas.microsoft.com/office/drawing/2014/main" id="{1C356CF3-1A08-467E-AA1E-3621BF8847F2}"/>
               </a:ext>
             </a:extLst>
           </p:cNvPr>
@@ -14676,7 +14587,7 @@
           <p:cNvPr id="14" name="Picture 13">
             <a:extLst>
               <a:ext uri="{FF2B5EF4-FFF2-40B4-BE49-F238E27FC236}">
-                <a16:creationId xmlns:a16="http://schemas.microsoft.com/office/drawing/2014/main" xmlns="" id="{C4708230-AE9A-4B10-93EA-8CA783CF8410}"/>
+                <a16:creationId xmlns:a16="http://schemas.microsoft.com/office/drawing/2014/main" id="{C4708230-AE9A-4B10-93EA-8CA783CF8410}"/>
               </a:ext>
             </a:extLst>
           </p:cNvPr>
@@ -15009,7 +14920,7 @@
   <a:extraClrSchemeLst/>
   <a:extLst>
     <a:ext uri="{05A4C25C-085E-4340-85A3-A5531E510DB2}">
-      <thm15:themeFamily xmlns:thm15="http://schemas.microsoft.com/office/thememl/2012/main" xmlns="" name="Office Theme" id="{62F939B6-93AF-4DB8-9C6B-D6C7DFDC589F}" vid="{4A3C46E8-61CC-4603-A589-7422A47A8E4A}"/>
+      <thm15:themeFamily xmlns:thm15="http://schemas.microsoft.com/office/thememl/2012/main" name="Office Theme" id="{62F939B6-93AF-4DB8-9C6B-D6C7DFDC589F}" vid="{4A3C46E8-61CC-4603-A589-7422A47A8E4A}"/>
     </a:ext>
   </a:extLst>
 </a:theme>
